--- a/UNC_AI_Bootcamp_Project_3.pptx
+++ b/UNC_AI_Bootcamp_Project_3.pptx
@@ -5,7 +5,7 @@
     <p:sldMasterId id="2147483648" r:id="rId1"/>
   </p:sldMasterIdLst>
   <p:notesMasterIdLst>
-    <p:notesMasterId r:id="rId10"/>
+    <p:notesMasterId r:id="rId11"/>
   </p:notesMasterIdLst>
   <p:sldIdLst>
     <p:sldId id="256" r:id="rId2"/>
@@ -16,6 +16,7 @@
     <p:sldId id="261" r:id="rId7"/>
     <p:sldId id="263" r:id="rId8"/>
     <p:sldId id="268" r:id="rId9"/>
+    <p:sldId id="269" r:id="rId10"/>
   </p:sldIdLst>
   <p:sldSz cx="12192000" cy="6858000"/>
   <p:notesSz cx="6858000" cy="9144000"/>
@@ -131,6 +132,7 @@
         <p14:section name="Reference" id="{1E2AE987-0DB2-41FA-9240-FD4FDFB20167}">
           <p14:sldIdLst>
             <p14:sldId id="268"/>
+            <p14:sldId id="269"/>
           </p14:sldIdLst>
         </p14:section>
       </p14:sectionLst>
@@ -145,7 +147,7 @@
 <file path=ppt/revisionInfo.xml><?xml version="1.0" encoding="utf-8"?>
 <p1510:revInfo xmlns:a="http://schemas.openxmlformats.org/drawingml/2006/main" xmlns:r="http://schemas.openxmlformats.org/officeDocument/2006/relationships" xmlns:p1510="http://schemas.microsoft.com/office/powerpoint/2015/10/main">
   <p1510:revLst>
-    <p1510:client id="{5CC29162-806F-4E99-BB6C-D825E9DCB597}" v="45" dt="2024-08-20T16:48:12.856"/>
+    <p1510:client id="{5CC29162-806F-4E99-BB6C-D825E9DCB597}" v="52" dt="2024-08-20T23:37:20.058"/>
   </p1510:revLst>
 </p1510:revInfo>
 </file>
@@ -155,7 +157,7 @@
   <pc:docChgLst>
     <pc:chgData name="Jamie L Bond" userId="a6e30f513dae4b66" providerId="LiveId" clId="{5CC29162-806F-4E99-BB6C-D825E9DCB597}"/>
     <pc:docChg chg="undo redo custSel addSld delSld modSld addSection modSection">
-      <pc:chgData name="Jamie L Bond" userId="a6e30f513dae4b66" providerId="LiveId" clId="{5CC29162-806F-4E99-BB6C-D825E9DCB597}" dt="2024-08-20T16:48:18.609" v="1577" actId="20577"/>
+      <pc:chgData name="Jamie L Bond" userId="a6e30f513dae4b66" providerId="LiveId" clId="{5CC29162-806F-4E99-BB6C-D825E9DCB597}" dt="2024-08-21T00:19:36.350" v="2224" actId="20577"/>
       <pc:docMkLst>
         <pc:docMk/>
       </pc:docMkLst>
@@ -657,8 +659,8 @@
           </ac:picMkLst>
         </pc:picChg>
       </pc:sldChg>
-      <pc:sldChg chg="addSp delSp modSp mod">
-        <pc:chgData name="Jamie L Bond" userId="a6e30f513dae4b66" providerId="LiveId" clId="{5CC29162-806F-4E99-BB6C-D825E9DCB597}" dt="2024-08-20T16:48:18.609" v="1577" actId="20577"/>
+      <pc:sldChg chg="addSp delSp modSp mod modNotesTx">
+        <pc:chgData name="Jamie L Bond" userId="a6e30f513dae4b66" providerId="LiveId" clId="{5CC29162-806F-4E99-BB6C-D825E9DCB597}" dt="2024-08-20T23:38:52.046" v="2159" actId="1076"/>
         <pc:sldMkLst>
           <pc:docMk/>
           <pc:sldMk cId="3429612716" sldId="267"/>
@@ -680,7 +682,7 @@
           </ac:spMkLst>
         </pc:spChg>
         <pc:spChg chg="add mod">
-          <ac:chgData name="Jamie L Bond" userId="a6e30f513dae4b66" providerId="LiveId" clId="{5CC29162-806F-4E99-BB6C-D825E9DCB597}" dt="2024-08-20T16:45:51.226" v="1531" actId="1076"/>
+          <ac:chgData name="Jamie L Bond" userId="a6e30f513dae4b66" providerId="LiveId" clId="{5CC29162-806F-4E99-BB6C-D825E9DCB597}" dt="2024-08-20T23:37:15.046" v="2031" actId="1076"/>
           <ac:spMkLst>
             <pc:docMk/>
             <pc:sldMk cId="3429612716" sldId="267"/>
@@ -696,11 +698,19 @@
           </ac:spMkLst>
         </pc:spChg>
         <pc:spChg chg="add mod">
-          <ac:chgData name="Jamie L Bond" userId="a6e30f513dae4b66" providerId="LiveId" clId="{5CC29162-806F-4E99-BB6C-D825E9DCB597}" dt="2024-08-20T16:45:48.617" v="1530" actId="1076"/>
+          <ac:chgData name="Jamie L Bond" userId="a6e30f513dae4b66" providerId="LiveId" clId="{5CC29162-806F-4E99-BB6C-D825E9DCB597}" dt="2024-08-20T22:49:56.575" v="1897" actId="1076"/>
           <ac:spMkLst>
             <pc:docMk/>
             <pc:sldMk cId="3429612716" sldId="267"/>
             <ac:spMk id="6" creationId="{93D69420-7FA7-5847-C21A-C7253AD0F3A0}"/>
+          </ac:spMkLst>
+        </pc:spChg>
+        <pc:spChg chg="add mod">
+          <ac:chgData name="Jamie L Bond" userId="a6e30f513dae4b66" providerId="LiveId" clId="{5CC29162-806F-4E99-BB6C-D825E9DCB597}" dt="2024-08-20T23:19:28.185" v="2030" actId="1076"/>
+          <ac:spMkLst>
+            <pc:docMk/>
+            <pc:sldMk cId="3429612716" sldId="267"/>
+            <ac:spMk id="7" creationId="{61AF855E-EC16-A5DF-E876-86AB232207E3}"/>
           </ac:spMkLst>
         </pc:spChg>
         <pc:spChg chg="add del">
@@ -720,7 +730,7 @@
           </ac:spMkLst>
         </pc:spChg>
         <pc:spChg chg="add del mod">
-          <ac:chgData name="Jamie L Bond" userId="a6e30f513dae4b66" providerId="LiveId" clId="{5CC29162-806F-4E99-BB6C-D825E9DCB597}" dt="2024-08-20T16:34:56.434" v="1162" actId="14100"/>
+          <ac:chgData name="Jamie L Bond" userId="a6e30f513dae4b66" providerId="LiveId" clId="{5CC29162-806F-4E99-BB6C-D825E9DCB597}" dt="2024-08-20T23:37:29.966" v="2043" actId="1076"/>
           <ac:spMkLst>
             <pc:docMk/>
             <pc:sldMk cId="3429612716" sldId="267"/>
@@ -728,7 +738,7 @@
           </ac:spMkLst>
         </pc:spChg>
         <pc:spChg chg="add mod">
-          <ac:chgData name="Jamie L Bond" userId="a6e30f513dae4b66" providerId="LiveId" clId="{5CC29162-806F-4E99-BB6C-D825E9DCB597}" dt="2024-08-20T16:46:24.046" v="1536" actId="208"/>
+          <ac:chgData name="Jamie L Bond" userId="a6e30f513dae4b66" providerId="LiveId" clId="{5CC29162-806F-4E99-BB6C-D825E9DCB597}" dt="2024-08-20T22:43:16.859" v="1707" actId="313"/>
           <ac:spMkLst>
             <pc:docMk/>
             <pc:sldMk cId="3429612716" sldId="267"/>
@@ -736,7 +746,7 @@
           </ac:spMkLst>
         </pc:spChg>
         <pc:spChg chg="add mod">
-          <ac:chgData name="Jamie L Bond" userId="a6e30f513dae4b66" providerId="LiveId" clId="{5CC29162-806F-4E99-BB6C-D825E9DCB597}" dt="2024-08-20T16:46:24.046" v="1536" actId="208"/>
+          <ac:chgData name="Jamie L Bond" userId="a6e30f513dae4b66" providerId="LiveId" clId="{5CC29162-806F-4E99-BB6C-D825E9DCB597}" dt="2024-08-20T22:49:37.752" v="1896" actId="20577"/>
           <ac:spMkLst>
             <pc:docMk/>
             <pc:sldMk cId="3429612716" sldId="267"/>
@@ -776,11 +786,51 @@
           </ac:spMkLst>
         </pc:spChg>
         <pc:spChg chg="add mod">
+          <ac:chgData name="Jamie L Bond" userId="a6e30f513dae4b66" providerId="LiveId" clId="{5CC29162-806F-4E99-BB6C-D825E9DCB597}" dt="2024-08-20T22:43:53.045" v="1775" actId="20577"/>
+          <ac:spMkLst>
+            <pc:docMk/>
+            <pc:sldMk cId="3429612716" sldId="267"/>
+            <ac:spMk id="15" creationId="{0FFF3325-E39C-37A9-4D73-F11A96239553}"/>
+          </ac:spMkLst>
+        </pc:spChg>
+        <pc:spChg chg="add mod">
           <ac:chgData name="Jamie L Bond" userId="a6e30f513dae4b66" providerId="LiveId" clId="{5CC29162-806F-4E99-BB6C-D825E9DCB597}" dt="2024-08-20T16:42:21.209" v="1361" actId="1076"/>
           <ac:spMkLst>
             <pc:docMk/>
             <pc:sldMk cId="3429612716" sldId="267"/>
             <ac:spMk id="33" creationId="{B4D39BC6-2DB9-2B88-F43B-38245778FB17}"/>
+          </ac:spMkLst>
+        </pc:spChg>
+        <pc:spChg chg="add mod">
+          <ac:chgData name="Jamie L Bond" userId="a6e30f513dae4b66" providerId="LiveId" clId="{5CC29162-806F-4E99-BB6C-D825E9DCB597}" dt="2024-08-20T22:46:47.163" v="1888" actId="1076"/>
+          <ac:spMkLst>
+            <pc:docMk/>
+            <pc:sldMk cId="3429612716" sldId="267"/>
+            <ac:spMk id="37" creationId="{C49A4477-3E1A-3769-A3EA-0693BEA282C9}"/>
+          </ac:spMkLst>
+        </pc:spChg>
+        <pc:spChg chg="add del mod">
+          <ac:chgData name="Jamie L Bond" userId="a6e30f513dae4b66" providerId="LiveId" clId="{5CC29162-806F-4E99-BB6C-D825E9DCB597}" dt="2024-08-20T22:46:52.431" v="1891" actId="478"/>
+          <ac:spMkLst>
+            <pc:docMk/>
+            <pc:sldMk cId="3429612716" sldId="267"/>
+            <ac:spMk id="38" creationId="{994AE96C-1288-3811-07AE-68558D0555EF}"/>
+          </ac:spMkLst>
+        </pc:spChg>
+        <pc:spChg chg="add mod">
+          <ac:chgData name="Jamie L Bond" userId="a6e30f513dae4b66" providerId="LiveId" clId="{5CC29162-806F-4E99-BB6C-D825E9DCB597}" dt="2024-08-20T22:47:06.233" v="1894" actId="1076"/>
+          <ac:spMkLst>
+            <pc:docMk/>
+            <pc:sldMk cId="3429612716" sldId="267"/>
+            <ac:spMk id="39" creationId="{FEBE0CAE-5D07-FB5E-8BE4-E23E2DFD0E19}"/>
+          </ac:spMkLst>
+        </pc:spChg>
+        <pc:spChg chg="add mod">
+          <ac:chgData name="Jamie L Bond" userId="a6e30f513dae4b66" providerId="LiveId" clId="{5CC29162-806F-4E99-BB6C-D825E9DCB597}" dt="2024-08-20T23:38:52.046" v="2159" actId="1076"/>
+          <ac:spMkLst>
+            <pc:docMk/>
+            <pc:sldMk cId="3429612716" sldId="267"/>
+            <ac:spMk id="46" creationId="{3086BAF5-B145-9E75-5054-FDA4CD5248AF}"/>
           </ac:spMkLst>
         </pc:spChg>
         <pc:spChg chg="add mod">
@@ -792,7 +842,7 @@
           </ac:spMkLst>
         </pc:spChg>
         <pc:spChg chg="add mod">
-          <ac:chgData name="Jamie L Bond" userId="a6e30f513dae4b66" providerId="LiveId" clId="{5CC29162-806F-4E99-BB6C-D825E9DCB597}" dt="2024-08-20T16:47:48.556" v="1562" actId="14861"/>
+          <ac:chgData name="Jamie L Bond" userId="a6e30f513dae4b66" providerId="LiveId" clId="{5CC29162-806F-4E99-BB6C-D825E9DCB597}" dt="2024-08-20T22:46:56.997" v="1892" actId="1076"/>
           <ac:spMkLst>
             <pc:docMk/>
             <pc:sldMk cId="3429612716" sldId="267"/>
@@ -864,7 +914,7 @@
           </ac:picMkLst>
         </pc:picChg>
         <pc:cxnChg chg="add mod">
-          <ac:chgData name="Jamie L Bond" userId="a6e30f513dae4b66" providerId="LiveId" clId="{5CC29162-806F-4E99-BB6C-D825E9DCB597}" dt="2024-08-20T16:42:15.025" v="1360" actId="14100"/>
+          <ac:chgData name="Jamie L Bond" userId="a6e30f513dae4b66" providerId="LiveId" clId="{5CC29162-806F-4E99-BB6C-D825E9DCB597}" dt="2024-08-20T22:46:25.554" v="1863" actId="1076"/>
           <ac:cxnSpMkLst>
             <pc:docMk/>
             <pc:sldMk cId="3429612716" sldId="267"/>
@@ -872,7 +922,7 @@
           </ac:cxnSpMkLst>
         </pc:cxnChg>
         <pc:cxnChg chg="add mod">
-          <ac:chgData name="Jamie L Bond" userId="a6e30f513dae4b66" providerId="LiveId" clId="{5CC29162-806F-4E99-BB6C-D825E9DCB597}" dt="2024-08-20T16:45:48.617" v="1530" actId="1076"/>
+          <ac:chgData name="Jamie L Bond" userId="a6e30f513dae4b66" providerId="LiveId" clId="{5CC29162-806F-4E99-BB6C-D825E9DCB597}" dt="2024-08-20T22:46:25.554" v="1863" actId="1076"/>
           <ac:cxnSpMkLst>
             <pc:docMk/>
             <pc:sldMk cId="3429612716" sldId="267"/>
@@ -880,7 +930,7 @@
           </ac:cxnSpMkLst>
         </pc:cxnChg>
         <pc:cxnChg chg="add mod">
-          <ac:chgData name="Jamie L Bond" userId="a6e30f513dae4b66" providerId="LiveId" clId="{5CC29162-806F-4E99-BB6C-D825E9DCB597}" dt="2024-08-20T16:45:48.617" v="1530" actId="1076"/>
+          <ac:chgData name="Jamie L Bond" userId="a6e30f513dae4b66" providerId="LiveId" clId="{5CC29162-806F-4E99-BB6C-D825E9DCB597}" dt="2024-08-20T22:52:01.212" v="1900" actId="33986"/>
           <ac:cxnSpMkLst>
             <pc:docMk/>
             <pc:sldMk cId="3429612716" sldId="267"/>
@@ -888,11 +938,19 @@
           </ac:cxnSpMkLst>
         </pc:cxnChg>
         <pc:cxnChg chg="add mod">
-          <ac:chgData name="Jamie L Bond" userId="a6e30f513dae4b66" providerId="LiveId" clId="{5CC29162-806F-4E99-BB6C-D825E9DCB597}" dt="2024-08-20T16:45:54.354" v="1532" actId="14100"/>
+          <ac:chgData name="Jamie L Bond" userId="a6e30f513dae4b66" providerId="LiveId" clId="{5CC29162-806F-4E99-BB6C-D825E9DCB597}" dt="2024-08-20T23:37:15.046" v="2031" actId="1076"/>
           <ac:cxnSpMkLst>
             <pc:docMk/>
             <pc:sldMk cId="3429612716" sldId="267"/>
             <ac:cxnSpMk id="23" creationId="{1A7D913F-0EA5-9C4F-5400-BE67FAAC781F}"/>
+          </ac:cxnSpMkLst>
+        </pc:cxnChg>
+        <pc:cxnChg chg="add mod">
+          <ac:chgData name="Jamie L Bond" userId="a6e30f513dae4b66" providerId="LiveId" clId="{5CC29162-806F-4E99-BB6C-D825E9DCB597}" dt="2024-08-20T22:46:25.554" v="1863" actId="1076"/>
+          <ac:cxnSpMkLst>
+            <pc:docMk/>
+            <pc:sldMk cId="3429612716" sldId="267"/>
+            <ac:cxnSpMk id="25" creationId="{4C61D5CB-FA11-364E-F426-1F978FB25653}"/>
           </ac:cxnSpMkLst>
         </pc:cxnChg>
         <pc:cxnChg chg="add mod">
@@ -945,7 +1003,7 @@
         </pc:cxnChg>
       </pc:sldChg>
       <pc:sldChg chg="addSp delSp modSp new mod">
-        <pc:chgData name="Jamie L Bond" userId="a6e30f513dae4b66" providerId="LiveId" clId="{5CC29162-806F-4E99-BB6C-D825E9DCB597}" dt="2024-08-20T15:01:59.228" v="1159" actId="1076"/>
+        <pc:chgData name="Jamie L Bond" userId="a6e30f513dae4b66" providerId="LiveId" clId="{5CC29162-806F-4E99-BB6C-D825E9DCB597}" dt="2024-08-20T23:43:57.760" v="2165" actId="1076"/>
         <pc:sldMkLst>
           <pc:docMk/>
           <pc:sldMk cId="2323337262" sldId="268"/>
@@ -967,7 +1025,7 @@
           </ac:spMkLst>
         </pc:spChg>
         <pc:picChg chg="add mod">
-          <ac:chgData name="Jamie L Bond" userId="a6e30f513dae4b66" providerId="LiveId" clId="{5CC29162-806F-4E99-BB6C-D825E9DCB597}" dt="2024-08-20T15:01:59.228" v="1159" actId="1076"/>
+          <ac:chgData name="Jamie L Bond" userId="a6e30f513dae4b66" providerId="LiveId" clId="{5CC29162-806F-4E99-BB6C-D825E9DCB597}" dt="2024-08-20T23:43:57.760" v="2165" actId="1076"/>
           <ac:picMkLst>
             <pc:docMk/>
             <pc:sldMk cId="2323337262" sldId="268"/>
@@ -975,7 +1033,7 @@
           </ac:picMkLst>
         </pc:picChg>
         <pc:picChg chg="add mod">
-          <ac:chgData name="Jamie L Bond" userId="a6e30f513dae4b66" providerId="LiveId" clId="{5CC29162-806F-4E99-BB6C-D825E9DCB597}" dt="2024-08-20T15:00:09.053" v="1156" actId="14100"/>
+          <ac:chgData name="Jamie L Bond" userId="a6e30f513dae4b66" providerId="LiveId" clId="{5CC29162-806F-4E99-BB6C-D825E9DCB597}" dt="2024-08-20T23:43:38.911" v="2160" actId="1076"/>
           <ac:picMkLst>
             <pc:docMk/>
             <pc:sldMk cId="2323337262" sldId="268"/>
@@ -989,6 +1047,69 @@
           <pc:docMk/>
           <pc:sldMk cId="2645666859" sldId="268"/>
         </pc:sldMkLst>
+      </pc:sldChg>
+      <pc:sldChg chg="addSp delSp modSp add mod">
+        <pc:chgData name="Jamie L Bond" userId="a6e30f513dae4b66" providerId="LiveId" clId="{5CC29162-806F-4E99-BB6C-D825E9DCB597}" dt="2024-08-21T00:19:36.350" v="2224" actId="20577"/>
+        <pc:sldMkLst>
+          <pc:docMk/>
+          <pc:sldMk cId="1967254509" sldId="269"/>
+        </pc:sldMkLst>
+        <pc:spChg chg="mod">
+          <ac:chgData name="Jamie L Bond" userId="a6e30f513dae4b66" providerId="LiveId" clId="{5CC29162-806F-4E99-BB6C-D825E9DCB597}" dt="2024-08-21T00:19:36.350" v="2224" actId="20577"/>
+          <ac:spMkLst>
+            <pc:docMk/>
+            <pc:sldMk cId="1967254509" sldId="269"/>
+            <ac:spMk id="2" creationId="{C338478E-81F3-D229-A83A-5B5EC37298A3}"/>
+          </ac:spMkLst>
+        </pc:spChg>
+        <pc:spChg chg="add del mod">
+          <ac:chgData name="Jamie L Bond" userId="a6e30f513dae4b66" providerId="LiveId" clId="{5CC29162-806F-4E99-BB6C-D825E9DCB597}" dt="2024-08-21T00:19:15.892" v="2173" actId="478"/>
+          <ac:spMkLst>
+            <pc:docMk/>
+            <pc:sldMk cId="1967254509" sldId="269"/>
+            <ac:spMk id="6" creationId="{C774A263-DC95-A99C-BF06-48950010792B}"/>
+          </ac:spMkLst>
+        </pc:spChg>
+        <pc:spChg chg="add mod">
+          <ac:chgData name="Jamie L Bond" userId="a6e30f513dae4b66" providerId="LiveId" clId="{5CC29162-806F-4E99-BB6C-D825E9DCB597}" dt="2024-08-21T00:19:25.463" v="2177" actId="1076"/>
+          <ac:spMkLst>
+            <pc:docMk/>
+            <pc:sldMk cId="1967254509" sldId="269"/>
+            <ac:spMk id="14" creationId="{D160917D-6B4B-6591-8B96-B2C7F9124749}"/>
+          </ac:spMkLst>
+        </pc:spChg>
+        <pc:picChg chg="del">
+          <ac:chgData name="Jamie L Bond" userId="a6e30f513dae4b66" providerId="LiveId" clId="{5CC29162-806F-4E99-BB6C-D825E9DCB597}" dt="2024-08-21T00:19:16.732" v="2174" actId="478"/>
+          <ac:picMkLst>
+            <pc:docMk/>
+            <pc:sldMk cId="1967254509" sldId="269"/>
+            <ac:picMk id="7" creationId="{0F08E826-96A9-2646-108A-C5FE69A3FB6A}"/>
+          </ac:picMkLst>
+        </pc:picChg>
+        <pc:picChg chg="del">
+          <ac:chgData name="Jamie L Bond" userId="a6e30f513dae4b66" providerId="LiveId" clId="{5CC29162-806F-4E99-BB6C-D825E9DCB597}" dt="2024-08-21T00:18:24.267" v="2167" actId="478"/>
+          <ac:picMkLst>
+            <pc:docMk/>
+            <pc:sldMk cId="1967254509" sldId="269"/>
+            <ac:picMk id="9" creationId="{DADB6053-CF02-1C01-93F9-2E1635E6D010}"/>
+          </ac:picMkLst>
+        </pc:picChg>
+        <pc:picChg chg="add del">
+          <ac:chgData name="Jamie L Bond" userId="a6e30f513dae4b66" providerId="LiveId" clId="{5CC29162-806F-4E99-BB6C-D825E9DCB597}" dt="2024-08-21T00:19:12.756" v="2172" actId="478"/>
+          <ac:picMkLst>
+            <pc:docMk/>
+            <pc:sldMk cId="1967254509" sldId="269"/>
+            <ac:picMk id="10" creationId="{627BB062-EBAC-F32B-8C8C-D2B59CFACBA8}"/>
+          </ac:picMkLst>
+        </pc:picChg>
+        <pc:picChg chg="add mod">
+          <ac:chgData name="Jamie L Bond" userId="a6e30f513dae4b66" providerId="LiveId" clId="{5CC29162-806F-4E99-BB6C-D825E9DCB597}" dt="2024-08-21T00:19:09.982" v="2171" actId="14100"/>
+          <ac:picMkLst>
+            <pc:docMk/>
+            <pc:sldMk cId="1967254509" sldId="269"/>
+            <ac:picMk id="12" creationId="{6C8F8E5C-5CF5-5601-CB15-76495AE59FEE}"/>
+          </ac:picMkLst>
+        </pc:picChg>
       </pc:sldChg>
       <pc:sldChg chg="del">
         <pc:chgData name="Jamie L Bond" userId="a6e30f513dae4b66" providerId="LiveId" clId="{5CC29162-806F-4E99-BB6C-D825E9DCB597}" dt="2024-08-20T14:17:10.155" v="309" actId="47"/>
@@ -1539,7 +1660,7 @@
                   <a:srgbClr val="D6A300"/>
                 </a:solidFill>
               </a:rPr>
-              <a:t>PROJECT OBJECTIVE</a:t>
+              <a:t>Model takes precipitation and temperature</a:t>
             </a:r>
           </a:p>
           <a:p>
@@ -1552,10 +1673,11 @@
               </a:spcBef>
               <a:buNone/>
             </a:pPr>
-            <a:r>
-              <a:rPr lang="en-US" dirty="0"/>
-              <a:t>To examine the impacts of extreme weather and climate events on public health and local economy, with a particular emphasis on extreme heat and impacts to North Carolina</a:t>
-            </a:r>
+            <a:endParaRPr lang="en-US" sz="1200" b="1" dirty="0">
+              <a:solidFill>
+                <a:srgbClr val="D6A300"/>
+              </a:solidFill>
+            </a:endParaRPr>
           </a:p>
           <a:p>
             <a:pPr marL="0" indent="0">
@@ -1567,28 +1689,77 @@
               </a:spcBef>
               <a:buNone/>
             </a:pPr>
-            <a:endParaRPr lang="en-US" dirty="0"/>
-          </a:p>
-          <a:p>
-            <a:pPr>
-              <a:spcAft>
-                <a:spcPts val="600"/>
-              </a:spcAft>
-            </a:pPr>
             <a:r>
               <a:rPr lang="en-US" sz="1200" b="1" dirty="0">
                 <a:solidFill>
                   <a:srgbClr val="D6A300"/>
                 </a:solidFill>
               </a:rPr>
-              <a:t>PROJECT OBJECTIVE</a:t>
-            </a:r>
-          </a:p>
-          <a:p>
-            <a:r>
-              <a:rPr lang="en-US" sz="1200" dirty="0"/>
-              <a:t>In this project, the University of North Carolina Charlotte / Chapel Hill AI Bootcamp project team conducted a data analysis to examine the impacts of extreme weather and climate events on public health and local economy, with a particular emphasis on extreme heat and impacts to North Carolina. </a:t>
-            </a:r>
+              <a:t>Find relationships  plant advisor</a:t>
+            </a:r>
+          </a:p>
+          <a:p>
+            <a:pPr marL="0" indent="0">
+              <a:lnSpc>
+                <a:spcPct val="120000"/>
+              </a:lnSpc>
+              <a:spcBef>
+                <a:spcPts val="0"/>
+              </a:spcBef>
+              <a:buNone/>
+            </a:pPr>
+            <a:endParaRPr lang="en-US" sz="1200" b="1" dirty="0">
+              <a:solidFill>
+                <a:srgbClr val="D6A300"/>
+              </a:solidFill>
+            </a:endParaRPr>
+          </a:p>
+          <a:p>
+            <a:pPr marL="0" indent="0">
+              <a:lnSpc>
+                <a:spcPct val="120000"/>
+              </a:lnSpc>
+              <a:spcBef>
+                <a:spcPts val="0"/>
+              </a:spcBef>
+              <a:buNone/>
+            </a:pPr>
+            <a:r>
+              <a:rPr lang="en-US" sz="1200" b="1" dirty="0">
+                <a:solidFill>
+                  <a:srgbClr val="D6A300"/>
+                </a:solidFill>
+              </a:rPr>
+              <a:t>Conditions </a:t>
+            </a:r>
+          </a:p>
+          <a:p>
+            <a:pPr marL="0" indent="0">
+              <a:lnSpc>
+                <a:spcPct val="120000"/>
+              </a:lnSpc>
+              <a:spcBef>
+                <a:spcPts val="0"/>
+              </a:spcBef>
+              <a:buNone/>
+            </a:pPr>
+            <a:endParaRPr lang="en-US" sz="1200" b="1" dirty="0">
+              <a:solidFill>
+                <a:srgbClr val="D6A300"/>
+              </a:solidFill>
+            </a:endParaRPr>
+          </a:p>
+          <a:p>
+            <a:pPr marL="0" indent="0">
+              <a:lnSpc>
+                <a:spcPct val="120000"/>
+              </a:lnSpc>
+              <a:spcBef>
+                <a:spcPts val="0"/>
+              </a:spcBef>
+              <a:buNone/>
+            </a:pPr>
+            <a:endParaRPr lang="en-US" sz="1200" dirty="0"/>
           </a:p>
           <a:p>
             <a:pPr marL="0" indent="0">
@@ -7949,7 +8120,7 @@
         </p:nvSpPr>
         <p:spPr>
           <a:xfrm>
-            <a:off x="838200" y="972457"/>
+            <a:off x="3766372" y="57953"/>
             <a:ext cx="10515600" cy="418646"/>
           </a:xfrm>
         </p:spPr>
@@ -7975,7 +8146,7 @@
         </p:nvSpPr>
         <p:spPr>
           <a:xfrm>
-            <a:off x="1235531" y="1846830"/>
+            <a:off x="460717" y="1894681"/>
             <a:ext cx="733424" cy="505505"/>
           </a:xfrm>
           <a:prstGeom prst="flowChartOnlineStorage">
@@ -8034,7 +8205,7 @@
         </p:nvSpPr>
         <p:spPr>
           <a:xfrm>
-            <a:off x="1235531" y="2552020"/>
+            <a:off x="694194" y="3003437"/>
             <a:ext cx="733424" cy="505505"/>
           </a:xfrm>
           <a:prstGeom prst="flowChartOnlineStorage">
@@ -8109,7 +8280,7 @@
         </p:nvSpPr>
         <p:spPr>
           <a:xfrm>
-            <a:off x="2340430" y="2076450"/>
+            <a:off x="2007225" y="1790812"/>
             <a:ext cx="1266825" cy="704850"/>
           </a:xfrm>
           <a:prstGeom prst="flowChartProcess">
@@ -8151,7 +8322,7 @@
                   <a:schemeClr val="tx1"/>
                 </a:solidFill>
               </a:rPr>
-              <a:t>ML Analysis</a:t>
+              <a:t>Threshold for impact</a:t>
             </a:r>
           </a:p>
         </p:txBody>
@@ -8212,7 +8383,18 @@
                   <a:schemeClr val="tx1"/>
                 </a:solidFill>
               </a:rPr>
-              <a:t>Impact Prediction</a:t>
+              <a:t>Good year or </a:t>
+            </a:r>
+          </a:p>
+          <a:p>
+            <a:pPr algn="ctr"/>
+            <a:r>
+              <a:rPr lang="en-US" sz="1100" dirty="0">
+                <a:solidFill>
+                  <a:schemeClr val="tx1"/>
+                </a:solidFill>
+              </a:rPr>
+              <a:t>Bad Year </a:t>
             </a:r>
           </a:p>
         </p:txBody>
@@ -8542,58 +8724,15 @@
           </p:cNvPr>
           <p:cNvCxnSpPr>
             <a:cxnSpLocks/>
-            <a:stCxn id="9" idx="3"/>
+            <a:stCxn id="15" idx="3"/>
             <a:endCxn id="10" idx="1"/>
           </p:cNvCxnSpPr>
           <p:nvPr/>
         </p:nvCxnSpPr>
         <p:spPr>
           <a:xfrm flipV="1">
-            <a:off x="3607255" y="2419350"/>
-            <a:ext cx="409574" cy="9525"/>
-          </a:xfrm>
-          <a:prstGeom prst="straightConnector1">
-            <a:avLst/>
-          </a:prstGeom>
-          <a:ln>
-            <a:tailEnd type="triangle"/>
-          </a:ln>
-        </p:spPr>
-        <p:style>
-          <a:lnRef idx="2">
-            <a:schemeClr val="accent1"/>
-          </a:lnRef>
-          <a:fillRef idx="0">
-            <a:schemeClr val="accent1"/>
-          </a:fillRef>
-          <a:effectRef idx="1">
-            <a:schemeClr val="accent1"/>
-          </a:effectRef>
-          <a:fontRef idx="minor">
-            <a:schemeClr val="tx1"/>
-          </a:fontRef>
-        </p:style>
-      </p:cxnSp>
-      <p:cxnSp>
-        <p:nvCxnSpPr>
-          <p:cNvPr id="20" name="Straight Arrow Connector 15">
-            <a:extLst>
-              <a:ext uri="{FF2B5EF4-FFF2-40B4-BE49-F238E27FC236}">
-                <a16:creationId xmlns:a16="http://schemas.microsoft.com/office/drawing/2014/main" id="{AFCD9846-8F3C-9E04-444C-0CED8451BA73}"/>
-              </a:ext>
-            </a:extLst>
-          </p:cNvPr>
-          <p:cNvCxnSpPr>
-            <a:cxnSpLocks/>
-            <a:stCxn id="6" idx="3"/>
-            <a:endCxn id="9" idx="1"/>
-          </p:cNvCxnSpPr>
-          <p:nvPr/>
-        </p:nvCxnSpPr>
-        <p:spPr>
-          <a:xfrm flipV="1">
-            <a:off x="1846718" y="2428875"/>
-            <a:ext cx="493712" cy="375898"/>
+            <a:off x="3213841" y="2419350"/>
+            <a:ext cx="802988" cy="836840"/>
           </a:xfrm>
           <a:prstGeom prst="bentConnector3">
             <a:avLst>
@@ -8621,6 +8760,49 @@
       </p:cxnSp>
       <p:cxnSp>
         <p:nvCxnSpPr>
+          <p:cNvPr id="20" name="Straight Arrow Connector 15">
+            <a:extLst>
+              <a:ext uri="{FF2B5EF4-FFF2-40B4-BE49-F238E27FC236}">
+                <a16:creationId xmlns:a16="http://schemas.microsoft.com/office/drawing/2014/main" id="{AFCD9846-8F3C-9E04-444C-0CED8451BA73}"/>
+              </a:ext>
+            </a:extLst>
+          </p:cNvPr>
+          <p:cNvCxnSpPr>
+            <a:cxnSpLocks/>
+            <a:stCxn id="6" idx="3"/>
+            <a:endCxn id="15" idx="1"/>
+          </p:cNvCxnSpPr>
+          <p:nvPr/>
+        </p:nvCxnSpPr>
+        <p:spPr>
+          <a:xfrm>
+            <a:off x="1305381" y="3256190"/>
+            <a:ext cx="641635" cy="0"/>
+          </a:xfrm>
+          <a:prstGeom prst="straightConnector1">
+            <a:avLst/>
+          </a:prstGeom>
+          <a:ln>
+            <a:tailEnd type="triangle"/>
+          </a:ln>
+        </p:spPr>
+        <p:style>
+          <a:lnRef idx="2">
+            <a:schemeClr val="accent1"/>
+          </a:lnRef>
+          <a:fillRef idx="0">
+            <a:schemeClr val="accent1"/>
+          </a:fillRef>
+          <a:effectRef idx="1">
+            <a:schemeClr val="accent1"/>
+          </a:effectRef>
+          <a:fontRef idx="minor">
+            <a:schemeClr val="tx1"/>
+          </a:fontRef>
+        </p:style>
+      </p:cxnSp>
+      <p:cxnSp>
+        <p:nvCxnSpPr>
           <p:cNvPr id="23" name="Straight Arrow Connector 15">
             <a:extLst>
               <a:ext uri="{FF2B5EF4-FFF2-40B4-BE49-F238E27FC236}">
@@ -8636,14 +8818,12 @@
           <p:nvPr/>
         </p:nvCxnSpPr>
         <p:spPr>
-          <a:xfrm>
-            <a:off x="1846718" y="2099583"/>
-            <a:ext cx="493712" cy="329292"/>
+          <a:xfrm flipV="1">
+            <a:off x="1071904" y="2143237"/>
+            <a:ext cx="935321" cy="4197"/>
           </a:xfrm>
-          <a:prstGeom prst="bentConnector3">
-            <a:avLst>
-              <a:gd name="adj1" fmla="val 50000"/>
-            </a:avLst>
+          <a:prstGeom prst="straightConnector1">
+            <a:avLst/>
           </a:prstGeom>
           <a:ln>
             <a:tailEnd type="triangle"/>
@@ -9024,7 +9204,7 @@
         </p:nvSpPr>
         <p:spPr>
           <a:xfrm>
-            <a:off x="2369005" y="1809126"/>
+            <a:off x="2443590" y="1544300"/>
             <a:ext cx="465138" cy="324870"/>
           </a:xfrm>
           <a:prstGeom prst="ellipse">
@@ -9284,6 +9464,303 @@
                 <a:schemeClr val="bg1"/>
               </a:solidFill>
             </a:endParaRPr>
+          </a:p>
+        </p:txBody>
+      </p:sp>
+      <p:sp>
+        <p:nvSpPr>
+          <p:cNvPr id="7" name="TextBox 6">
+            <a:extLst>
+              <a:ext uri="{FF2B5EF4-FFF2-40B4-BE49-F238E27FC236}">
+                <a16:creationId xmlns:a16="http://schemas.microsoft.com/office/drawing/2014/main" id="{61AF855E-EC16-A5DF-E876-86AB232207E3}"/>
+              </a:ext>
+            </a:extLst>
+          </p:cNvPr>
+          <p:cNvSpPr txBox="1"/>
+          <p:nvPr/>
+        </p:nvSpPr>
+        <p:spPr>
+          <a:xfrm>
+            <a:off x="6119812" y="1729809"/>
+            <a:ext cx="1266825" cy="523220"/>
+          </a:xfrm>
+          <a:prstGeom prst="rect">
+            <a:avLst/>
+          </a:prstGeom>
+          <a:noFill/>
+        </p:spPr>
+        <p:txBody>
+          <a:bodyPr wrap="square" rtlCol="0">
+            <a:spAutoFit/>
+          </a:bodyPr>
+          <a:lstStyle/>
+          <a:p>
+            <a:r>
+              <a:rPr lang="en-US" sz="1400" dirty="0"/>
+              <a:t>Commodity Trader</a:t>
+            </a:r>
+          </a:p>
+        </p:txBody>
+      </p:sp>
+      <p:sp>
+        <p:nvSpPr>
+          <p:cNvPr id="15" name="Flowchart: Process 14">
+            <a:extLst>
+              <a:ext uri="{FF2B5EF4-FFF2-40B4-BE49-F238E27FC236}">
+                <a16:creationId xmlns:a16="http://schemas.microsoft.com/office/drawing/2014/main" id="{0FFF3325-E39C-37A9-4D73-F11A96239553}"/>
+              </a:ext>
+            </a:extLst>
+          </p:cNvPr>
+          <p:cNvSpPr/>
+          <p:nvPr/>
+        </p:nvSpPr>
+        <p:spPr>
+          <a:xfrm>
+            <a:off x="1947016" y="2903765"/>
+            <a:ext cx="1266825" cy="704850"/>
+          </a:xfrm>
+          <a:prstGeom prst="flowChartProcess">
+            <a:avLst/>
+          </a:prstGeom>
+          <a:solidFill>
+            <a:srgbClr val="F2F2BD"/>
+          </a:solidFill>
+          <a:ln w="3175">
+            <a:solidFill>
+              <a:schemeClr val="tx1"/>
+            </a:solidFill>
+          </a:ln>
+        </p:spPr>
+        <p:style>
+          <a:lnRef idx="2">
+            <a:schemeClr val="accent1">
+              <a:shade val="15000"/>
+            </a:schemeClr>
+          </a:lnRef>
+          <a:fillRef idx="1">
+            <a:schemeClr val="accent1"/>
+          </a:fillRef>
+          <a:effectRef idx="0">
+            <a:schemeClr val="accent1"/>
+          </a:effectRef>
+          <a:fontRef idx="minor">
+            <a:schemeClr val="lt1"/>
+          </a:fontRef>
+        </p:style>
+        <p:txBody>
+          <a:bodyPr rtlCol="0" anchor="ctr"/>
+          <a:lstStyle/>
+          <a:p>
+            <a:pPr algn="ctr"/>
+            <a:r>
+              <a:rPr lang="en-US" sz="1100" dirty="0">
+                <a:solidFill>
+                  <a:schemeClr val="tx1"/>
+                </a:solidFill>
+              </a:rPr>
+              <a:t>Trend/probability of future conditions</a:t>
+            </a:r>
+          </a:p>
+        </p:txBody>
+      </p:sp>
+      <p:cxnSp>
+        <p:nvCxnSpPr>
+          <p:cNvPr id="25" name="Straight Arrow Connector 15">
+            <a:extLst>
+              <a:ext uri="{FF2B5EF4-FFF2-40B4-BE49-F238E27FC236}">
+                <a16:creationId xmlns:a16="http://schemas.microsoft.com/office/drawing/2014/main" id="{4C61D5CB-FA11-364E-F426-1F978FB25653}"/>
+              </a:ext>
+            </a:extLst>
+          </p:cNvPr>
+          <p:cNvCxnSpPr>
+            <a:cxnSpLocks/>
+            <a:stCxn id="9" idx="3"/>
+            <a:endCxn id="10" idx="1"/>
+          </p:cNvCxnSpPr>
+          <p:nvPr/>
+        </p:nvCxnSpPr>
+        <p:spPr>
+          <a:xfrm>
+            <a:off x="3274050" y="2143237"/>
+            <a:ext cx="742779" cy="276113"/>
+          </a:xfrm>
+          <a:prstGeom prst="bentConnector3">
+            <a:avLst>
+              <a:gd name="adj1" fmla="val 43588"/>
+            </a:avLst>
+          </a:prstGeom>
+          <a:ln>
+            <a:tailEnd type="triangle"/>
+          </a:ln>
+        </p:spPr>
+        <p:style>
+          <a:lnRef idx="2">
+            <a:schemeClr val="accent1"/>
+          </a:lnRef>
+          <a:fillRef idx="0">
+            <a:schemeClr val="accent1"/>
+          </a:fillRef>
+          <a:effectRef idx="1">
+            <a:schemeClr val="accent1"/>
+          </a:effectRef>
+          <a:fontRef idx="minor">
+            <a:schemeClr val="tx1"/>
+          </a:fontRef>
+        </p:style>
+      </p:cxnSp>
+      <p:sp>
+        <p:nvSpPr>
+          <p:cNvPr id="37" name="TextBox 36">
+            <a:extLst>
+              <a:ext uri="{FF2B5EF4-FFF2-40B4-BE49-F238E27FC236}">
+                <a16:creationId xmlns:a16="http://schemas.microsoft.com/office/drawing/2014/main" id="{C49A4477-3E1A-3769-A3EA-0693BEA282C9}"/>
+              </a:ext>
+            </a:extLst>
+          </p:cNvPr>
+          <p:cNvSpPr txBox="1"/>
+          <p:nvPr/>
+        </p:nvSpPr>
+        <p:spPr>
+          <a:xfrm>
+            <a:off x="6148302" y="2251040"/>
+            <a:ext cx="1266825" cy="523220"/>
+          </a:xfrm>
+          <a:prstGeom prst="rect">
+            <a:avLst/>
+          </a:prstGeom>
+          <a:noFill/>
+        </p:spPr>
+        <p:txBody>
+          <a:bodyPr wrap="square" rtlCol="0">
+            <a:spAutoFit/>
+          </a:bodyPr>
+          <a:lstStyle/>
+          <a:p>
+            <a:r>
+              <a:rPr lang="en-US" sz="1400" dirty="0"/>
+              <a:t>Farmer for planning</a:t>
+            </a:r>
+          </a:p>
+        </p:txBody>
+      </p:sp>
+      <p:sp>
+        <p:nvSpPr>
+          <p:cNvPr id="39" name="Oval 38">
+            <a:extLst>
+              <a:ext uri="{FF2B5EF4-FFF2-40B4-BE49-F238E27FC236}">
+                <a16:creationId xmlns:a16="http://schemas.microsoft.com/office/drawing/2014/main" id="{FEBE0CAE-5D07-FB5E-8BE4-E23E2DFD0E19}"/>
+              </a:ext>
+            </a:extLst>
+          </p:cNvPr>
+          <p:cNvSpPr/>
+          <p:nvPr/>
+        </p:nvSpPr>
+        <p:spPr>
+          <a:xfrm>
+            <a:off x="2892656" y="3558437"/>
+            <a:ext cx="465138" cy="324870"/>
+          </a:xfrm>
+          <a:prstGeom prst="ellipse">
+            <a:avLst/>
+          </a:prstGeom>
+          <a:solidFill>
+            <a:schemeClr val="accent6"/>
+          </a:solidFill>
+          <a:ln w="3175">
+            <a:solidFill>
+              <a:schemeClr val="bg1"/>
+            </a:solidFill>
+          </a:ln>
+          <a:effectLst>
+            <a:outerShdw blurRad="63500" sx="102000" sy="102000" algn="ctr" rotWithShape="0">
+              <a:prstClr val="black">
+                <a:alpha val="40000"/>
+              </a:prstClr>
+            </a:outerShdw>
+          </a:effectLst>
+        </p:spPr>
+        <p:style>
+          <a:lnRef idx="2">
+            <a:schemeClr val="accent1">
+              <a:shade val="15000"/>
+            </a:schemeClr>
+          </a:lnRef>
+          <a:fillRef idx="1">
+            <a:schemeClr val="accent1"/>
+          </a:fillRef>
+          <a:effectRef idx="0">
+            <a:schemeClr val="accent1"/>
+          </a:effectRef>
+          <a:fontRef idx="minor">
+            <a:schemeClr val="lt1"/>
+          </a:fontRef>
+        </p:style>
+        <p:txBody>
+          <a:bodyPr wrap="none" lIns="0" tIns="0" rIns="0" bIns="0" rtlCol="0" anchor="ctr"/>
+          <a:lstStyle/>
+          <a:p>
+            <a:pPr algn="ctr"/>
+            <a:r>
+              <a:rPr lang="en-US" sz="1100" dirty="0">
+                <a:solidFill>
+                  <a:schemeClr val="bg1"/>
+                </a:solidFill>
+              </a:rPr>
+              <a:t>ML</a:t>
+            </a:r>
+          </a:p>
+        </p:txBody>
+      </p:sp>
+      <p:sp>
+        <p:nvSpPr>
+          <p:cNvPr id="46" name="TextBox 45">
+            <a:extLst>
+              <a:ext uri="{FF2B5EF4-FFF2-40B4-BE49-F238E27FC236}">
+                <a16:creationId xmlns:a16="http://schemas.microsoft.com/office/drawing/2014/main" id="{3086BAF5-B145-9E75-5054-FDA4CD5248AF}"/>
+              </a:ext>
+            </a:extLst>
+          </p:cNvPr>
+          <p:cNvSpPr txBox="1"/>
+          <p:nvPr/>
+        </p:nvSpPr>
+        <p:spPr>
+          <a:xfrm>
+            <a:off x="295018" y="4297346"/>
+            <a:ext cx="3146256" cy="1169551"/>
+          </a:xfrm>
+          <a:prstGeom prst="rect">
+            <a:avLst/>
+          </a:prstGeom>
+          <a:noFill/>
+        </p:spPr>
+        <p:txBody>
+          <a:bodyPr wrap="square" rtlCol="0">
+            <a:spAutoFit/>
+          </a:bodyPr>
+          <a:lstStyle/>
+          <a:p>
+            <a:r>
+              <a:rPr lang="en-US" sz="1400" dirty="0"/>
+              <a:t>Features: precipitation, temp</a:t>
+            </a:r>
+          </a:p>
+          <a:p>
+            <a:endParaRPr lang="en-US" sz="1400" dirty="0"/>
+          </a:p>
+          <a:p>
+            <a:r>
+              <a:rPr lang="en-US" sz="1400" dirty="0"/>
+              <a:t>Target: yield</a:t>
+            </a:r>
+          </a:p>
+          <a:p>
+            <a:endParaRPr lang="en-US" sz="1400" dirty="0"/>
+          </a:p>
+          <a:p>
+            <a:r>
+              <a:rPr lang="en-US" sz="1400" dirty="0"/>
+              <a:t> </a:t>
+            </a:r>
           </a:p>
         </p:txBody>
       </p:sp>
@@ -10206,7 +10683,7 @@
         </p:blipFill>
         <p:spPr>
           <a:xfrm>
-            <a:off x="263452" y="607787"/>
+            <a:off x="492052" y="633186"/>
             <a:ext cx="7540942" cy="4103914"/>
           </a:xfrm>
         </p:spPr>
@@ -10291,7 +10768,7 @@
         </p:blipFill>
         <p:spPr>
           <a:xfrm>
-            <a:off x="6128656" y="2579391"/>
+            <a:off x="8032994" y="783772"/>
             <a:ext cx="5933836" cy="3645423"/>
           </a:xfrm>
           <a:prstGeom prst="rect">
@@ -10303,6 +10780,194 @@
     <p:extLst>
       <p:ext uri="{BB962C8B-B14F-4D97-AF65-F5344CB8AC3E}">
         <p14:creationId xmlns:p14="http://schemas.microsoft.com/office/powerpoint/2010/main" val="2323337262"/>
+      </p:ext>
+    </p:extLst>
+  </p:cSld>
+  <p:clrMapOvr>
+    <a:masterClrMapping/>
+  </p:clrMapOvr>
+</p:sld>
+</file>
+
+<file path=ppt/slides/slide9.xml><?xml version="1.0" encoding="utf-8"?>
+<p:sld xmlns:a="http://schemas.openxmlformats.org/drawingml/2006/main" xmlns:r="http://schemas.openxmlformats.org/officeDocument/2006/relationships" xmlns:p="http://schemas.openxmlformats.org/presentationml/2006/main">
+  <p:cSld>
+    <p:spTree>
+      <p:nvGrpSpPr>
+        <p:cNvPr id="1" name=""/>
+        <p:cNvGrpSpPr/>
+        <p:nvPr/>
+      </p:nvGrpSpPr>
+      <p:grpSpPr>
+        <a:xfrm>
+          <a:off x="0" y="0"/>
+          <a:ext cx="0" cy="0"/>
+          <a:chOff x="0" y="0"/>
+          <a:chExt cx="0" cy="0"/>
+        </a:xfrm>
+      </p:grpSpPr>
+      <p:sp>
+        <p:nvSpPr>
+          <p:cNvPr id="2" name="Title 1">
+            <a:extLst>
+              <a:ext uri="{FF2B5EF4-FFF2-40B4-BE49-F238E27FC236}">
+                <a16:creationId xmlns:a16="http://schemas.microsoft.com/office/drawing/2014/main" id="{C338478E-81F3-D229-A83A-5B5EC37298A3}"/>
+              </a:ext>
+            </a:extLst>
+          </p:cNvPr>
+          <p:cNvSpPr>
+            <a:spLocks noGrp="1"/>
+          </p:cNvSpPr>
+          <p:nvPr>
+            <p:ph type="title"/>
+          </p:nvPr>
+        </p:nvSpPr>
+        <p:spPr/>
+        <p:txBody>
+          <a:bodyPr>
+            <a:normAutofit fontScale="90000"/>
+          </a:bodyPr>
+          <a:lstStyle/>
+          <a:p>
+            <a:r>
+              <a:rPr lang="en-US" dirty="0"/>
+              <a:t>Precipitation and </a:t>
+            </a:r>
+            <a:r>
+              <a:rPr lang="en-US"/>
+              <a:t>Temperature Data Source</a:t>
+            </a:r>
+            <a:endParaRPr lang="en-US" dirty="0"/>
+          </a:p>
+        </p:txBody>
+      </p:sp>
+      <p:sp>
+        <p:nvSpPr>
+          <p:cNvPr id="4" name="Footer Placeholder 3">
+            <a:extLst>
+              <a:ext uri="{FF2B5EF4-FFF2-40B4-BE49-F238E27FC236}">
+                <a16:creationId xmlns:a16="http://schemas.microsoft.com/office/drawing/2014/main" id="{49C27036-73E7-7E87-80C2-6A1F2CB7BA67}"/>
+              </a:ext>
+            </a:extLst>
+          </p:cNvPr>
+          <p:cNvSpPr>
+            <a:spLocks noGrp="1"/>
+          </p:cNvSpPr>
+          <p:nvPr>
+            <p:ph type="ftr" sz="quarter" idx="11"/>
+          </p:nvPr>
+        </p:nvSpPr>
+        <p:spPr/>
+        <p:txBody>
+          <a:bodyPr/>
+          <a:lstStyle/>
+          <a:p>
+            <a:r>
+              <a:rPr lang="en-US"/>
+              <a:t>UNC AI Bootcamp | MOD 10 Project | Contributors: Jamie Bond, Mike Szumski, Rajesh Velamala</a:t>
+            </a:r>
+          </a:p>
+        </p:txBody>
+      </p:sp>
+      <p:sp>
+        <p:nvSpPr>
+          <p:cNvPr id="5" name="Slide Number Placeholder 4">
+            <a:extLst>
+              <a:ext uri="{FF2B5EF4-FFF2-40B4-BE49-F238E27FC236}">
+                <a16:creationId xmlns:a16="http://schemas.microsoft.com/office/drawing/2014/main" id="{7221C47B-F124-E1B6-BC33-2151223104B2}"/>
+              </a:ext>
+            </a:extLst>
+          </p:cNvPr>
+          <p:cNvSpPr>
+            <a:spLocks noGrp="1"/>
+          </p:cNvSpPr>
+          <p:nvPr>
+            <p:ph type="sldNum" sz="quarter" idx="12"/>
+          </p:nvPr>
+        </p:nvSpPr>
+        <p:spPr/>
+        <p:txBody>
+          <a:bodyPr/>
+          <a:lstStyle/>
+          <a:p>
+            <a:fld id="{79F31F10-1257-482C-8051-E7DF71AF7482}" type="slidenum">
+              <a:rPr lang="en-US" smtClean="0"/>
+              <a:pPr/>
+              <a:t>9</a:t>
+            </a:fld>
+            <a:endParaRPr lang="en-US" dirty="0"/>
+          </a:p>
+        </p:txBody>
+      </p:sp>
+      <p:pic>
+        <p:nvPicPr>
+          <p:cNvPr id="12" name="Picture 11">
+            <a:extLst>
+              <a:ext uri="{FF2B5EF4-FFF2-40B4-BE49-F238E27FC236}">
+                <a16:creationId xmlns:a16="http://schemas.microsoft.com/office/drawing/2014/main" id="{6C8F8E5C-5CF5-5601-CB15-76495AE59FEE}"/>
+              </a:ext>
+            </a:extLst>
+          </p:cNvPr>
+          <p:cNvPicPr>
+            <a:picLocks noChangeAspect="1"/>
+          </p:cNvPicPr>
+          <p:nvPr/>
+        </p:nvPicPr>
+        <p:blipFill>
+          <a:blip r:embed="rId2"/>
+          <a:stretch>
+            <a:fillRect/>
+          </a:stretch>
+        </p:blipFill>
+        <p:spPr>
+          <a:xfrm>
+            <a:off x="1228344" y="1790017"/>
+            <a:ext cx="4670178" cy="5204507"/>
+          </a:xfrm>
+          <a:prstGeom prst="rect">
+            <a:avLst/>
+          </a:prstGeom>
+        </p:spPr>
+      </p:pic>
+      <p:sp>
+        <p:nvSpPr>
+          <p:cNvPr id="14" name="TextBox 13">
+            <a:extLst>
+              <a:ext uri="{FF2B5EF4-FFF2-40B4-BE49-F238E27FC236}">
+                <a16:creationId xmlns:a16="http://schemas.microsoft.com/office/drawing/2014/main" id="{D160917D-6B4B-6591-8B96-B2C7F9124749}"/>
+              </a:ext>
+            </a:extLst>
+          </p:cNvPr>
+          <p:cNvSpPr txBox="1"/>
+          <p:nvPr/>
+        </p:nvSpPr>
+        <p:spPr>
+          <a:xfrm>
+            <a:off x="6800304" y="1900535"/>
+            <a:ext cx="3566160" cy="1200329"/>
+          </a:xfrm>
+          <a:prstGeom prst="rect">
+            <a:avLst/>
+          </a:prstGeom>
+          <a:noFill/>
+        </p:spPr>
+        <p:txBody>
+          <a:bodyPr wrap="square">
+            <a:spAutoFit/>
+          </a:bodyPr>
+          <a:lstStyle/>
+          <a:p>
+            <a:r>
+              <a:rPr lang="en-US" dirty="0"/>
+              <a:t>https://public.tableau.com/app/profile/north.carolina.state.climate.office/viz/SEClimateTrendAnalysisTool/TrendAnalysisTool</a:t>
+            </a:r>
+          </a:p>
+        </p:txBody>
+      </p:sp>
+    </p:spTree>
+    <p:extLst>
+      <p:ext uri="{BB962C8B-B14F-4D97-AF65-F5344CB8AC3E}">
+        <p14:creationId xmlns:p14="http://schemas.microsoft.com/office/powerpoint/2010/main" val="1967254509"/>
       </p:ext>
     </p:extLst>
   </p:cSld>

--- a/UNC_AI_Bootcamp_Project_3.pptx
+++ b/UNC_AI_Bootcamp_Project_3.pptx
@@ -5,18 +5,20 @@
     <p:sldMasterId id="2147483648" r:id="rId1"/>
   </p:sldMasterIdLst>
   <p:notesMasterIdLst>
-    <p:notesMasterId r:id="rId11"/>
+    <p:notesMasterId r:id="rId13"/>
   </p:notesMasterIdLst>
   <p:sldIdLst>
     <p:sldId id="256" r:id="rId2"/>
     <p:sldId id="257" r:id="rId3"/>
     <p:sldId id="258" r:id="rId4"/>
     <p:sldId id="267" r:id="rId5"/>
-    <p:sldId id="262" r:id="rId6"/>
-    <p:sldId id="261" r:id="rId7"/>
-    <p:sldId id="263" r:id="rId8"/>
-    <p:sldId id="268" r:id="rId9"/>
-    <p:sldId id="269" r:id="rId10"/>
+    <p:sldId id="271" r:id="rId6"/>
+    <p:sldId id="262" r:id="rId7"/>
+    <p:sldId id="270" r:id="rId8"/>
+    <p:sldId id="261" r:id="rId9"/>
+    <p:sldId id="263" r:id="rId10"/>
+    <p:sldId id="268" r:id="rId11"/>
+    <p:sldId id="269" r:id="rId12"/>
   </p:sldIdLst>
   <p:sldSz cx="12192000" cy="6858000"/>
   <p:notesSz cx="6858000" cy="9144000"/>
@@ -124,7 +126,9 @@
             <p14:sldId id="257"/>
             <p14:sldId id="258"/>
             <p14:sldId id="267"/>
+            <p14:sldId id="271"/>
             <p14:sldId id="262"/>
+            <p14:sldId id="270"/>
             <p14:sldId id="261"/>
             <p14:sldId id="263"/>
           </p14:sldIdLst>
@@ -147,7 +151,7 @@
 <file path=ppt/revisionInfo.xml><?xml version="1.0" encoding="utf-8"?>
 <p1510:revInfo xmlns:a="http://schemas.openxmlformats.org/drawingml/2006/main" xmlns:r="http://schemas.openxmlformats.org/officeDocument/2006/relationships" xmlns:p1510="http://schemas.microsoft.com/office/powerpoint/2015/10/main">
   <p1510:revLst>
-    <p1510:client id="{5CC29162-806F-4E99-BB6C-D825E9DCB597}" v="52" dt="2024-08-20T23:37:20.058"/>
+    <p1510:client id="{5CC29162-806F-4E99-BB6C-D825E9DCB597}" v="129" dt="2024-08-21T16:52:14.433"/>
   </p1510:revLst>
 </p1510:revInfo>
 </file>
@@ -157,7 +161,7 @@
   <pc:docChgLst>
     <pc:chgData name="Jamie L Bond" userId="a6e30f513dae4b66" providerId="LiveId" clId="{5CC29162-806F-4E99-BB6C-D825E9DCB597}"/>
     <pc:docChg chg="undo redo custSel addSld delSld modSld addSection modSection">
-      <pc:chgData name="Jamie L Bond" userId="a6e30f513dae4b66" providerId="LiveId" clId="{5CC29162-806F-4E99-BB6C-D825E9DCB597}" dt="2024-08-21T00:19:36.350" v="2224" actId="20577"/>
+      <pc:chgData name="Jamie L Bond" userId="a6e30f513dae4b66" providerId="LiveId" clId="{5CC29162-806F-4E99-BB6C-D825E9DCB597}" dt="2024-08-21T16:54:55.886" v="7933" actId="14100"/>
       <pc:docMkLst>
         <pc:docMk/>
       </pc:docMkLst>
@@ -361,7 +365,7 @@
         </pc:picChg>
       </pc:sldChg>
       <pc:sldChg chg="addSp delSp modSp mod">
-        <pc:chgData name="Jamie L Bond" userId="a6e30f513dae4b66" providerId="LiveId" clId="{5CC29162-806F-4E99-BB6C-D825E9DCB597}" dt="2024-08-20T14:52:10.081" v="1080" actId="207"/>
+        <pc:chgData name="Jamie L Bond" userId="a6e30f513dae4b66" providerId="LiveId" clId="{5CC29162-806F-4E99-BB6C-D825E9DCB597}" dt="2024-08-21T15:48:28.130" v="6171" actId="20577"/>
         <pc:sldMkLst>
           <pc:docMk/>
           <pc:sldMk cId="4165368768" sldId="257"/>
@@ -431,7 +435,7 @@
           </ac:grpSpMkLst>
         </pc:grpChg>
         <pc:graphicFrameChg chg="mod ord modGraphic">
-          <ac:chgData name="Jamie L Bond" userId="a6e30f513dae4b66" providerId="LiveId" clId="{5CC29162-806F-4E99-BB6C-D825E9DCB597}" dt="2024-08-20T14:52:05.780" v="1079" actId="207"/>
+          <ac:chgData name="Jamie L Bond" userId="a6e30f513dae4b66" providerId="LiveId" clId="{5CC29162-806F-4E99-BB6C-D825E9DCB597}" dt="2024-08-21T15:48:28.130" v="6171" actId="20577"/>
           <ac:graphicFrameMkLst>
             <pc:docMk/>
             <pc:sldMk cId="4165368768" sldId="257"/>
@@ -487,11 +491,19 @@
         </pc:spChg>
       </pc:sldChg>
       <pc:sldChg chg="addSp delSp modSp mod">
-        <pc:chgData name="Jamie L Bond" userId="a6e30f513dae4b66" providerId="LiveId" clId="{5CC29162-806F-4E99-BB6C-D825E9DCB597}" dt="2024-08-20T14:55:56" v="1123" actId="478"/>
+        <pc:chgData name="Jamie L Bond" userId="a6e30f513dae4b66" providerId="LiveId" clId="{5CC29162-806F-4E99-BB6C-D825E9DCB597}" dt="2024-08-21T15:47:39.399" v="6148" actId="1076"/>
         <pc:sldMkLst>
           <pc:docMk/>
           <pc:sldMk cId="3319624757" sldId="261"/>
         </pc:sldMkLst>
+        <pc:spChg chg="mod">
+          <ac:chgData name="Jamie L Bond" userId="a6e30f513dae4b66" providerId="LiveId" clId="{5CC29162-806F-4E99-BB6C-D825E9DCB597}" dt="2024-08-21T15:47:01.090" v="6145" actId="6549"/>
+          <ac:spMkLst>
+            <pc:docMk/>
+            <pc:sldMk cId="3319624757" sldId="261"/>
+            <ac:spMk id="2" creationId="{75DB962D-3C3A-E2EA-9CB7-444219198392}"/>
+          </ac:spMkLst>
+        </pc:spChg>
         <pc:spChg chg="del mod">
           <ac:chgData name="Jamie L Bond" userId="a6e30f513dae4b66" providerId="LiveId" clId="{5CC29162-806F-4E99-BB6C-D825E9DCB597}" dt="2024-08-20T14:55:56" v="1123" actId="478"/>
           <ac:spMkLst>
@@ -509,22 +521,246 @@
           </ac:spMkLst>
         </pc:spChg>
         <pc:spChg chg="add mod">
-          <ac:chgData name="Jamie L Bond" userId="a6e30f513dae4b66" providerId="LiveId" clId="{5CC29162-806F-4E99-BB6C-D825E9DCB597}" dt="2024-08-20T14:55:56" v="1123" actId="478"/>
+          <ac:chgData name="Jamie L Bond" userId="a6e30f513dae4b66" providerId="LiveId" clId="{5CC29162-806F-4E99-BB6C-D825E9DCB597}" dt="2024-08-21T15:47:32.440" v="6147" actId="1076"/>
           <ac:spMkLst>
             <pc:docMk/>
             <pc:sldMk cId="3319624757" sldId="261"/>
             <ac:spMk id="7" creationId="{3C23AFF2-0D54-62D4-7C8A-89E4C73454B0}"/>
           </ac:spMkLst>
         </pc:spChg>
+        <pc:spChg chg="add mod">
+          <ac:chgData name="Jamie L Bond" userId="a6e30f513dae4b66" providerId="LiveId" clId="{5CC29162-806F-4E99-BB6C-D825E9DCB597}" dt="2024-08-21T15:47:10.794" v="6146" actId="164"/>
+          <ac:spMkLst>
+            <pc:docMk/>
+            <pc:sldMk cId="3319624757" sldId="261"/>
+            <ac:spMk id="50" creationId="{C02967DC-ADA3-629E-E3E0-9C3A029183A7}"/>
+          </ac:spMkLst>
+        </pc:spChg>
+        <pc:spChg chg="add mod ord">
+          <ac:chgData name="Jamie L Bond" userId="a6e30f513dae4b66" providerId="LiveId" clId="{5CC29162-806F-4E99-BB6C-D825E9DCB597}" dt="2024-08-21T15:47:10.794" v="6146" actId="164"/>
+          <ac:spMkLst>
+            <pc:docMk/>
+            <pc:sldMk cId="3319624757" sldId="261"/>
+            <ac:spMk id="53" creationId="{205A005A-99DB-C7A2-5836-CB723AD60660}"/>
+          </ac:spMkLst>
+        </pc:spChg>
+        <pc:spChg chg="add mod">
+          <ac:chgData name="Jamie L Bond" userId="a6e30f513dae4b66" providerId="LiveId" clId="{5CC29162-806F-4E99-BB6C-D825E9DCB597}" dt="2024-08-21T15:47:10.794" v="6146" actId="164"/>
+          <ac:spMkLst>
+            <pc:docMk/>
+            <pc:sldMk cId="3319624757" sldId="261"/>
+            <ac:spMk id="55" creationId="{25D87F8A-7770-B26D-FEE0-4AED9A35EC31}"/>
+          </ac:spMkLst>
+        </pc:spChg>
+        <pc:grpChg chg="add mod">
+          <ac:chgData name="Jamie L Bond" userId="a6e30f513dae4b66" providerId="LiveId" clId="{5CC29162-806F-4E99-BB6C-D825E9DCB597}" dt="2024-08-21T15:47:39.399" v="6148" actId="1076"/>
+          <ac:grpSpMkLst>
+            <pc:docMk/>
+            <pc:sldMk cId="3319624757" sldId="261"/>
+            <ac:grpSpMk id="56" creationId="{FAB5D78B-51D4-295B-4702-66A2B21EDB88}"/>
+          </ac:grpSpMkLst>
+        </pc:grpChg>
+        <pc:picChg chg="add mod">
+          <ac:chgData name="Jamie L Bond" userId="a6e30f513dae4b66" providerId="LiveId" clId="{5CC29162-806F-4E99-BB6C-D825E9DCB597}" dt="2024-08-21T15:26:06.350" v="5130" actId="1076"/>
+          <ac:picMkLst>
+            <pc:docMk/>
+            <pc:sldMk cId="3319624757" sldId="261"/>
+            <ac:picMk id="4" creationId="{A5C14C79-5008-C07E-23DD-95C35FA52049}"/>
+          </ac:picMkLst>
+        </pc:picChg>
+        <pc:picChg chg="add mod">
+          <ac:chgData name="Jamie L Bond" userId="a6e30f513dae4b66" providerId="LiveId" clId="{5CC29162-806F-4E99-BB6C-D825E9DCB597}" dt="2024-08-21T15:26:18.017" v="5132" actId="408"/>
+          <ac:picMkLst>
+            <pc:docMk/>
+            <pc:sldMk cId="3319624757" sldId="261"/>
+            <ac:picMk id="9" creationId="{622FC10C-1A23-D0BD-8776-F1BE010D2AD5}"/>
+          </ac:picMkLst>
+        </pc:picChg>
+        <pc:picChg chg="add mod">
+          <ac:chgData name="Jamie L Bond" userId="a6e30f513dae4b66" providerId="LiveId" clId="{5CC29162-806F-4E99-BB6C-D825E9DCB597}" dt="2024-08-21T15:26:18.017" v="5132" actId="408"/>
+          <ac:picMkLst>
+            <pc:docMk/>
+            <pc:sldMk cId="3319624757" sldId="261"/>
+            <ac:picMk id="11" creationId="{C7FDCF04-8833-CE12-1D4B-6D0BB58C189E}"/>
+          </ac:picMkLst>
+        </pc:picChg>
+        <pc:picChg chg="add mod">
+          <ac:chgData name="Jamie L Bond" userId="a6e30f513dae4b66" providerId="LiveId" clId="{5CC29162-806F-4E99-BB6C-D825E9DCB597}" dt="2024-08-21T15:26:18.017" v="5132" actId="408"/>
+          <ac:picMkLst>
+            <pc:docMk/>
+            <pc:sldMk cId="3319624757" sldId="261"/>
+            <ac:picMk id="13" creationId="{1B737D64-8239-8718-2817-EA0934C5C28B}"/>
+          </ac:picMkLst>
+        </pc:picChg>
+        <pc:picChg chg="add mod">
+          <ac:chgData name="Jamie L Bond" userId="a6e30f513dae4b66" providerId="LiveId" clId="{5CC29162-806F-4E99-BB6C-D825E9DCB597}" dt="2024-08-21T15:26:18.017" v="5132" actId="408"/>
+          <ac:picMkLst>
+            <pc:docMk/>
+            <pc:sldMk cId="3319624757" sldId="261"/>
+            <ac:picMk id="15" creationId="{ED090964-8339-236C-A67E-6AB4E27302BB}"/>
+          </ac:picMkLst>
+        </pc:picChg>
+        <pc:picChg chg="add mod">
+          <ac:chgData name="Jamie L Bond" userId="a6e30f513dae4b66" providerId="LiveId" clId="{5CC29162-806F-4E99-BB6C-D825E9DCB597}" dt="2024-08-21T15:26:18.017" v="5132" actId="408"/>
+          <ac:picMkLst>
+            <pc:docMk/>
+            <pc:sldMk cId="3319624757" sldId="261"/>
+            <ac:picMk id="17" creationId="{3328406F-E7A7-6166-41A4-A612C349284C}"/>
+          </ac:picMkLst>
+        </pc:picChg>
+        <pc:picChg chg="add mod">
+          <ac:chgData name="Jamie L Bond" userId="a6e30f513dae4b66" providerId="LiveId" clId="{5CC29162-806F-4E99-BB6C-D825E9DCB597}" dt="2024-08-21T15:26:18.017" v="5132" actId="408"/>
+          <ac:picMkLst>
+            <pc:docMk/>
+            <pc:sldMk cId="3319624757" sldId="261"/>
+            <ac:picMk id="19" creationId="{AE91CDF8-649C-19CA-C93D-96ECFFCB99CD}"/>
+          </ac:picMkLst>
+        </pc:picChg>
+        <pc:picChg chg="add mod">
+          <ac:chgData name="Jamie L Bond" userId="a6e30f513dae4b66" providerId="LiveId" clId="{5CC29162-806F-4E99-BB6C-D825E9DCB597}" dt="2024-08-21T15:26:18.017" v="5132" actId="408"/>
+          <ac:picMkLst>
+            <pc:docMk/>
+            <pc:sldMk cId="3319624757" sldId="261"/>
+            <ac:picMk id="21" creationId="{2690C176-4B4A-13FB-7A12-8534B36932FB}"/>
+          </ac:picMkLst>
+        </pc:picChg>
+        <pc:picChg chg="add mod">
+          <ac:chgData name="Jamie L Bond" userId="a6e30f513dae4b66" providerId="LiveId" clId="{5CC29162-806F-4E99-BB6C-D825E9DCB597}" dt="2024-08-21T15:26:18.017" v="5132" actId="408"/>
+          <ac:picMkLst>
+            <pc:docMk/>
+            <pc:sldMk cId="3319624757" sldId="261"/>
+            <ac:picMk id="23" creationId="{0BBA4628-79AE-87AB-8BD3-80DE160A1A37}"/>
+          </ac:picMkLst>
+        </pc:picChg>
+        <pc:picChg chg="add mod">
+          <ac:chgData name="Jamie L Bond" userId="a6e30f513dae4b66" providerId="LiveId" clId="{5CC29162-806F-4E99-BB6C-D825E9DCB597}" dt="2024-08-21T15:26:18.017" v="5132" actId="408"/>
+          <ac:picMkLst>
+            <pc:docMk/>
+            <pc:sldMk cId="3319624757" sldId="261"/>
+            <ac:picMk id="25" creationId="{07204EEB-49A3-6B1E-9FCA-E0FBE532034F}"/>
+          </ac:picMkLst>
+        </pc:picChg>
+        <pc:picChg chg="add mod">
+          <ac:chgData name="Jamie L Bond" userId="a6e30f513dae4b66" providerId="LiveId" clId="{5CC29162-806F-4E99-BB6C-D825E9DCB597}" dt="2024-08-21T15:26:18.017" v="5132" actId="408"/>
+          <ac:picMkLst>
+            <pc:docMk/>
+            <pc:sldMk cId="3319624757" sldId="261"/>
+            <ac:picMk id="27" creationId="{1C0647EE-07B7-4373-83D8-882F59E759DC}"/>
+          </ac:picMkLst>
+        </pc:picChg>
+        <pc:picChg chg="add mod">
+          <ac:chgData name="Jamie L Bond" userId="a6e30f513dae4b66" providerId="LiveId" clId="{5CC29162-806F-4E99-BB6C-D825E9DCB597}" dt="2024-08-21T15:26:18.017" v="5132" actId="408"/>
+          <ac:picMkLst>
+            <pc:docMk/>
+            <pc:sldMk cId="3319624757" sldId="261"/>
+            <ac:picMk id="29" creationId="{2704EB24-4E19-9E15-EAD0-8843D4023BBD}"/>
+          </ac:picMkLst>
+        </pc:picChg>
+        <pc:picChg chg="add del mod">
+          <ac:chgData name="Jamie L Bond" userId="a6e30f513dae4b66" providerId="LiveId" clId="{5CC29162-806F-4E99-BB6C-D825E9DCB597}" dt="2024-08-21T15:29:02.722" v="5158" actId="478"/>
+          <ac:picMkLst>
+            <pc:docMk/>
+            <pc:sldMk cId="3319624757" sldId="261"/>
+            <ac:picMk id="31" creationId="{F4732900-9F0C-6C7D-6B16-ACC219588F2E}"/>
+          </ac:picMkLst>
+        </pc:picChg>
+        <pc:picChg chg="add mod">
+          <ac:chgData name="Jamie L Bond" userId="a6e30f513dae4b66" providerId="LiveId" clId="{5CC29162-806F-4E99-BB6C-D825E9DCB597}" dt="2024-08-21T15:26:18.017" v="5132" actId="408"/>
+          <ac:picMkLst>
+            <pc:docMk/>
+            <pc:sldMk cId="3319624757" sldId="261"/>
+            <ac:picMk id="33" creationId="{F5F889B2-759A-4792-32FC-AE0DC69F5262}"/>
+          </ac:picMkLst>
+        </pc:picChg>
+        <pc:picChg chg="add mod">
+          <ac:chgData name="Jamie L Bond" userId="a6e30f513dae4b66" providerId="LiveId" clId="{5CC29162-806F-4E99-BB6C-D825E9DCB597}" dt="2024-08-21T15:47:32.440" v="6147" actId="1076"/>
+          <ac:picMkLst>
+            <pc:docMk/>
+            <pc:sldMk cId="3319624757" sldId="261"/>
+            <ac:picMk id="35" creationId="{C217ECC1-B67F-CD6C-895F-E8823D475C95}"/>
+          </ac:picMkLst>
+        </pc:picChg>
+        <pc:picChg chg="add mod">
+          <ac:chgData name="Jamie L Bond" userId="a6e30f513dae4b66" providerId="LiveId" clId="{5CC29162-806F-4E99-BB6C-D825E9DCB597}" dt="2024-08-21T15:26:18.017" v="5132" actId="408"/>
+          <ac:picMkLst>
+            <pc:docMk/>
+            <pc:sldMk cId="3319624757" sldId="261"/>
+            <ac:picMk id="37" creationId="{6CBB3644-E4EC-6865-2A56-941B87969A2B}"/>
+          </ac:picMkLst>
+        </pc:picChg>
+        <pc:picChg chg="add mod">
+          <ac:chgData name="Jamie L Bond" userId="a6e30f513dae4b66" providerId="LiveId" clId="{5CC29162-806F-4E99-BB6C-D825E9DCB597}" dt="2024-08-21T15:26:18.017" v="5132" actId="408"/>
+          <ac:picMkLst>
+            <pc:docMk/>
+            <pc:sldMk cId="3319624757" sldId="261"/>
+            <ac:picMk id="39" creationId="{DAF9CEC0-B8A1-69E0-F3A2-67D35F3C18B8}"/>
+          </ac:picMkLst>
+        </pc:picChg>
+        <pc:picChg chg="add mod">
+          <ac:chgData name="Jamie L Bond" userId="a6e30f513dae4b66" providerId="LiveId" clId="{5CC29162-806F-4E99-BB6C-D825E9DCB597}" dt="2024-08-21T15:47:10.794" v="6146" actId="164"/>
+          <ac:picMkLst>
+            <pc:docMk/>
+            <pc:sldMk cId="3319624757" sldId="261"/>
+            <ac:picMk id="41" creationId="{C9889600-5029-DE2B-09F8-7E603E48CB5B}"/>
+          </ac:picMkLst>
+        </pc:picChg>
+        <pc:picChg chg="add mod">
+          <ac:chgData name="Jamie L Bond" userId="a6e30f513dae4b66" providerId="LiveId" clId="{5CC29162-806F-4E99-BB6C-D825E9DCB597}" dt="2024-08-21T15:47:32.440" v="6147" actId="1076"/>
+          <ac:picMkLst>
+            <pc:docMk/>
+            <pc:sldMk cId="3319624757" sldId="261"/>
+            <ac:picMk id="43" creationId="{D381BB6A-BB1D-6B7B-F37D-9956A4CF42B5}"/>
+          </ac:picMkLst>
+        </pc:picChg>
+        <pc:picChg chg="add mod">
+          <ac:chgData name="Jamie L Bond" userId="a6e30f513dae4b66" providerId="LiveId" clId="{5CC29162-806F-4E99-BB6C-D825E9DCB597}" dt="2024-08-21T15:47:10.794" v="6146" actId="164"/>
+          <ac:picMkLst>
+            <pc:docMk/>
+            <pc:sldMk cId="3319624757" sldId="261"/>
+            <ac:picMk id="45" creationId="{B88D4082-A4B2-128F-968C-30398B874A60}"/>
+          </ac:picMkLst>
+        </pc:picChg>
+        <pc:picChg chg="add del mod">
+          <ac:chgData name="Jamie L Bond" userId="a6e30f513dae4b66" providerId="LiveId" clId="{5CC29162-806F-4E99-BB6C-D825E9DCB597}" dt="2024-08-21T15:28:42.583" v="5153" actId="478"/>
+          <ac:picMkLst>
+            <pc:docMk/>
+            <pc:sldMk cId="3319624757" sldId="261"/>
+            <ac:picMk id="47" creationId="{81F0E06F-EA1E-0AB9-9D8A-135330680E97}"/>
+          </ac:picMkLst>
+        </pc:picChg>
+        <pc:picChg chg="add mod">
+          <ac:chgData name="Jamie L Bond" userId="a6e30f513dae4b66" providerId="LiveId" clId="{5CC29162-806F-4E99-BB6C-D825E9DCB597}" dt="2024-08-21T15:47:32.440" v="6147" actId="1076"/>
+          <ac:picMkLst>
+            <pc:docMk/>
+            <pc:sldMk cId="3319624757" sldId="261"/>
+            <ac:picMk id="49" creationId="{A1713646-DE20-4E71-EEF8-9E96DF3BB19F}"/>
+          </ac:picMkLst>
+        </pc:picChg>
+        <pc:picChg chg="add del mod">
+          <ac:chgData name="Jamie L Bond" userId="a6e30f513dae4b66" providerId="LiveId" clId="{5CC29162-806F-4E99-BB6C-D825E9DCB597}" dt="2024-08-21T15:31:43.707" v="5210" actId="478"/>
+          <ac:picMkLst>
+            <pc:docMk/>
+            <pc:sldMk cId="3319624757" sldId="261"/>
+            <ac:picMk id="51" creationId="{98E1C6F3-CD5D-D6A9-AD23-630790656EC4}"/>
+          </ac:picMkLst>
+        </pc:picChg>
+        <pc:picChg chg="add del mod">
+          <ac:chgData name="Jamie L Bond" userId="a6e30f513dae4b66" providerId="LiveId" clId="{5CC29162-806F-4E99-BB6C-D825E9DCB597}" dt="2024-08-21T15:30:45.608" v="5198" actId="478"/>
+          <ac:picMkLst>
+            <pc:docMk/>
+            <pc:sldMk cId="3319624757" sldId="261"/>
+            <ac:picMk id="52" creationId="{19034BED-F03E-F458-2CE6-C5C8D9380539}"/>
+          </ac:picMkLst>
+        </pc:picChg>
       </pc:sldChg>
       <pc:sldChg chg="addSp delSp modSp mod">
-        <pc:chgData name="Jamie L Bond" userId="a6e30f513dae4b66" providerId="LiveId" clId="{5CC29162-806F-4E99-BB6C-D825E9DCB597}" dt="2024-08-20T14:54:48.418" v="1120"/>
+        <pc:chgData name="Jamie L Bond" userId="a6e30f513dae4b66" providerId="LiveId" clId="{5CC29162-806F-4E99-BB6C-D825E9DCB597}" dt="2024-08-21T14:15:35.498" v="2318"/>
         <pc:sldMkLst>
           <pc:docMk/>
           <pc:sldMk cId="137034060" sldId="262"/>
         </pc:sldMkLst>
         <pc:spChg chg="mod">
-          <ac:chgData name="Jamie L Bond" userId="a6e30f513dae4b66" providerId="LiveId" clId="{5CC29162-806F-4E99-BB6C-D825E9DCB597}" dt="2024-08-20T14:54:48.418" v="1120"/>
+          <ac:chgData name="Jamie L Bond" userId="a6e30f513dae4b66" providerId="LiveId" clId="{5CC29162-806F-4E99-BB6C-D825E9DCB597}" dt="2024-08-21T14:15:35.498" v="2318"/>
           <ac:spMkLst>
             <pc:docMk/>
             <pc:sldMk cId="137034060" sldId="262"/>
@@ -660,13 +896,13 @@
         </pc:picChg>
       </pc:sldChg>
       <pc:sldChg chg="addSp delSp modSp mod modNotesTx">
-        <pc:chgData name="Jamie L Bond" userId="a6e30f513dae4b66" providerId="LiveId" clId="{5CC29162-806F-4E99-BB6C-D825E9DCB597}" dt="2024-08-20T23:38:52.046" v="2159" actId="1076"/>
+        <pc:chgData name="Jamie L Bond" userId="a6e30f513dae4b66" providerId="LiveId" clId="{5CC29162-806F-4E99-BB6C-D825E9DCB597}" dt="2024-08-21T16:10:38.804" v="6499" actId="1076"/>
         <pc:sldMkLst>
           <pc:docMk/>
           <pc:sldMk cId="3429612716" sldId="267"/>
         </pc:sldMkLst>
         <pc:spChg chg="mod">
-          <ac:chgData name="Jamie L Bond" userId="a6e30f513dae4b66" providerId="LiveId" clId="{5CC29162-806F-4E99-BB6C-D825E9DCB597}" dt="2024-08-20T14:54:37.984" v="1111"/>
+          <ac:chgData name="Jamie L Bond" userId="a6e30f513dae4b66" providerId="LiveId" clId="{5CC29162-806F-4E99-BB6C-D825E9DCB597}" dt="2024-08-21T15:48:55.570" v="6186"/>
           <ac:spMkLst>
             <pc:docMk/>
             <pc:sldMk cId="3429612716" sldId="267"/>
@@ -681,32 +917,40 @@
             <ac:spMk id="3" creationId="{5B2CF8CD-C978-DF56-2ED0-461227B3B7E2}"/>
           </ac:spMkLst>
         </pc:spChg>
-        <pc:spChg chg="add mod">
-          <ac:chgData name="Jamie L Bond" userId="a6e30f513dae4b66" providerId="LiveId" clId="{5CC29162-806F-4E99-BB6C-D825E9DCB597}" dt="2024-08-20T23:37:15.046" v="2031" actId="1076"/>
+        <pc:spChg chg="add mod topLvl">
+          <ac:chgData name="Jamie L Bond" userId="a6e30f513dae4b66" providerId="LiveId" clId="{5CC29162-806F-4E99-BB6C-D825E9DCB597}" dt="2024-08-21T15:01:22.873" v="3640" actId="164"/>
           <ac:spMkLst>
             <pc:docMk/>
             <pc:sldMk cId="3429612716" sldId="267"/>
             <ac:spMk id="3" creationId="{801E835D-4D7E-FCE0-0470-1AAD3D99E4AC}"/>
           </ac:spMkLst>
         </pc:spChg>
-        <pc:spChg chg="mod">
-          <ac:chgData name="Jamie L Bond" userId="a6e30f513dae4b66" providerId="LiveId" clId="{5CC29162-806F-4E99-BB6C-D825E9DCB597}" dt="2024-08-20T14:16:26.187" v="303" actId="20577"/>
+        <pc:spChg chg="del mod">
+          <ac:chgData name="Jamie L Bond" userId="a6e30f513dae4b66" providerId="LiveId" clId="{5CC29162-806F-4E99-BB6C-D825E9DCB597}" dt="2024-08-21T15:48:43.702" v="6173" actId="478"/>
           <ac:spMkLst>
             <pc:docMk/>
             <pc:sldMk cId="3429612716" sldId="267"/>
             <ac:spMk id="4" creationId="{F7FEAC8F-445B-46CA-3B2E-56975272E7AA}"/>
           </ac:spMkLst>
         </pc:spChg>
-        <pc:spChg chg="add mod">
-          <ac:chgData name="Jamie L Bond" userId="a6e30f513dae4b66" providerId="LiveId" clId="{5CC29162-806F-4E99-BB6C-D825E9DCB597}" dt="2024-08-20T22:49:56.575" v="1897" actId="1076"/>
+        <pc:spChg chg="del mod">
+          <ac:chgData name="Jamie L Bond" userId="a6e30f513dae4b66" providerId="LiveId" clId="{5CC29162-806F-4E99-BB6C-D825E9DCB597}" dt="2024-08-21T15:48:43.702" v="6173" actId="478"/>
+          <ac:spMkLst>
+            <pc:docMk/>
+            <pc:sldMk cId="3429612716" sldId="267"/>
+            <ac:spMk id="5" creationId="{14CC141E-45FF-84A0-799B-8FF06FFF5424}"/>
+          </ac:spMkLst>
+        </pc:spChg>
+        <pc:spChg chg="add mod topLvl">
+          <ac:chgData name="Jamie L Bond" userId="a6e30f513dae4b66" providerId="LiveId" clId="{5CC29162-806F-4E99-BB6C-D825E9DCB597}" dt="2024-08-21T15:01:22.873" v="3640" actId="164"/>
           <ac:spMkLst>
             <pc:docMk/>
             <pc:sldMk cId="3429612716" sldId="267"/>
             <ac:spMk id="6" creationId="{93D69420-7FA7-5847-C21A-C7253AD0F3A0}"/>
           </ac:spMkLst>
         </pc:spChg>
-        <pc:spChg chg="add mod">
-          <ac:chgData name="Jamie L Bond" userId="a6e30f513dae4b66" providerId="LiveId" clId="{5CC29162-806F-4E99-BB6C-D825E9DCB597}" dt="2024-08-20T23:19:28.185" v="2030" actId="1076"/>
+        <pc:spChg chg="add del mod">
+          <ac:chgData name="Jamie L Bond" userId="a6e30f513dae4b66" providerId="LiveId" clId="{5CC29162-806F-4E99-BB6C-D825E9DCB597}" dt="2024-08-21T15:48:43.702" v="6173" actId="478"/>
           <ac:spMkLst>
             <pc:docMk/>
             <pc:sldMk cId="3429612716" sldId="267"/>
@@ -730,79 +974,79 @@
           </ac:spMkLst>
         </pc:spChg>
         <pc:spChg chg="add del mod">
-          <ac:chgData name="Jamie L Bond" userId="a6e30f513dae4b66" providerId="LiveId" clId="{5CC29162-806F-4E99-BB6C-D825E9DCB597}" dt="2024-08-20T23:37:29.966" v="2043" actId="1076"/>
+          <ac:chgData name="Jamie L Bond" userId="a6e30f513dae4b66" providerId="LiveId" clId="{5CC29162-806F-4E99-BB6C-D825E9DCB597}" dt="2024-08-21T15:48:49.756" v="6184" actId="478"/>
           <ac:spMkLst>
             <pc:docMk/>
             <pc:sldMk cId="3429612716" sldId="267"/>
             <ac:spMk id="8" creationId="{12CB70C8-BC57-1332-3366-AF6105D10634}"/>
           </ac:spMkLst>
         </pc:spChg>
-        <pc:spChg chg="add mod">
-          <ac:chgData name="Jamie L Bond" userId="a6e30f513dae4b66" providerId="LiveId" clId="{5CC29162-806F-4E99-BB6C-D825E9DCB597}" dt="2024-08-20T22:43:16.859" v="1707" actId="313"/>
+        <pc:spChg chg="add del mod topLvl">
+          <ac:chgData name="Jamie L Bond" userId="a6e30f513dae4b66" providerId="LiveId" clId="{5CC29162-806F-4E99-BB6C-D825E9DCB597}" dt="2024-08-21T15:48:43.702" v="6173" actId="478"/>
           <ac:spMkLst>
             <pc:docMk/>
             <pc:sldMk cId="3429612716" sldId="267"/>
             <ac:spMk id="9" creationId="{CF248F6D-DDF6-4F8C-93DE-31AA08390B65}"/>
           </ac:spMkLst>
         </pc:spChg>
-        <pc:spChg chg="add mod">
-          <ac:chgData name="Jamie L Bond" userId="a6e30f513dae4b66" providerId="LiveId" clId="{5CC29162-806F-4E99-BB6C-D825E9DCB597}" dt="2024-08-20T22:49:37.752" v="1896" actId="20577"/>
+        <pc:spChg chg="add del mod">
+          <ac:chgData name="Jamie L Bond" userId="a6e30f513dae4b66" providerId="LiveId" clId="{5CC29162-806F-4E99-BB6C-D825E9DCB597}" dt="2024-08-21T14:55:08.112" v="3460" actId="478"/>
           <ac:spMkLst>
             <pc:docMk/>
             <pc:sldMk cId="3429612716" sldId="267"/>
             <ac:spMk id="10" creationId="{DDBC36E5-9354-7FC9-0598-F844263CF65C}"/>
           </ac:spMkLst>
         </pc:spChg>
-        <pc:spChg chg="add mod">
-          <ac:chgData name="Jamie L Bond" userId="a6e30f513dae4b66" providerId="LiveId" clId="{5CC29162-806F-4E99-BB6C-D825E9DCB597}" dt="2024-08-20T16:45:15.288" v="1499" actId="3064"/>
+        <pc:spChg chg="add del mod topLvl">
+          <ac:chgData name="Jamie L Bond" userId="a6e30f513dae4b66" providerId="LiveId" clId="{5CC29162-806F-4E99-BB6C-D825E9DCB597}" dt="2024-08-21T15:48:43.702" v="6173" actId="478"/>
           <ac:spMkLst>
             <pc:docMk/>
             <pc:sldMk cId="3429612716" sldId="267"/>
             <ac:spMk id="11" creationId="{AE93E4A0-023C-6814-DE3B-EA4E3C9E5B30}"/>
           </ac:spMkLst>
         </pc:spChg>
-        <pc:spChg chg="add mod">
-          <ac:chgData name="Jamie L Bond" userId="a6e30f513dae4b66" providerId="LiveId" clId="{5CC29162-806F-4E99-BB6C-D825E9DCB597}" dt="2024-08-20T16:45:15.288" v="1499" actId="3064"/>
+        <pc:spChg chg="add del mod">
+          <ac:chgData name="Jamie L Bond" userId="a6e30f513dae4b66" providerId="LiveId" clId="{5CC29162-806F-4E99-BB6C-D825E9DCB597}" dt="2024-08-21T14:51:07.777" v="3375" actId="478"/>
           <ac:spMkLst>
             <pc:docMk/>
             <pc:sldMk cId="3429612716" sldId="267"/>
             <ac:spMk id="12" creationId="{07E1F778-5DF7-A635-7D31-FC80433CAC3B}"/>
           </ac:spMkLst>
         </pc:spChg>
-        <pc:spChg chg="add mod">
-          <ac:chgData name="Jamie L Bond" userId="a6e30f513dae4b66" providerId="LiveId" clId="{5CC29162-806F-4E99-BB6C-D825E9DCB597}" dt="2024-08-20T16:45:37.056" v="1529" actId="20577"/>
+        <pc:spChg chg="add del mod">
+          <ac:chgData name="Jamie L Bond" userId="a6e30f513dae4b66" providerId="LiveId" clId="{5CC29162-806F-4E99-BB6C-D825E9DCB597}" dt="2024-08-21T15:48:43.702" v="6173" actId="478"/>
           <ac:spMkLst>
             <pc:docMk/>
             <pc:sldMk cId="3429612716" sldId="267"/>
             <ac:spMk id="13" creationId="{7CD8ACE2-6AA4-C5F8-5CF5-C1D8F9D48FFE}"/>
           </ac:spMkLst>
         </pc:spChg>
-        <pc:spChg chg="add mod">
-          <ac:chgData name="Jamie L Bond" userId="a6e30f513dae4b66" providerId="LiveId" clId="{5CC29162-806F-4E99-BB6C-D825E9DCB597}" dt="2024-08-20T16:46:24.046" v="1536" actId="208"/>
+        <pc:spChg chg="add del mod">
+          <ac:chgData name="Jamie L Bond" userId="a6e30f513dae4b66" providerId="LiveId" clId="{5CC29162-806F-4E99-BB6C-D825E9DCB597}" dt="2024-08-21T15:48:43.702" v="6173" actId="478"/>
           <ac:spMkLst>
             <pc:docMk/>
             <pc:sldMk cId="3429612716" sldId="267"/>
             <ac:spMk id="14" creationId="{2B28EB6C-164C-BD0E-ED5B-AD3F0B4F229B}"/>
           </ac:spMkLst>
         </pc:spChg>
-        <pc:spChg chg="add mod">
-          <ac:chgData name="Jamie L Bond" userId="a6e30f513dae4b66" providerId="LiveId" clId="{5CC29162-806F-4E99-BB6C-D825E9DCB597}" dt="2024-08-20T22:43:53.045" v="1775" actId="20577"/>
+        <pc:spChg chg="add del mod">
+          <ac:chgData name="Jamie L Bond" userId="a6e30f513dae4b66" providerId="LiveId" clId="{5CC29162-806F-4E99-BB6C-D825E9DCB597}" dt="2024-08-21T15:48:43.702" v="6173" actId="478"/>
           <ac:spMkLst>
             <pc:docMk/>
             <pc:sldMk cId="3429612716" sldId="267"/>
             <ac:spMk id="15" creationId="{0FFF3325-E39C-37A9-4D73-F11A96239553}"/>
           </ac:spMkLst>
         </pc:spChg>
-        <pc:spChg chg="add mod">
-          <ac:chgData name="Jamie L Bond" userId="a6e30f513dae4b66" providerId="LiveId" clId="{5CC29162-806F-4E99-BB6C-D825E9DCB597}" dt="2024-08-20T16:42:21.209" v="1361" actId="1076"/>
+        <pc:spChg chg="add del mod">
+          <ac:chgData name="Jamie L Bond" userId="a6e30f513dae4b66" providerId="LiveId" clId="{5CC29162-806F-4E99-BB6C-D825E9DCB597}" dt="2024-08-21T15:48:43.702" v="6173" actId="478"/>
           <ac:spMkLst>
             <pc:docMk/>
             <pc:sldMk cId="3429612716" sldId="267"/>
             <ac:spMk id="33" creationId="{B4D39BC6-2DB9-2B88-F43B-38245778FB17}"/>
           </ac:spMkLst>
         </pc:spChg>
-        <pc:spChg chg="add mod">
-          <ac:chgData name="Jamie L Bond" userId="a6e30f513dae4b66" providerId="LiveId" clId="{5CC29162-806F-4E99-BB6C-D825E9DCB597}" dt="2024-08-20T22:46:47.163" v="1888" actId="1076"/>
+        <pc:spChg chg="add del mod">
+          <ac:chgData name="Jamie L Bond" userId="a6e30f513dae4b66" providerId="LiveId" clId="{5CC29162-806F-4E99-BB6C-D825E9DCB597}" dt="2024-08-21T15:48:43.702" v="6173" actId="478"/>
           <ac:spMkLst>
             <pc:docMk/>
             <pc:sldMk cId="3429612716" sldId="267"/>
@@ -817,8 +1061,8 @@
             <ac:spMk id="38" creationId="{994AE96C-1288-3811-07AE-68558D0555EF}"/>
           </ac:spMkLst>
         </pc:spChg>
-        <pc:spChg chg="add mod">
-          <ac:chgData name="Jamie L Bond" userId="a6e30f513dae4b66" providerId="LiveId" clId="{5CC29162-806F-4E99-BB6C-D825E9DCB597}" dt="2024-08-20T22:47:06.233" v="1894" actId="1076"/>
+        <pc:spChg chg="add del mod">
+          <ac:chgData name="Jamie L Bond" userId="a6e30f513dae4b66" providerId="LiveId" clId="{5CC29162-806F-4E99-BB6C-D825E9DCB597}" dt="2024-08-21T15:48:43.702" v="6173" actId="478"/>
           <ac:spMkLst>
             <pc:docMk/>
             <pc:sldMk cId="3429612716" sldId="267"/>
@@ -826,7 +1070,15 @@
           </ac:spMkLst>
         </pc:spChg>
         <pc:spChg chg="add mod">
-          <ac:chgData name="Jamie L Bond" userId="a6e30f513dae4b66" providerId="LiveId" clId="{5CC29162-806F-4E99-BB6C-D825E9DCB597}" dt="2024-08-20T23:38:52.046" v="2159" actId="1076"/>
+          <ac:chgData name="Jamie L Bond" userId="a6e30f513dae4b66" providerId="LiveId" clId="{5CC29162-806F-4E99-BB6C-D825E9DCB597}" dt="2024-08-21T14:18:34.277" v="2428" actId="1076"/>
+          <ac:spMkLst>
+            <pc:docMk/>
+            <pc:sldMk cId="3429612716" sldId="267"/>
+            <ac:spMk id="43" creationId="{5C572696-D031-46C4-831E-F2D9915DEE4C}"/>
+          </ac:spMkLst>
+        </pc:spChg>
+        <pc:spChg chg="add mod topLvl">
+          <ac:chgData name="Jamie L Bond" userId="a6e30f513dae4b66" providerId="LiveId" clId="{5CC29162-806F-4E99-BB6C-D825E9DCB597}" dt="2024-08-21T15:01:22.873" v="3640" actId="164"/>
           <ac:spMkLst>
             <pc:docMk/>
             <pc:sldMk cId="3429612716" sldId="267"/>
@@ -834,43 +1086,187 @@
           </ac:spMkLst>
         </pc:spChg>
         <pc:spChg chg="add mod">
-          <ac:chgData name="Jamie L Bond" userId="a6e30f513dae4b66" providerId="LiveId" clId="{5CC29162-806F-4E99-BB6C-D825E9DCB597}" dt="2024-08-20T16:43:12.703" v="1424" actId="1076"/>
+          <ac:chgData name="Jamie L Bond" userId="a6e30f513dae4b66" providerId="LiveId" clId="{5CC29162-806F-4E99-BB6C-D825E9DCB597}" dt="2024-08-21T14:18:32.864" v="2425" actId="1076"/>
+          <ac:spMkLst>
+            <pc:docMk/>
+            <pc:sldMk cId="3429612716" sldId="267"/>
+            <ac:spMk id="49" creationId="{7A00C1E7-91D4-1697-81D5-90559D811704}"/>
+          </ac:spMkLst>
+        </pc:spChg>
+        <pc:spChg chg="add mod">
+          <ac:chgData name="Jamie L Bond" userId="a6e30f513dae4b66" providerId="LiveId" clId="{5CC29162-806F-4E99-BB6C-D825E9DCB597}" dt="2024-08-21T14:18:32.352" v="2424" actId="1076"/>
+          <ac:spMkLst>
+            <pc:docMk/>
+            <pc:sldMk cId="3429612716" sldId="267"/>
+            <ac:spMk id="50" creationId="{CFC83304-47C0-8980-90FA-BAD39F49EE74}"/>
+          </ac:spMkLst>
+        </pc:spChg>
+        <pc:spChg chg="add del mod">
+          <ac:chgData name="Jamie L Bond" userId="a6e30f513dae4b66" providerId="LiveId" clId="{5CC29162-806F-4E99-BB6C-D825E9DCB597}" dt="2024-08-21T15:48:43.702" v="6173" actId="478"/>
           <ac:spMkLst>
             <pc:docMk/>
             <pc:sldMk cId="3429612716" sldId="267"/>
             <ac:spMk id="57" creationId="{46BDF63E-7685-AED2-11A1-A4E1F8C349A6}"/>
           </ac:spMkLst>
         </pc:spChg>
-        <pc:spChg chg="add mod">
-          <ac:chgData name="Jamie L Bond" userId="a6e30f513dae4b66" providerId="LiveId" clId="{5CC29162-806F-4E99-BB6C-D825E9DCB597}" dt="2024-08-20T22:46:56.997" v="1892" actId="1076"/>
+        <pc:spChg chg="add del mod ord topLvl">
+          <ac:chgData name="Jamie L Bond" userId="a6e30f513dae4b66" providerId="LiveId" clId="{5CC29162-806F-4E99-BB6C-D825E9DCB597}" dt="2024-08-21T15:48:43.702" v="6173" actId="478"/>
           <ac:spMkLst>
             <pc:docMk/>
             <pc:sldMk cId="3429612716" sldId="267"/>
             <ac:spMk id="67" creationId="{C10F6298-D30B-5B60-82B7-D5AAD4C52F17}"/>
           </ac:spMkLst>
         </pc:spChg>
-        <pc:spChg chg="add mod">
-          <ac:chgData name="Jamie L Bond" userId="a6e30f513dae4b66" providerId="LiveId" clId="{5CC29162-806F-4E99-BB6C-D825E9DCB597}" dt="2024-08-20T16:47:53.753" v="1564" actId="1076"/>
+        <pc:spChg chg="add del mod">
+          <ac:chgData name="Jamie L Bond" userId="a6e30f513dae4b66" providerId="LiveId" clId="{5CC29162-806F-4E99-BB6C-D825E9DCB597}" dt="2024-08-21T15:48:43.702" v="6173" actId="478"/>
           <ac:spMkLst>
             <pc:docMk/>
             <pc:sldMk cId="3429612716" sldId="267"/>
             <ac:spMk id="68" creationId="{FE282360-9607-4562-10CB-BFF185F83A2D}"/>
           </ac:spMkLst>
         </pc:spChg>
-        <pc:spChg chg="add mod">
-          <ac:chgData name="Jamie L Bond" userId="a6e30f513dae4b66" providerId="LiveId" clId="{5CC29162-806F-4E99-BB6C-D825E9DCB597}" dt="2024-08-20T16:48:10.177" v="1572" actId="20577"/>
+        <pc:spChg chg="add del mod">
+          <ac:chgData name="Jamie L Bond" userId="a6e30f513dae4b66" providerId="LiveId" clId="{5CC29162-806F-4E99-BB6C-D825E9DCB597}" dt="2024-08-21T15:48:43.702" v="6173" actId="478"/>
           <ac:spMkLst>
             <pc:docMk/>
             <pc:sldMk cId="3429612716" sldId="267"/>
             <ac:spMk id="69" creationId="{A480BDDE-1DE0-73A5-3DD0-5C6D336544A0}"/>
           </ac:spMkLst>
         </pc:spChg>
-        <pc:spChg chg="add mod">
-          <ac:chgData name="Jamie L Bond" userId="a6e30f513dae4b66" providerId="LiveId" clId="{5CC29162-806F-4E99-BB6C-D825E9DCB597}" dt="2024-08-20T16:48:18.609" v="1577" actId="20577"/>
+        <pc:spChg chg="add del mod">
+          <ac:chgData name="Jamie L Bond" userId="a6e30f513dae4b66" providerId="LiveId" clId="{5CC29162-806F-4E99-BB6C-D825E9DCB597}" dt="2024-08-21T15:48:43.702" v="6173" actId="478"/>
           <ac:spMkLst>
             <pc:docMk/>
             <pc:sldMk cId="3429612716" sldId="267"/>
             <ac:spMk id="70" creationId="{43628D85-2F89-7F73-E65A-23F0C46940C6}"/>
+          </ac:spMkLst>
+        </pc:spChg>
+        <pc:spChg chg="add mod topLvl">
+          <ac:chgData name="Jamie L Bond" userId="a6e30f513dae4b66" providerId="LiveId" clId="{5CC29162-806F-4E99-BB6C-D825E9DCB597}" dt="2024-08-21T15:01:22.873" v="3640" actId="164"/>
+          <ac:spMkLst>
+            <pc:docMk/>
+            <pc:sldMk cId="3429612716" sldId="267"/>
+            <ac:spMk id="83" creationId="{4B421871-48F2-CC53-117A-B7984A40C14F}"/>
+          </ac:spMkLst>
+        </pc:spChg>
+        <pc:spChg chg="add mod ord topLvl">
+          <ac:chgData name="Jamie L Bond" userId="a6e30f513dae4b66" providerId="LiveId" clId="{5CC29162-806F-4E99-BB6C-D825E9DCB597}" dt="2024-08-21T15:01:22.873" v="3640" actId="164"/>
+          <ac:spMkLst>
+            <pc:docMk/>
+            <pc:sldMk cId="3429612716" sldId="267"/>
+            <ac:spMk id="88" creationId="{FE1EEEBE-BE9B-8B2A-140B-DA2220C12499}"/>
+          </ac:spMkLst>
+        </pc:spChg>
+        <pc:spChg chg="add del mod">
+          <ac:chgData name="Jamie L Bond" userId="a6e30f513dae4b66" providerId="LiveId" clId="{5CC29162-806F-4E99-BB6C-D825E9DCB597}" dt="2024-08-21T14:40:25.290" v="3193" actId="478"/>
+          <ac:spMkLst>
+            <pc:docMk/>
+            <pc:sldMk cId="3429612716" sldId="267"/>
+            <ac:spMk id="136" creationId="{1ABDCA6D-C27C-B8DA-E27A-1EDC707EDCCF}"/>
+          </ac:spMkLst>
+        </pc:spChg>
+        <pc:spChg chg="add del mod topLvl">
+          <ac:chgData name="Jamie L Bond" userId="a6e30f513dae4b66" providerId="LiveId" clId="{5CC29162-806F-4E99-BB6C-D825E9DCB597}" dt="2024-08-21T15:48:43.702" v="6173" actId="478"/>
+          <ac:spMkLst>
+            <pc:docMk/>
+            <pc:sldMk cId="3429612716" sldId="267"/>
+            <ac:spMk id="146" creationId="{85878C9E-99B7-E59E-7A66-3D35209851D7}"/>
+          </ac:spMkLst>
+        </pc:spChg>
+        <pc:spChg chg="add mod topLvl">
+          <ac:chgData name="Jamie L Bond" userId="a6e30f513dae4b66" providerId="LiveId" clId="{5CC29162-806F-4E99-BB6C-D825E9DCB597}" dt="2024-08-21T15:01:22.873" v="3640" actId="164"/>
+          <ac:spMkLst>
+            <pc:docMk/>
+            <pc:sldMk cId="3429612716" sldId="267"/>
+            <ac:spMk id="149" creationId="{C7656AE1-85F2-B397-0307-AE414AC4CC7D}"/>
+          </ac:spMkLst>
+        </pc:spChg>
+        <pc:spChg chg="add del mod topLvl">
+          <ac:chgData name="Jamie L Bond" userId="a6e30f513dae4b66" providerId="LiveId" clId="{5CC29162-806F-4E99-BB6C-D825E9DCB597}" dt="2024-08-21T15:48:43.702" v="6173" actId="478"/>
+          <ac:spMkLst>
+            <pc:docMk/>
+            <pc:sldMk cId="3429612716" sldId="267"/>
+            <ac:spMk id="161" creationId="{FB7740B5-D1F6-486B-DD05-62F502E68444}"/>
+          </ac:spMkLst>
+        </pc:spChg>
+        <pc:spChg chg="add del mod">
+          <ac:chgData name="Jamie L Bond" userId="a6e30f513dae4b66" providerId="LiveId" clId="{5CC29162-806F-4E99-BB6C-D825E9DCB597}" dt="2024-08-21T15:48:43.702" v="6173" actId="478"/>
+          <ac:spMkLst>
+            <pc:docMk/>
+            <pc:sldMk cId="3429612716" sldId="267"/>
+            <ac:spMk id="162" creationId="{311A7904-6FD8-F19F-D168-96E35EC4B60C}"/>
+          </ac:spMkLst>
+        </pc:spChg>
+        <pc:spChg chg="add del mod topLvl">
+          <ac:chgData name="Jamie L Bond" userId="a6e30f513dae4b66" providerId="LiveId" clId="{5CC29162-806F-4E99-BB6C-D825E9DCB597}" dt="2024-08-21T15:48:43.702" v="6173" actId="478"/>
+          <ac:spMkLst>
+            <pc:docMk/>
+            <pc:sldMk cId="3429612716" sldId="267"/>
+            <ac:spMk id="164" creationId="{7520AE39-ED25-158A-FDE7-EE26F258F750}"/>
+          </ac:spMkLst>
+        </pc:spChg>
+        <pc:spChg chg="add del mod">
+          <ac:chgData name="Jamie L Bond" userId="a6e30f513dae4b66" providerId="LiveId" clId="{5CC29162-806F-4E99-BB6C-D825E9DCB597}" dt="2024-08-21T15:48:43.702" v="6173" actId="478"/>
+          <ac:spMkLst>
+            <pc:docMk/>
+            <pc:sldMk cId="3429612716" sldId="267"/>
+            <ac:spMk id="166" creationId="{0CEA97BF-48F1-B041-7BEE-661DDAAABF63}"/>
+          </ac:spMkLst>
+        </pc:spChg>
+        <pc:spChg chg="mod">
+          <ac:chgData name="Jamie L Bond" userId="a6e30f513dae4b66" providerId="LiveId" clId="{5CC29162-806F-4E99-BB6C-D825E9DCB597}" dt="2024-08-21T15:02:14.574" v="3649" actId="14100"/>
+          <ac:spMkLst>
+            <pc:docMk/>
+            <pc:sldMk cId="3429612716" sldId="267"/>
+            <ac:spMk id="170" creationId="{CD2DC3B8-2CA8-69A1-5DEC-732C79156389}"/>
+          </ac:spMkLst>
+        </pc:spChg>
+        <pc:spChg chg="mod">
+          <ac:chgData name="Jamie L Bond" userId="a6e30f513dae4b66" providerId="LiveId" clId="{5CC29162-806F-4E99-BB6C-D825E9DCB597}" dt="2024-08-21T15:02:39.450" v="3664" actId="20577"/>
+          <ac:spMkLst>
+            <pc:docMk/>
+            <pc:sldMk cId="3429612716" sldId="267"/>
+            <ac:spMk id="171" creationId="{8FA653B0-B6A3-B760-6C72-BDA8C002E8AE}"/>
+          </ac:spMkLst>
+        </pc:spChg>
+        <pc:spChg chg="del mod">
+          <ac:chgData name="Jamie L Bond" userId="a6e30f513dae4b66" providerId="LiveId" clId="{5CC29162-806F-4E99-BB6C-D825E9DCB597}" dt="2024-08-21T15:02:06.862" v="3646" actId="478"/>
+          <ac:spMkLst>
+            <pc:docMk/>
+            <pc:sldMk cId="3429612716" sldId="267"/>
+            <ac:spMk id="172" creationId="{2763B8CA-EB32-97CF-B8D1-DC89A49A164F}"/>
+          </ac:spMkLst>
+        </pc:spChg>
+        <pc:spChg chg="del mod">
+          <ac:chgData name="Jamie L Bond" userId="a6e30f513dae4b66" providerId="LiveId" clId="{5CC29162-806F-4E99-BB6C-D825E9DCB597}" dt="2024-08-21T15:02:21.066" v="3651" actId="478"/>
+          <ac:spMkLst>
+            <pc:docMk/>
+            <pc:sldMk cId="3429612716" sldId="267"/>
+            <ac:spMk id="175" creationId="{0182C0EB-5150-DA1F-F3BC-49F220A9063B}"/>
+          </ac:spMkLst>
+        </pc:spChg>
+        <pc:spChg chg="mod">
+          <ac:chgData name="Jamie L Bond" userId="a6e30f513dae4b66" providerId="LiveId" clId="{5CC29162-806F-4E99-BB6C-D825E9DCB597}" dt="2024-08-21T15:01:29.386" v="3642"/>
+          <ac:spMkLst>
+            <pc:docMk/>
+            <pc:sldMk cId="3429612716" sldId="267"/>
+            <ac:spMk id="176" creationId="{C2EC22E9-C0CF-67C4-7321-A3426B48DF1F}"/>
+          </ac:spMkLst>
+        </pc:spChg>
+        <pc:spChg chg="mod">
+          <ac:chgData name="Jamie L Bond" userId="a6e30f513dae4b66" providerId="LiveId" clId="{5CC29162-806F-4E99-BB6C-D825E9DCB597}" dt="2024-08-21T15:01:29.386" v="3642"/>
+          <ac:spMkLst>
+            <pc:docMk/>
+            <pc:sldMk cId="3429612716" sldId="267"/>
+            <ac:spMk id="177" creationId="{576490D2-D939-AA6F-37B0-C7FA29155904}"/>
+          </ac:spMkLst>
+        </pc:spChg>
+        <pc:spChg chg="add mod">
+          <ac:chgData name="Jamie L Bond" userId="a6e30f513dae4b66" providerId="LiveId" clId="{5CC29162-806F-4E99-BB6C-D825E9DCB597}" dt="2024-08-21T16:10:38.804" v="6499" actId="1076"/>
+          <ac:spMkLst>
+            <pc:docMk/>
+            <pc:sldMk cId="3429612716" sldId="267"/>
+            <ac:spMk id="187" creationId="{71CDD18F-D474-2330-954E-0EF36EC5D8BC}"/>
           </ac:spMkLst>
         </pc:spChg>
         <pc:grpChg chg="del">
@@ -879,6 +1275,38 @@
             <pc:docMk/>
             <pc:sldMk cId="3429612716" sldId="267"/>
             <ac:grpSpMk id="9" creationId="{8A7A3372-BD5F-F2D1-E039-F40136D7BA36}"/>
+          </ac:grpSpMkLst>
+        </pc:grpChg>
+        <pc:grpChg chg="add del mod">
+          <ac:chgData name="Jamie L Bond" userId="a6e30f513dae4b66" providerId="LiveId" clId="{5CC29162-806F-4E99-BB6C-D825E9DCB597}" dt="2024-08-21T15:00:48.592" v="3635" actId="165"/>
+          <ac:grpSpMkLst>
+            <pc:docMk/>
+            <pc:sldMk cId="3429612716" sldId="267"/>
+            <ac:grpSpMk id="165" creationId="{BF39890E-0DB6-958E-5418-7E3487E4D472}"/>
+          </ac:grpSpMkLst>
+        </pc:grpChg>
+        <pc:grpChg chg="add del mod ord">
+          <ac:chgData name="Jamie L Bond" userId="a6e30f513dae4b66" providerId="LiveId" clId="{5CC29162-806F-4E99-BB6C-D825E9DCB597}" dt="2024-08-21T15:01:20.071" v="3639" actId="165"/>
+          <ac:grpSpMkLst>
+            <pc:docMk/>
+            <pc:sldMk cId="3429612716" sldId="267"/>
+            <ac:grpSpMk id="167" creationId="{A9C639AB-5985-CABF-C553-34DD19A7CB04}"/>
+          </ac:grpSpMkLst>
+        </pc:grpChg>
+        <pc:grpChg chg="add del mod ord">
+          <ac:chgData name="Jamie L Bond" userId="a6e30f513dae4b66" providerId="LiveId" clId="{5CC29162-806F-4E99-BB6C-D825E9DCB597}" dt="2024-08-21T15:48:43.702" v="6173" actId="478"/>
+          <ac:grpSpMkLst>
+            <pc:docMk/>
+            <pc:sldMk cId="3429612716" sldId="267"/>
+            <ac:grpSpMk id="168" creationId="{956D4744-3ABE-EEEE-2F74-49095A21B2A4}"/>
+          </ac:grpSpMkLst>
+        </pc:grpChg>
+        <pc:grpChg chg="add del mod ord">
+          <ac:chgData name="Jamie L Bond" userId="a6e30f513dae4b66" providerId="LiveId" clId="{5CC29162-806F-4E99-BB6C-D825E9DCB597}" dt="2024-08-21T15:48:43.702" v="6173" actId="478"/>
+          <ac:grpSpMkLst>
+            <pc:docMk/>
+            <pc:sldMk cId="3429612716" sldId="267"/>
+            <ac:grpSpMk id="169" creationId="{49AE0B0C-A7A1-6623-E254-AD604D017F53}"/>
           </ac:grpSpMkLst>
         </pc:grpChg>
         <pc:picChg chg="del">
@@ -913,56 +1341,112 @@
             <ac:picMk id="29" creationId="{6C008AB6-048A-55DD-6C99-333E9A068425}"/>
           </ac:picMkLst>
         </pc:picChg>
-        <pc:cxnChg chg="add mod">
-          <ac:chgData name="Jamie L Bond" userId="a6e30f513dae4b66" providerId="LiveId" clId="{5CC29162-806F-4E99-BB6C-D825E9DCB597}" dt="2024-08-20T22:46:25.554" v="1863" actId="1076"/>
+        <pc:picChg chg="add mod modCrop">
+          <ac:chgData name="Jamie L Bond" userId="a6e30f513dae4b66" providerId="LiveId" clId="{5CC29162-806F-4E99-BB6C-D825E9DCB597}" dt="2024-08-21T16:09:58.524" v="6452" actId="1076"/>
+          <ac:picMkLst>
+            <pc:docMk/>
+            <pc:sldMk cId="3429612716" sldId="267"/>
+            <ac:picMk id="178" creationId="{F920BBEF-CED1-187E-6FA9-A98DD95E8CF1}"/>
+          </ac:picMkLst>
+        </pc:picChg>
+        <pc:picChg chg="add del mod">
+          <ac:chgData name="Jamie L Bond" userId="a6e30f513dae4b66" providerId="LiveId" clId="{5CC29162-806F-4E99-BB6C-D825E9DCB597}" dt="2024-08-21T15:50:55.724" v="6190" actId="478"/>
+          <ac:picMkLst>
+            <pc:docMk/>
+            <pc:sldMk cId="3429612716" sldId="267"/>
+            <ac:picMk id="179" creationId="{324CD5BC-B5B9-6C02-F801-26A81C066F2C}"/>
+          </ac:picMkLst>
+        </pc:picChg>
+        <pc:picChg chg="add del mod">
+          <ac:chgData name="Jamie L Bond" userId="a6e30f513dae4b66" providerId="LiveId" clId="{5CC29162-806F-4E99-BB6C-D825E9DCB597}" dt="2024-08-21T15:57:36.489" v="6253" actId="478"/>
+          <ac:picMkLst>
+            <pc:docMk/>
+            <pc:sldMk cId="3429612716" sldId="267"/>
+            <ac:picMk id="181" creationId="{CEC09822-2647-3F96-6F10-98074C854631}"/>
+          </ac:picMkLst>
+        </pc:picChg>
+        <pc:picChg chg="add mod ord">
+          <ac:chgData name="Jamie L Bond" userId="a6e30f513dae4b66" providerId="LiveId" clId="{5CC29162-806F-4E99-BB6C-D825E9DCB597}" dt="2024-08-21T16:10:09.085" v="6454" actId="1076"/>
+          <ac:picMkLst>
+            <pc:docMk/>
+            <pc:sldMk cId="3429612716" sldId="267"/>
+            <ac:picMk id="183" creationId="{4C6870EB-39E5-B1A9-230F-B8A40F07E217}"/>
+          </ac:picMkLst>
+        </pc:picChg>
+        <pc:picChg chg="add del mod">
+          <ac:chgData name="Jamie L Bond" userId="a6e30f513dae4b66" providerId="LiveId" clId="{5CC29162-806F-4E99-BB6C-D825E9DCB597}" dt="2024-08-21T16:09:20.785" v="6439" actId="478"/>
+          <ac:picMkLst>
+            <pc:docMk/>
+            <pc:sldMk cId="3429612716" sldId="267"/>
+            <ac:picMk id="185" creationId="{2D5723ED-DF47-6C9E-12B0-55677DFD7179}"/>
+          </ac:picMkLst>
+        </pc:picChg>
+        <pc:picChg chg="add mod ord">
+          <ac:chgData name="Jamie L Bond" userId="a6e30f513dae4b66" providerId="LiveId" clId="{5CC29162-806F-4E99-BB6C-D825E9DCB597}" dt="2024-08-21T16:09:58.524" v="6452" actId="1076"/>
+          <ac:picMkLst>
+            <pc:docMk/>
+            <pc:sldMk cId="3429612716" sldId="267"/>
+            <ac:picMk id="186" creationId="{2D6B2B07-670A-55AD-4848-23D38EB3BE96}"/>
+          </ac:picMkLst>
+        </pc:picChg>
+        <pc:picChg chg="add mod">
+          <ac:chgData name="Jamie L Bond" userId="a6e30f513dae4b66" providerId="LiveId" clId="{5CC29162-806F-4E99-BB6C-D825E9DCB597}" dt="2024-08-21T16:10:05.409" v="6453" actId="1076"/>
+          <ac:picMkLst>
+            <pc:docMk/>
+            <pc:sldMk cId="3429612716" sldId="267"/>
+            <ac:picMk id="189" creationId="{5AA44EEE-8245-8407-0F15-45989B9B09AA}"/>
+          </ac:picMkLst>
+        </pc:picChg>
+        <pc:cxnChg chg="add del mod topLvl">
+          <ac:chgData name="Jamie L Bond" userId="a6e30f513dae4b66" providerId="LiveId" clId="{5CC29162-806F-4E99-BB6C-D825E9DCB597}" dt="2024-08-21T15:48:43.702" v="6173" actId="478"/>
           <ac:cxnSpMkLst>
             <pc:docMk/>
             <pc:sldMk cId="3429612716" sldId="267"/>
             <ac:cxnSpMk id="16" creationId="{7011E686-3869-C56D-2149-179B46F2D98A}"/>
           </ac:cxnSpMkLst>
         </pc:cxnChg>
-        <pc:cxnChg chg="add mod">
-          <ac:chgData name="Jamie L Bond" userId="a6e30f513dae4b66" providerId="LiveId" clId="{5CC29162-806F-4E99-BB6C-D825E9DCB597}" dt="2024-08-20T22:46:25.554" v="1863" actId="1076"/>
+        <pc:cxnChg chg="add del mod">
+          <ac:chgData name="Jamie L Bond" userId="a6e30f513dae4b66" providerId="LiveId" clId="{5CC29162-806F-4E99-BB6C-D825E9DCB597}" dt="2024-08-21T14:38:28.266" v="3160" actId="478"/>
           <ac:cxnSpMkLst>
             <pc:docMk/>
             <pc:sldMk cId="3429612716" sldId="267"/>
             <ac:cxnSpMk id="17" creationId="{B3A32B80-E8C5-7CEE-DD4E-6EB9E1DA2DB5}"/>
           </ac:cxnSpMkLst>
         </pc:cxnChg>
-        <pc:cxnChg chg="add mod">
-          <ac:chgData name="Jamie L Bond" userId="a6e30f513dae4b66" providerId="LiveId" clId="{5CC29162-806F-4E99-BB6C-D825E9DCB597}" dt="2024-08-20T22:52:01.212" v="1900" actId="33986"/>
+        <pc:cxnChg chg="add mod topLvl">
+          <ac:chgData name="Jamie L Bond" userId="a6e30f513dae4b66" providerId="LiveId" clId="{5CC29162-806F-4E99-BB6C-D825E9DCB597}" dt="2024-08-21T15:48:43.702" v="6173" actId="478"/>
           <ac:cxnSpMkLst>
             <pc:docMk/>
             <pc:sldMk cId="3429612716" sldId="267"/>
             <ac:cxnSpMk id="20" creationId="{AFCD9846-8F3C-9E04-444C-0CED8451BA73}"/>
           </ac:cxnSpMkLst>
         </pc:cxnChg>
-        <pc:cxnChg chg="add mod">
-          <ac:chgData name="Jamie L Bond" userId="a6e30f513dae4b66" providerId="LiveId" clId="{5CC29162-806F-4E99-BB6C-D825E9DCB597}" dt="2024-08-20T23:37:15.046" v="2031" actId="1076"/>
+        <pc:cxnChg chg="add mod topLvl">
+          <ac:chgData name="Jamie L Bond" userId="a6e30f513dae4b66" providerId="LiveId" clId="{5CC29162-806F-4E99-BB6C-D825E9DCB597}" dt="2024-08-21T15:48:43.702" v="6173" actId="478"/>
           <ac:cxnSpMkLst>
             <pc:docMk/>
             <pc:sldMk cId="3429612716" sldId="267"/>
             <ac:cxnSpMk id="23" creationId="{1A7D913F-0EA5-9C4F-5400-BE67FAAC781F}"/>
           </ac:cxnSpMkLst>
         </pc:cxnChg>
-        <pc:cxnChg chg="add mod">
-          <ac:chgData name="Jamie L Bond" userId="a6e30f513dae4b66" providerId="LiveId" clId="{5CC29162-806F-4E99-BB6C-D825E9DCB597}" dt="2024-08-20T22:46:25.554" v="1863" actId="1076"/>
+        <pc:cxnChg chg="add del mod">
+          <ac:chgData name="Jamie L Bond" userId="a6e30f513dae4b66" providerId="LiveId" clId="{5CC29162-806F-4E99-BB6C-D825E9DCB597}" dt="2024-08-21T14:38:29.304" v="3161" actId="478"/>
           <ac:cxnSpMkLst>
             <pc:docMk/>
             <pc:sldMk cId="3429612716" sldId="267"/>
             <ac:cxnSpMk id="25" creationId="{4C61D5CB-FA11-364E-F426-1F978FB25653}"/>
           </ac:cxnSpMkLst>
         </pc:cxnChg>
-        <pc:cxnChg chg="add mod">
-          <ac:chgData name="Jamie L Bond" userId="a6e30f513dae4b66" providerId="LiveId" clId="{5CC29162-806F-4E99-BB6C-D825E9DCB597}" dt="2024-08-20T16:44:46.971" v="1492" actId="14100"/>
+        <pc:cxnChg chg="add del mod topLvl">
+          <ac:chgData name="Jamie L Bond" userId="a6e30f513dae4b66" providerId="LiveId" clId="{5CC29162-806F-4E99-BB6C-D825E9DCB597}" dt="2024-08-21T15:48:43.702" v="6173" actId="478"/>
           <ac:cxnSpMkLst>
             <pc:docMk/>
             <pc:sldMk cId="3429612716" sldId="267"/>
             <ac:cxnSpMk id="26" creationId="{3CD29471-B222-FE7A-5281-8BF0035BE406}"/>
           </ac:cxnSpMkLst>
         </pc:cxnChg>
-        <pc:cxnChg chg="add mod">
-          <ac:chgData name="Jamie L Bond" userId="a6e30f513dae4b66" providerId="LiveId" clId="{5CC29162-806F-4E99-BB6C-D825E9DCB597}" dt="2024-08-20T16:44:46.971" v="1492" actId="14100"/>
+        <pc:cxnChg chg="add del mod">
+          <ac:chgData name="Jamie L Bond" userId="a6e30f513dae4b66" providerId="LiveId" clId="{5CC29162-806F-4E99-BB6C-D825E9DCB597}" dt="2024-08-21T14:43:54.690" v="3300" actId="478"/>
           <ac:cxnSpMkLst>
             <pc:docMk/>
             <pc:sldMk cId="3429612716" sldId="267"/>
@@ -977,33 +1461,57 @@
             <ac:cxnSpMk id="34" creationId="{573773A8-6143-824A-4116-D38BC7C13F25}"/>
           </ac:cxnSpMkLst>
         </pc:cxnChg>
-        <pc:cxnChg chg="add mod">
-          <ac:chgData name="Jamie L Bond" userId="a6e30f513dae4b66" providerId="LiveId" clId="{5CC29162-806F-4E99-BB6C-D825E9DCB597}" dt="2024-08-20T16:42:21.209" v="1361" actId="1076"/>
+        <pc:cxnChg chg="add del mod">
+          <ac:chgData name="Jamie L Bond" userId="a6e30f513dae4b66" providerId="LiveId" clId="{5CC29162-806F-4E99-BB6C-D825E9DCB597}" dt="2024-08-21T15:48:43.702" v="6173" actId="478"/>
           <ac:cxnSpMkLst>
             <pc:docMk/>
             <pc:sldMk cId="3429612716" sldId="267"/>
             <ac:cxnSpMk id="40" creationId="{A4037835-E984-0E83-3F5C-4BF6D7C4CADB}"/>
           </ac:cxnSpMkLst>
         </pc:cxnChg>
-        <pc:cxnChg chg="add mod">
-          <ac:chgData name="Jamie L Bond" userId="a6e30f513dae4b66" providerId="LiveId" clId="{5CC29162-806F-4E99-BB6C-D825E9DCB597}" dt="2024-08-20T16:42:21.209" v="1361" actId="1076"/>
+        <pc:cxnChg chg="add del mod">
+          <ac:chgData name="Jamie L Bond" userId="a6e30f513dae4b66" providerId="LiveId" clId="{5CC29162-806F-4E99-BB6C-D825E9DCB597}" dt="2024-08-21T15:48:43.702" v="6173" actId="478"/>
           <ac:cxnSpMkLst>
             <pc:docMk/>
             <pc:sldMk cId="3429612716" sldId="267"/>
             <ac:cxnSpMk id="44" creationId="{D5FDD827-3470-1C92-AB63-E28AE5BC13E8}"/>
           </ac:cxnSpMkLst>
         </pc:cxnChg>
-        <pc:cxnChg chg="add mod">
-          <ac:chgData name="Jamie L Bond" userId="a6e30f513dae4b66" providerId="LiveId" clId="{5CC29162-806F-4E99-BB6C-D825E9DCB597}" dt="2024-08-20T16:43:12.703" v="1424" actId="1076"/>
+        <pc:cxnChg chg="add del mod">
+          <ac:chgData name="Jamie L Bond" userId="a6e30f513dae4b66" providerId="LiveId" clId="{5CC29162-806F-4E99-BB6C-D825E9DCB597}" dt="2024-08-21T15:48:43.702" v="6173" actId="478"/>
           <ac:cxnSpMkLst>
             <pc:docMk/>
             <pc:sldMk cId="3429612716" sldId="267"/>
             <ac:cxnSpMk id="54" creationId="{FFF88A26-6989-A4EC-98AD-08AA878DF0AF}"/>
           </ac:cxnSpMkLst>
         </pc:cxnChg>
+        <pc:cxnChg chg="add del mod topLvl">
+          <ac:chgData name="Jamie L Bond" userId="a6e30f513dae4b66" providerId="LiveId" clId="{5CC29162-806F-4E99-BB6C-D825E9DCB597}" dt="2024-08-21T15:48:43.702" v="6173" actId="478"/>
+          <ac:cxnSpMkLst>
+            <pc:docMk/>
+            <pc:sldMk cId="3429612716" sldId="267"/>
+            <ac:cxnSpMk id="142" creationId="{82050F08-6BDE-2F27-0956-66CAED9DA644}"/>
+          </ac:cxnSpMkLst>
+        </pc:cxnChg>
+        <pc:cxnChg chg="del mod">
+          <ac:chgData name="Jamie L Bond" userId="a6e30f513dae4b66" providerId="LiveId" clId="{5CC29162-806F-4E99-BB6C-D825E9DCB597}" dt="2024-08-21T15:02:18.911" v="3650" actId="478"/>
+          <ac:cxnSpMkLst>
+            <pc:docMk/>
+            <pc:sldMk cId="3429612716" sldId="267"/>
+            <ac:cxnSpMk id="173" creationId="{0C76F98E-B028-8682-7ABD-0D9079B70F07}"/>
+          </ac:cxnSpMkLst>
+        </pc:cxnChg>
+        <pc:cxnChg chg="mod">
+          <ac:chgData name="Jamie L Bond" userId="a6e30f513dae4b66" providerId="LiveId" clId="{5CC29162-806F-4E99-BB6C-D825E9DCB597}" dt="2024-08-21T15:48:43.702" v="6173" actId="478"/>
+          <ac:cxnSpMkLst>
+            <pc:docMk/>
+            <pc:sldMk cId="3429612716" sldId="267"/>
+            <ac:cxnSpMk id="174" creationId="{C2E8388A-B39F-07DB-0361-755E1EB686A9}"/>
+          </ac:cxnSpMkLst>
+        </pc:cxnChg>
       </pc:sldChg>
-      <pc:sldChg chg="addSp delSp modSp new mod">
-        <pc:chgData name="Jamie L Bond" userId="a6e30f513dae4b66" providerId="LiveId" clId="{5CC29162-806F-4E99-BB6C-D825E9DCB597}" dt="2024-08-20T23:43:57.760" v="2165" actId="1076"/>
+      <pc:sldChg chg="addSp delSp modSp new mod modShow">
+        <pc:chgData name="Jamie L Bond" userId="a6e30f513dae4b66" providerId="LiveId" clId="{5CC29162-806F-4E99-BB6C-D825E9DCB597}" dt="2024-08-21T16:11:00.538" v="6503" actId="1076"/>
         <pc:sldMkLst>
           <pc:docMk/>
           <pc:sldMk cId="2323337262" sldId="268"/>
@@ -1024,8 +1532,16 @@
             <ac:spMk id="3" creationId="{B3C470FC-FC4B-BA90-84FC-9108B0E1F99D}"/>
           </ac:spMkLst>
         </pc:spChg>
-        <pc:picChg chg="add mod">
-          <ac:chgData name="Jamie L Bond" userId="a6e30f513dae4b66" providerId="LiveId" clId="{5CC29162-806F-4E99-BB6C-D825E9DCB597}" dt="2024-08-20T23:43:57.760" v="2165" actId="1076"/>
+        <pc:picChg chg="add del mod">
+          <ac:chgData name="Jamie L Bond" userId="a6e30f513dae4b66" providerId="LiveId" clId="{5CC29162-806F-4E99-BB6C-D825E9DCB597}" dt="2024-08-21T15:54:45.184" v="6231" actId="478"/>
+          <ac:picMkLst>
+            <pc:docMk/>
+            <pc:sldMk cId="2323337262" sldId="268"/>
+            <ac:picMk id="6" creationId="{73A6A0D2-2BE5-2859-15B1-80CDAB73D046}"/>
+          </ac:picMkLst>
+        </pc:picChg>
+        <pc:picChg chg="add del mod">
+          <ac:chgData name="Jamie L Bond" userId="a6e30f513dae4b66" providerId="LiveId" clId="{5CC29162-806F-4E99-BB6C-D825E9DCB597}" dt="2024-08-21T16:10:57.206" v="6501" actId="478"/>
           <ac:picMkLst>
             <pc:docMk/>
             <pc:sldMk cId="2323337262" sldId="268"/>
@@ -1038,6 +1554,14 @@
             <pc:docMk/>
             <pc:sldMk cId="2323337262" sldId="268"/>
             <ac:picMk id="9" creationId="{DADB6053-CF02-1C01-93F9-2E1635E6D010}"/>
+          </ac:picMkLst>
+        </pc:picChg>
+        <pc:picChg chg="add mod">
+          <ac:chgData name="Jamie L Bond" userId="a6e30f513dae4b66" providerId="LiveId" clId="{5CC29162-806F-4E99-BB6C-D825E9DCB597}" dt="2024-08-21T16:11:00.538" v="6503" actId="1076"/>
+          <ac:picMkLst>
+            <pc:docMk/>
+            <pc:sldMk cId="2323337262" sldId="268"/>
+            <ac:picMk id="10" creationId="{AEC5ADDF-1647-C282-F636-916A29EEBB25}"/>
           </ac:picMkLst>
         </pc:picChg>
       </pc:sldChg>
@@ -1048,8 +1572,8 @@
           <pc:sldMk cId="2645666859" sldId="268"/>
         </pc:sldMkLst>
       </pc:sldChg>
-      <pc:sldChg chg="addSp delSp modSp add mod">
-        <pc:chgData name="Jamie L Bond" userId="a6e30f513dae4b66" providerId="LiveId" clId="{5CC29162-806F-4E99-BB6C-D825E9DCB597}" dt="2024-08-21T00:19:36.350" v="2224" actId="20577"/>
+      <pc:sldChg chg="addSp delSp modSp add mod modShow">
+        <pc:chgData name="Jamie L Bond" userId="a6e30f513dae4b66" providerId="LiveId" clId="{5CC29162-806F-4E99-BB6C-D825E9DCB597}" dt="2024-08-21T16:10:49.472" v="6500" actId="729"/>
         <pc:sldMkLst>
           <pc:docMk/>
           <pc:sldMk cId="1967254509" sldId="269"/>
@@ -1078,6 +1602,14 @@
             <ac:spMk id="14" creationId="{D160917D-6B4B-6591-8B96-B2C7F9124749}"/>
           </ac:spMkLst>
         </pc:spChg>
+        <pc:picChg chg="add mod">
+          <ac:chgData name="Jamie L Bond" userId="a6e30f513dae4b66" providerId="LiveId" clId="{5CC29162-806F-4E99-BB6C-D825E9DCB597}" dt="2024-08-21T15:52:35.480" v="6211" actId="1076"/>
+          <ac:picMkLst>
+            <pc:docMk/>
+            <pc:sldMk cId="1967254509" sldId="269"/>
+            <ac:picMk id="6" creationId="{3D2FC20D-6312-431F-84E5-3191F8EB8018}"/>
+          </ac:picMkLst>
+        </pc:picChg>
         <pc:picChg chg="del">
           <ac:chgData name="Jamie L Bond" userId="a6e30f513dae4b66" providerId="LiveId" clId="{5CC29162-806F-4E99-BB6C-D825E9DCB597}" dt="2024-08-21T00:19:16.732" v="2174" actId="478"/>
           <ac:picMkLst>
@@ -1103,13 +1635,483 @@
           </ac:picMkLst>
         </pc:picChg>
         <pc:picChg chg="add mod">
-          <ac:chgData name="Jamie L Bond" userId="a6e30f513dae4b66" providerId="LiveId" clId="{5CC29162-806F-4E99-BB6C-D825E9DCB597}" dt="2024-08-21T00:19:09.982" v="2171" actId="14100"/>
+          <ac:chgData name="Jamie L Bond" userId="a6e30f513dae4b66" providerId="LiveId" clId="{5CC29162-806F-4E99-BB6C-D825E9DCB597}" dt="2024-08-21T15:52:07.815" v="6208" actId="1076"/>
           <ac:picMkLst>
             <pc:docMk/>
             <pc:sldMk cId="1967254509" sldId="269"/>
             <ac:picMk id="12" creationId="{6C8F8E5C-5CF5-5601-CB15-76495AE59FEE}"/>
           </ac:picMkLst>
         </pc:picChg>
+      </pc:sldChg>
+      <pc:sldChg chg="modSp add mod">
+        <pc:chgData name="Jamie L Bond" userId="a6e30f513dae4b66" providerId="LiveId" clId="{5CC29162-806F-4E99-BB6C-D825E9DCB597}" dt="2024-08-21T14:15:54.029" v="2343"/>
+        <pc:sldMkLst>
+          <pc:docMk/>
+          <pc:sldMk cId="4242904725" sldId="270"/>
+        </pc:sldMkLst>
+        <pc:spChg chg="mod">
+          <ac:chgData name="Jamie L Bond" userId="a6e30f513dae4b66" providerId="LiveId" clId="{5CC29162-806F-4E99-BB6C-D825E9DCB597}" dt="2024-08-21T14:15:54.029" v="2343"/>
+          <ac:spMkLst>
+            <pc:docMk/>
+            <pc:sldMk cId="4242904725" sldId="270"/>
+            <ac:spMk id="2" creationId="{7C6500D4-902C-A8FA-4A59-0DED21AB2E65}"/>
+          </ac:spMkLst>
+        </pc:spChg>
+      </pc:sldChg>
+      <pc:sldChg chg="addSp delSp modSp add mod">
+        <pc:chgData name="Jamie L Bond" userId="a6e30f513dae4b66" providerId="LiveId" clId="{5CC29162-806F-4E99-BB6C-D825E9DCB597}" dt="2024-08-21T16:54:55.886" v="7933" actId="14100"/>
+        <pc:sldMkLst>
+          <pc:docMk/>
+          <pc:sldMk cId="3145427368" sldId="271"/>
+        </pc:sldMkLst>
+        <pc:spChg chg="mod">
+          <ac:chgData name="Jamie L Bond" userId="a6e30f513dae4b66" providerId="LiveId" clId="{5CC29162-806F-4E99-BB6C-D825E9DCB597}" dt="2024-08-21T16:47:23.095" v="7732" actId="1076"/>
+          <ac:spMkLst>
+            <pc:docMk/>
+            <pc:sldMk cId="3145427368" sldId="271"/>
+            <ac:spMk id="5" creationId="{14CC141E-45FF-84A0-799B-8FF06FFF5424}"/>
+          </ac:spMkLst>
+        </pc:spChg>
+        <pc:spChg chg="add del">
+          <ac:chgData name="Jamie L Bond" userId="a6e30f513dae4b66" providerId="LiveId" clId="{5CC29162-806F-4E99-BB6C-D825E9DCB597}" dt="2024-08-21T16:28:24.450" v="7091" actId="478"/>
+          <ac:spMkLst>
+            <pc:docMk/>
+            <pc:sldMk cId="3145427368" sldId="271"/>
+            <ac:spMk id="7" creationId="{61AF855E-EC16-A5DF-E876-86AB232207E3}"/>
+          </ac:spMkLst>
+        </pc:spChg>
+        <pc:spChg chg="add del mod">
+          <ac:chgData name="Jamie L Bond" userId="a6e30f513dae4b66" providerId="LiveId" clId="{5CC29162-806F-4E99-BB6C-D825E9DCB597}" dt="2024-08-21T16:26:01.923" v="7010" actId="478"/>
+          <ac:spMkLst>
+            <pc:docMk/>
+            <pc:sldMk cId="3145427368" sldId="271"/>
+            <ac:spMk id="8" creationId="{12CB70C8-BC57-1332-3366-AF6105D10634}"/>
+          </ac:spMkLst>
+        </pc:spChg>
+        <pc:spChg chg="mod">
+          <ac:chgData name="Jamie L Bond" userId="a6e30f513dae4b66" providerId="LiveId" clId="{5CC29162-806F-4E99-BB6C-D825E9DCB597}" dt="2024-08-21T16:20:27.390" v="6808" actId="20577"/>
+          <ac:spMkLst>
+            <pc:docMk/>
+            <pc:sldMk cId="3145427368" sldId="271"/>
+            <ac:spMk id="9" creationId="{CF248F6D-DDF6-4F8C-93DE-31AA08390B65}"/>
+          </ac:spMkLst>
+        </pc:spChg>
+        <pc:spChg chg="add mod">
+          <ac:chgData name="Jamie L Bond" userId="a6e30f513dae4b66" providerId="LiveId" clId="{5CC29162-806F-4E99-BB6C-D825E9DCB597}" dt="2024-08-21T16:45:29.218" v="7655" actId="207"/>
+          <ac:spMkLst>
+            <pc:docMk/>
+            <pc:sldMk cId="3145427368" sldId="271"/>
+            <ac:spMk id="12" creationId="{8A6AF11B-83AD-5A70-6DCB-97433A14390B}"/>
+          </ac:spMkLst>
+        </pc:spChg>
+        <pc:spChg chg="add del mod">
+          <ac:chgData name="Jamie L Bond" userId="a6e30f513dae4b66" providerId="LiveId" clId="{5CC29162-806F-4E99-BB6C-D825E9DCB597}" dt="2024-08-21T16:38:21.874" v="7475" actId="478"/>
+          <ac:spMkLst>
+            <pc:docMk/>
+            <pc:sldMk cId="3145427368" sldId="271"/>
+            <ac:spMk id="13" creationId="{7CD8ACE2-6AA4-C5F8-5CF5-C1D8F9D48FFE}"/>
+          </ac:spMkLst>
+        </pc:spChg>
+        <pc:spChg chg="add del mod ord">
+          <ac:chgData name="Jamie L Bond" userId="a6e30f513dae4b66" providerId="LiveId" clId="{5CC29162-806F-4E99-BB6C-D825E9DCB597}" dt="2024-08-21T16:47:19.630" v="7731" actId="14100"/>
+          <ac:spMkLst>
+            <pc:docMk/>
+            <pc:sldMk cId="3145427368" sldId="271"/>
+            <ac:spMk id="14" creationId="{2B28EB6C-164C-BD0E-ED5B-AD3F0B4F229B}"/>
+          </ac:spMkLst>
+        </pc:spChg>
+        <pc:spChg chg="add del">
+          <ac:chgData name="Jamie L Bond" userId="a6e30f513dae4b66" providerId="LiveId" clId="{5CC29162-806F-4E99-BB6C-D825E9DCB597}" dt="2024-08-21T16:38:21.874" v="7475" actId="478"/>
+          <ac:spMkLst>
+            <pc:docMk/>
+            <pc:sldMk cId="3145427368" sldId="271"/>
+            <ac:spMk id="15" creationId="{0FFF3325-E39C-37A9-4D73-F11A96239553}"/>
+          </ac:spMkLst>
+        </pc:spChg>
+        <pc:spChg chg="add del mod">
+          <ac:chgData name="Jamie L Bond" userId="a6e30f513dae4b66" providerId="LiveId" clId="{5CC29162-806F-4E99-BB6C-D825E9DCB597}" dt="2024-08-21T16:16:00.736" v="6681" actId="478"/>
+          <ac:spMkLst>
+            <pc:docMk/>
+            <pc:sldMk cId="3145427368" sldId="271"/>
+            <ac:spMk id="18" creationId="{A83C4900-88F8-2A37-AD65-28D54523E004}"/>
+          </ac:spMkLst>
+        </pc:spChg>
+        <pc:spChg chg="add mod">
+          <ac:chgData name="Jamie L Bond" userId="a6e30f513dae4b66" providerId="LiveId" clId="{5CC29162-806F-4E99-BB6C-D825E9DCB597}" dt="2024-08-21T16:45:29.218" v="7655" actId="207"/>
+          <ac:spMkLst>
+            <pc:docMk/>
+            <pc:sldMk cId="3145427368" sldId="271"/>
+            <ac:spMk id="29" creationId="{AEFA4259-42CE-0385-29F4-4B0918D2664C}"/>
+          </ac:spMkLst>
+        </pc:spChg>
+        <pc:spChg chg="add del mod">
+          <ac:chgData name="Jamie L Bond" userId="a6e30f513dae4b66" providerId="LiveId" clId="{5CC29162-806F-4E99-BB6C-D825E9DCB597}" dt="2024-08-21T16:46:20.422" v="7672" actId="20577"/>
+          <ac:spMkLst>
+            <pc:docMk/>
+            <pc:sldMk cId="3145427368" sldId="271"/>
+            <ac:spMk id="33" creationId="{B4D39BC6-2DB9-2B88-F43B-38245778FB17}"/>
+          </ac:spMkLst>
+        </pc:spChg>
+        <pc:spChg chg="add mod ord">
+          <ac:chgData name="Jamie L Bond" userId="a6e30f513dae4b66" providerId="LiveId" clId="{5CC29162-806F-4E99-BB6C-D825E9DCB597}" dt="2024-08-21T16:45:37.692" v="7659" actId="113"/>
+          <ac:spMkLst>
+            <pc:docMk/>
+            <pc:sldMk cId="3145427368" sldId="271"/>
+            <ac:spMk id="36" creationId="{05C8ABBE-5E78-6197-503E-D97C30D040B6}"/>
+          </ac:spMkLst>
+        </pc:spChg>
+        <pc:spChg chg="add del">
+          <ac:chgData name="Jamie L Bond" userId="a6e30f513dae4b66" providerId="LiveId" clId="{5CC29162-806F-4E99-BB6C-D825E9DCB597}" dt="2024-08-21T16:28:23.123" v="7090" actId="478"/>
+          <ac:spMkLst>
+            <pc:docMk/>
+            <pc:sldMk cId="3145427368" sldId="271"/>
+            <ac:spMk id="37" creationId="{C49A4477-3E1A-3769-A3EA-0693BEA282C9}"/>
+          </ac:spMkLst>
+        </pc:spChg>
+        <pc:spChg chg="add del">
+          <ac:chgData name="Jamie L Bond" userId="a6e30f513dae4b66" providerId="LiveId" clId="{5CC29162-806F-4E99-BB6C-D825E9DCB597}" dt="2024-08-21T16:38:21.874" v="7475" actId="478"/>
+          <ac:spMkLst>
+            <pc:docMk/>
+            <pc:sldMk cId="3145427368" sldId="271"/>
+            <ac:spMk id="39" creationId="{FEBE0CAE-5D07-FB5E-8BE4-E23E2DFD0E19}"/>
+          </ac:spMkLst>
+        </pc:spChg>
+        <pc:spChg chg="add mod">
+          <ac:chgData name="Jamie L Bond" userId="a6e30f513dae4b66" providerId="LiveId" clId="{5CC29162-806F-4E99-BB6C-D825E9DCB597}" dt="2024-08-21T16:45:37.692" v="7659" actId="113"/>
+          <ac:spMkLst>
+            <pc:docMk/>
+            <pc:sldMk cId="3145427368" sldId="271"/>
+            <ac:spMk id="41" creationId="{22FE56E9-4AF4-C596-63C0-0DBF36E63A6C}"/>
+          </ac:spMkLst>
+        </pc:spChg>
+        <pc:spChg chg="add mod">
+          <ac:chgData name="Jamie L Bond" userId="a6e30f513dae4b66" providerId="LiveId" clId="{5CC29162-806F-4E99-BB6C-D825E9DCB597}" dt="2024-08-21T16:28:13.809" v="7088" actId="1076"/>
+          <ac:spMkLst>
+            <pc:docMk/>
+            <pc:sldMk cId="3145427368" sldId="271"/>
+            <ac:spMk id="42" creationId="{14011DB7-A9D6-EE26-D085-607F67FB9C31}"/>
+          </ac:spMkLst>
+        </pc:spChg>
+        <pc:spChg chg="add mod ord">
+          <ac:chgData name="Jamie L Bond" userId="a6e30f513dae4b66" providerId="LiveId" clId="{5CC29162-806F-4E99-BB6C-D825E9DCB597}" dt="2024-08-21T16:37:19.635" v="7451"/>
+          <ac:spMkLst>
+            <pc:docMk/>
+            <pc:sldMk cId="3145427368" sldId="271"/>
+            <ac:spMk id="51" creationId="{348CEC58-1BCA-9A53-990F-8FB15B287D3D}"/>
+          </ac:spMkLst>
+        </pc:spChg>
+        <pc:spChg chg="add mod">
+          <ac:chgData name="Jamie L Bond" userId="a6e30f513dae4b66" providerId="LiveId" clId="{5CC29162-806F-4E99-BB6C-D825E9DCB597}" dt="2024-08-21T16:37:21.375" v="7452" actId="14100"/>
+          <ac:spMkLst>
+            <pc:docMk/>
+            <pc:sldMk cId="3145427368" sldId="271"/>
+            <ac:spMk id="53" creationId="{4B0E8D8A-CD7D-6818-3BEC-2E6135ADE313}"/>
+          </ac:spMkLst>
+        </pc:spChg>
+        <pc:spChg chg="add del mod">
+          <ac:chgData name="Jamie L Bond" userId="a6e30f513dae4b66" providerId="LiveId" clId="{5CC29162-806F-4E99-BB6C-D825E9DCB597}" dt="2024-08-21T16:46:25.975" v="7680" actId="20577"/>
+          <ac:spMkLst>
+            <pc:docMk/>
+            <pc:sldMk cId="3145427368" sldId="271"/>
+            <ac:spMk id="57" creationId="{46BDF63E-7685-AED2-11A1-A4E1F8C349A6}"/>
+          </ac:spMkLst>
+        </pc:spChg>
+        <pc:spChg chg="add del mod ord">
+          <ac:chgData name="Jamie L Bond" userId="a6e30f513dae4b66" providerId="LiveId" clId="{5CC29162-806F-4E99-BB6C-D825E9DCB597}" dt="2024-08-21T16:33:06.865" v="7278" actId="478"/>
+          <ac:spMkLst>
+            <pc:docMk/>
+            <pc:sldMk cId="3145427368" sldId="271"/>
+            <ac:spMk id="58" creationId="{920FCD1A-8A22-99FB-998A-9960DC4D1FE3}"/>
+          </ac:spMkLst>
+        </pc:spChg>
+        <pc:spChg chg="mod">
+          <ac:chgData name="Jamie L Bond" userId="a6e30f513dae4b66" providerId="LiveId" clId="{5CC29162-806F-4E99-BB6C-D825E9DCB597}" dt="2024-08-21T16:34:13.389" v="7325"/>
+          <ac:spMkLst>
+            <pc:docMk/>
+            <pc:sldMk cId="3145427368" sldId="271"/>
+            <ac:spMk id="61" creationId="{B9EED0FC-8D68-4635-B7BD-4627E3057B65}"/>
+          </ac:spMkLst>
+        </pc:spChg>
+        <pc:spChg chg="mod">
+          <ac:chgData name="Jamie L Bond" userId="a6e30f513dae4b66" providerId="LiveId" clId="{5CC29162-806F-4E99-BB6C-D825E9DCB597}" dt="2024-08-21T16:37:05.239" v="7450" actId="6549"/>
+          <ac:spMkLst>
+            <pc:docMk/>
+            <pc:sldMk cId="3145427368" sldId="271"/>
+            <ac:spMk id="62" creationId="{B74A9B81-A97F-07D0-F6F6-AA0A50FB6598}"/>
+          </ac:spMkLst>
+        </pc:spChg>
+        <pc:spChg chg="mod">
+          <ac:chgData name="Jamie L Bond" userId="a6e30f513dae4b66" providerId="LiveId" clId="{5CC29162-806F-4E99-BB6C-D825E9DCB597}" dt="2024-08-21T16:35:30.188" v="7390" actId="1076"/>
+          <ac:spMkLst>
+            <pc:docMk/>
+            <pc:sldMk cId="3145427368" sldId="271"/>
+            <ac:spMk id="63" creationId="{341C0BF6-BDA6-DBEF-5F6F-56E15654AE70}"/>
+          </ac:spMkLst>
+        </pc:spChg>
+        <pc:spChg chg="mod">
+          <ac:chgData name="Jamie L Bond" userId="a6e30f513dae4b66" providerId="LiveId" clId="{5CC29162-806F-4E99-BB6C-D825E9DCB597}" dt="2024-08-21T16:37:43.659" v="7467"/>
+          <ac:spMkLst>
+            <pc:docMk/>
+            <pc:sldMk cId="3145427368" sldId="271"/>
+            <ac:spMk id="64" creationId="{943AA917-F389-ED59-44DA-CE8144A0E58F}"/>
+          </ac:spMkLst>
+        </pc:spChg>
+        <pc:spChg chg="mod">
+          <ac:chgData name="Jamie L Bond" userId="a6e30f513dae4b66" providerId="LiveId" clId="{5CC29162-806F-4E99-BB6C-D825E9DCB597}" dt="2024-08-21T16:27:39.754" v="7077" actId="14100"/>
+          <ac:spMkLst>
+            <pc:docMk/>
+            <pc:sldMk cId="3145427368" sldId="271"/>
+            <ac:spMk id="67" creationId="{C10F6298-D30B-5B60-82B7-D5AAD4C52F17}"/>
+          </ac:spMkLst>
+        </pc:spChg>
+        <pc:spChg chg="del mod">
+          <ac:chgData name="Jamie L Bond" userId="a6e30f513dae4b66" providerId="LiveId" clId="{5CC29162-806F-4E99-BB6C-D825E9DCB597}" dt="2024-08-21T16:46:01.412" v="7662" actId="478"/>
+          <ac:spMkLst>
+            <pc:docMk/>
+            <pc:sldMk cId="3145427368" sldId="271"/>
+            <ac:spMk id="68" creationId="{FE282360-9607-4562-10CB-BFF185F83A2D}"/>
+          </ac:spMkLst>
+        </pc:spChg>
+        <pc:spChg chg="add del mod ord">
+          <ac:chgData name="Jamie L Bond" userId="a6e30f513dae4b66" providerId="LiveId" clId="{5CC29162-806F-4E99-BB6C-D825E9DCB597}" dt="2024-08-21T16:43:25.190" v="7621" actId="164"/>
+          <ac:spMkLst>
+            <pc:docMk/>
+            <pc:sldMk cId="3145427368" sldId="271"/>
+            <ac:spMk id="69" creationId="{A480BDDE-1DE0-73A5-3DD0-5C6D336544A0}"/>
+          </ac:spMkLst>
+        </pc:spChg>
+        <pc:spChg chg="add del">
+          <ac:chgData name="Jamie L Bond" userId="a6e30f513dae4b66" providerId="LiveId" clId="{5CC29162-806F-4E99-BB6C-D825E9DCB597}" dt="2024-08-21T16:38:21.874" v="7475" actId="478"/>
+          <ac:spMkLst>
+            <pc:docMk/>
+            <pc:sldMk cId="3145427368" sldId="271"/>
+            <ac:spMk id="70" creationId="{43628D85-2F89-7F73-E65A-23F0C46940C6}"/>
+          </ac:spMkLst>
+        </pc:spChg>
+        <pc:spChg chg="add del mod">
+          <ac:chgData name="Jamie L Bond" userId="a6e30f513dae4b66" providerId="LiveId" clId="{5CC29162-806F-4E99-BB6C-D825E9DCB597}" dt="2024-08-21T16:48:02.940" v="7742" actId="478"/>
+          <ac:spMkLst>
+            <pc:docMk/>
+            <pc:sldMk cId="3145427368" sldId="271"/>
+            <ac:spMk id="72" creationId="{D100A0A7-9488-296E-1714-8713A6355861}"/>
+          </ac:spMkLst>
+        </pc:spChg>
+        <pc:spChg chg="add mod">
+          <ac:chgData name="Jamie L Bond" userId="a6e30f513dae4b66" providerId="LiveId" clId="{5CC29162-806F-4E99-BB6C-D825E9DCB597}" dt="2024-08-21T16:54:48.817" v="7932" actId="20577"/>
+          <ac:spMkLst>
+            <pc:docMk/>
+            <pc:sldMk cId="3145427368" sldId="271"/>
+            <ac:spMk id="79" creationId="{045913D3-1A7D-96CA-1BB1-5DFB52CD9374}"/>
+          </ac:spMkLst>
+        </pc:spChg>
+        <pc:spChg chg="mod">
+          <ac:chgData name="Jamie L Bond" userId="a6e30f513dae4b66" providerId="LiveId" clId="{5CC29162-806F-4E99-BB6C-D825E9DCB597}" dt="2024-08-21T16:45:29.218" v="7655" actId="207"/>
+          <ac:spMkLst>
+            <pc:docMk/>
+            <pc:sldMk cId="3145427368" sldId="271"/>
+            <ac:spMk id="161" creationId="{FB7740B5-D1F6-486B-DD05-62F502E68444}"/>
+          </ac:spMkLst>
+        </pc:spChg>
+        <pc:spChg chg="mod">
+          <ac:chgData name="Jamie L Bond" userId="a6e30f513dae4b66" providerId="LiveId" clId="{5CC29162-806F-4E99-BB6C-D825E9DCB597}" dt="2024-08-21T16:41:49.517" v="7559" actId="1076"/>
+          <ac:spMkLst>
+            <pc:docMk/>
+            <pc:sldMk cId="3145427368" sldId="271"/>
+            <ac:spMk id="162" creationId="{311A7904-6FD8-F19F-D168-96E35EC4B60C}"/>
+          </ac:spMkLst>
+        </pc:spChg>
+        <pc:spChg chg="mod">
+          <ac:chgData name="Jamie L Bond" userId="a6e30f513dae4b66" providerId="LiveId" clId="{5CC29162-806F-4E99-BB6C-D825E9DCB597}" dt="2024-08-21T16:15:23.716" v="6665" actId="1076"/>
+          <ac:spMkLst>
+            <pc:docMk/>
+            <pc:sldMk cId="3145427368" sldId="271"/>
+            <ac:spMk id="164" creationId="{7520AE39-ED25-158A-FDE7-EE26F258F750}"/>
+          </ac:spMkLst>
+        </pc:spChg>
+        <pc:spChg chg="mod">
+          <ac:chgData name="Jamie L Bond" userId="a6e30f513dae4b66" providerId="LiveId" clId="{5CC29162-806F-4E99-BB6C-D825E9DCB597}" dt="2024-08-21T16:15:27.282" v="6666" actId="14100"/>
+          <ac:spMkLst>
+            <pc:docMk/>
+            <pc:sldMk cId="3145427368" sldId="271"/>
+            <ac:spMk id="166" creationId="{0CEA97BF-48F1-B041-7BEE-661DDAAABF63}"/>
+          </ac:spMkLst>
+        </pc:spChg>
+        <pc:spChg chg="mod">
+          <ac:chgData name="Jamie L Bond" userId="a6e30f513dae4b66" providerId="LiveId" clId="{5CC29162-806F-4E99-BB6C-D825E9DCB597}" dt="2024-08-21T16:45:50.570" v="7660" actId="14100"/>
+          <ac:spMkLst>
+            <pc:docMk/>
+            <pc:sldMk cId="3145427368" sldId="271"/>
+            <ac:spMk id="170" creationId="{CD2DC3B8-2CA8-69A1-5DEC-732C79156389}"/>
+          </ac:spMkLst>
+        </pc:spChg>
+        <pc:spChg chg="mod">
+          <ac:chgData name="Jamie L Bond" userId="a6e30f513dae4b66" providerId="LiveId" clId="{5CC29162-806F-4E99-BB6C-D825E9DCB597}" dt="2024-08-21T16:45:11.627" v="7653" actId="6549"/>
+          <ac:spMkLst>
+            <pc:docMk/>
+            <pc:sldMk cId="3145427368" sldId="271"/>
+            <ac:spMk id="171" creationId="{8FA653B0-B6A3-B760-6C72-BDA8C002E8AE}"/>
+          </ac:spMkLst>
+        </pc:spChg>
+        <pc:spChg chg="mod">
+          <ac:chgData name="Jamie L Bond" userId="a6e30f513dae4b66" providerId="LiveId" clId="{5CC29162-806F-4E99-BB6C-D825E9DCB597}" dt="2024-08-21T16:17:26.677" v="6722" actId="1076"/>
+          <ac:spMkLst>
+            <pc:docMk/>
+            <pc:sldMk cId="3145427368" sldId="271"/>
+            <ac:spMk id="176" creationId="{C2EC22E9-C0CF-67C4-7321-A3426B48DF1F}"/>
+          </ac:spMkLst>
+        </pc:spChg>
+        <pc:spChg chg="mod">
+          <ac:chgData name="Jamie L Bond" userId="a6e30f513dae4b66" providerId="LiveId" clId="{5CC29162-806F-4E99-BB6C-D825E9DCB597}" dt="2024-08-21T16:17:14.828" v="6720" actId="1076"/>
+          <ac:spMkLst>
+            <pc:docMk/>
+            <pc:sldMk cId="3145427368" sldId="271"/>
+            <ac:spMk id="177" creationId="{576490D2-D939-AA6F-37B0-C7FA29155904}"/>
+          </ac:spMkLst>
+        </pc:spChg>
+        <pc:grpChg chg="add mod ord">
+          <ac:chgData name="Jamie L Bond" userId="a6e30f513dae4b66" providerId="LiveId" clId="{5CC29162-806F-4E99-BB6C-D825E9DCB597}" dt="2024-08-21T16:43:25.190" v="7621" actId="164"/>
+          <ac:grpSpMkLst>
+            <pc:docMk/>
+            <pc:sldMk cId="3145427368" sldId="271"/>
+            <ac:grpSpMk id="59" creationId="{01463804-6CE8-D375-FC72-E5334BE073BE}"/>
+          </ac:grpSpMkLst>
+        </pc:grpChg>
+        <pc:grpChg chg="add mod ord">
+          <ac:chgData name="Jamie L Bond" userId="a6e30f513dae4b66" providerId="LiveId" clId="{5CC29162-806F-4E99-BB6C-D825E9DCB597}" dt="2024-08-21T16:43:25.190" v="7621" actId="164"/>
+          <ac:grpSpMkLst>
+            <pc:docMk/>
+            <pc:sldMk cId="3145427368" sldId="271"/>
+            <ac:grpSpMk id="60" creationId="{73FFEE2B-B06E-BC9D-B849-EAAC041D508F}"/>
+          </ac:grpSpMkLst>
+        </pc:grpChg>
+        <pc:grpChg chg="add mod">
+          <ac:chgData name="Jamie L Bond" userId="a6e30f513dae4b66" providerId="LiveId" clId="{5CC29162-806F-4E99-BB6C-D825E9DCB597}" dt="2024-08-21T16:43:31.978" v="7622" actId="1076"/>
+          <ac:grpSpMkLst>
+            <pc:docMk/>
+            <pc:sldMk cId="3145427368" sldId="271"/>
+            <ac:grpSpMk id="73" creationId="{AF69219E-6EF2-F217-40F6-C3FB36C32EAE}"/>
+          </ac:grpSpMkLst>
+        </pc:grpChg>
+        <pc:grpChg chg="mod">
+          <ac:chgData name="Jamie L Bond" userId="a6e30f513dae4b66" providerId="LiveId" clId="{5CC29162-806F-4E99-BB6C-D825E9DCB597}" dt="2024-08-21T16:14:32.440" v="6645" actId="1076"/>
+          <ac:grpSpMkLst>
+            <pc:docMk/>
+            <pc:sldMk cId="3145427368" sldId="271"/>
+            <ac:grpSpMk id="169" creationId="{49AE0B0C-A7A1-6623-E254-AD604D017F53}"/>
+          </ac:grpSpMkLst>
+        </pc:grpChg>
+        <pc:picChg chg="add mod ord">
+          <ac:chgData name="Jamie L Bond" userId="a6e30f513dae4b66" providerId="LiveId" clId="{5CC29162-806F-4E99-BB6C-D825E9DCB597}" dt="2024-08-21T16:54:36.689" v="7925" actId="1076"/>
+          <ac:picMkLst>
+            <pc:docMk/>
+            <pc:sldMk cId="3145427368" sldId="271"/>
+            <ac:picMk id="92" creationId="{C0923BDF-19EF-99E0-54F4-232B93CAC222}"/>
+          </ac:picMkLst>
+        </pc:picChg>
+        <pc:picChg chg="add mod">
+          <ac:chgData name="Jamie L Bond" userId="a6e30f513dae4b66" providerId="LiveId" clId="{5CC29162-806F-4E99-BB6C-D825E9DCB597}" dt="2024-08-21T16:54:44.713" v="7928" actId="1076"/>
+          <ac:picMkLst>
+            <pc:docMk/>
+            <pc:sldMk cId="3145427368" sldId="271"/>
+            <ac:picMk id="93" creationId="{13550572-42C8-ED11-04E7-A9EAF48D7CFC}"/>
+          </ac:picMkLst>
+        </pc:picChg>
+        <pc:cxnChg chg="add mod">
+          <ac:chgData name="Jamie L Bond" userId="a6e30f513dae4b66" providerId="LiveId" clId="{5CC29162-806F-4E99-BB6C-D825E9DCB597}" dt="2024-08-21T16:41:43.672" v="7558" actId="14100"/>
+          <ac:cxnSpMkLst>
+            <pc:docMk/>
+            <pc:sldMk cId="3145427368" sldId="271"/>
+            <ac:cxnSpMk id="10" creationId="{510831D2-4E66-6185-3338-1FF620ECD205}"/>
+          </ac:cxnSpMkLst>
+        </pc:cxnChg>
+        <pc:cxnChg chg="mod">
+          <ac:chgData name="Jamie L Bond" userId="a6e30f513dae4b66" providerId="LiveId" clId="{5CC29162-806F-4E99-BB6C-D825E9DCB597}" dt="2024-08-21T16:41:43.672" v="7558" actId="14100"/>
+          <ac:cxnSpMkLst>
+            <pc:docMk/>
+            <pc:sldMk cId="3145427368" sldId="271"/>
+            <ac:cxnSpMk id="16" creationId="{7011E686-3869-C56D-2149-179B46F2D98A}"/>
+          </ac:cxnSpMkLst>
+        </pc:cxnChg>
+        <pc:cxnChg chg="mod">
+          <ac:chgData name="Jamie L Bond" userId="a6e30f513dae4b66" providerId="LiveId" clId="{5CC29162-806F-4E99-BB6C-D825E9DCB597}" dt="2024-08-21T16:15:39.658" v="6668" actId="14100"/>
+          <ac:cxnSpMkLst>
+            <pc:docMk/>
+            <pc:sldMk cId="3145427368" sldId="271"/>
+            <ac:cxnSpMk id="23" creationId="{1A7D913F-0EA5-9C4F-5400-BE67FAAC781F}"/>
+          </ac:cxnSpMkLst>
+        </pc:cxnChg>
+        <pc:cxnChg chg="add mod">
+          <ac:chgData name="Jamie L Bond" userId="a6e30f513dae4b66" providerId="LiveId" clId="{5CC29162-806F-4E99-BB6C-D825E9DCB597}" dt="2024-08-21T16:41:43.672" v="7558" actId="14100"/>
+          <ac:cxnSpMkLst>
+            <pc:docMk/>
+            <pc:sldMk cId="3145427368" sldId="271"/>
+            <ac:cxnSpMk id="28" creationId="{DF6C2346-D531-1891-8A87-E47CE00A1C05}"/>
+          </ac:cxnSpMkLst>
+        </pc:cxnChg>
+        <pc:cxnChg chg="add mod">
+          <ac:chgData name="Jamie L Bond" userId="a6e30f513dae4b66" providerId="LiveId" clId="{5CC29162-806F-4E99-BB6C-D825E9DCB597}" dt="2024-08-21T16:42:06.832" v="7565" actId="1037"/>
+          <ac:cxnSpMkLst>
+            <pc:docMk/>
+            <pc:sldMk cId="3145427368" sldId="271"/>
+            <ac:cxnSpMk id="30" creationId="{58F25F8E-9551-3B74-F844-30B3BCA9AE24}"/>
+          </ac:cxnSpMkLst>
+        </pc:cxnChg>
+        <pc:cxnChg chg="add mod">
+          <ac:chgData name="Jamie L Bond" userId="a6e30f513dae4b66" providerId="LiveId" clId="{5CC29162-806F-4E99-BB6C-D825E9DCB597}" dt="2024-08-21T16:42:06.832" v="7565" actId="1037"/>
+          <ac:cxnSpMkLst>
+            <pc:docMk/>
+            <pc:sldMk cId="3145427368" sldId="271"/>
+            <ac:cxnSpMk id="38" creationId="{85AA16D1-A37C-6722-7EF1-C25B5640A6DD}"/>
+          </ac:cxnSpMkLst>
+        </pc:cxnChg>
+        <pc:cxnChg chg="add del mod">
+          <ac:chgData name="Jamie L Bond" userId="a6e30f513dae4b66" providerId="LiveId" clId="{5CC29162-806F-4E99-BB6C-D825E9DCB597}" dt="2024-08-21T16:28:41.154" v="7096" actId="478"/>
+          <ac:cxnSpMkLst>
+            <pc:docMk/>
+            <pc:sldMk cId="3145427368" sldId="271"/>
+            <ac:cxnSpMk id="40" creationId="{A4037835-E984-0E83-3F5C-4BF6D7C4CADB}"/>
+          </ac:cxnSpMkLst>
+        </pc:cxnChg>
+        <pc:cxnChg chg="add del mod">
+          <ac:chgData name="Jamie L Bond" userId="a6e30f513dae4b66" providerId="LiveId" clId="{5CC29162-806F-4E99-BB6C-D825E9DCB597}" dt="2024-08-21T16:31:00.329" v="7241" actId="478"/>
+          <ac:cxnSpMkLst>
+            <pc:docMk/>
+            <pc:sldMk cId="3145427368" sldId="271"/>
+            <ac:cxnSpMk id="44" creationId="{D5FDD827-3470-1C92-AB63-E28AE5BC13E8}"/>
+          </ac:cxnSpMkLst>
+        </pc:cxnChg>
+        <pc:cxnChg chg="add del mod">
+          <ac:chgData name="Jamie L Bond" userId="a6e30f513dae4b66" providerId="LiveId" clId="{5CC29162-806F-4E99-BB6C-D825E9DCB597}" dt="2024-08-21T16:31:02.627" v="7242" actId="478"/>
+          <ac:cxnSpMkLst>
+            <pc:docMk/>
+            <pc:sldMk cId="3145427368" sldId="271"/>
+            <ac:cxnSpMk id="54" creationId="{FFF88A26-6989-A4EC-98AD-08AA878DF0AF}"/>
+          </ac:cxnSpMkLst>
+        </pc:cxnChg>
+        <pc:cxnChg chg="add del mod">
+          <ac:chgData name="Jamie L Bond" userId="a6e30f513dae4b66" providerId="LiveId" clId="{5CC29162-806F-4E99-BB6C-D825E9DCB597}" dt="2024-08-21T16:46:00.467" v="7661" actId="478"/>
+          <ac:cxnSpMkLst>
+            <pc:docMk/>
+            <pc:sldMk cId="3145427368" sldId="271"/>
+            <ac:cxnSpMk id="65" creationId="{884CCB98-D8A0-4C43-1A12-241FC4D6A4B7}"/>
+          </ac:cxnSpMkLst>
+        </pc:cxnChg>
+        <pc:cxnChg chg="add mod">
+          <ac:chgData name="Jamie L Bond" userId="a6e30f513dae4b66" providerId="LiveId" clId="{5CC29162-806F-4E99-BB6C-D825E9DCB597}" dt="2024-08-21T16:54:55.886" v="7933" actId="14100"/>
+          <ac:cxnSpMkLst>
+            <pc:docMk/>
+            <pc:sldMk cId="3145427368" sldId="271"/>
+            <ac:cxnSpMk id="74" creationId="{FD1DC234-AE62-C34F-9F54-5B3FE7C3501B}"/>
+          </ac:cxnSpMkLst>
+        </pc:cxnChg>
+        <pc:cxnChg chg="mod">
+          <ac:chgData name="Jamie L Bond" userId="a6e30f513dae4b66" providerId="LiveId" clId="{5CC29162-806F-4E99-BB6C-D825E9DCB597}" dt="2024-08-21T16:17:23.753" v="6721" actId="1076"/>
+          <ac:cxnSpMkLst>
+            <pc:docMk/>
+            <pc:sldMk cId="3145427368" sldId="271"/>
+            <ac:cxnSpMk id="174" creationId="{C2E8388A-B39F-07DB-0361-755E1EB686A9}"/>
+          </ac:cxnSpMkLst>
+        </pc:cxnChg>
       </pc:sldChg>
       <pc:sldChg chg="del">
         <pc:chgData name="Jamie L Bond" userId="a6e30f513dae4b66" providerId="LiveId" clId="{5CC29162-806F-4E99-BB6C-D825E9DCB597}" dt="2024-08-20T14:17:10.155" v="309" actId="47"/>
@@ -1247,7 +2249,7 @@
           <a:p>
             <a:fld id="{D2CEAFE5-08FA-4ABE-8C6F-6D75E7BAA93E}" type="datetimeFigureOut">
               <a:rPr lang="en-US" smtClean="0"/>
-              <a:t>8/20/2024</a:t>
+              <a:t>8/21/2024</a:t>
             </a:fld>
             <a:endParaRPr lang="en-US"/>
           </a:p>
@@ -1858,6 +2860,135 @@
           <a:bodyPr/>
           <a:lstStyle/>
           <a:p>
+            <a:pPr marL="0" indent="0">
+              <a:lnSpc>
+                <a:spcPct val="120000"/>
+              </a:lnSpc>
+              <a:spcBef>
+                <a:spcPts val="0"/>
+              </a:spcBef>
+              <a:buNone/>
+            </a:pPr>
+            <a:r>
+              <a:rPr lang="en-US" b="1" dirty="0">
+                <a:solidFill>
+                  <a:srgbClr val="D6A300"/>
+                </a:solidFill>
+              </a:rPr>
+              <a:t>Model takes precipitation and temperature</a:t>
+            </a:r>
+          </a:p>
+          <a:p>
+            <a:pPr marL="0" indent="0">
+              <a:lnSpc>
+                <a:spcPct val="120000"/>
+              </a:lnSpc>
+              <a:spcBef>
+                <a:spcPts val="0"/>
+              </a:spcBef>
+              <a:buNone/>
+            </a:pPr>
+            <a:endParaRPr lang="en-US" sz="1200" b="1" dirty="0">
+              <a:solidFill>
+                <a:srgbClr val="D6A300"/>
+              </a:solidFill>
+            </a:endParaRPr>
+          </a:p>
+          <a:p>
+            <a:pPr marL="0" indent="0">
+              <a:lnSpc>
+                <a:spcPct val="120000"/>
+              </a:lnSpc>
+              <a:spcBef>
+                <a:spcPts val="0"/>
+              </a:spcBef>
+              <a:buNone/>
+            </a:pPr>
+            <a:r>
+              <a:rPr lang="en-US" sz="1200" b="1" dirty="0">
+                <a:solidFill>
+                  <a:srgbClr val="D6A300"/>
+                </a:solidFill>
+              </a:rPr>
+              <a:t>Find relationships  plant advisor</a:t>
+            </a:r>
+          </a:p>
+          <a:p>
+            <a:pPr marL="0" indent="0">
+              <a:lnSpc>
+                <a:spcPct val="120000"/>
+              </a:lnSpc>
+              <a:spcBef>
+                <a:spcPts val="0"/>
+              </a:spcBef>
+              <a:buNone/>
+            </a:pPr>
+            <a:endParaRPr lang="en-US" sz="1200" b="1" dirty="0">
+              <a:solidFill>
+                <a:srgbClr val="D6A300"/>
+              </a:solidFill>
+            </a:endParaRPr>
+          </a:p>
+          <a:p>
+            <a:pPr marL="0" indent="0">
+              <a:lnSpc>
+                <a:spcPct val="120000"/>
+              </a:lnSpc>
+              <a:spcBef>
+                <a:spcPts val="0"/>
+              </a:spcBef>
+              <a:buNone/>
+            </a:pPr>
+            <a:r>
+              <a:rPr lang="en-US" sz="1200" b="1" dirty="0">
+                <a:solidFill>
+                  <a:srgbClr val="D6A300"/>
+                </a:solidFill>
+              </a:rPr>
+              <a:t>Conditions </a:t>
+            </a:r>
+          </a:p>
+          <a:p>
+            <a:pPr marL="0" indent="0">
+              <a:lnSpc>
+                <a:spcPct val="120000"/>
+              </a:lnSpc>
+              <a:spcBef>
+                <a:spcPts val="0"/>
+              </a:spcBef>
+              <a:buNone/>
+            </a:pPr>
+            <a:endParaRPr lang="en-US" sz="1200" b="1" dirty="0">
+              <a:solidFill>
+                <a:srgbClr val="D6A300"/>
+              </a:solidFill>
+            </a:endParaRPr>
+          </a:p>
+          <a:p>
+            <a:pPr marL="0" indent="0">
+              <a:lnSpc>
+                <a:spcPct val="120000"/>
+              </a:lnSpc>
+              <a:spcBef>
+                <a:spcPts val="0"/>
+              </a:spcBef>
+              <a:buNone/>
+            </a:pPr>
+            <a:endParaRPr lang="en-US" sz="1200" dirty="0"/>
+          </a:p>
+          <a:p>
+            <a:pPr marL="0" indent="0">
+              <a:lnSpc>
+                <a:spcPct val="120000"/>
+              </a:lnSpc>
+              <a:spcBef>
+                <a:spcPts val="0"/>
+              </a:spcBef>
+              <a:buNone/>
+            </a:pPr>
+            <a:endParaRPr lang="en-US" dirty="0"/>
+          </a:p>
+          <a:p>
             <a:endParaRPr lang="en-US" dirty="0"/>
           </a:p>
         </p:txBody>
@@ -1879,7 +3010,91 @@
           <a:p>
             <a:fld id="{F65A2EBD-8C9B-4F19-ACF0-22102BE3597A}" type="slidenum">
               <a:rPr lang="en-US" smtClean="0"/>
-              <a:t>7</a:t>
+              <a:t>5</a:t>
+            </a:fld>
+            <a:endParaRPr lang="en-US"/>
+          </a:p>
+        </p:txBody>
+      </p:sp>
+    </p:spTree>
+    <p:extLst>
+      <p:ext uri="{BB962C8B-B14F-4D97-AF65-F5344CB8AC3E}">
+        <p14:creationId xmlns:p14="http://schemas.microsoft.com/office/powerpoint/2010/main" val="1680970605"/>
+      </p:ext>
+    </p:extLst>
+  </p:cSld>
+  <p:clrMapOvr>
+    <a:masterClrMapping/>
+  </p:clrMapOvr>
+</p:notes>
+</file>
+
+<file path=ppt/notesSlides/notesSlide4.xml><?xml version="1.0" encoding="utf-8"?>
+<p:notes xmlns:a="http://schemas.openxmlformats.org/drawingml/2006/main" xmlns:r="http://schemas.openxmlformats.org/officeDocument/2006/relationships" xmlns:p="http://schemas.openxmlformats.org/presentationml/2006/main">
+  <p:cSld>
+    <p:spTree>
+      <p:nvGrpSpPr>
+        <p:cNvPr id="1" name=""/>
+        <p:cNvGrpSpPr/>
+        <p:nvPr/>
+      </p:nvGrpSpPr>
+      <p:grpSpPr>
+        <a:xfrm>
+          <a:off x="0" y="0"/>
+          <a:ext cx="0" cy="0"/>
+          <a:chOff x="0" y="0"/>
+          <a:chExt cx="0" cy="0"/>
+        </a:xfrm>
+      </p:grpSpPr>
+      <p:sp>
+        <p:nvSpPr>
+          <p:cNvPr id="2" name="Slide Image Placeholder 1"/>
+          <p:cNvSpPr>
+            <a:spLocks noGrp="1" noRot="1" noChangeAspect="1"/>
+          </p:cNvSpPr>
+          <p:nvPr>
+            <p:ph type="sldImg"/>
+          </p:nvPr>
+        </p:nvSpPr>
+        <p:spPr/>
+      </p:sp>
+      <p:sp>
+        <p:nvSpPr>
+          <p:cNvPr id="3" name="Notes Placeholder 2"/>
+          <p:cNvSpPr>
+            <a:spLocks noGrp="1"/>
+          </p:cNvSpPr>
+          <p:nvPr>
+            <p:ph type="body" idx="1"/>
+          </p:nvPr>
+        </p:nvSpPr>
+        <p:spPr/>
+        <p:txBody>
+          <a:bodyPr/>
+          <a:lstStyle/>
+          <a:p>
+            <a:endParaRPr lang="en-US" dirty="0"/>
+          </a:p>
+        </p:txBody>
+      </p:sp>
+      <p:sp>
+        <p:nvSpPr>
+          <p:cNvPr id="4" name="Slide Number Placeholder 3"/>
+          <p:cNvSpPr>
+            <a:spLocks noGrp="1"/>
+          </p:cNvSpPr>
+          <p:nvPr>
+            <p:ph type="sldNum" sz="quarter" idx="5"/>
+          </p:nvPr>
+        </p:nvSpPr>
+        <p:spPr/>
+        <p:txBody>
+          <a:bodyPr/>
+          <a:lstStyle/>
+          <a:p>
+            <a:fld id="{F65A2EBD-8C9B-4F19-ACF0-22102BE3597A}" type="slidenum">
+              <a:rPr lang="en-US" smtClean="0"/>
+              <a:t>9</a:t>
             </a:fld>
             <a:endParaRPr lang="en-US"/>
           </a:p>
@@ -5880,6 +7095,407 @@
 </p:sld>
 </file>
 
+<file path=ppt/slides/slide10.xml><?xml version="1.0" encoding="utf-8"?>
+<p:sld xmlns:a="http://schemas.openxmlformats.org/drawingml/2006/main" xmlns:r="http://schemas.openxmlformats.org/officeDocument/2006/relationships" xmlns:p="http://schemas.openxmlformats.org/presentationml/2006/main" show="0">
+  <p:cSld>
+    <p:spTree>
+      <p:nvGrpSpPr>
+        <p:cNvPr id="1" name=""/>
+        <p:cNvGrpSpPr/>
+        <p:nvPr/>
+      </p:nvGrpSpPr>
+      <p:grpSpPr>
+        <a:xfrm>
+          <a:off x="0" y="0"/>
+          <a:ext cx="0" cy="0"/>
+          <a:chOff x="0" y="0"/>
+          <a:chExt cx="0" cy="0"/>
+        </a:xfrm>
+      </p:grpSpPr>
+      <p:sp>
+        <p:nvSpPr>
+          <p:cNvPr id="2" name="Title 1">
+            <a:extLst>
+              <a:ext uri="{FF2B5EF4-FFF2-40B4-BE49-F238E27FC236}">
+                <a16:creationId xmlns:a16="http://schemas.microsoft.com/office/drawing/2014/main" id="{C338478E-81F3-D229-A83A-5B5EC37298A3}"/>
+              </a:ext>
+            </a:extLst>
+          </p:cNvPr>
+          <p:cNvSpPr>
+            <a:spLocks noGrp="1"/>
+          </p:cNvSpPr>
+          <p:nvPr>
+            <p:ph type="title"/>
+          </p:nvPr>
+        </p:nvSpPr>
+        <p:spPr/>
+        <p:txBody>
+          <a:bodyPr>
+            <a:normAutofit fontScale="90000"/>
+          </a:bodyPr>
+          <a:lstStyle/>
+          <a:p>
+            <a:r>
+              <a:rPr lang="en-US" dirty="0"/>
+              <a:t>Place holder</a:t>
+            </a:r>
+          </a:p>
+        </p:txBody>
+      </p:sp>
+      <p:pic>
+        <p:nvPicPr>
+          <p:cNvPr id="9" name="Content Placeholder 8" descr="A screenshot of a computer screen&#10;&#10;Description automatically generated">
+            <a:extLst>
+              <a:ext uri="{FF2B5EF4-FFF2-40B4-BE49-F238E27FC236}">
+                <a16:creationId xmlns:a16="http://schemas.microsoft.com/office/drawing/2014/main" id="{DADB6053-CF02-1C01-93F9-2E1635E6D010}"/>
+              </a:ext>
+            </a:extLst>
+          </p:cNvPr>
+          <p:cNvPicPr>
+            <a:picLocks noGrp="1" noChangeAspect="1"/>
+          </p:cNvPicPr>
+          <p:nvPr>
+            <p:ph idx="1"/>
+          </p:nvPr>
+        </p:nvPicPr>
+        <p:blipFill>
+          <a:blip r:embed="rId2">
+            <a:extLst>
+              <a:ext uri="{28A0092B-C50C-407E-A947-70E740481C1C}">
+                <a14:useLocalDpi xmlns:a14="http://schemas.microsoft.com/office/drawing/2010/main" val="0"/>
+              </a:ext>
+            </a:extLst>
+          </a:blip>
+          <a:stretch>
+            <a:fillRect/>
+          </a:stretch>
+        </p:blipFill>
+        <p:spPr>
+          <a:xfrm>
+            <a:off x="492052" y="633186"/>
+            <a:ext cx="7540942" cy="4103914"/>
+          </a:xfrm>
+        </p:spPr>
+      </p:pic>
+      <p:sp>
+        <p:nvSpPr>
+          <p:cNvPr id="4" name="Footer Placeholder 3">
+            <a:extLst>
+              <a:ext uri="{FF2B5EF4-FFF2-40B4-BE49-F238E27FC236}">
+                <a16:creationId xmlns:a16="http://schemas.microsoft.com/office/drawing/2014/main" id="{49C27036-73E7-7E87-80C2-6A1F2CB7BA67}"/>
+              </a:ext>
+            </a:extLst>
+          </p:cNvPr>
+          <p:cNvSpPr>
+            <a:spLocks noGrp="1"/>
+          </p:cNvSpPr>
+          <p:nvPr>
+            <p:ph type="ftr" sz="quarter" idx="11"/>
+          </p:nvPr>
+        </p:nvSpPr>
+        <p:spPr/>
+        <p:txBody>
+          <a:bodyPr/>
+          <a:lstStyle/>
+          <a:p>
+            <a:r>
+              <a:rPr lang="en-US"/>
+              <a:t>UNC AI Bootcamp | MOD 10 Project | Contributors: Jamie Bond, Mike Szumski, Rajesh Velamala</a:t>
+            </a:r>
+          </a:p>
+        </p:txBody>
+      </p:sp>
+      <p:sp>
+        <p:nvSpPr>
+          <p:cNvPr id="5" name="Slide Number Placeholder 4">
+            <a:extLst>
+              <a:ext uri="{FF2B5EF4-FFF2-40B4-BE49-F238E27FC236}">
+                <a16:creationId xmlns:a16="http://schemas.microsoft.com/office/drawing/2014/main" id="{7221C47B-F124-E1B6-BC33-2151223104B2}"/>
+              </a:ext>
+            </a:extLst>
+          </p:cNvPr>
+          <p:cNvSpPr>
+            <a:spLocks noGrp="1"/>
+          </p:cNvSpPr>
+          <p:nvPr>
+            <p:ph type="sldNum" sz="quarter" idx="12"/>
+          </p:nvPr>
+        </p:nvSpPr>
+        <p:spPr/>
+        <p:txBody>
+          <a:bodyPr/>
+          <a:lstStyle/>
+          <a:p>
+            <a:fld id="{79F31F10-1257-482C-8051-E7DF71AF7482}" type="slidenum">
+              <a:rPr lang="en-US" smtClean="0"/>
+              <a:pPr/>
+              <a:t>10</a:t>
+            </a:fld>
+            <a:endParaRPr lang="en-US" dirty="0"/>
+          </a:p>
+        </p:txBody>
+      </p:sp>
+      <p:pic>
+        <p:nvPicPr>
+          <p:cNvPr id="10" name="Picture 9">
+            <a:extLst>
+              <a:ext uri="{FF2B5EF4-FFF2-40B4-BE49-F238E27FC236}">
+                <a16:creationId xmlns:a16="http://schemas.microsoft.com/office/drawing/2014/main" id="{AEC5ADDF-1647-C282-F636-916A29EEBB25}"/>
+              </a:ext>
+            </a:extLst>
+          </p:cNvPr>
+          <p:cNvPicPr>
+            <a:picLocks noChangeAspect="1"/>
+          </p:cNvPicPr>
+          <p:nvPr/>
+        </p:nvPicPr>
+        <p:blipFill>
+          <a:blip r:embed="rId3"/>
+          <a:stretch>
+            <a:fillRect/>
+          </a:stretch>
+        </p:blipFill>
+        <p:spPr>
+          <a:xfrm>
+            <a:off x="7238641" y="2836636"/>
+            <a:ext cx="4410507" cy="3519714"/>
+          </a:xfrm>
+          <a:prstGeom prst="rect">
+            <a:avLst/>
+          </a:prstGeom>
+        </p:spPr>
+      </p:pic>
+    </p:spTree>
+    <p:extLst>
+      <p:ext uri="{BB962C8B-B14F-4D97-AF65-F5344CB8AC3E}">
+        <p14:creationId xmlns:p14="http://schemas.microsoft.com/office/powerpoint/2010/main" val="2323337262"/>
+      </p:ext>
+    </p:extLst>
+  </p:cSld>
+  <p:clrMapOvr>
+    <a:masterClrMapping/>
+  </p:clrMapOvr>
+</p:sld>
+</file>
+
+<file path=ppt/slides/slide11.xml><?xml version="1.0" encoding="utf-8"?>
+<p:sld xmlns:a="http://schemas.openxmlformats.org/drawingml/2006/main" xmlns:r="http://schemas.openxmlformats.org/officeDocument/2006/relationships" xmlns:p="http://schemas.openxmlformats.org/presentationml/2006/main" show="0">
+  <p:cSld>
+    <p:spTree>
+      <p:nvGrpSpPr>
+        <p:cNvPr id="1" name=""/>
+        <p:cNvGrpSpPr/>
+        <p:nvPr/>
+      </p:nvGrpSpPr>
+      <p:grpSpPr>
+        <a:xfrm>
+          <a:off x="0" y="0"/>
+          <a:ext cx="0" cy="0"/>
+          <a:chOff x="0" y="0"/>
+          <a:chExt cx="0" cy="0"/>
+        </a:xfrm>
+      </p:grpSpPr>
+      <p:sp>
+        <p:nvSpPr>
+          <p:cNvPr id="2" name="Title 1">
+            <a:extLst>
+              <a:ext uri="{FF2B5EF4-FFF2-40B4-BE49-F238E27FC236}">
+                <a16:creationId xmlns:a16="http://schemas.microsoft.com/office/drawing/2014/main" id="{C338478E-81F3-D229-A83A-5B5EC37298A3}"/>
+              </a:ext>
+            </a:extLst>
+          </p:cNvPr>
+          <p:cNvSpPr>
+            <a:spLocks noGrp="1"/>
+          </p:cNvSpPr>
+          <p:nvPr>
+            <p:ph type="title"/>
+          </p:nvPr>
+        </p:nvSpPr>
+        <p:spPr/>
+        <p:txBody>
+          <a:bodyPr>
+            <a:normAutofit fontScale="90000"/>
+          </a:bodyPr>
+          <a:lstStyle/>
+          <a:p>
+            <a:r>
+              <a:rPr lang="en-US" dirty="0"/>
+              <a:t>Precipitation and </a:t>
+            </a:r>
+            <a:r>
+              <a:rPr lang="en-US"/>
+              <a:t>Temperature Data Source</a:t>
+            </a:r>
+            <a:endParaRPr lang="en-US" dirty="0"/>
+          </a:p>
+        </p:txBody>
+      </p:sp>
+      <p:sp>
+        <p:nvSpPr>
+          <p:cNvPr id="4" name="Footer Placeholder 3">
+            <a:extLst>
+              <a:ext uri="{FF2B5EF4-FFF2-40B4-BE49-F238E27FC236}">
+                <a16:creationId xmlns:a16="http://schemas.microsoft.com/office/drawing/2014/main" id="{49C27036-73E7-7E87-80C2-6A1F2CB7BA67}"/>
+              </a:ext>
+            </a:extLst>
+          </p:cNvPr>
+          <p:cNvSpPr>
+            <a:spLocks noGrp="1"/>
+          </p:cNvSpPr>
+          <p:nvPr>
+            <p:ph type="ftr" sz="quarter" idx="11"/>
+          </p:nvPr>
+        </p:nvSpPr>
+        <p:spPr/>
+        <p:txBody>
+          <a:bodyPr/>
+          <a:lstStyle/>
+          <a:p>
+            <a:r>
+              <a:rPr lang="en-US"/>
+              <a:t>UNC AI Bootcamp | MOD 10 Project | Contributors: Jamie Bond, Mike Szumski, Rajesh Velamala</a:t>
+            </a:r>
+          </a:p>
+        </p:txBody>
+      </p:sp>
+      <p:sp>
+        <p:nvSpPr>
+          <p:cNvPr id="5" name="Slide Number Placeholder 4">
+            <a:extLst>
+              <a:ext uri="{FF2B5EF4-FFF2-40B4-BE49-F238E27FC236}">
+                <a16:creationId xmlns:a16="http://schemas.microsoft.com/office/drawing/2014/main" id="{7221C47B-F124-E1B6-BC33-2151223104B2}"/>
+              </a:ext>
+            </a:extLst>
+          </p:cNvPr>
+          <p:cNvSpPr>
+            <a:spLocks noGrp="1"/>
+          </p:cNvSpPr>
+          <p:nvPr>
+            <p:ph type="sldNum" sz="quarter" idx="12"/>
+          </p:nvPr>
+        </p:nvSpPr>
+        <p:spPr/>
+        <p:txBody>
+          <a:bodyPr/>
+          <a:lstStyle/>
+          <a:p>
+            <a:fld id="{79F31F10-1257-482C-8051-E7DF71AF7482}" type="slidenum">
+              <a:rPr lang="en-US" smtClean="0"/>
+              <a:pPr/>
+              <a:t>11</a:t>
+            </a:fld>
+            <a:endParaRPr lang="en-US" dirty="0"/>
+          </a:p>
+        </p:txBody>
+      </p:sp>
+      <p:pic>
+        <p:nvPicPr>
+          <p:cNvPr id="12" name="Picture 11">
+            <a:extLst>
+              <a:ext uri="{FF2B5EF4-FFF2-40B4-BE49-F238E27FC236}">
+                <a16:creationId xmlns:a16="http://schemas.microsoft.com/office/drawing/2014/main" id="{6C8F8E5C-5CF5-5601-CB15-76495AE59FEE}"/>
+              </a:ext>
+            </a:extLst>
+          </p:cNvPr>
+          <p:cNvPicPr>
+            <a:picLocks noChangeAspect="1"/>
+          </p:cNvPicPr>
+          <p:nvPr/>
+        </p:nvPicPr>
+        <p:blipFill>
+          <a:blip r:embed="rId2"/>
+          <a:stretch>
+            <a:fillRect/>
+          </a:stretch>
+        </p:blipFill>
+        <p:spPr>
+          <a:xfrm>
+            <a:off x="542544" y="967807"/>
+            <a:ext cx="4670178" cy="5204507"/>
+          </a:xfrm>
+          <a:prstGeom prst="rect">
+            <a:avLst/>
+          </a:prstGeom>
+        </p:spPr>
+      </p:pic>
+      <p:sp>
+        <p:nvSpPr>
+          <p:cNvPr id="14" name="TextBox 13">
+            <a:extLst>
+              <a:ext uri="{FF2B5EF4-FFF2-40B4-BE49-F238E27FC236}">
+                <a16:creationId xmlns:a16="http://schemas.microsoft.com/office/drawing/2014/main" id="{D160917D-6B4B-6591-8B96-B2C7F9124749}"/>
+              </a:ext>
+            </a:extLst>
+          </p:cNvPr>
+          <p:cNvSpPr txBox="1"/>
+          <p:nvPr/>
+        </p:nvSpPr>
+        <p:spPr>
+          <a:xfrm>
+            <a:off x="6800304" y="1900535"/>
+            <a:ext cx="3566160" cy="1200329"/>
+          </a:xfrm>
+          <a:prstGeom prst="rect">
+            <a:avLst/>
+          </a:prstGeom>
+          <a:noFill/>
+        </p:spPr>
+        <p:txBody>
+          <a:bodyPr wrap="square">
+            <a:spAutoFit/>
+          </a:bodyPr>
+          <a:lstStyle/>
+          <a:p>
+            <a:r>
+              <a:rPr lang="en-US" dirty="0"/>
+              <a:t>https://public.tableau.com/app/profile/north.carolina.state.climate.office/viz/SEClimateTrendAnalysisTool/TrendAnalysisTool</a:t>
+            </a:r>
+          </a:p>
+        </p:txBody>
+      </p:sp>
+      <p:pic>
+        <p:nvPicPr>
+          <p:cNvPr id="6" name="Picture 5">
+            <a:extLst>
+              <a:ext uri="{FF2B5EF4-FFF2-40B4-BE49-F238E27FC236}">
+                <a16:creationId xmlns:a16="http://schemas.microsoft.com/office/drawing/2014/main" id="{3D2FC20D-6312-431F-84E5-3191F8EB8018}"/>
+              </a:ext>
+            </a:extLst>
+          </p:cNvPr>
+          <p:cNvPicPr>
+            <a:picLocks noChangeAspect="1"/>
+          </p:cNvPicPr>
+          <p:nvPr/>
+        </p:nvPicPr>
+        <p:blipFill>
+          <a:blip r:embed="rId3"/>
+          <a:stretch>
+            <a:fillRect/>
+          </a:stretch>
+        </p:blipFill>
+        <p:spPr>
+          <a:xfrm>
+            <a:off x="7109103" y="3664206"/>
+            <a:ext cx="4571557" cy="2341079"/>
+          </a:xfrm>
+          <a:prstGeom prst="rect">
+            <a:avLst/>
+          </a:prstGeom>
+        </p:spPr>
+      </p:pic>
+    </p:spTree>
+    <p:extLst>
+      <p:ext uri="{BB962C8B-B14F-4D97-AF65-F5344CB8AC3E}">
+        <p14:creationId xmlns:p14="http://schemas.microsoft.com/office/powerpoint/2010/main" val="1967254509"/>
+      </p:ext>
+    </p:extLst>
+  </p:cSld>
+  <p:clrMapOvr>
+    <a:masterClrMapping/>
+  </p:clrMapOvr>
+</p:sld>
+</file>
+
 <file path=ppt/slides/slide2.xml><?xml version="1.0" encoding="utf-8"?>
 <p:sld xmlns:a="http://schemas.openxmlformats.org/drawingml/2006/main" xmlns:r="http://schemas.openxmlformats.org/officeDocument/2006/relationships" xmlns:p="http://schemas.openxmlformats.org/presentationml/2006/main">
   <p:cSld>
@@ -6241,7 +7857,7 @@
             <p:ph idx="1"/>
             <p:extLst>
               <p:ext uri="{D42A27DB-BD31-4B8C-83A1-F6EECF244321}">
-                <p14:modId xmlns:p14="http://schemas.microsoft.com/office/powerpoint/2010/main" val="2556800633"/>
+                <p14:modId xmlns:p14="http://schemas.microsoft.com/office/powerpoint/2010/main" val="3294498660"/>
               </p:ext>
             </p:extLst>
           </p:nvPr>
@@ -6493,7 +8109,7 @@
                             </a:outerShdw>
                           </a:effectLst>
                         </a:rPr>
-                        <a:t>Overview</a:t>
+                        <a:t>Background</a:t>
                       </a:r>
                     </a:p>
                   </a:txBody>
@@ -6627,7 +8243,7 @@
                             </a:outerShdw>
                           </a:effectLst>
                         </a:rPr>
-                        <a:t>Data Exploration</a:t>
+                        <a:t>Approach</a:t>
                       </a:r>
                     </a:p>
                   </a:txBody>
@@ -6761,7 +8377,7 @@
                             </a:outerShdw>
                           </a:effectLst>
                         </a:rPr>
-                        <a:t>Analysis Approach</a:t>
+                        <a:t>Modeling and Analysis</a:t>
                       </a:r>
                     </a:p>
                   </a:txBody>
@@ -6845,7 +8461,7 @@
                             </a:outerShdw>
                           </a:effectLst>
                         </a:rPr>
-                        <a:t>12</a:t>
+                        <a:t>5</a:t>
                       </a:r>
                     </a:p>
                   </a:txBody>
@@ -6895,7 +8511,7 @@
                             </a:outerShdw>
                           </a:effectLst>
                         </a:rPr>
-                        <a:t>Results and Conclusion</a:t>
+                        <a:t>Findings and Conclusions</a:t>
                       </a:r>
                     </a:p>
                   </a:txBody>
@@ -8031,6 +9647,1325 @@
           <a:p>
             <a:r>
               <a:rPr lang="en-US" b="1" dirty="0"/>
+              <a:t>BACKGROUND</a:t>
+            </a:r>
+          </a:p>
+        </p:txBody>
+      </p:sp>
+      <p:pic>
+        <p:nvPicPr>
+          <p:cNvPr id="178" name="Content Placeholder 8" descr="A screenshot of a computer screen&#10;&#10;Description automatically generated">
+            <a:extLst>
+              <a:ext uri="{FF2B5EF4-FFF2-40B4-BE49-F238E27FC236}">
+                <a16:creationId xmlns:a16="http://schemas.microsoft.com/office/drawing/2014/main" id="{F920BBEF-CED1-187E-6FA9-A98DD95E8CF1}"/>
+              </a:ext>
+            </a:extLst>
+          </p:cNvPr>
+          <p:cNvPicPr>
+            <a:picLocks noGrp="1" noChangeAspect="1"/>
+          </p:cNvPicPr>
+          <p:nvPr>
+            <p:ph idx="1"/>
+          </p:nvPr>
+        </p:nvPicPr>
+        <p:blipFill rotWithShape="1">
+          <a:blip r:embed="rId3">
+            <a:extLst>
+              <a:ext uri="{28A0092B-C50C-407E-A947-70E740481C1C}">
+                <a14:useLocalDpi xmlns:a14="http://schemas.microsoft.com/office/drawing/2010/main" val="0"/>
+              </a:ext>
+            </a:extLst>
+          </a:blip>
+          <a:srcRect b="11759"/>
+          <a:stretch/>
+        </p:blipFill>
+        <p:spPr>
+          <a:xfrm>
+            <a:off x="4883047" y="3003509"/>
+            <a:ext cx="6470753" cy="3489365"/>
+          </a:xfrm>
+        </p:spPr>
+      </p:pic>
+      <p:pic>
+        <p:nvPicPr>
+          <p:cNvPr id="183" name="Picture 182">
+            <a:extLst>
+              <a:ext uri="{FF2B5EF4-FFF2-40B4-BE49-F238E27FC236}">
+                <a16:creationId xmlns:a16="http://schemas.microsoft.com/office/drawing/2014/main" id="{4C6870EB-39E5-B1A9-230F-B8A40F07E217}"/>
+              </a:ext>
+            </a:extLst>
+          </p:cNvPr>
+          <p:cNvPicPr>
+            <a:picLocks noChangeAspect="1"/>
+          </p:cNvPicPr>
+          <p:nvPr/>
+        </p:nvPicPr>
+        <p:blipFill>
+          <a:blip r:embed="rId4">
+            <a:extLst>
+              <a:ext uri="{BEBA8EAE-BF5A-486C-A8C5-ECC9F3942E4B}">
+                <a14:imgProps xmlns:a14="http://schemas.microsoft.com/office/drawing/2010/main">
+                  <a14:imgLayer r:embed="rId5">
+                    <a14:imgEffect>
+                      <a14:saturation sat="200000"/>
+                    </a14:imgEffect>
+                  </a14:imgLayer>
+                </a14:imgProps>
+              </a:ext>
+            </a:extLst>
+          </a:blip>
+          <a:stretch>
+            <a:fillRect/>
+          </a:stretch>
+        </p:blipFill>
+        <p:spPr>
+          <a:xfrm>
+            <a:off x="1187874" y="3724039"/>
+            <a:ext cx="3183778" cy="2152779"/>
+          </a:xfrm>
+          <a:prstGeom prst="rect">
+            <a:avLst/>
+          </a:prstGeom>
+        </p:spPr>
+      </p:pic>
+      <p:pic>
+        <p:nvPicPr>
+          <p:cNvPr id="186" name="Picture 185">
+            <a:extLst>
+              <a:ext uri="{FF2B5EF4-FFF2-40B4-BE49-F238E27FC236}">
+                <a16:creationId xmlns:a16="http://schemas.microsoft.com/office/drawing/2014/main" id="{2D6B2B07-670A-55AD-4848-23D38EB3BE96}"/>
+              </a:ext>
+            </a:extLst>
+          </p:cNvPr>
+          <p:cNvPicPr>
+            <a:picLocks noChangeAspect="1"/>
+          </p:cNvPicPr>
+          <p:nvPr/>
+        </p:nvPicPr>
+        <p:blipFill>
+          <a:blip r:embed="rId6">
+            <a:duotone>
+              <a:prstClr val="black"/>
+              <a:schemeClr val="tx2">
+                <a:tint val="45000"/>
+                <a:satMod val="400000"/>
+              </a:schemeClr>
+            </a:duotone>
+            <a:alphaModFix amt="10000"/>
+          </a:blip>
+          <a:srcRect r="2508"/>
+          <a:stretch>
+            <a:fillRect/>
+          </a:stretch>
+        </p:blipFill>
+        <p:spPr>
+          <a:xfrm>
+            <a:off x="5584874" y="3690045"/>
+            <a:ext cx="5098867" cy="2087429"/>
+          </a:xfrm>
+          <a:custGeom>
+            <a:avLst/>
+            <a:gdLst>
+              <a:gd name="connsiteX0" fmla="*/ 0 w 7916787"/>
+              <a:gd name="connsiteY0" fmla="*/ 0 h 3241059"/>
+              <a:gd name="connsiteX1" fmla="*/ 7916787 w 7916787"/>
+              <a:gd name="connsiteY1" fmla="*/ 0 h 3241059"/>
+              <a:gd name="connsiteX2" fmla="*/ 7916787 w 7916787"/>
+              <a:gd name="connsiteY2" fmla="*/ 3241059 h 3241059"/>
+              <a:gd name="connsiteX3" fmla="*/ 0 w 7916787"/>
+              <a:gd name="connsiteY3" fmla="*/ 3241059 h 3241059"/>
+              <a:gd name="connsiteX4" fmla="*/ 0 w 7916787"/>
+              <a:gd name="connsiteY4" fmla="*/ 0 h 3241059"/>
+            </a:gdLst>
+            <a:ahLst/>
+            <a:cxnLst>
+              <a:cxn ang="0">
+                <a:pos x="connsiteX0" y="connsiteY0"/>
+              </a:cxn>
+              <a:cxn ang="0">
+                <a:pos x="connsiteX1" y="connsiteY1"/>
+              </a:cxn>
+              <a:cxn ang="0">
+                <a:pos x="connsiteX2" y="connsiteY2"/>
+              </a:cxn>
+              <a:cxn ang="0">
+                <a:pos x="connsiteX3" y="connsiteY3"/>
+              </a:cxn>
+              <a:cxn ang="0">
+                <a:pos x="connsiteX4" y="connsiteY4"/>
+              </a:cxn>
+            </a:cxnLst>
+            <a:rect l="l" t="t" r="r" b="b"/>
+            <a:pathLst>
+              <a:path w="7916787" h="3241059">
+                <a:moveTo>
+                  <a:pt x="0" y="0"/>
+                </a:moveTo>
+                <a:lnTo>
+                  <a:pt x="7916787" y="0"/>
+                </a:lnTo>
+                <a:lnTo>
+                  <a:pt x="7916787" y="3241059"/>
+                </a:lnTo>
+                <a:lnTo>
+                  <a:pt x="0" y="3241059"/>
+                </a:lnTo>
+                <a:lnTo>
+                  <a:pt x="0" y="0"/>
+                </a:lnTo>
+                <a:close/>
+              </a:path>
+            </a:pathLst>
+          </a:custGeom>
+        </p:spPr>
+      </p:pic>
+      <p:sp>
+        <p:nvSpPr>
+          <p:cNvPr id="187" name="Content Placeholder 2">
+            <a:extLst>
+              <a:ext uri="{FF2B5EF4-FFF2-40B4-BE49-F238E27FC236}">
+                <a16:creationId xmlns:a16="http://schemas.microsoft.com/office/drawing/2014/main" id="{71CDD18F-D474-2330-954E-0EF36EC5D8BC}"/>
+              </a:ext>
+            </a:extLst>
+          </p:cNvPr>
+          <p:cNvSpPr txBox="1">
+            <a:spLocks/>
+          </p:cNvSpPr>
+          <p:nvPr/>
+        </p:nvSpPr>
+        <p:spPr>
+          <a:xfrm>
+            <a:off x="838200" y="966153"/>
+            <a:ext cx="4746674" cy="1134446"/>
+          </a:xfrm>
+          <a:prstGeom prst="rect">
+            <a:avLst/>
+          </a:prstGeom>
+        </p:spPr>
+        <p:txBody>
+          <a:bodyPr vert="horz" lIns="91440" tIns="45720" rIns="91440" bIns="45720" rtlCol="0">
+            <a:noAutofit/>
+          </a:bodyPr>
+          <a:lstStyle>
+            <a:lvl1pPr marL="228600" indent="-228600" algn="l" defTabSz="914400" rtl="0" eaLnBrk="1" latinLnBrk="0" hangingPunct="1">
+              <a:lnSpc>
+                <a:spcPct val="90000"/>
+              </a:lnSpc>
+              <a:spcBef>
+                <a:spcPts val="1000"/>
+              </a:spcBef>
+              <a:buFont typeface="Arial" panose="020B0604020202020204" pitchFamily="34" charset="0"/>
+              <a:buChar char="•"/>
+              <a:defRPr sz="1400" kern="1200">
+                <a:solidFill>
+                  <a:schemeClr val="tx1"/>
+                </a:solidFill>
+                <a:latin typeface="+mn-lt"/>
+                <a:ea typeface="+mn-ea"/>
+                <a:cs typeface="+mn-cs"/>
+              </a:defRPr>
+            </a:lvl1pPr>
+            <a:lvl2pPr marL="685800" indent="-228600" algn="l" defTabSz="914400" rtl="0" eaLnBrk="1" latinLnBrk="0" hangingPunct="1">
+              <a:lnSpc>
+                <a:spcPct val="90000"/>
+              </a:lnSpc>
+              <a:spcBef>
+                <a:spcPts val="500"/>
+              </a:spcBef>
+              <a:buFont typeface="Arial" panose="020B0604020202020204" pitchFamily="34" charset="0"/>
+              <a:buChar char="•"/>
+              <a:defRPr sz="1200" kern="1200">
+                <a:solidFill>
+                  <a:schemeClr val="tx1"/>
+                </a:solidFill>
+                <a:latin typeface="+mn-lt"/>
+                <a:ea typeface="+mn-ea"/>
+                <a:cs typeface="+mn-cs"/>
+              </a:defRPr>
+            </a:lvl2pPr>
+            <a:lvl3pPr marL="1143000" indent="-228600" algn="l" defTabSz="914400" rtl="0" eaLnBrk="1" latinLnBrk="0" hangingPunct="1">
+              <a:lnSpc>
+                <a:spcPct val="90000"/>
+              </a:lnSpc>
+              <a:spcBef>
+                <a:spcPts val="500"/>
+              </a:spcBef>
+              <a:buFont typeface="Arial" panose="020B0604020202020204" pitchFamily="34" charset="0"/>
+              <a:buChar char="•"/>
+              <a:defRPr sz="1100" kern="1200">
+                <a:solidFill>
+                  <a:schemeClr val="tx1"/>
+                </a:solidFill>
+                <a:latin typeface="+mn-lt"/>
+                <a:ea typeface="+mn-ea"/>
+                <a:cs typeface="+mn-cs"/>
+              </a:defRPr>
+            </a:lvl3pPr>
+            <a:lvl4pPr marL="1600200" indent="-228600" algn="l" defTabSz="914400" rtl="0" eaLnBrk="1" latinLnBrk="0" hangingPunct="1">
+              <a:lnSpc>
+                <a:spcPct val="90000"/>
+              </a:lnSpc>
+              <a:spcBef>
+                <a:spcPts val="500"/>
+              </a:spcBef>
+              <a:buFont typeface="Arial" panose="020B0604020202020204" pitchFamily="34" charset="0"/>
+              <a:buChar char="•"/>
+              <a:defRPr sz="1050" kern="1200">
+                <a:solidFill>
+                  <a:schemeClr val="tx1"/>
+                </a:solidFill>
+                <a:latin typeface="+mn-lt"/>
+                <a:ea typeface="+mn-ea"/>
+                <a:cs typeface="+mn-cs"/>
+              </a:defRPr>
+            </a:lvl4pPr>
+            <a:lvl5pPr marL="2057400" indent="-228600" algn="l" defTabSz="914400" rtl="0" eaLnBrk="1" latinLnBrk="0" hangingPunct="1">
+              <a:lnSpc>
+                <a:spcPct val="90000"/>
+              </a:lnSpc>
+              <a:spcBef>
+                <a:spcPts val="500"/>
+              </a:spcBef>
+              <a:buFont typeface="Arial" panose="020B0604020202020204" pitchFamily="34" charset="0"/>
+              <a:buChar char="•"/>
+              <a:defRPr sz="1050" kern="1200">
+                <a:solidFill>
+                  <a:schemeClr val="tx1"/>
+                </a:solidFill>
+                <a:latin typeface="+mn-lt"/>
+                <a:ea typeface="+mn-ea"/>
+                <a:cs typeface="+mn-cs"/>
+              </a:defRPr>
+            </a:lvl5pPr>
+            <a:lvl6pPr marL="2514600" indent="-228600" algn="l" defTabSz="914400" rtl="0" eaLnBrk="1" latinLnBrk="0" hangingPunct="1">
+              <a:lnSpc>
+                <a:spcPct val="90000"/>
+              </a:lnSpc>
+              <a:spcBef>
+                <a:spcPts val="500"/>
+              </a:spcBef>
+              <a:buFont typeface="Arial" panose="020B0604020202020204" pitchFamily="34" charset="0"/>
+              <a:buChar char="•"/>
+              <a:defRPr sz="1800" kern="1200">
+                <a:solidFill>
+                  <a:schemeClr val="tx1"/>
+                </a:solidFill>
+                <a:latin typeface="+mn-lt"/>
+                <a:ea typeface="+mn-ea"/>
+                <a:cs typeface="+mn-cs"/>
+              </a:defRPr>
+            </a:lvl6pPr>
+            <a:lvl7pPr marL="2971800" indent="-228600" algn="l" defTabSz="914400" rtl="0" eaLnBrk="1" latinLnBrk="0" hangingPunct="1">
+              <a:lnSpc>
+                <a:spcPct val="90000"/>
+              </a:lnSpc>
+              <a:spcBef>
+                <a:spcPts val="500"/>
+              </a:spcBef>
+              <a:buFont typeface="Arial" panose="020B0604020202020204" pitchFamily="34" charset="0"/>
+              <a:buChar char="•"/>
+              <a:defRPr sz="1800" kern="1200">
+                <a:solidFill>
+                  <a:schemeClr val="tx1"/>
+                </a:solidFill>
+                <a:latin typeface="+mn-lt"/>
+                <a:ea typeface="+mn-ea"/>
+                <a:cs typeface="+mn-cs"/>
+              </a:defRPr>
+            </a:lvl7pPr>
+            <a:lvl8pPr marL="3429000" indent="-228600" algn="l" defTabSz="914400" rtl="0" eaLnBrk="1" latinLnBrk="0" hangingPunct="1">
+              <a:lnSpc>
+                <a:spcPct val="90000"/>
+              </a:lnSpc>
+              <a:spcBef>
+                <a:spcPts val="500"/>
+              </a:spcBef>
+              <a:buFont typeface="Arial" panose="020B0604020202020204" pitchFamily="34" charset="0"/>
+              <a:buChar char="•"/>
+              <a:defRPr sz="1800" kern="1200">
+                <a:solidFill>
+                  <a:schemeClr val="tx1"/>
+                </a:solidFill>
+                <a:latin typeface="+mn-lt"/>
+                <a:ea typeface="+mn-ea"/>
+                <a:cs typeface="+mn-cs"/>
+              </a:defRPr>
+            </a:lvl8pPr>
+            <a:lvl9pPr marL="3886200" indent="-228600" algn="l" defTabSz="914400" rtl="0" eaLnBrk="1" latinLnBrk="0" hangingPunct="1">
+              <a:lnSpc>
+                <a:spcPct val="90000"/>
+              </a:lnSpc>
+              <a:spcBef>
+                <a:spcPts val="500"/>
+              </a:spcBef>
+              <a:buFont typeface="Arial" panose="020B0604020202020204" pitchFamily="34" charset="0"/>
+              <a:buChar char="•"/>
+              <a:defRPr sz="1800" kern="1200">
+                <a:solidFill>
+                  <a:schemeClr val="tx1"/>
+                </a:solidFill>
+                <a:latin typeface="+mn-lt"/>
+                <a:ea typeface="+mn-ea"/>
+                <a:cs typeface="+mn-cs"/>
+              </a:defRPr>
+            </a:lvl9pPr>
+          </a:lstStyle>
+          <a:p>
+            <a:pPr marL="0" indent="0">
+              <a:lnSpc>
+                <a:spcPct val="120000"/>
+              </a:lnSpc>
+              <a:spcBef>
+                <a:spcPts val="0"/>
+              </a:spcBef>
+              <a:buFont typeface="Arial" panose="020B0604020202020204" pitchFamily="34" charset="0"/>
+              <a:buNone/>
+            </a:pPr>
+            <a:r>
+              <a:rPr lang="en-US" dirty="0"/>
+              <a:t>[ Warming trends and changes in precipitation patterns across the state …. Importance of agriculture to NC …]</a:t>
+            </a:r>
+          </a:p>
+          <a:p>
+            <a:pPr marL="0" indent="0">
+              <a:lnSpc>
+                <a:spcPct val="120000"/>
+              </a:lnSpc>
+              <a:spcBef>
+                <a:spcPts val="0"/>
+              </a:spcBef>
+              <a:buFont typeface="Arial" panose="020B0604020202020204" pitchFamily="34" charset="0"/>
+              <a:buNone/>
+            </a:pPr>
+            <a:endParaRPr lang="en-US" dirty="0"/>
+          </a:p>
+        </p:txBody>
+      </p:sp>
+      <p:pic>
+        <p:nvPicPr>
+          <p:cNvPr id="189" name="Picture 188">
+            <a:extLst>
+              <a:ext uri="{FF2B5EF4-FFF2-40B4-BE49-F238E27FC236}">
+                <a16:creationId xmlns:a16="http://schemas.microsoft.com/office/drawing/2014/main" id="{5AA44EEE-8245-8407-0F15-45989B9B09AA}"/>
+              </a:ext>
+            </a:extLst>
+          </p:cNvPr>
+          <p:cNvPicPr>
+            <a:picLocks noChangeAspect="1"/>
+          </p:cNvPicPr>
+          <p:nvPr/>
+        </p:nvPicPr>
+        <p:blipFill>
+          <a:blip r:embed="rId7"/>
+          <a:stretch>
+            <a:fillRect/>
+          </a:stretch>
+        </p:blipFill>
+        <p:spPr>
+          <a:xfrm>
+            <a:off x="11195136" y="3429000"/>
+            <a:ext cx="632219" cy="2742859"/>
+          </a:xfrm>
+          <a:prstGeom prst="rect">
+            <a:avLst/>
+          </a:prstGeom>
+        </p:spPr>
+      </p:pic>
+    </p:spTree>
+    <p:extLst>
+      <p:ext uri="{BB962C8B-B14F-4D97-AF65-F5344CB8AC3E}">
+        <p14:creationId xmlns:p14="http://schemas.microsoft.com/office/powerpoint/2010/main" val="3429612716"/>
+      </p:ext>
+    </p:extLst>
+  </p:cSld>
+  <p:clrMapOvr>
+    <a:masterClrMapping/>
+  </p:clrMapOvr>
+</p:sld>
+</file>
+
+<file path=ppt/slides/slide5.xml><?xml version="1.0" encoding="utf-8"?>
+<p:sld xmlns:a="http://schemas.openxmlformats.org/drawingml/2006/main" xmlns:r="http://schemas.openxmlformats.org/officeDocument/2006/relationships" xmlns:p="http://schemas.openxmlformats.org/presentationml/2006/main">
+  <p:cSld>
+    <p:spTree>
+      <p:nvGrpSpPr>
+        <p:cNvPr id="1" name=""/>
+        <p:cNvGrpSpPr/>
+        <p:nvPr/>
+      </p:nvGrpSpPr>
+      <p:grpSpPr>
+        <a:xfrm>
+          <a:off x="0" y="0"/>
+          <a:ext cx="0" cy="0"/>
+          <a:chOff x="0" y="0"/>
+          <a:chExt cx="0" cy="0"/>
+        </a:xfrm>
+      </p:grpSpPr>
+      <p:pic>
+        <p:nvPicPr>
+          <p:cNvPr id="92" name="Graphic 91" descr="Agriculture with solid fill">
+            <a:extLst>
+              <a:ext uri="{FF2B5EF4-FFF2-40B4-BE49-F238E27FC236}">
+                <a16:creationId xmlns:a16="http://schemas.microsoft.com/office/drawing/2014/main" id="{C0923BDF-19EF-99E0-54F4-232B93CAC222}"/>
+              </a:ext>
+            </a:extLst>
+          </p:cNvPr>
+          <p:cNvPicPr>
+            <a:picLocks noChangeAspect="1"/>
+          </p:cNvPicPr>
+          <p:nvPr/>
+        </p:nvPicPr>
+        <p:blipFill>
+          <a:blip r:embed="rId3">
+            <a:extLst>
+              <a:ext uri="{96DAC541-7B7A-43D3-8B79-37D633B846F1}">
+                <asvg:svgBlip xmlns:asvg="http://schemas.microsoft.com/office/drawing/2016/SVG/main" r:embed="rId4"/>
+              </a:ext>
+            </a:extLst>
+          </a:blip>
+          <a:stretch>
+            <a:fillRect/>
+          </a:stretch>
+        </p:blipFill>
+        <p:spPr>
+          <a:xfrm>
+            <a:off x="9432993" y="4867204"/>
+            <a:ext cx="1050656" cy="1050656"/>
+          </a:xfrm>
+          <a:prstGeom prst="rect">
+            <a:avLst/>
+          </a:prstGeom>
+        </p:spPr>
+      </p:pic>
+      <p:grpSp>
+        <p:nvGrpSpPr>
+          <p:cNvPr id="169" name="Group 168">
+            <a:extLst>
+              <a:ext uri="{FF2B5EF4-FFF2-40B4-BE49-F238E27FC236}">
+                <a16:creationId xmlns:a16="http://schemas.microsoft.com/office/drawing/2014/main" id="{49AE0B0C-A7A1-6623-E254-AD604D017F53}"/>
+              </a:ext>
+            </a:extLst>
+          </p:cNvPr>
+          <p:cNvGrpSpPr/>
+          <p:nvPr/>
+        </p:nvGrpSpPr>
+        <p:grpSpPr>
+          <a:xfrm>
+            <a:off x="189473" y="4755944"/>
+            <a:ext cx="4240260" cy="1491710"/>
+            <a:chOff x="255716" y="1648769"/>
+            <a:chExt cx="4240260" cy="1491710"/>
+          </a:xfrm>
+        </p:grpSpPr>
+        <p:sp>
+          <p:nvSpPr>
+            <p:cNvPr id="170" name="Rectangle 169">
+              <a:extLst>
+                <a:ext uri="{FF2B5EF4-FFF2-40B4-BE49-F238E27FC236}">
+                  <a16:creationId xmlns:a16="http://schemas.microsoft.com/office/drawing/2014/main" id="{CD2DC3B8-2CA8-69A1-5DEC-732C79156389}"/>
+                </a:ext>
+              </a:extLst>
+            </p:cNvPr>
+            <p:cNvSpPr/>
+            <p:nvPr/>
+          </p:nvSpPr>
+          <p:spPr>
+            <a:xfrm>
+              <a:off x="255716" y="1648769"/>
+              <a:ext cx="4240260" cy="1491710"/>
+            </a:xfrm>
+            <a:prstGeom prst="rect">
+              <a:avLst/>
+            </a:prstGeom>
+            <a:solidFill>
+              <a:schemeClr val="bg2"/>
+            </a:solidFill>
+            <a:ln>
+              <a:noFill/>
+            </a:ln>
+          </p:spPr>
+          <p:style>
+            <a:lnRef idx="2">
+              <a:schemeClr val="accent1">
+                <a:shade val="15000"/>
+              </a:schemeClr>
+            </a:lnRef>
+            <a:fillRef idx="1">
+              <a:schemeClr val="accent1"/>
+            </a:fillRef>
+            <a:effectRef idx="0">
+              <a:schemeClr val="accent1"/>
+            </a:effectRef>
+            <a:fontRef idx="minor">
+              <a:schemeClr val="lt1"/>
+            </a:fontRef>
+          </p:style>
+          <p:txBody>
+            <a:bodyPr rtlCol="0" anchor="ctr"/>
+            <a:lstStyle/>
+            <a:p>
+              <a:pPr algn="ctr"/>
+              <a:endParaRPr lang="en-US"/>
+            </a:p>
+          </p:txBody>
+        </p:sp>
+        <p:sp>
+          <p:nvSpPr>
+            <p:cNvPr id="171" name="Flowchart: Stored Data 170">
+              <a:extLst>
+                <a:ext uri="{FF2B5EF4-FFF2-40B4-BE49-F238E27FC236}">
+                  <a16:creationId xmlns:a16="http://schemas.microsoft.com/office/drawing/2014/main" id="{8FA653B0-B6A3-B760-6C72-BDA8C002E8AE}"/>
+                </a:ext>
+              </a:extLst>
+            </p:cNvPr>
+            <p:cNvSpPr/>
+            <p:nvPr/>
+          </p:nvSpPr>
+          <p:spPr>
+            <a:xfrm>
+              <a:off x="530228" y="2285357"/>
+              <a:ext cx="1361622" cy="693281"/>
+            </a:xfrm>
+            <a:prstGeom prst="flowChartOnlineStorage">
+              <a:avLst/>
+            </a:prstGeom>
+            <a:solidFill>
+              <a:schemeClr val="bg2">
+                <a:lumMod val="50000"/>
+              </a:schemeClr>
+            </a:solidFill>
+            <a:ln>
+              <a:solidFill>
+                <a:schemeClr val="bg2">
+                  <a:lumMod val="50000"/>
+                </a:schemeClr>
+              </a:solidFill>
+            </a:ln>
+          </p:spPr>
+          <p:style>
+            <a:lnRef idx="2">
+              <a:schemeClr val="accent1">
+                <a:shade val="15000"/>
+              </a:schemeClr>
+            </a:lnRef>
+            <a:fillRef idx="1">
+              <a:schemeClr val="accent1"/>
+            </a:fillRef>
+            <a:effectRef idx="0">
+              <a:schemeClr val="accent1"/>
+            </a:effectRef>
+            <a:fontRef idx="minor">
+              <a:schemeClr val="lt1"/>
+            </a:fontRef>
+          </p:style>
+          <p:txBody>
+            <a:bodyPr wrap="none" lIns="0" tIns="0" rIns="182880" bIns="0" rtlCol="0" anchor="ctr"/>
+            <a:lstStyle/>
+            <a:p>
+              <a:pPr algn="ctr"/>
+              <a:r>
+                <a:rPr lang="en-US" sz="1100" dirty="0">
+                  <a:solidFill>
+                    <a:schemeClr val="bg1"/>
+                  </a:solidFill>
+                </a:rPr>
+                <a:t>Financial</a:t>
+              </a:r>
+            </a:p>
+            <a:p>
+              <a:pPr algn="ctr"/>
+              <a:r>
+                <a:rPr lang="en-US" sz="1100" dirty="0">
+                  <a:solidFill>
+                    <a:schemeClr val="bg1"/>
+                  </a:solidFill>
+                </a:rPr>
+                <a:t>Trends   ($)</a:t>
+              </a:r>
+            </a:p>
+          </p:txBody>
+        </p:sp>
+        <p:cxnSp>
+          <p:nvCxnSpPr>
+            <p:cNvPr id="174" name="Straight Arrow Connector 15">
+              <a:extLst>
+                <a:ext uri="{FF2B5EF4-FFF2-40B4-BE49-F238E27FC236}">
+                  <a16:creationId xmlns:a16="http://schemas.microsoft.com/office/drawing/2014/main" id="{C2E8388A-B39F-07DB-0361-755E1EB686A9}"/>
+                </a:ext>
+              </a:extLst>
+            </p:cNvPr>
+            <p:cNvCxnSpPr>
+              <a:cxnSpLocks/>
+              <a:stCxn id="171" idx="3"/>
+              <a:endCxn id="9" idx="2"/>
+            </p:cNvCxnSpPr>
+            <p:nvPr/>
+          </p:nvCxnSpPr>
+          <p:spPr>
+            <a:xfrm flipV="1">
+              <a:off x="1664913" y="1913172"/>
+              <a:ext cx="2305037" cy="718826"/>
+            </a:xfrm>
+            <a:prstGeom prst="bentConnector2">
+              <a:avLst/>
+            </a:prstGeom>
+            <a:ln>
+              <a:solidFill>
+                <a:schemeClr val="bg2">
+                  <a:lumMod val="50000"/>
+                </a:schemeClr>
+              </a:solidFill>
+              <a:tailEnd type="triangle"/>
+            </a:ln>
+          </p:spPr>
+          <p:style>
+            <a:lnRef idx="2">
+              <a:schemeClr val="accent1"/>
+            </a:lnRef>
+            <a:fillRef idx="0">
+              <a:schemeClr val="accent1"/>
+            </a:fillRef>
+            <a:effectRef idx="1">
+              <a:schemeClr val="accent1"/>
+            </a:effectRef>
+            <a:fontRef idx="minor">
+              <a:schemeClr val="tx1"/>
+            </a:fontRef>
+          </p:style>
+        </p:cxnSp>
+        <p:sp>
+          <p:nvSpPr>
+            <p:cNvPr id="176" name="TextBox 175">
+              <a:extLst>
+                <a:ext uri="{FF2B5EF4-FFF2-40B4-BE49-F238E27FC236}">
+                  <a16:creationId xmlns:a16="http://schemas.microsoft.com/office/drawing/2014/main" id="{C2EC22E9-C0CF-67C4-7321-A3426B48DF1F}"/>
+                </a:ext>
+              </a:extLst>
+            </p:cNvPr>
+            <p:cNvSpPr txBox="1"/>
+            <p:nvPr/>
+          </p:nvSpPr>
+          <p:spPr>
+            <a:xfrm>
+              <a:off x="2299922" y="2074606"/>
+              <a:ext cx="1266825" cy="484748"/>
+            </a:xfrm>
+            <a:prstGeom prst="rect">
+              <a:avLst/>
+            </a:prstGeom>
+            <a:noFill/>
+          </p:spPr>
+          <p:txBody>
+            <a:bodyPr wrap="square" lIns="0" tIns="0" rIns="0" bIns="0" rtlCol="0">
+              <a:spAutoFit/>
+            </a:bodyPr>
+            <a:lstStyle/>
+            <a:p>
+              <a:r>
+                <a:rPr lang="en-US" sz="1050" dirty="0"/>
+                <a:t>TARGETS</a:t>
+              </a:r>
+            </a:p>
+            <a:p>
+              <a:pPr marL="111125" indent="-111125">
+                <a:buFont typeface="Arial" panose="020B0604020202020204" pitchFamily="34" charset="0"/>
+                <a:buChar char="•"/>
+              </a:pPr>
+              <a:r>
+                <a:rPr lang="en-US" sz="1050" dirty="0"/>
+                <a:t>Seed Costs</a:t>
+              </a:r>
+            </a:p>
+            <a:p>
+              <a:pPr marL="111125" indent="-111125">
+                <a:buFont typeface="Arial" panose="020B0604020202020204" pitchFamily="34" charset="0"/>
+                <a:buChar char="•"/>
+              </a:pPr>
+              <a:r>
+                <a:rPr lang="en-US" sz="1050" dirty="0"/>
+                <a:t>Commodity Pricing</a:t>
+              </a:r>
+            </a:p>
+          </p:txBody>
+        </p:sp>
+        <p:sp>
+          <p:nvSpPr>
+            <p:cNvPr id="177" name="TextBox 176">
+              <a:extLst>
+                <a:ext uri="{FF2B5EF4-FFF2-40B4-BE49-F238E27FC236}">
+                  <a16:creationId xmlns:a16="http://schemas.microsoft.com/office/drawing/2014/main" id="{576490D2-D939-AA6F-37B0-C7FA29155904}"/>
+                </a:ext>
+              </a:extLst>
+            </p:cNvPr>
+            <p:cNvSpPr txBox="1"/>
+            <p:nvPr/>
+          </p:nvSpPr>
+          <p:spPr>
+            <a:xfrm>
+              <a:off x="3135967" y="2897847"/>
+              <a:ext cx="1161403" cy="161583"/>
+            </a:xfrm>
+            <a:prstGeom prst="rect">
+              <a:avLst/>
+            </a:prstGeom>
+            <a:noFill/>
+          </p:spPr>
+          <p:txBody>
+            <a:bodyPr wrap="square" lIns="0" tIns="0" bIns="0" rtlCol="0">
+              <a:spAutoFit/>
+            </a:bodyPr>
+            <a:lstStyle/>
+            <a:p>
+              <a:r>
+                <a:rPr lang="en-US" sz="1050" dirty="0">
+                  <a:solidFill>
+                    <a:schemeClr val="bg1">
+                      <a:lumMod val="65000"/>
+                    </a:schemeClr>
+                  </a:solidFill>
+                </a:rPr>
+                <a:t>MODEL TRAINING</a:t>
+              </a:r>
+            </a:p>
+          </p:txBody>
+        </p:sp>
+      </p:grpSp>
+      <p:grpSp>
+        <p:nvGrpSpPr>
+          <p:cNvPr id="168" name="Group 167">
+            <a:extLst>
+              <a:ext uri="{FF2B5EF4-FFF2-40B4-BE49-F238E27FC236}">
+                <a16:creationId xmlns:a16="http://schemas.microsoft.com/office/drawing/2014/main" id="{956D4744-3ABE-EEEE-2F74-49095A21B2A4}"/>
+              </a:ext>
+            </a:extLst>
+          </p:cNvPr>
+          <p:cNvGrpSpPr/>
+          <p:nvPr/>
+        </p:nvGrpSpPr>
+        <p:grpSpPr>
+          <a:xfrm>
+            <a:off x="257313" y="810272"/>
+            <a:ext cx="4240260" cy="2204968"/>
+            <a:chOff x="257313" y="810272"/>
+            <a:chExt cx="4240260" cy="2204968"/>
+          </a:xfrm>
+        </p:grpSpPr>
+        <p:sp>
+          <p:nvSpPr>
+            <p:cNvPr id="88" name="Rectangle 87">
+              <a:extLst>
+                <a:ext uri="{FF2B5EF4-FFF2-40B4-BE49-F238E27FC236}">
+                  <a16:creationId xmlns:a16="http://schemas.microsoft.com/office/drawing/2014/main" id="{FE1EEEBE-BE9B-8B2A-140B-DA2220C12499}"/>
+                </a:ext>
+              </a:extLst>
+            </p:cNvPr>
+            <p:cNvSpPr/>
+            <p:nvPr/>
+          </p:nvSpPr>
+          <p:spPr>
+            <a:xfrm>
+              <a:off x="257313" y="810272"/>
+              <a:ext cx="4240260" cy="2204968"/>
+            </a:xfrm>
+            <a:prstGeom prst="rect">
+              <a:avLst/>
+            </a:prstGeom>
+            <a:solidFill>
+              <a:schemeClr val="bg2"/>
+            </a:solidFill>
+            <a:ln>
+              <a:noFill/>
+            </a:ln>
+          </p:spPr>
+          <p:style>
+            <a:lnRef idx="2">
+              <a:schemeClr val="accent1">
+                <a:shade val="15000"/>
+              </a:schemeClr>
+            </a:lnRef>
+            <a:fillRef idx="1">
+              <a:schemeClr val="accent1"/>
+            </a:fillRef>
+            <a:effectRef idx="0">
+              <a:schemeClr val="accent1"/>
+            </a:effectRef>
+            <a:fontRef idx="minor">
+              <a:schemeClr val="lt1"/>
+            </a:fontRef>
+          </p:style>
+          <p:txBody>
+            <a:bodyPr rtlCol="0" anchor="ctr"/>
+            <a:lstStyle/>
+            <a:p>
+              <a:pPr algn="ctr"/>
+              <a:endParaRPr lang="en-US"/>
+            </a:p>
+          </p:txBody>
+        </p:sp>
+        <p:sp>
+          <p:nvSpPr>
+            <p:cNvPr id="3" name="Flowchart: Stored Data 2">
+              <a:extLst>
+                <a:ext uri="{FF2B5EF4-FFF2-40B4-BE49-F238E27FC236}">
+                  <a16:creationId xmlns:a16="http://schemas.microsoft.com/office/drawing/2014/main" id="{801E835D-4D7E-FCE0-0470-1AAD3D99E4AC}"/>
+                </a:ext>
+              </a:extLst>
+            </p:cNvPr>
+            <p:cNvSpPr/>
+            <p:nvPr/>
+          </p:nvSpPr>
+          <p:spPr>
+            <a:xfrm>
+              <a:off x="451554" y="1799359"/>
+              <a:ext cx="1361622" cy="693281"/>
+            </a:xfrm>
+            <a:prstGeom prst="flowChartOnlineStorage">
+              <a:avLst/>
+            </a:prstGeom>
+            <a:solidFill>
+              <a:schemeClr val="bg2">
+                <a:lumMod val="50000"/>
+              </a:schemeClr>
+            </a:solidFill>
+            <a:ln>
+              <a:solidFill>
+                <a:schemeClr val="bg2">
+                  <a:lumMod val="50000"/>
+                </a:schemeClr>
+              </a:solidFill>
+            </a:ln>
+          </p:spPr>
+          <p:style>
+            <a:lnRef idx="2">
+              <a:schemeClr val="accent1">
+                <a:shade val="15000"/>
+              </a:schemeClr>
+            </a:lnRef>
+            <a:fillRef idx="1">
+              <a:schemeClr val="accent1"/>
+            </a:fillRef>
+            <a:effectRef idx="0">
+              <a:schemeClr val="accent1"/>
+            </a:effectRef>
+            <a:fontRef idx="minor">
+              <a:schemeClr val="lt1"/>
+            </a:fontRef>
+          </p:style>
+          <p:txBody>
+            <a:bodyPr wrap="none" lIns="0" tIns="0" rIns="182880" bIns="0" rtlCol="0" anchor="ctr"/>
+            <a:lstStyle/>
+            <a:p>
+              <a:pPr algn="ctr"/>
+              <a:r>
+                <a:rPr lang="en-US" sz="1100" dirty="0">
+                  <a:solidFill>
+                    <a:schemeClr val="bg1"/>
+                  </a:solidFill>
+                </a:rPr>
+                <a:t>Agricultural </a:t>
+              </a:r>
+            </a:p>
+            <a:p>
+              <a:pPr algn="ctr"/>
+              <a:r>
+                <a:rPr lang="en-US" sz="1100" dirty="0">
+                  <a:solidFill>
+                    <a:schemeClr val="bg1"/>
+                  </a:solidFill>
+                </a:rPr>
+                <a:t>Data (Ag)</a:t>
+              </a:r>
+            </a:p>
+          </p:txBody>
+        </p:sp>
+        <p:sp>
+          <p:nvSpPr>
+            <p:cNvPr id="6" name="Flowchart: Stored Data 5">
+              <a:extLst>
+                <a:ext uri="{FF2B5EF4-FFF2-40B4-BE49-F238E27FC236}">
+                  <a16:creationId xmlns:a16="http://schemas.microsoft.com/office/drawing/2014/main" id="{93D69420-7FA7-5847-C21A-C7253AD0F3A0}"/>
+                </a:ext>
+              </a:extLst>
+            </p:cNvPr>
+            <p:cNvSpPr/>
+            <p:nvPr/>
+          </p:nvSpPr>
+          <p:spPr>
+            <a:xfrm>
+              <a:off x="435496" y="969177"/>
+              <a:ext cx="1434162" cy="693281"/>
+            </a:xfrm>
+            <a:prstGeom prst="flowChartOnlineStorage">
+              <a:avLst/>
+            </a:prstGeom>
+            <a:solidFill>
+              <a:schemeClr val="bg2">
+                <a:lumMod val="50000"/>
+              </a:schemeClr>
+            </a:solidFill>
+            <a:ln>
+              <a:solidFill>
+                <a:schemeClr val="bg2">
+                  <a:lumMod val="50000"/>
+                </a:schemeClr>
+              </a:solidFill>
+            </a:ln>
+          </p:spPr>
+          <p:style>
+            <a:lnRef idx="2">
+              <a:schemeClr val="accent1">
+                <a:shade val="15000"/>
+              </a:schemeClr>
+            </a:lnRef>
+            <a:fillRef idx="1">
+              <a:schemeClr val="accent1"/>
+            </a:fillRef>
+            <a:effectRef idx="0">
+              <a:schemeClr val="accent1"/>
+            </a:effectRef>
+            <a:fontRef idx="minor">
+              <a:schemeClr val="lt1"/>
+            </a:fontRef>
+          </p:style>
+          <p:txBody>
+            <a:bodyPr wrap="none" lIns="0" tIns="0" rIns="182880" bIns="0" rtlCol="0" anchor="ctr"/>
+            <a:lstStyle/>
+            <a:p>
+              <a:pPr algn="ctr"/>
+              <a:r>
+                <a:rPr lang="en-US" sz="1100" dirty="0">
+                  <a:solidFill>
+                    <a:schemeClr val="bg1"/>
+                  </a:solidFill>
+                </a:rPr>
+                <a:t>Seasonal </a:t>
+              </a:r>
+            </a:p>
+            <a:p>
+              <a:pPr algn="ctr"/>
+              <a:r>
+                <a:rPr lang="en-US" sz="1100" dirty="0">
+                  <a:solidFill>
+                    <a:schemeClr val="bg1"/>
+                  </a:solidFill>
+                </a:rPr>
+                <a:t>Weather Data</a:t>
+              </a:r>
+            </a:p>
+            <a:p>
+              <a:pPr algn="ctr"/>
+              <a:r>
+                <a:rPr lang="en-US" sz="1100" dirty="0">
+                  <a:solidFill>
+                    <a:schemeClr val="bg1"/>
+                  </a:solidFill>
+                </a:rPr>
+                <a:t>(</a:t>
+              </a:r>
+              <a:r>
+                <a:rPr lang="en-US" sz="1100" dirty="0" err="1">
+                  <a:solidFill>
+                    <a:schemeClr val="bg1"/>
+                  </a:solidFill>
+                </a:rPr>
+                <a:t>Wx</a:t>
+              </a:r>
+              <a:r>
+                <a:rPr lang="en-US" sz="1100" dirty="0">
+                  <a:solidFill>
+                    <a:schemeClr val="bg1"/>
+                  </a:solidFill>
+                </a:rPr>
+                <a:t>)</a:t>
+              </a:r>
+            </a:p>
+          </p:txBody>
+        </p:sp>
+        <p:cxnSp>
+          <p:nvCxnSpPr>
+            <p:cNvPr id="20" name="Straight Arrow Connector 15">
+              <a:extLst>
+                <a:ext uri="{FF2B5EF4-FFF2-40B4-BE49-F238E27FC236}">
+                  <a16:creationId xmlns:a16="http://schemas.microsoft.com/office/drawing/2014/main" id="{AFCD9846-8F3C-9E04-444C-0CED8451BA73}"/>
+                </a:ext>
+              </a:extLst>
+            </p:cNvPr>
+            <p:cNvCxnSpPr>
+              <a:cxnSpLocks/>
+              <a:stCxn id="6" idx="3"/>
+            </p:cNvCxnSpPr>
+            <p:nvPr/>
+          </p:nvCxnSpPr>
+          <p:spPr>
+            <a:xfrm>
+              <a:off x="1630631" y="1315818"/>
+              <a:ext cx="2690286" cy="1096761"/>
+            </a:xfrm>
+            <a:prstGeom prst="bentConnector3">
+              <a:avLst>
+                <a:gd name="adj1" fmla="val 100228"/>
+              </a:avLst>
+            </a:prstGeom>
+            <a:ln>
+              <a:solidFill>
+                <a:schemeClr val="bg2">
+                  <a:lumMod val="50000"/>
+                </a:schemeClr>
+              </a:solidFill>
+              <a:tailEnd type="triangle"/>
+            </a:ln>
+          </p:spPr>
+          <p:style>
+            <a:lnRef idx="2">
+              <a:schemeClr val="accent1"/>
+            </a:lnRef>
+            <a:fillRef idx="0">
+              <a:schemeClr val="accent1"/>
+            </a:fillRef>
+            <a:effectRef idx="1">
+              <a:schemeClr val="accent1"/>
+            </a:effectRef>
+            <a:fontRef idx="minor">
+              <a:schemeClr val="tx1"/>
+            </a:fontRef>
+          </p:style>
+        </p:cxnSp>
+        <p:cxnSp>
+          <p:nvCxnSpPr>
+            <p:cNvPr id="23" name="Straight Arrow Connector 15">
+              <a:extLst>
+                <a:ext uri="{FF2B5EF4-FFF2-40B4-BE49-F238E27FC236}">
+                  <a16:creationId xmlns:a16="http://schemas.microsoft.com/office/drawing/2014/main" id="{1A7D913F-0EA5-9C4F-5400-BE67FAAC781F}"/>
+                </a:ext>
+              </a:extLst>
+            </p:cNvPr>
+            <p:cNvCxnSpPr>
+              <a:cxnSpLocks/>
+              <a:stCxn id="3" idx="3"/>
+            </p:cNvCxnSpPr>
+            <p:nvPr/>
+          </p:nvCxnSpPr>
+          <p:spPr>
+            <a:xfrm>
+              <a:off x="1586239" y="2146000"/>
+              <a:ext cx="1918009" cy="266579"/>
+            </a:xfrm>
+            <a:prstGeom prst="bentConnector3">
+              <a:avLst>
+                <a:gd name="adj1" fmla="val 100323"/>
+              </a:avLst>
+            </a:prstGeom>
+            <a:ln>
+              <a:solidFill>
+                <a:schemeClr val="bg2">
+                  <a:lumMod val="50000"/>
+                </a:schemeClr>
+              </a:solidFill>
+              <a:tailEnd type="triangle"/>
+            </a:ln>
+          </p:spPr>
+          <p:style>
+            <a:lnRef idx="2">
+              <a:schemeClr val="accent1"/>
+            </a:lnRef>
+            <a:fillRef idx="0">
+              <a:schemeClr val="accent1"/>
+            </a:fillRef>
+            <a:effectRef idx="1">
+              <a:schemeClr val="accent1"/>
+            </a:effectRef>
+            <a:fontRef idx="minor">
+              <a:schemeClr val="tx1"/>
+            </a:fontRef>
+          </p:style>
+        </p:cxnSp>
+        <p:sp>
+          <p:nvSpPr>
+            <p:cNvPr id="46" name="TextBox 45">
+              <a:extLst>
+                <a:ext uri="{FF2B5EF4-FFF2-40B4-BE49-F238E27FC236}">
+                  <a16:creationId xmlns:a16="http://schemas.microsoft.com/office/drawing/2014/main" id="{3086BAF5-B145-9E75-5054-FDA4CD5248AF}"/>
+                </a:ext>
+              </a:extLst>
+            </p:cNvPr>
+            <p:cNvSpPr txBox="1"/>
+            <p:nvPr/>
+          </p:nvSpPr>
+          <p:spPr>
+            <a:xfrm>
+              <a:off x="2992253" y="1334725"/>
+              <a:ext cx="1161403" cy="484748"/>
+            </a:xfrm>
+            <a:prstGeom prst="rect">
+              <a:avLst/>
+            </a:prstGeom>
+            <a:noFill/>
+          </p:spPr>
+          <p:txBody>
+            <a:bodyPr wrap="square" lIns="0" tIns="0" bIns="0" rtlCol="0">
+              <a:spAutoFit/>
+            </a:bodyPr>
+            <a:lstStyle/>
+            <a:p>
+              <a:r>
+                <a:rPr lang="en-US" sz="1050" dirty="0"/>
+                <a:t>FEATURES</a:t>
+              </a:r>
+            </a:p>
+            <a:p>
+              <a:pPr marL="111125" indent="-111125">
+                <a:buFont typeface="Arial" panose="020B0604020202020204" pitchFamily="34" charset="0"/>
+                <a:buChar char="•"/>
+              </a:pPr>
+              <a:r>
+                <a:rPr lang="en-US" sz="1050" dirty="0"/>
+                <a:t>Temperature</a:t>
+              </a:r>
+            </a:p>
+            <a:p>
+              <a:pPr marL="111125" indent="-111125">
+                <a:buFont typeface="Arial" panose="020B0604020202020204" pitchFamily="34" charset="0"/>
+                <a:buChar char="•"/>
+              </a:pPr>
+              <a:r>
+                <a:rPr lang="en-US" sz="1050" dirty="0"/>
+                <a:t>Precipitation</a:t>
+              </a:r>
+            </a:p>
+          </p:txBody>
+        </p:sp>
+        <p:sp>
+          <p:nvSpPr>
+            <p:cNvPr id="83" name="TextBox 82">
+              <a:extLst>
+                <a:ext uri="{FF2B5EF4-FFF2-40B4-BE49-F238E27FC236}">
+                  <a16:creationId xmlns:a16="http://schemas.microsoft.com/office/drawing/2014/main" id="{4B421871-48F2-CC53-117A-B7984A40C14F}"/>
+                </a:ext>
+              </a:extLst>
+            </p:cNvPr>
+            <p:cNvSpPr txBox="1"/>
+            <p:nvPr/>
+          </p:nvSpPr>
+          <p:spPr>
+            <a:xfrm>
+              <a:off x="1975388" y="2183280"/>
+              <a:ext cx="1266825" cy="646331"/>
+            </a:xfrm>
+            <a:prstGeom prst="rect">
+              <a:avLst/>
+            </a:prstGeom>
+            <a:noFill/>
+          </p:spPr>
+          <p:txBody>
+            <a:bodyPr wrap="square" lIns="0" tIns="0" rIns="0" bIns="0" rtlCol="0">
+              <a:spAutoFit/>
+            </a:bodyPr>
+            <a:lstStyle/>
+            <a:p>
+              <a:r>
+                <a:rPr lang="en-US" sz="1050" dirty="0"/>
+                <a:t>TARGETS</a:t>
+              </a:r>
+            </a:p>
+            <a:p>
+              <a:pPr marL="111125" indent="-111125">
+                <a:buFont typeface="Arial" panose="020B0604020202020204" pitchFamily="34" charset="0"/>
+                <a:buChar char="•"/>
+              </a:pPr>
+              <a:r>
+                <a:rPr lang="en-US" sz="1050" dirty="0"/>
+                <a:t>Corn Yields</a:t>
+              </a:r>
+            </a:p>
+            <a:p>
+              <a:pPr marL="111125" indent="-111125">
+                <a:buFont typeface="Arial" panose="020B0604020202020204" pitchFamily="34" charset="0"/>
+                <a:buChar char="•"/>
+              </a:pPr>
+              <a:r>
+                <a:rPr lang="en-US" sz="1050" dirty="0"/>
+                <a:t>[Crop] Yields</a:t>
+              </a:r>
+            </a:p>
+            <a:p>
+              <a:pPr marL="111125" indent="-111125">
+                <a:buFont typeface="Arial" panose="020B0604020202020204" pitchFamily="34" charset="0"/>
+                <a:buChar char="•"/>
+              </a:pPr>
+              <a:r>
+                <a:rPr lang="en-US" sz="1050" dirty="0"/>
+                <a:t>[Crop] Yields</a:t>
+              </a:r>
+            </a:p>
+          </p:txBody>
+        </p:sp>
+        <p:sp>
+          <p:nvSpPr>
+            <p:cNvPr id="149" name="TextBox 148">
+              <a:extLst>
+                <a:ext uri="{FF2B5EF4-FFF2-40B4-BE49-F238E27FC236}">
+                  <a16:creationId xmlns:a16="http://schemas.microsoft.com/office/drawing/2014/main" id="{C7656AE1-85F2-B397-0307-AE414AC4CC7D}"/>
+                </a:ext>
+              </a:extLst>
+            </p:cNvPr>
+            <p:cNvSpPr txBox="1"/>
+            <p:nvPr/>
+          </p:nvSpPr>
+          <p:spPr>
+            <a:xfrm>
+              <a:off x="403925" y="2736605"/>
+              <a:ext cx="1161403" cy="161583"/>
+            </a:xfrm>
+            <a:prstGeom prst="rect">
+              <a:avLst/>
+            </a:prstGeom>
+            <a:noFill/>
+          </p:spPr>
+          <p:txBody>
+            <a:bodyPr wrap="square" lIns="0" tIns="0" bIns="0" rtlCol="0">
+              <a:spAutoFit/>
+            </a:bodyPr>
+            <a:lstStyle/>
+            <a:p>
+              <a:r>
+                <a:rPr lang="en-US" sz="1050" dirty="0">
+                  <a:solidFill>
+                    <a:schemeClr val="bg1">
+                      <a:lumMod val="65000"/>
+                    </a:schemeClr>
+                  </a:solidFill>
+                </a:rPr>
+                <a:t>MODEL TRAINING</a:t>
+              </a:r>
+            </a:p>
+          </p:txBody>
+        </p:sp>
+      </p:grpSp>
+      <p:sp>
+        <p:nvSpPr>
+          <p:cNvPr id="2" name="Title 1">
+            <a:extLst>
+              <a:ext uri="{FF2B5EF4-FFF2-40B4-BE49-F238E27FC236}">
+                <a16:creationId xmlns:a16="http://schemas.microsoft.com/office/drawing/2014/main" id="{236FCB4D-3F3D-3476-5404-FE636677A0E9}"/>
+              </a:ext>
+            </a:extLst>
+          </p:cNvPr>
+          <p:cNvSpPr>
+            <a:spLocks noGrp="1"/>
+          </p:cNvSpPr>
+          <p:nvPr>
+            <p:ph type="title"/>
+          </p:nvPr>
+        </p:nvSpPr>
+        <p:spPr/>
+        <p:txBody>
+          <a:bodyPr>
+            <a:normAutofit fontScale="90000"/>
+          </a:bodyPr>
+          <a:lstStyle/>
+          <a:p>
+            <a:r>
+              <a:rPr lang="en-US" b="1" dirty="0"/>
               <a:t>APPROACH</a:t>
             </a:r>
           </a:p>
@@ -8088,56 +11023,31 @@
             <p:ph type="sldNum" sz="quarter" idx="12"/>
           </p:nvPr>
         </p:nvSpPr>
-        <p:spPr/>
-        <p:txBody>
-          <a:bodyPr/>
-          <a:lstStyle/>
-          <a:p>
-            <a:fld id="{79F31F10-1257-482C-8051-E7DF71AF7482}" type="slidenum">
-              <a:rPr lang="en-US" smtClean="0"/>
-              <a:pPr/>
-              <a:t>4</a:t>
-            </a:fld>
-            <a:endParaRPr lang="en-US" dirty="0"/>
-          </a:p>
-        </p:txBody>
-      </p:sp>
-      <p:sp>
-        <p:nvSpPr>
-          <p:cNvPr id="8" name="Content Placeholder 7">
-            <a:extLst>
-              <a:ext uri="{FF2B5EF4-FFF2-40B4-BE49-F238E27FC236}">
-                <a16:creationId xmlns:a16="http://schemas.microsoft.com/office/drawing/2014/main" id="{12CB70C8-BC57-1332-3366-AF6105D10634}"/>
-              </a:ext>
-            </a:extLst>
-          </p:cNvPr>
-          <p:cNvSpPr>
-            <a:spLocks noGrp="1"/>
-          </p:cNvSpPr>
-          <p:nvPr>
-            <p:ph idx="1"/>
-          </p:nvPr>
-        </p:nvSpPr>
         <p:spPr>
           <a:xfrm>
-            <a:off x="3766372" y="57953"/>
-            <a:ext cx="10515600" cy="418646"/>
+            <a:off x="9118140" y="6329343"/>
+            <a:ext cx="2743200" cy="365125"/>
           </a:xfrm>
         </p:spPr>
         <p:txBody>
           <a:bodyPr/>
           <a:lstStyle/>
           <a:p>
-            <a:endParaRPr lang="en-US"/>
+            <a:fld id="{79F31F10-1257-482C-8051-E7DF71AF7482}" type="slidenum">
+              <a:rPr lang="en-US" smtClean="0"/>
+              <a:pPr/>
+              <a:t>5</a:t>
+            </a:fld>
+            <a:endParaRPr lang="en-US" dirty="0"/>
           </a:p>
         </p:txBody>
       </p:sp>
       <p:sp>
         <p:nvSpPr>
-          <p:cNvPr id="3" name="Flowchart: Stored Data 2">
-            <a:extLst>
-              <a:ext uri="{FF2B5EF4-FFF2-40B4-BE49-F238E27FC236}">
-                <a16:creationId xmlns:a16="http://schemas.microsoft.com/office/drawing/2014/main" id="{801E835D-4D7E-FCE0-0470-1AAD3D99E4AC}"/>
+          <p:cNvPr id="9" name="Flowchart: Process 8">
+            <a:extLst>
+              <a:ext uri="{FF2B5EF4-FFF2-40B4-BE49-F238E27FC236}">
+                <a16:creationId xmlns:a16="http://schemas.microsoft.com/office/drawing/2014/main" id="{CF248F6D-DDF6-4F8C-93DE-31AA08390B65}"/>
               </a:ext>
             </a:extLst>
           </p:cNvPr>
@@ -8146,142 +11056,8 @@
         </p:nvSpPr>
         <p:spPr>
           <a:xfrm>
-            <a:off x="460717" y="1894681"/>
-            <a:ext cx="733424" cy="505505"/>
-          </a:xfrm>
-          <a:prstGeom prst="flowChartOnlineStorage">
-            <a:avLst/>
-          </a:prstGeom>
-          <a:solidFill>
-            <a:schemeClr val="tx1">
-              <a:lumMod val="85000"/>
-              <a:lumOff val="15000"/>
-            </a:schemeClr>
-          </a:solidFill>
-        </p:spPr>
-        <p:style>
-          <a:lnRef idx="2">
-            <a:schemeClr val="accent1">
-              <a:shade val="15000"/>
-            </a:schemeClr>
-          </a:lnRef>
-          <a:fillRef idx="1">
-            <a:schemeClr val="accent1"/>
-          </a:fillRef>
-          <a:effectRef idx="0">
-            <a:schemeClr val="accent1"/>
-          </a:effectRef>
-          <a:fontRef idx="minor">
-            <a:schemeClr val="lt1"/>
-          </a:fontRef>
-        </p:style>
-        <p:txBody>
-          <a:bodyPr lIns="0" rIns="0" rtlCol="0" anchor="ctr"/>
-          <a:lstStyle/>
-          <a:p>
-            <a:pPr algn="ctr"/>
-            <a:r>
-              <a:rPr lang="en-US" sz="1100" dirty="0">
-                <a:solidFill>
-                  <a:schemeClr val="bg1"/>
-                </a:solidFill>
-              </a:rPr>
-              <a:t>NC Ag Data</a:t>
-            </a:r>
-          </a:p>
-        </p:txBody>
-      </p:sp>
-      <p:sp>
-        <p:nvSpPr>
-          <p:cNvPr id="6" name="Flowchart: Stored Data 5">
-            <a:extLst>
-              <a:ext uri="{FF2B5EF4-FFF2-40B4-BE49-F238E27FC236}">
-                <a16:creationId xmlns:a16="http://schemas.microsoft.com/office/drawing/2014/main" id="{93D69420-7FA7-5847-C21A-C7253AD0F3A0}"/>
-              </a:ext>
-            </a:extLst>
-          </p:cNvPr>
-          <p:cNvSpPr/>
-          <p:nvPr/>
-        </p:nvSpPr>
-        <p:spPr>
-          <a:xfrm>
-            <a:off x="694194" y="3003437"/>
-            <a:ext cx="733424" cy="505505"/>
-          </a:xfrm>
-          <a:prstGeom prst="flowChartOnlineStorage">
-            <a:avLst/>
-          </a:prstGeom>
-          <a:solidFill>
-            <a:schemeClr val="tx1">
-              <a:lumMod val="85000"/>
-              <a:lumOff val="15000"/>
-            </a:schemeClr>
-          </a:solidFill>
-        </p:spPr>
-        <p:style>
-          <a:lnRef idx="2">
-            <a:schemeClr val="accent1">
-              <a:shade val="15000"/>
-            </a:schemeClr>
-          </a:lnRef>
-          <a:fillRef idx="1">
-            <a:schemeClr val="accent1"/>
-          </a:fillRef>
-          <a:effectRef idx="0">
-            <a:schemeClr val="accent1"/>
-          </a:effectRef>
-          <a:fontRef idx="minor">
-            <a:schemeClr val="lt1"/>
-          </a:fontRef>
-        </p:style>
-        <p:txBody>
-          <a:bodyPr lIns="0" rIns="0" rtlCol="0" anchor="ctr"/>
-          <a:lstStyle/>
-          <a:p>
-            <a:pPr algn="ctr"/>
-            <a:r>
-              <a:rPr lang="en-US" sz="1100" dirty="0">
-                <a:solidFill>
-                  <a:schemeClr val="bg1"/>
-                </a:solidFill>
-              </a:rPr>
-              <a:t>NC </a:t>
-            </a:r>
-            <a:r>
-              <a:rPr lang="en-US" sz="1100" dirty="0" err="1">
-                <a:solidFill>
-                  <a:schemeClr val="bg1"/>
-                </a:solidFill>
-              </a:rPr>
-              <a:t>Wx</a:t>
-            </a:r>
-            <a:r>
-              <a:rPr lang="en-US" sz="1100" dirty="0">
-                <a:solidFill>
-                  <a:schemeClr val="bg1"/>
-                </a:solidFill>
-              </a:rPr>
-              <a:t> Data</a:t>
-            </a:r>
-          </a:p>
-        </p:txBody>
-      </p:sp>
-      <p:sp>
-        <p:nvSpPr>
-          <p:cNvPr id="9" name="Flowchart: Process 8">
-            <a:extLst>
-              <a:ext uri="{FF2B5EF4-FFF2-40B4-BE49-F238E27FC236}">
-                <a16:creationId xmlns:a16="http://schemas.microsoft.com/office/drawing/2014/main" id="{CF248F6D-DDF6-4F8C-93DE-31AA08390B65}"/>
-              </a:ext>
-            </a:extLst>
-          </p:cNvPr>
-          <p:cNvSpPr/>
-          <p:nvPr/>
-        </p:nvSpPr>
-        <p:spPr>
-          <a:xfrm>
-            <a:off x="2007225" y="1790812"/>
-            <a:ext cx="1266825" cy="704850"/>
+            <a:off x="3057072" y="2412580"/>
+            <a:ext cx="1693270" cy="2607767"/>
           </a:xfrm>
           <a:prstGeom prst="flowChartProcess">
             <a:avLst/>
@@ -8317,22 +11093,44 @@
           <a:p>
             <a:pPr algn="ctr"/>
             <a:r>
-              <a:rPr lang="en-US" sz="1100" dirty="0">
+              <a:rPr lang="en-US" sz="1400" b="1" dirty="0">
                 <a:solidFill>
                   <a:schemeClr val="tx1"/>
                 </a:solidFill>
               </a:rPr>
-              <a:t>Threshold for impact</a:t>
+              <a:t>Agriculture</a:t>
+            </a:r>
+          </a:p>
+          <a:p>
+            <a:pPr algn="ctr"/>
+            <a:r>
+              <a:rPr lang="en-US" sz="1400" b="1" dirty="0">
+                <a:solidFill>
+                  <a:schemeClr val="tx1"/>
+                </a:solidFill>
+              </a:rPr>
+              <a:t>Prediction </a:t>
+            </a:r>
+          </a:p>
+          <a:p>
+            <a:pPr algn="ctr"/>
+            <a:r>
+              <a:rPr lang="en-US" sz="1400" b="1" dirty="0">
+                <a:solidFill>
+                  <a:schemeClr val="tx1"/>
+                </a:solidFill>
+              </a:rPr>
+              <a:t>Model</a:t>
             </a:r>
           </a:p>
         </p:txBody>
       </p:sp>
       <p:sp>
         <p:nvSpPr>
-          <p:cNvPr id="10" name="Flowchart: Process 9">
-            <a:extLst>
-              <a:ext uri="{FF2B5EF4-FFF2-40B4-BE49-F238E27FC236}">
-                <a16:creationId xmlns:a16="http://schemas.microsoft.com/office/drawing/2014/main" id="{DDBC36E5-9354-7FC9-0598-F844263CF65C}"/>
+          <p:cNvPr id="11" name="Flowchart: Stored Data 10">
+            <a:extLst>
+              <a:ext uri="{FF2B5EF4-FFF2-40B4-BE49-F238E27FC236}">
+                <a16:creationId xmlns:a16="http://schemas.microsoft.com/office/drawing/2014/main" id="{AE93E4A0-023C-6814-DE3B-EA4E3C9E5B30}"/>
               </a:ext>
             </a:extLst>
           </p:cNvPr>
@@ -8341,79 +11139,7 @@
         </p:nvSpPr>
         <p:spPr>
           <a:xfrm>
-            <a:off x="4016829" y="2066925"/>
-            <a:ext cx="1266825" cy="704850"/>
-          </a:xfrm>
-          <a:prstGeom prst="flowChartProcess">
-            <a:avLst/>
-          </a:prstGeom>
-          <a:solidFill>
-            <a:srgbClr val="F2F2BD"/>
-          </a:solidFill>
-          <a:ln w="3175">
-            <a:solidFill>
-              <a:schemeClr val="tx1"/>
-            </a:solidFill>
-          </a:ln>
-        </p:spPr>
-        <p:style>
-          <a:lnRef idx="2">
-            <a:schemeClr val="accent1">
-              <a:shade val="15000"/>
-            </a:schemeClr>
-          </a:lnRef>
-          <a:fillRef idx="1">
-            <a:schemeClr val="accent1"/>
-          </a:fillRef>
-          <a:effectRef idx="0">
-            <a:schemeClr val="accent1"/>
-          </a:effectRef>
-          <a:fontRef idx="minor">
-            <a:schemeClr val="lt1"/>
-          </a:fontRef>
-        </p:style>
-        <p:txBody>
-          <a:bodyPr rtlCol="0" anchor="ctr"/>
-          <a:lstStyle/>
-          <a:p>
-            <a:pPr algn="ctr"/>
-            <a:r>
-              <a:rPr lang="en-US" sz="1100" dirty="0">
-                <a:solidFill>
-                  <a:schemeClr val="tx1"/>
-                </a:solidFill>
-              </a:rPr>
-              <a:t>Good year or </a:t>
-            </a:r>
-          </a:p>
-          <a:p>
-            <a:pPr algn="ctr"/>
-            <a:r>
-              <a:rPr lang="en-US" sz="1100" dirty="0">
-                <a:solidFill>
-                  <a:schemeClr val="tx1"/>
-                </a:solidFill>
-              </a:rPr>
-              <a:t>Bad Year </a:t>
-            </a:r>
-          </a:p>
-        </p:txBody>
-      </p:sp>
-      <p:sp>
-        <p:nvSpPr>
-          <p:cNvPr id="11" name="Flowchart: Stored Data 10">
-            <a:extLst>
-              <a:ext uri="{FF2B5EF4-FFF2-40B4-BE49-F238E27FC236}">
-                <a16:creationId xmlns:a16="http://schemas.microsoft.com/office/drawing/2014/main" id="{AE93E4A0-023C-6814-DE3B-EA4E3C9E5B30}"/>
-              </a:ext>
-            </a:extLst>
-          </p:cNvPr>
-          <p:cNvSpPr/>
-          <p:nvPr/>
-        </p:nvSpPr>
-        <p:spPr>
-          <a:xfrm>
-            <a:off x="4017851" y="4242030"/>
+            <a:off x="1317288" y="3235162"/>
             <a:ext cx="729341" cy="505505"/>
           </a:xfrm>
           <a:prstGeom prst="flowChartOnlineStorage">
@@ -8453,7 +11179,7 @@
                   <a:schemeClr val="bg1"/>
                 </a:solidFill>
               </a:rPr>
-              <a:t>Your</a:t>
+              <a:t>Crop</a:t>
             </a:r>
           </a:p>
           <a:p>
@@ -8464,17 +11190,151 @@
                   <a:schemeClr val="bg1"/>
                 </a:solidFill>
               </a:rPr>
-              <a:t>Ag Data</a:t>
+              <a:t>Types</a:t>
             </a:r>
           </a:p>
         </p:txBody>
       </p:sp>
+      <p:cxnSp>
+        <p:nvCxnSpPr>
+          <p:cNvPr id="16" name="Straight Arrow Connector 15">
+            <a:extLst>
+              <a:ext uri="{FF2B5EF4-FFF2-40B4-BE49-F238E27FC236}">
+                <a16:creationId xmlns:a16="http://schemas.microsoft.com/office/drawing/2014/main" id="{7011E686-3869-C56D-2149-179B46F2D98A}"/>
+              </a:ext>
+            </a:extLst>
+          </p:cNvPr>
+          <p:cNvCxnSpPr>
+            <a:cxnSpLocks/>
+          </p:cNvCxnSpPr>
+          <p:nvPr/>
+        </p:nvCxnSpPr>
+        <p:spPr>
+          <a:xfrm>
+            <a:off x="4765582" y="3429000"/>
+            <a:ext cx="1371600" cy="0"/>
+          </a:xfrm>
+          <a:prstGeom prst="straightConnector1">
+            <a:avLst/>
+          </a:prstGeom>
+          <a:ln w="22225">
+            <a:solidFill>
+              <a:srgbClr val="EBE98F"/>
+            </a:solidFill>
+            <a:tailEnd type="triangle"/>
+          </a:ln>
+        </p:spPr>
+        <p:style>
+          <a:lnRef idx="2">
+            <a:schemeClr val="accent1"/>
+          </a:lnRef>
+          <a:fillRef idx="0">
+            <a:schemeClr val="accent1"/>
+          </a:fillRef>
+          <a:effectRef idx="1">
+            <a:schemeClr val="accent1"/>
+          </a:effectRef>
+          <a:fontRef idx="minor">
+            <a:schemeClr val="tx1"/>
+          </a:fontRef>
+        </p:style>
+      </p:cxnSp>
+      <p:cxnSp>
+        <p:nvCxnSpPr>
+          <p:cNvPr id="26" name="Straight Arrow Connector 15">
+            <a:extLst>
+              <a:ext uri="{FF2B5EF4-FFF2-40B4-BE49-F238E27FC236}">
+                <a16:creationId xmlns:a16="http://schemas.microsoft.com/office/drawing/2014/main" id="{3CD29471-B222-FE7A-5281-8BF0035BE406}"/>
+              </a:ext>
+            </a:extLst>
+          </p:cNvPr>
+          <p:cNvCxnSpPr>
+            <a:cxnSpLocks/>
+            <a:stCxn id="11" idx="3"/>
+          </p:cNvCxnSpPr>
+          <p:nvPr/>
+        </p:nvCxnSpPr>
+        <p:spPr>
+          <a:xfrm>
+            <a:off x="1925072" y="3487915"/>
+            <a:ext cx="1139125" cy="1241"/>
+          </a:xfrm>
+          <a:prstGeom prst="straightConnector1">
+            <a:avLst/>
+          </a:prstGeom>
+          <a:ln>
+            <a:solidFill>
+              <a:schemeClr val="tx1"/>
+            </a:solidFill>
+            <a:tailEnd type="triangle"/>
+          </a:ln>
+        </p:spPr>
+        <p:style>
+          <a:lnRef idx="2">
+            <a:schemeClr val="accent1"/>
+          </a:lnRef>
+          <a:fillRef idx="0">
+            <a:schemeClr val="accent1"/>
+          </a:fillRef>
+          <a:effectRef idx="1">
+            <a:schemeClr val="accent1"/>
+          </a:effectRef>
+          <a:fontRef idx="minor">
+            <a:schemeClr val="tx1"/>
+          </a:fontRef>
+        </p:style>
+      </p:cxnSp>
+      <p:cxnSp>
+        <p:nvCxnSpPr>
+          <p:cNvPr id="142" name="Straight Arrow Connector 15">
+            <a:extLst>
+              <a:ext uri="{FF2B5EF4-FFF2-40B4-BE49-F238E27FC236}">
+                <a16:creationId xmlns:a16="http://schemas.microsoft.com/office/drawing/2014/main" id="{82050F08-6BDE-2F27-0956-66CAED9DA644}"/>
+              </a:ext>
+            </a:extLst>
+          </p:cNvPr>
+          <p:cNvCxnSpPr>
+            <a:cxnSpLocks/>
+            <a:stCxn id="146" idx="3"/>
+          </p:cNvCxnSpPr>
+          <p:nvPr/>
+        </p:nvCxnSpPr>
+        <p:spPr>
+          <a:xfrm flipV="1">
+            <a:off x="1948012" y="4069388"/>
+            <a:ext cx="1114906" cy="0"/>
+          </a:xfrm>
+          <a:prstGeom prst="straightConnector1">
+            <a:avLst/>
+          </a:prstGeom>
+          <a:ln>
+            <a:solidFill>
+              <a:schemeClr val="tx1"/>
+            </a:solidFill>
+            <a:tailEnd type="triangle"/>
+          </a:ln>
+        </p:spPr>
+        <p:style>
+          <a:lnRef idx="2">
+            <a:schemeClr val="accent1"/>
+          </a:lnRef>
+          <a:fillRef idx="0">
+            <a:schemeClr val="accent1"/>
+          </a:fillRef>
+          <a:effectRef idx="1">
+            <a:schemeClr val="accent1"/>
+          </a:effectRef>
+          <a:fontRef idx="minor">
+            <a:schemeClr val="tx1"/>
+          </a:fontRef>
+        </p:style>
+      </p:cxnSp>
       <p:sp>
         <p:nvSpPr>
-          <p:cNvPr id="12" name="Flowchart: Stored Data 11">
-            <a:extLst>
-              <a:ext uri="{FF2B5EF4-FFF2-40B4-BE49-F238E27FC236}">
-                <a16:creationId xmlns:a16="http://schemas.microsoft.com/office/drawing/2014/main" id="{07E1F778-5DF7-A635-7D31-FC80433CAC3B}"/>
+          <p:cNvPr id="146" name="Flowchart: Stored Data 145">
+            <a:extLst>
+              <a:ext uri="{FF2B5EF4-FFF2-40B4-BE49-F238E27FC236}">
+                <a16:creationId xmlns:a16="http://schemas.microsoft.com/office/drawing/2014/main" id="{85878C9E-99B7-E59E-7A66-3D35209851D7}"/>
               </a:ext>
             </a:extLst>
           </p:cNvPr>
@@ -8483,8 +11343,8 @@
         </p:nvSpPr>
         <p:spPr>
           <a:xfrm>
-            <a:off x="4016829" y="4961392"/>
-            <a:ext cx="729342" cy="505505"/>
+            <a:off x="1340228" y="3849378"/>
+            <a:ext cx="729341" cy="505505"/>
           </a:xfrm>
           <a:prstGeom prst="flowChartOnlineStorage">
             <a:avLst/>
@@ -8518,33 +11378,83 @@
           <a:p>
             <a:pPr algn="ctr"/>
             <a:r>
+              <a:rPr lang="en-US" sz="1100" dirty="0" err="1">
+                <a:solidFill>
+                  <a:schemeClr val="bg1"/>
+                </a:solidFill>
+              </a:rPr>
+              <a:t>Wx</a:t>
+            </a:r>
+            <a:endParaRPr lang="en-US" sz="1100" dirty="0">
+              <a:solidFill>
+                <a:schemeClr val="bg1"/>
+              </a:solidFill>
+            </a:endParaRPr>
+          </a:p>
+          <a:p>
+            <a:pPr algn="ctr"/>
+            <a:r>
               <a:rPr lang="en-US" sz="1100" dirty="0">
                 <a:solidFill>
                   <a:schemeClr val="bg1"/>
                 </a:solidFill>
               </a:rPr>
-              <a:t>Your </a:t>
-            </a:r>
-          </a:p>
-          <a:p>
-            <a:pPr algn="ctr"/>
-            <a:r>
-              <a:rPr lang="en-US" sz="1100" dirty="0">
-                <a:solidFill>
-                  <a:schemeClr val="bg1"/>
-                </a:solidFill>
-              </a:rPr>
-              <a:t>Location</a:t>
+              <a:t>Forecast</a:t>
             </a:r>
           </a:p>
         </p:txBody>
       </p:sp>
       <p:sp>
         <p:nvSpPr>
-          <p:cNvPr id="13" name="Flowchart: Decision 12">
-            <a:extLst>
-              <a:ext uri="{FF2B5EF4-FFF2-40B4-BE49-F238E27FC236}">
-                <a16:creationId xmlns:a16="http://schemas.microsoft.com/office/drawing/2014/main" id="{7CD8ACE2-6AA4-C5F8-5CF5-C1D8F9D48FFE}"/>
+          <p:cNvPr id="161" name="TextBox 160">
+            <a:extLst>
+              <a:ext uri="{FF2B5EF4-FFF2-40B4-BE49-F238E27FC236}">
+                <a16:creationId xmlns:a16="http://schemas.microsoft.com/office/drawing/2014/main" id="{FB7740B5-D1F6-486B-DD05-62F502E68444}"/>
+              </a:ext>
+            </a:extLst>
+          </p:cNvPr>
+          <p:cNvSpPr txBox="1"/>
+          <p:nvPr/>
+        </p:nvSpPr>
+        <p:spPr>
+          <a:xfrm>
+            <a:off x="5136831" y="3237341"/>
+            <a:ext cx="598596" cy="323165"/>
+          </a:xfrm>
+          <a:prstGeom prst="rect">
+            <a:avLst/>
+          </a:prstGeom>
+          <a:solidFill>
+            <a:schemeClr val="bg1"/>
+          </a:solidFill>
+        </p:spPr>
+        <p:txBody>
+          <a:bodyPr wrap="square" lIns="0" tIns="0" rIns="0" bIns="0" rtlCol="0">
+            <a:spAutoFit/>
+          </a:bodyPr>
+          <a:lstStyle/>
+          <a:p>
+            <a:pPr algn="ctr"/>
+            <a:r>
+              <a:rPr lang="en-US" sz="1050" dirty="0"/>
+              <a:t>HARVEST</a:t>
+            </a:r>
+          </a:p>
+          <a:p>
+            <a:pPr algn="ctr"/>
+            <a:r>
+              <a:rPr lang="en-US" sz="1050" dirty="0"/>
+              <a:t>YIELDS</a:t>
+            </a:r>
+          </a:p>
+        </p:txBody>
+      </p:sp>
+      <p:sp>
+        <p:nvSpPr>
+          <p:cNvPr id="67" name="Oval 66">
+            <a:extLst>
+              <a:ext uri="{FF2B5EF4-FFF2-40B4-BE49-F238E27FC236}">
+                <a16:creationId xmlns:a16="http://schemas.microsoft.com/office/drawing/2014/main" id="{C10F6298-D30B-5B60-82B7-D5AAD4C52F17}"/>
               </a:ext>
             </a:extLst>
           </p:cNvPr>
@@ -8553,659 +11463,8 @@
         </p:nvSpPr>
         <p:spPr>
           <a:xfrm>
-            <a:off x="5064920" y="4438650"/>
-            <a:ext cx="1762465" cy="704850"/>
-          </a:xfrm>
-          <a:prstGeom prst="flowChartDecision">
-            <a:avLst/>
-          </a:prstGeom>
-          <a:solidFill>
-            <a:schemeClr val="tx1">
-              <a:lumMod val="85000"/>
-              <a:lumOff val="15000"/>
-            </a:schemeClr>
-          </a:solidFill>
-        </p:spPr>
-        <p:style>
-          <a:lnRef idx="2">
-            <a:schemeClr val="accent1">
-              <a:shade val="15000"/>
-            </a:schemeClr>
-          </a:lnRef>
-          <a:fillRef idx="1">
-            <a:schemeClr val="accent1"/>
-          </a:fillRef>
-          <a:effectRef idx="0">
-            <a:schemeClr val="accent1"/>
-          </a:effectRef>
-          <a:fontRef idx="minor">
-            <a:schemeClr val="lt1"/>
-          </a:fontRef>
-        </p:style>
-        <p:txBody>
-          <a:bodyPr rtlCol="0" anchor="ctr"/>
-          <a:lstStyle/>
-          <a:p>
-            <a:pPr algn="ctr"/>
-            <a:r>
-              <a:rPr lang="en-US" sz="1100" dirty="0">
-                <a:solidFill>
-                  <a:schemeClr val="bg1"/>
-                </a:solidFill>
-              </a:rPr>
-              <a:t>Coverage</a:t>
-            </a:r>
-          </a:p>
-          <a:p>
-            <a:pPr algn="ctr"/>
-            <a:r>
-              <a:rPr lang="en-US" sz="1100" dirty="0">
-                <a:solidFill>
-                  <a:schemeClr val="bg1"/>
-                </a:solidFill>
-              </a:rPr>
-              <a:t>Decision</a:t>
-            </a:r>
-          </a:p>
-        </p:txBody>
-      </p:sp>
-      <p:sp>
-        <p:nvSpPr>
-          <p:cNvPr id="14" name="Flowchart: Process 13">
-            <a:extLst>
-              <a:ext uri="{FF2B5EF4-FFF2-40B4-BE49-F238E27FC236}">
-                <a16:creationId xmlns:a16="http://schemas.microsoft.com/office/drawing/2014/main" id="{2B28EB6C-164C-BD0E-ED5B-AD3F0B4F229B}"/>
-              </a:ext>
-            </a:extLst>
-          </p:cNvPr>
-          <p:cNvSpPr/>
-          <p:nvPr/>
-        </p:nvSpPr>
-        <p:spPr>
-          <a:xfrm>
-            <a:off x="7363846" y="4450868"/>
-            <a:ext cx="1266825" cy="704850"/>
-          </a:xfrm>
-          <a:prstGeom prst="flowChartProcess">
-            <a:avLst/>
-          </a:prstGeom>
-          <a:solidFill>
-            <a:srgbClr val="F2F2BD"/>
-          </a:solidFill>
-          <a:ln w="3175">
-            <a:solidFill>
-              <a:schemeClr val="tx1"/>
-            </a:solidFill>
-          </a:ln>
-        </p:spPr>
-        <p:style>
-          <a:lnRef idx="2">
-            <a:schemeClr val="accent1">
-              <a:shade val="15000"/>
-            </a:schemeClr>
-          </a:lnRef>
-          <a:fillRef idx="1">
-            <a:schemeClr val="accent1"/>
-          </a:fillRef>
-          <a:effectRef idx="0">
-            <a:schemeClr val="accent1"/>
-          </a:effectRef>
-          <a:fontRef idx="minor">
-            <a:schemeClr val="lt1"/>
-          </a:fontRef>
-        </p:style>
-        <p:txBody>
-          <a:bodyPr rtlCol="0" anchor="ctr"/>
-          <a:lstStyle/>
-          <a:p>
-            <a:pPr algn="ctr"/>
-            <a:r>
-              <a:rPr lang="en-US" sz="1100" dirty="0">
-                <a:solidFill>
-                  <a:schemeClr val="tx1"/>
-                </a:solidFill>
-              </a:rPr>
-              <a:t>Q&amp;A Bot</a:t>
-            </a:r>
-          </a:p>
-        </p:txBody>
-      </p:sp>
-      <p:cxnSp>
-        <p:nvCxnSpPr>
-          <p:cNvPr id="16" name="Straight Arrow Connector 15">
-            <a:extLst>
-              <a:ext uri="{FF2B5EF4-FFF2-40B4-BE49-F238E27FC236}">
-                <a16:creationId xmlns:a16="http://schemas.microsoft.com/office/drawing/2014/main" id="{7011E686-3869-C56D-2149-179B46F2D98A}"/>
-              </a:ext>
-            </a:extLst>
-          </p:cNvPr>
-          <p:cNvCxnSpPr>
-            <a:cxnSpLocks/>
-            <a:stCxn id="10" idx="3"/>
-            <a:endCxn id="13" idx="0"/>
-          </p:cNvCxnSpPr>
-          <p:nvPr/>
-        </p:nvCxnSpPr>
-        <p:spPr>
-          <a:xfrm>
-            <a:off x="5283654" y="2419350"/>
-            <a:ext cx="662499" cy="2019300"/>
-          </a:xfrm>
-          <a:prstGeom prst="bentConnector2">
-            <a:avLst/>
-          </a:prstGeom>
-          <a:ln>
-            <a:tailEnd type="triangle"/>
-          </a:ln>
-        </p:spPr>
-        <p:style>
-          <a:lnRef idx="2">
-            <a:schemeClr val="accent1"/>
-          </a:lnRef>
-          <a:fillRef idx="0">
-            <a:schemeClr val="accent1"/>
-          </a:fillRef>
-          <a:effectRef idx="1">
-            <a:schemeClr val="accent1"/>
-          </a:effectRef>
-          <a:fontRef idx="minor">
-            <a:schemeClr val="tx1"/>
-          </a:fontRef>
-        </p:style>
-      </p:cxnSp>
-      <p:cxnSp>
-        <p:nvCxnSpPr>
-          <p:cNvPr id="17" name="Straight Arrow Connector 15">
-            <a:extLst>
-              <a:ext uri="{FF2B5EF4-FFF2-40B4-BE49-F238E27FC236}">
-                <a16:creationId xmlns:a16="http://schemas.microsoft.com/office/drawing/2014/main" id="{B3A32B80-E8C5-7CEE-DD4E-6EB9E1DA2DB5}"/>
-              </a:ext>
-            </a:extLst>
-          </p:cNvPr>
-          <p:cNvCxnSpPr>
-            <a:cxnSpLocks/>
-            <a:stCxn id="15" idx="3"/>
-            <a:endCxn id="10" idx="1"/>
-          </p:cNvCxnSpPr>
-          <p:nvPr/>
-        </p:nvCxnSpPr>
-        <p:spPr>
-          <a:xfrm flipV="1">
-            <a:off x="3213841" y="2419350"/>
-            <a:ext cx="802988" cy="836840"/>
-          </a:xfrm>
-          <a:prstGeom prst="bentConnector3">
-            <a:avLst>
-              <a:gd name="adj1" fmla="val 50000"/>
-            </a:avLst>
-          </a:prstGeom>
-          <a:ln>
-            <a:tailEnd type="triangle"/>
-          </a:ln>
-        </p:spPr>
-        <p:style>
-          <a:lnRef idx="2">
-            <a:schemeClr val="accent1"/>
-          </a:lnRef>
-          <a:fillRef idx="0">
-            <a:schemeClr val="accent1"/>
-          </a:fillRef>
-          <a:effectRef idx="1">
-            <a:schemeClr val="accent1"/>
-          </a:effectRef>
-          <a:fontRef idx="minor">
-            <a:schemeClr val="tx1"/>
-          </a:fontRef>
-        </p:style>
-      </p:cxnSp>
-      <p:cxnSp>
-        <p:nvCxnSpPr>
-          <p:cNvPr id="20" name="Straight Arrow Connector 15">
-            <a:extLst>
-              <a:ext uri="{FF2B5EF4-FFF2-40B4-BE49-F238E27FC236}">
-                <a16:creationId xmlns:a16="http://schemas.microsoft.com/office/drawing/2014/main" id="{AFCD9846-8F3C-9E04-444C-0CED8451BA73}"/>
-              </a:ext>
-            </a:extLst>
-          </p:cNvPr>
-          <p:cNvCxnSpPr>
-            <a:cxnSpLocks/>
-            <a:stCxn id="6" idx="3"/>
-            <a:endCxn id="15" idx="1"/>
-          </p:cNvCxnSpPr>
-          <p:nvPr/>
-        </p:nvCxnSpPr>
-        <p:spPr>
-          <a:xfrm>
-            <a:off x="1305381" y="3256190"/>
-            <a:ext cx="641635" cy="0"/>
-          </a:xfrm>
-          <a:prstGeom prst="straightConnector1">
-            <a:avLst/>
-          </a:prstGeom>
-          <a:ln>
-            <a:tailEnd type="triangle"/>
-          </a:ln>
-        </p:spPr>
-        <p:style>
-          <a:lnRef idx="2">
-            <a:schemeClr val="accent1"/>
-          </a:lnRef>
-          <a:fillRef idx="0">
-            <a:schemeClr val="accent1"/>
-          </a:fillRef>
-          <a:effectRef idx="1">
-            <a:schemeClr val="accent1"/>
-          </a:effectRef>
-          <a:fontRef idx="minor">
-            <a:schemeClr val="tx1"/>
-          </a:fontRef>
-        </p:style>
-      </p:cxnSp>
-      <p:cxnSp>
-        <p:nvCxnSpPr>
-          <p:cNvPr id="23" name="Straight Arrow Connector 15">
-            <a:extLst>
-              <a:ext uri="{FF2B5EF4-FFF2-40B4-BE49-F238E27FC236}">
-                <a16:creationId xmlns:a16="http://schemas.microsoft.com/office/drawing/2014/main" id="{1A7D913F-0EA5-9C4F-5400-BE67FAAC781F}"/>
-              </a:ext>
-            </a:extLst>
-          </p:cNvPr>
-          <p:cNvCxnSpPr>
-            <a:cxnSpLocks/>
-            <a:stCxn id="3" idx="3"/>
-            <a:endCxn id="9" idx="1"/>
-          </p:cNvCxnSpPr>
-          <p:nvPr/>
-        </p:nvCxnSpPr>
-        <p:spPr>
-          <a:xfrm flipV="1">
-            <a:off x="1071904" y="2143237"/>
-            <a:ext cx="935321" cy="4197"/>
-          </a:xfrm>
-          <a:prstGeom prst="straightConnector1">
-            <a:avLst/>
-          </a:prstGeom>
-          <a:ln>
-            <a:tailEnd type="triangle"/>
-          </a:ln>
-        </p:spPr>
-        <p:style>
-          <a:lnRef idx="2">
-            <a:schemeClr val="accent1"/>
-          </a:lnRef>
-          <a:fillRef idx="0">
-            <a:schemeClr val="accent1"/>
-          </a:fillRef>
-          <a:effectRef idx="1">
-            <a:schemeClr val="accent1"/>
-          </a:effectRef>
-          <a:fontRef idx="minor">
-            <a:schemeClr val="tx1"/>
-          </a:fontRef>
-        </p:style>
-      </p:cxnSp>
-      <p:cxnSp>
-        <p:nvCxnSpPr>
-          <p:cNvPr id="26" name="Straight Arrow Connector 15">
-            <a:extLst>
-              <a:ext uri="{FF2B5EF4-FFF2-40B4-BE49-F238E27FC236}">
-                <a16:creationId xmlns:a16="http://schemas.microsoft.com/office/drawing/2014/main" id="{3CD29471-B222-FE7A-5281-8BF0035BE406}"/>
-              </a:ext>
-            </a:extLst>
-          </p:cNvPr>
-          <p:cNvCxnSpPr>
-            <a:cxnSpLocks/>
-            <a:stCxn id="11" idx="3"/>
-          </p:cNvCxnSpPr>
-          <p:nvPr/>
-        </p:nvCxnSpPr>
-        <p:spPr>
-          <a:xfrm>
-            <a:off x="4625635" y="4494783"/>
-            <a:ext cx="439285" cy="296292"/>
-          </a:xfrm>
-          <a:prstGeom prst="bentConnector3">
-            <a:avLst>
-              <a:gd name="adj1" fmla="val 50000"/>
-            </a:avLst>
-          </a:prstGeom>
-          <a:ln>
-            <a:tailEnd type="triangle"/>
-          </a:ln>
-        </p:spPr>
-        <p:style>
-          <a:lnRef idx="2">
-            <a:schemeClr val="accent1"/>
-          </a:lnRef>
-          <a:fillRef idx="0">
-            <a:schemeClr val="accent1"/>
-          </a:fillRef>
-          <a:effectRef idx="1">
-            <a:schemeClr val="accent1"/>
-          </a:effectRef>
-          <a:fontRef idx="minor">
-            <a:schemeClr val="tx1"/>
-          </a:fontRef>
-        </p:style>
-      </p:cxnSp>
-      <p:cxnSp>
-        <p:nvCxnSpPr>
-          <p:cNvPr id="27" name="Straight Arrow Connector 15">
-            <a:extLst>
-              <a:ext uri="{FF2B5EF4-FFF2-40B4-BE49-F238E27FC236}">
-                <a16:creationId xmlns:a16="http://schemas.microsoft.com/office/drawing/2014/main" id="{409FAF67-B182-023C-20A2-888D286C071D}"/>
-              </a:ext>
-            </a:extLst>
-          </p:cNvPr>
-          <p:cNvCxnSpPr>
-            <a:cxnSpLocks/>
-            <a:stCxn id="12" idx="3"/>
-          </p:cNvCxnSpPr>
-          <p:nvPr/>
-        </p:nvCxnSpPr>
-        <p:spPr>
-          <a:xfrm flipV="1">
-            <a:off x="4624614" y="4791075"/>
-            <a:ext cx="440306" cy="423070"/>
-          </a:xfrm>
-          <a:prstGeom prst="bentConnector3">
-            <a:avLst>
-              <a:gd name="adj1" fmla="val 50000"/>
-            </a:avLst>
-          </a:prstGeom>
-          <a:ln>
-            <a:tailEnd type="triangle"/>
-          </a:ln>
-        </p:spPr>
-        <p:style>
-          <a:lnRef idx="2">
-            <a:schemeClr val="accent1"/>
-          </a:lnRef>
-          <a:fillRef idx="0">
-            <a:schemeClr val="accent1"/>
-          </a:fillRef>
-          <a:effectRef idx="1">
-            <a:schemeClr val="accent1"/>
-          </a:effectRef>
-          <a:fontRef idx="minor">
-            <a:schemeClr val="tx1"/>
-          </a:fontRef>
-        </p:style>
-      </p:cxnSp>
-      <p:sp>
-        <p:nvSpPr>
-          <p:cNvPr id="33" name="Flowchart: Document 32">
-            <a:extLst>
-              <a:ext uri="{FF2B5EF4-FFF2-40B4-BE49-F238E27FC236}">
-                <a16:creationId xmlns:a16="http://schemas.microsoft.com/office/drawing/2014/main" id="{B4D39BC6-2DB9-2B88-F43B-38245778FB17}"/>
-              </a:ext>
-            </a:extLst>
-          </p:cNvPr>
-          <p:cNvSpPr/>
-          <p:nvPr/>
-        </p:nvSpPr>
-        <p:spPr>
-          <a:xfrm>
-            <a:off x="7552644" y="3453406"/>
-            <a:ext cx="889228" cy="561976"/>
-          </a:xfrm>
-          <a:prstGeom prst="flowChartDocument">
-            <a:avLst/>
-          </a:prstGeom>
-          <a:solidFill>
-            <a:schemeClr val="tx1">
-              <a:lumMod val="85000"/>
-              <a:lumOff val="15000"/>
-            </a:schemeClr>
-          </a:solidFill>
-        </p:spPr>
-        <p:style>
-          <a:lnRef idx="2">
-            <a:schemeClr val="accent1">
-              <a:shade val="15000"/>
-            </a:schemeClr>
-          </a:lnRef>
-          <a:fillRef idx="1">
-            <a:schemeClr val="accent1"/>
-          </a:fillRef>
-          <a:effectRef idx="0">
-            <a:schemeClr val="accent1"/>
-          </a:effectRef>
-          <a:fontRef idx="minor">
-            <a:schemeClr val="lt1"/>
-          </a:fontRef>
-        </p:style>
-        <p:txBody>
-          <a:bodyPr rtlCol="0" anchor="ctr"/>
-          <a:lstStyle/>
-          <a:p>
-            <a:pPr algn="ctr"/>
-            <a:r>
-              <a:rPr lang="en-US" sz="1100" dirty="0">
-                <a:solidFill>
-                  <a:schemeClr val="bg1"/>
-                </a:solidFill>
-              </a:rPr>
-              <a:t>Guidance</a:t>
-            </a:r>
-          </a:p>
-          <a:p>
-            <a:pPr algn="ctr"/>
-            <a:r>
-              <a:rPr lang="en-US" sz="1100" dirty="0">
-                <a:solidFill>
-                  <a:schemeClr val="bg1"/>
-                </a:solidFill>
-              </a:rPr>
-              <a:t>Document</a:t>
-            </a:r>
-          </a:p>
-        </p:txBody>
-      </p:sp>
-      <p:cxnSp>
-        <p:nvCxnSpPr>
-          <p:cNvPr id="40" name="Straight Arrow Connector 15">
-            <a:extLst>
-              <a:ext uri="{FF2B5EF4-FFF2-40B4-BE49-F238E27FC236}">
-                <a16:creationId xmlns:a16="http://schemas.microsoft.com/office/drawing/2014/main" id="{A4037835-E984-0E83-3F5C-4BF6D7C4CADB}"/>
-              </a:ext>
-            </a:extLst>
-          </p:cNvPr>
-          <p:cNvCxnSpPr>
-            <a:cxnSpLocks/>
-            <a:stCxn id="33" idx="2"/>
-            <a:endCxn id="14" idx="0"/>
-          </p:cNvCxnSpPr>
-          <p:nvPr/>
-        </p:nvCxnSpPr>
-        <p:spPr>
-          <a:xfrm>
-            <a:off x="7997258" y="3978229"/>
-            <a:ext cx="1" cy="472639"/>
-          </a:xfrm>
-          <a:prstGeom prst="straightConnector1">
-            <a:avLst/>
-          </a:prstGeom>
-          <a:ln>
-            <a:tailEnd type="triangle"/>
-          </a:ln>
-        </p:spPr>
-        <p:style>
-          <a:lnRef idx="2">
-            <a:schemeClr val="accent1"/>
-          </a:lnRef>
-          <a:fillRef idx="0">
-            <a:schemeClr val="accent1"/>
-          </a:fillRef>
-          <a:effectRef idx="1">
-            <a:schemeClr val="accent1"/>
-          </a:effectRef>
-          <a:fontRef idx="minor">
-            <a:schemeClr val="tx1"/>
-          </a:fontRef>
-        </p:style>
-      </p:cxnSp>
-      <p:cxnSp>
-        <p:nvCxnSpPr>
-          <p:cNvPr id="44" name="Straight Arrow Connector 15">
-            <a:extLst>
-              <a:ext uri="{FF2B5EF4-FFF2-40B4-BE49-F238E27FC236}">
-                <a16:creationId xmlns:a16="http://schemas.microsoft.com/office/drawing/2014/main" id="{D5FDD827-3470-1C92-AB63-E28AE5BC13E8}"/>
-              </a:ext>
-            </a:extLst>
-          </p:cNvPr>
-          <p:cNvCxnSpPr>
-            <a:cxnSpLocks/>
-            <a:stCxn id="13" idx="3"/>
-            <a:endCxn id="14" idx="1"/>
-          </p:cNvCxnSpPr>
-          <p:nvPr/>
-        </p:nvCxnSpPr>
-        <p:spPr>
-          <a:xfrm>
-            <a:off x="6827385" y="4791075"/>
-            <a:ext cx="536461" cy="12218"/>
-          </a:xfrm>
-          <a:prstGeom prst="straightConnector1">
-            <a:avLst/>
-          </a:prstGeom>
-          <a:ln>
-            <a:tailEnd type="triangle"/>
-          </a:ln>
-        </p:spPr>
-        <p:style>
-          <a:lnRef idx="2">
-            <a:schemeClr val="accent1"/>
-          </a:lnRef>
-          <a:fillRef idx="0">
-            <a:schemeClr val="accent1"/>
-          </a:fillRef>
-          <a:effectRef idx="1">
-            <a:schemeClr val="accent1"/>
-          </a:effectRef>
-          <a:fontRef idx="minor">
-            <a:schemeClr val="tx1"/>
-          </a:fontRef>
-        </p:style>
-      </p:cxnSp>
-      <p:cxnSp>
-        <p:nvCxnSpPr>
-          <p:cNvPr id="54" name="Straight Arrow Connector 15">
-            <a:extLst>
-              <a:ext uri="{FF2B5EF4-FFF2-40B4-BE49-F238E27FC236}">
-                <a16:creationId xmlns:a16="http://schemas.microsoft.com/office/drawing/2014/main" id="{FFF88A26-6989-A4EC-98AD-08AA878DF0AF}"/>
-              </a:ext>
-            </a:extLst>
-          </p:cNvPr>
-          <p:cNvCxnSpPr>
-            <a:cxnSpLocks/>
-            <a:stCxn id="14" idx="3"/>
-            <a:endCxn id="57" idx="1"/>
-          </p:cNvCxnSpPr>
-          <p:nvPr/>
-        </p:nvCxnSpPr>
-        <p:spPr>
-          <a:xfrm>
-            <a:off x="8630671" y="4803293"/>
-            <a:ext cx="787002" cy="0"/>
-          </a:xfrm>
-          <a:prstGeom prst="straightConnector1">
-            <a:avLst/>
-          </a:prstGeom>
-          <a:ln>
-            <a:tailEnd type="triangle"/>
-          </a:ln>
-        </p:spPr>
-        <p:style>
-          <a:lnRef idx="2">
-            <a:schemeClr val="accent1"/>
-          </a:lnRef>
-          <a:fillRef idx="0">
-            <a:schemeClr val="accent1"/>
-          </a:fillRef>
-          <a:effectRef idx="1">
-            <a:schemeClr val="accent1"/>
-          </a:effectRef>
-          <a:fontRef idx="minor">
-            <a:schemeClr val="tx1"/>
-          </a:fontRef>
-        </p:style>
-      </p:cxnSp>
-      <p:sp>
-        <p:nvSpPr>
-          <p:cNvPr id="57" name="Flowchart: Document 56">
-            <a:extLst>
-              <a:ext uri="{FF2B5EF4-FFF2-40B4-BE49-F238E27FC236}">
-                <a16:creationId xmlns:a16="http://schemas.microsoft.com/office/drawing/2014/main" id="{46BDF63E-7685-AED2-11A1-A4E1F8C349A6}"/>
-              </a:ext>
-            </a:extLst>
-          </p:cNvPr>
-          <p:cNvSpPr/>
-          <p:nvPr/>
-        </p:nvSpPr>
-        <p:spPr>
-          <a:xfrm>
-            <a:off x="9417673" y="4522305"/>
-            <a:ext cx="1129053" cy="561976"/>
-          </a:xfrm>
-          <a:prstGeom prst="flowChartDocument">
-            <a:avLst/>
-          </a:prstGeom>
-          <a:solidFill>
-            <a:schemeClr val="tx1">
-              <a:lumMod val="85000"/>
-              <a:lumOff val="15000"/>
-            </a:schemeClr>
-          </a:solidFill>
-        </p:spPr>
-        <p:style>
-          <a:lnRef idx="2">
-            <a:schemeClr val="accent1">
-              <a:shade val="15000"/>
-            </a:schemeClr>
-          </a:lnRef>
-          <a:fillRef idx="1">
-            <a:schemeClr val="accent1"/>
-          </a:fillRef>
-          <a:effectRef idx="0">
-            <a:schemeClr val="accent1"/>
-          </a:effectRef>
-          <a:fontRef idx="minor">
-            <a:schemeClr val="lt1"/>
-          </a:fontRef>
-        </p:style>
-        <p:txBody>
-          <a:bodyPr rtlCol="0" anchor="ctr"/>
-          <a:lstStyle/>
-          <a:p>
-            <a:pPr algn="ctr"/>
-            <a:r>
-              <a:rPr lang="en-US" sz="1100" dirty="0">
-                <a:solidFill>
-                  <a:schemeClr val="bg1"/>
-                </a:solidFill>
-              </a:rPr>
-              <a:t>Detailed Instructions</a:t>
-            </a:r>
-          </a:p>
-        </p:txBody>
-      </p:sp>
-      <p:sp>
-        <p:nvSpPr>
-          <p:cNvPr id="67" name="Oval 66">
-            <a:extLst>
-              <a:ext uri="{FF2B5EF4-FFF2-40B4-BE49-F238E27FC236}">
-                <a16:creationId xmlns:a16="http://schemas.microsoft.com/office/drawing/2014/main" id="{C10F6298-D30B-5B60-82B7-D5AAD4C52F17}"/>
-              </a:ext>
-            </a:extLst>
-          </p:cNvPr>
-          <p:cNvSpPr/>
-          <p:nvPr/>
-        </p:nvSpPr>
-        <p:spPr>
-          <a:xfrm>
-            <a:off x="2443590" y="1544300"/>
-            <a:ext cx="465138" cy="324870"/>
+            <a:off x="4539076" y="2293758"/>
+            <a:ext cx="457200" cy="274320"/>
           </a:xfrm>
           <a:prstGeom prst="ellipse">
             <a:avLst/>
@@ -9260,10 +11519,10 @@
       </p:sp>
       <p:sp>
         <p:nvSpPr>
-          <p:cNvPr id="68" name="Oval 67">
-            <a:extLst>
-              <a:ext uri="{FF2B5EF4-FFF2-40B4-BE49-F238E27FC236}">
-                <a16:creationId xmlns:a16="http://schemas.microsoft.com/office/drawing/2014/main" id="{FE282360-9607-4562-10CB-BFF185F83A2D}"/>
+          <p:cNvPr id="162" name="Flowchart: Process 161">
+            <a:extLst>
+              <a:ext uri="{FF2B5EF4-FFF2-40B4-BE49-F238E27FC236}">
+                <a16:creationId xmlns:a16="http://schemas.microsoft.com/office/drawing/2014/main" id="{311A7904-6FD8-F19F-D168-96E35EC4B60C}"/>
               </a:ext>
             </a:extLst>
           </p:cNvPr>
@@ -9272,8 +11531,503 @@
         </p:nvSpPr>
         <p:spPr>
           <a:xfrm>
-            <a:off x="4087134" y="1790812"/>
-            <a:ext cx="465138" cy="324870"/>
+            <a:off x="6195465" y="3267238"/>
+            <a:ext cx="889228" cy="1083839"/>
+          </a:xfrm>
+          <a:prstGeom prst="flowChartProcess">
+            <a:avLst/>
+          </a:prstGeom>
+          <a:solidFill>
+            <a:srgbClr val="F2F2BD"/>
+          </a:solidFill>
+          <a:ln w="3175">
+            <a:solidFill>
+              <a:schemeClr val="tx1"/>
+            </a:solidFill>
+          </a:ln>
+        </p:spPr>
+        <p:style>
+          <a:lnRef idx="2">
+            <a:schemeClr val="accent1">
+              <a:shade val="15000"/>
+            </a:schemeClr>
+          </a:lnRef>
+          <a:fillRef idx="1">
+            <a:schemeClr val="accent1"/>
+          </a:fillRef>
+          <a:effectRef idx="0">
+            <a:schemeClr val="accent1"/>
+          </a:effectRef>
+          <a:fontRef idx="minor">
+            <a:schemeClr val="lt1"/>
+          </a:fontRef>
+        </p:style>
+        <p:txBody>
+          <a:bodyPr rtlCol="0" anchor="ctr"/>
+          <a:lstStyle/>
+          <a:p>
+            <a:pPr algn="ctr"/>
+            <a:r>
+              <a:rPr lang="en-US" sz="1400" b="1" dirty="0">
+                <a:solidFill>
+                  <a:schemeClr val="tx1"/>
+                </a:solidFill>
+              </a:rPr>
+              <a:t>Net Benefit</a:t>
+            </a:r>
+          </a:p>
+        </p:txBody>
+      </p:sp>
+      <p:sp>
+        <p:nvSpPr>
+          <p:cNvPr id="164" name="Flowchart: Process 163">
+            <a:extLst>
+              <a:ext uri="{FF2B5EF4-FFF2-40B4-BE49-F238E27FC236}">
+                <a16:creationId xmlns:a16="http://schemas.microsoft.com/office/drawing/2014/main" id="{7520AE39-ED25-158A-FDE7-EE26F258F750}"/>
+              </a:ext>
+            </a:extLst>
+          </p:cNvPr>
+          <p:cNvSpPr/>
+          <p:nvPr/>
+        </p:nvSpPr>
+        <p:spPr>
+          <a:xfrm>
+            <a:off x="3146908" y="2589965"/>
+            <a:ext cx="1470415" cy="681080"/>
+          </a:xfrm>
+          <a:prstGeom prst="flowChartProcess">
+            <a:avLst/>
+          </a:prstGeom>
+          <a:solidFill>
+            <a:srgbClr val="CCCC00"/>
+          </a:solidFill>
+          <a:ln w="3175">
+            <a:solidFill>
+              <a:schemeClr val="tx1"/>
+            </a:solidFill>
+          </a:ln>
+        </p:spPr>
+        <p:style>
+          <a:lnRef idx="2">
+            <a:schemeClr val="accent1">
+              <a:shade val="15000"/>
+            </a:schemeClr>
+          </a:lnRef>
+          <a:fillRef idx="1">
+            <a:schemeClr val="accent1"/>
+          </a:fillRef>
+          <a:effectRef idx="0">
+            <a:schemeClr val="accent1"/>
+          </a:effectRef>
+          <a:fontRef idx="minor">
+            <a:schemeClr val="lt1"/>
+          </a:fontRef>
+        </p:style>
+        <p:txBody>
+          <a:bodyPr rtlCol="0" anchor="ctr"/>
+          <a:lstStyle/>
+          <a:p>
+            <a:pPr algn="ctr"/>
+            <a:r>
+              <a:rPr lang="en-US" sz="1200" b="1" dirty="0">
+                <a:solidFill>
+                  <a:schemeClr val="tx1"/>
+                </a:solidFill>
+              </a:rPr>
+              <a:t>Harvest Prediction </a:t>
+            </a:r>
+          </a:p>
+          <a:p>
+            <a:pPr algn="ctr"/>
+            <a:r>
+              <a:rPr lang="en-US" sz="1200" b="1" dirty="0">
+                <a:solidFill>
+                  <a:schemeClr val="tx1"/>
+                </a:solidFill>
+              </a:rPr>
+              <a:t>Model</a:t>
+            </a:r>
+          </a:p>
+        </p:txBody>
+      </p:sp>
+      <p:sp>
+        <p:nvSpPr>
+          <p:cNvPr id="166" name="Flowchart: Process 165">
+            <a:extLst>
+              <a:ext uri="{FF2B5EF4-FFF2-40B4-BE49-F238E27FC236}">
+                <a16:creationId xmlns:a16="http://schemas.microsoft.com/office/drawing/2014/main" id="{0CEA97BF-48F1-B041-7BEE-661DDAAABF63}"/>
+              </a:ext>
+            </a:extLst>
+          </p:cNvPr>
+          <p:cNvSpPr/>
+          <p:nvPr/>
+        </p:nvSpPr>
+        <p:spPr>
+          <a:xfrm>
+            <a:off x="3184839" y="4189923"/>
+            <a:ext cx="1470415" cy="670614"/>
+          </a:xfrm>
+          <a:prstGeom prst="flowChartProcess">
+            <a:avLst/>
+          </a:prstGeom>
+          <a:solidFill>
+            <a:srgbClr val="CCCC00"/>
+          </a:solidFill>
+          <a:ln w="3175">
+            <a:solidFill>
+              <a:schemeClr val="tx1"/>
+            </a:solidFill>
+          </a:ln>
+        </p:spPr>
+        <p:style>
+          <a:lnRef idx="2">
+            <a:schemeClr val="accent1">
+              <a:shade val="15000"/>
+            </a:schemeClr>
+          </a:lnRef>
+          <a:fillRef idx="1">
+            <a:schemeClr val="accent1"/>
+          </a:fillRef>
+          <a:effectRef idx="0">
+            <a:schemeClr val="accent1"/>
+          </a:effectRef>
+          <a:fontRef idx="minor">
+            <a:schemeClr val="lt1"/>
+          </a:fontRef>
+        </p:style>
+        <p:txBody>
+          <a:bodyPr rtlCol="0" anchor="ctr"/>
+          <a:lstStyle/>
+          <a:p>
+            <a:pPr algn="ctr"/>
+            <a:r>
+              <a:rPr lang="en-US" sz="1200" b="1" dirty="0">
+                <a:solidFill>
+                  <a:schemeClr val="tx1"/>
+                </a:solidFill>
+              </a:rPr>
+              <a:t>Financial Prediction </a:t>
+            </a:r>
+          </a:p>
+          <a:p>
+            <a:pPr algn="ctr"/>
+            <a:r>
+              <a:rPr lang="en-US" sz="1200" b="1" dirty="0">
+                <a:solidFill>
+                  <a:schemeClr val="tx1"/>
+                </a:solidFill>
+              </a:rPr>
+              <a:t>Model</a:t>
+            </a:r>
+          </a:p>
+        </p:txBody>
+      </p:sp>
+      <p:cxnSp>
+        <p:nvCxnSpPr>
+          <p:cNvPr id="10" name="Straight Arrow Connector 9">
+            <a:extLst>
+              <a:ext uri="{FF2B5EF4-FFF2-40B4-BE49-F238E27FC236}">
+                <a16:creationId xmlns:a16="http://schemas.microsoft.com/office/drawing/2014/main" id="{510831D2-4E66-6185-3338-1FF620ECD205}"/>
+              </a:ext>
+            </a:extLst>
+          </p:cNvPr>
+          <p:cNvCxnSpPr>
+            <a:cxnSpLocks/>
+          </p:cNvCxnSpPr>
+          <p:nvPr/>
+        </p:nvCxnSpPr>
+        <p:spPr>
+          <a:xfrm>
+            <a:off x="4765582" y="3793227"/>
+            <a:ext cx="1371600" cy="0"/>
+          </a:xfrm>
+          <a:prstGeom prst="straightConnector1">
+            <a:avLst/>
+          </a:prstGeom>
+          <a:ln w="22225">
+            <a:solidFill>
+              <a:srgbClr val="EBE98F"/>
+            </a:solidFill>
+            <a:tailEnd type="triangle"/>
+          </a:ln>
+        </p:spPr>
+        <p:style>
+          <a:lnRef idx="2">
+            <a:schemeClr val="accent1"/>
+          </a:lnRef>
+          <a:fillRef idx="0">
+            <a:schemeClr val="accent1"/>
+          </a:fillRef>
+          <a:effectRef idx="1">
+            <a:schemeClr val="accent1"/>
+          </a:effectRef>
+          <a:fontRef idx="minor">
+            <a:schemeClr val="tx1"/>
+          </a:fontRef>
+        </p:style>
+      </p:cxnSp>
+      <p:sp>
+        <p:nvSpPr>
+          <p:cNvPr id="12" name="TextBox 11">
+            <a:extLst>
+              <a:ext uri="{FF2B5EF4-FFF2-40B4-BE49-F238E27FC236}">
+                <a16:creationId xmlns:a16="http://schemas.microsoft.com/office/drawing/2014/main" id="{8A6AF11B-83AD-5A70-6DCB-97433A14390B}"/>
+              </a:ext>
+            </a:extLst>
+          </p:cNvPr>
+          <p:cNvSpPr txBox="1"/>
+          <p:nvPr/>
+        </p:nvSpPr>
+        <p:spPr>
+          <a:xfrm>
+            <a:off x="5042364" y="3706039"/>
+            <a:ext cx="787531" cy="161583"/>
+          </a:xfrm>
+          <a:prstGeom prst="rect">
+            <a:avLst/>
+          </a:prstGeom>
+          <a:solidFill>
+            <a:schemeClr val="bg1"/>
+          </a:solidFill>
+        </p:spPr>
+        <p:txBody>
+          <a:bodyPr wrap="square" lIns="0" tIns="0" rIns="0" bIns="0" rtlCol="0">
+            <a:spAutoFit/>
+          </a:bodyPr>
+          <a:lstStyle/>
+          <a:p>
+            <a:pPr algn="ctr"/>
+            <a:r>
+              <a:rPr lang="en-US" sz="1050" dirty="0"/>
+              <a:t>SEED COSTS</a:t>
+            </a:r>
+          </a:p>
+        </p:txBody>
+      </p:sp>
+      <p:cxnSp>
+        <p:nvCxnSpPr>
+          <p:cNvPr id="28" name="Straight Arrow Connector 27">
+            <a:extLst>
+              <a:ext uri="{FF2B5EF4-FFF2-40B4-BE49-F238E27FC236}">
+                <a16:creationId xmlns:a16="http://schemas.microsoft.com/office/drawing/2014/main" id="{DF6C2346-D531-1891-8A87-E47CE00A1C05}"/>
+              </a:ext>
+            </a:extLst>
+          </p:cNvPr>
+          <p:cNvCxnSpPr>
+            <a:cxnSpLocks/>
+          </p:cNvCxnSpPr>
+          <p:nvPr/>
+        </p:nvCxnSpPr>
+        <p:spPr>
+          <a:xfrm>
+            <a:off x="4765582" y="4171363"/>
+            <a:ext cx="1371600" cy="0"/>
+          </a:xfrm>
+          <a:prstGeom prst="straightConnector1">
+            <a:avLst/>
+          </a:prstGeom>
+          <a:ln w="22225">
+            <a:solidFill>
+              <a:srgbClr val="EBE98F"/>
+            </a:solidFill>
+            <a:tailEnd type="triangle"/>
+          </a:ln>
+        </p:spPr>
+        <p:style>
+          <a:lnRef idx="2">
+            <a:schemeClr val="accent1"/>
+          </a:lnRef>
+          <a:fillRef idx="0">
+            <a:schemeClr val="accent1"/>
+          </a:fillRef>
+          <a:effectRef idx="1">
+            <a:schemeClr val="accent1"/>
+          </a:effectRef>
+          <a:fontRef idx="minor">
+            <a:schemeClr val="tx1"/>
+          </a:fontRef>
+        </p:style>
+      </p:cxnSp>
+      <p:sp>
+        <p:nvSpPr>
+          <p:cNvPr id="29" name="TextBox 28">
+            <a:extLst>
+              <a:ext uri="{FF2B5EF4-FFF2-40B4-BE49-F238E27FC236}">
+                <a16:creationId xmlns:a16="http://schemas.microsoft.com/office/drawing/2014/main" id="{AEFA4259-42CE-0385-29F4-4B0918D2664C}"/>
+              </a:ext>
+            </a:extLst>
+          </p:cNvPr>
+          <p:cNvSpPr txBox="1"/>
+          <p:nvPr/>
+        </p:nvSpPr>
+        <p:spPr>
+          <a:xfrm>
+            <a:off x="5042364" y="4009780"/>
+            <a:ext cx="787531" cy="323165"/>
+          </a:xfrm>
+          <a:prstGeom prst="rect">
+            <a:avLst/>
+          </a:prstGeom>
+          <a:solidFill>
+            <a:schemeClr val="bg1"/>
+          </a:solidFill>
+        </p:spPr>
+        <p:txBody>
+          <a:bodyPr wrap="square" lIns="0" tIns="0" rIns="0" bIns="0" rtlCol="0">
+            <a:spAutoFit/>
+          </a:bodyPr>
+          <a:lstStyle/>
+          <a:p>
+            <a:pPr algn="ctr"/>
+            <a:r>
+              <a:rPr lang="en-US" sz="1050" dirty="0"/>
+              <a:t>COMMODITY PRICING</a:t>
+            </a:r>
+          </a:p>
+        </p:txBody>
+      </p:sp>
+      <p:cxnSp>
+        <p:nvCxnSpPr>
+          <p:cNvPr id="30" name="Straight Arrow Connector 29">
+            <a:extLst>
+              <a:ext uri="{FF2B5EF4-FFF2-40B4-BE49-F238E27FC236}">
+                <a16:creationId xmlns:a16="http://schemas.microsoft.com/office/drawing/2014/main" id="{58F25F8E-9551-3B74-F844-30B3BCA9AE24}"/>
+              </a:ext>
+            </a:extLst>
+          </p:cNvPr>
+          <p:cNvCxnSpPr>
+            <a:cxnSpLocks/>
+          </p:cNvCxnSpPr>
+          <p:nvPr/>
+        </p:nvCxnSpPr>
+        <p:spPr>
+          <a:xfrm>
+            <a:off x="7140196" y="3582457"/>
+            <a:ext cx="1828800" cy="0"/>
+          </a:xfrm>
+          <a:prstGeom prst="straightConnector1">
+            <a:avLst/>
+          </a:prstGeom>
+          <a:ln w="22225">
+            <a:solidFill>
+              <a:srgbClr val="EBE98F"/>
+            </a:solidFill>
+            <a:tailEnd type="triangle"/>
+          </a:ln>
+        </p:spPr>
+        <p:style>
+          <a:lnRef idx="2">
+            <a:schemeClr val="accent1"/>
+          </a:lnRef>
+          <a:fillRef idx="0">
+            <a:schemeClr val="accent1"/>
+          </a:fillRef>
+          <a:effectRef idx="1">
+            <a:schemeClr val="accent1"/>
+          </a:effectRef>
+          <a:fontRef idx="minor">
+            <a:schemeClr val="tx1"/>
+          </a:fontRef>
+        </p:style>
+      </p:cxnSp>
+      <p:cxnSp>
+        <p:nvCxnSpPr>
+          <p:cNvPr id="38" name="Straight Arrow Connector 37">
+            <a:extLst>
+              <a:ext uri="{FF2B5EF4-FFF2-40B4-BE49-F238E27FC236}">
+                <a16:creationId xmlns:a16="http://schemas.microsoft.com/office/drawing/2014/main" id="{85AA16D1-A37C-6722-7EF1-C25B5640A6DD}"/>
+              </a:ext>
+            </a:extLst>
+          </p:cNvPr>
+          <p:cNvCxnSpPr>
+            <a:cxnSpLocks/>
+          </p:cNvCxnSpPr>
+          <p:nvPr/>
+        </p:nvCxnSpPr>
+        <p:spPr>
+          <a:xfrm>
+            <a:off x="7140196" y="4016696"/>
+            <a:ext cx="1828800" cy="0"/>
+          </a:xfrm>
+          <a:prstGeom prst="straightConnector1">
+            <a:avLst/>
+          </a:prstGeom>
+          <a:ln w="22225">
+            <a:solidFill>
+              <a:srgbClr val="EBE98F"/>
+            </a:solidFill>
+            <a:tailEnd type="triangle"/>
+          </a:ln>
+        </p:spPr>
+        <p:style>
+          <a:lnRef idx="2">
+            <a:schemeClr val="accent1"/>
+          </a:lnRef>
+          <a:fillRef idx="0">
+            <a:schemeClr val="accent1"/>
+          </a:fillRef>
+          <a:effectRef idx="1">
+            <a:schemeClr val="accent1"/>
+          </a:effectRef>
+          <a:fontRef idx="minor">
+            <a:schemeClr val="tx1"/>
+          </a:fontRef>
+        </p:style>
+      </p:cxnSp>
+      <p:sp>
+        <p:nvSpPr>
+          <p:cNvPr id="41" name="TextBox 40">
+            <a:extLst>
+              <a:ext uri="{FF2B5EF4-FFF2-40B4-BE49-F238E27FC236}">
+                <a16:creationId xmlns:a16="http://schemas.microsoft.com/office/drawing/2014/main" id="{22FE56E9-4AF4-C596-63C0-0DBF36E63A6C}"/>
+              </a:ext>
+            </a:extLst>
+          </p:cNvPr>
+          <p:cNvSpPr txBox="1"/>
+          <p:nvPr/>
+        </p:nvSpPr>
+        <p:spPr>
+          <a:xfrm>
+            <a:off x="7571849" y="3919578"/>
+            <a:ext cx="957967" cy="338554"/>
+          </a:xfrm>
+          <a:prstGeom prst="rect">
+            <a:avLst/>
+          </a:prstGeom>
+          <a:solidFill>
+            <a:schemeClr val="bg1"/>
+          </a:solidFill>
+        </p:spPr>
+        <p:txBody>
+          <a:bodyPr wrap="square" lIns="0" tIns="0" rIns="0" bIns="0" rtlCol="0">
+            <a:spAutoFit/>
+          </a:bodyPr>
+          <a:lstStyle/>
+          <a:p>
+            <a:pPr algn="ctr"/>
+            <a:r>
+              <a:rPr lang="en-US" sz="1100" dirty="0"/>
+              <a:t>CONFIDENCE LEVELS</a:t>
+            </a:r>
+          </a:p>
+        </p:txBody>
+      </p:sp>
+      <p:sp>
+        <p:nvSpPr>
+          <p:cNvPr id="42" name="Oval 41">
+            <a:extLst>
+              <a:ext uri="{FF2B5EF4-FFF2-40B4-BE49-F238E27FC236}">
+                <a16:creationId xmlns:a16="http://schemas.microsoft.com/office/drawing/2014/main" id="{14011DB7-A9D6-EE26-D085-607F67FB9C31}"/>
+              </a:ext>
+            </a:extLst>
+          </p:cNvPr>
+          <p:cNvSpPr/>
+          <p:nvPr/>
+        </p:nvSpPr>
+        <p:spPr>
+          <a:xfrm>
+            <a:off x="6888379" y="3052424"/>
+            <a:ext cx="457200" cy="274320"/>
           </a:xfrm>
           <a:prstGeom prst="ellipse">
             <a:avLst/>
@@ -9321,158 +12075,688 @@
                   <a:schemeClr val="bg1"/>
                 </a:solidFill>
               </a:rPr>
-              <a:t>ML</a:t>
+              <a:t>DA</a:t>
             </a:r>
           </a:p>
         </p:txBody>
       </p:sp>
-      <p:sp>
-        <p:nvSpPr>
-          <p:cNvPr id="69" name="Oval 68">
-            <a:extLst>
-              <a:ext uri="{FF2B5EF4-FFF2-40B4-BE49-F238E27FC236}">
-                <a16:creationId xmlns:a16="http://schemas.microsoft.com/office/drawing/2014/main" id="{A480BDDE-1DE0-73A5-3DD0-5C6D336544A0}"/>
-              </a:ext>
-            </a:extLst>
-          </p:cNvPr>
-          <p:cNvSpPr/>
+      <p:grpSp>
+        <p:nvGrpSpPr>
+          <p:cNvPr id="73" name="Group 72">
+            <a:extLst>
+              <a:ext uri="{FF2B5EF4-FFF2-40B4-BE49-F238E27FC236}">
+                <a16:creationId xmlns:a16="http://schemas.microsoft.com/office/drawing/2014/main" id="{AF69219E-6EF2-F217-40F6-C3FB36C32EAE}"/>
+              </a:ext>
+            </a:extLst>
+          </p:cNvPr>
+          <p:cNvGrpSpPr/>
           <p:nvPr/>
-        </p:nvSpPr>
-        <p:spPr>
+        </p:nvGrpSpPr>
+        <p:grpSpPr>
           <a:xfrm>
-            <a:off x="6191022" y="4359870"/>
-            <a:ext cx="465138" cy="324870"/>
+            <a:off x="8016866" y="1360749"/>
+            <a:ext cx="3352962" cy="3059976"/>
+            <a:chOff x="8036271" y="826003"/>
+            <a:chExt cx="3352962" cy="3059976"/>
           </a:xfrm>
-          <a:prstGeom prst="ellipse">
-            <a:avLst/>
-          </a:prstGeom>
-          <a:solidFill>
-            <a:schemeClr val="accent6"/>
-          </a:solidFill>
-          <a:ln w="3175">
+        </p:grpSpPr>
+        <p:grpSp>
+          <p:nvGrpSpPr>
+            <p:cNvPr id="60" name="Group 59">
+              <a:extLst>
+                <a:ext uri="{FF2B5EF4-FFF2-40B4-BE49-F238E27FC236}">
+                  <a16:creationId xmlns:a16="http://schemas.microsoft.com/office/drawing/2014/main" id="{73FFEE2B-B06E-BC9D-B849-EAAC041D508F}"/>
+                </a:ext>
+              </a:extLst>
+            </p:cNvPr>
+            <p:cNvGrpSpPr/>
+            <p:nvPr/>
+          </p:nvGrpSpPr>
+          <p:grpSpPr>
+            <a:xfrm>
+              <a:off x="9898961" y="826003"/>
+              <a:ext cx="1490272" cy="1763962"/>
+              <a:chOff x="7814551" y="529796"/>
+              <a:chExt cx="1490272" cy="1763962"/>
+            </a:xfrm>
+          </p:grpSpPr>
+          <p:sp>
+            <p:nvSpPr>
+              <p:cNvPr id="61" name="Rectangle 60">
+                <a:extLst>
+                  <a:ext uri="{FF2B5EF4-FFF2-40B4-BE49-F238E27FC236}">
+                    <a16:creationId xmlns:a16="http://schemas.microsoft.com/office/drawing/2014/main" id="{B9EED0FC-8D68-4635-B7BD-4627E3057B65}"/>
+                  </a:ext>
+                </a:extLst>
+              </p:cNvPr>
+              <p:cNvSpPr/>
+              <p:nvPr/>
+            </p:nvSpPr>
+            <p:spPr>
+              <a:xfrm>
+                <a:off x="7814551" y="529796"/>
+                <a:ext cx="1490272" cy="1763962"/>
+              </a:xfrm>
+              <a:prstGeom prst="rect">
+                <a:avLst/>
+              </a:prstGeom>
+              <a:solidFill>
+                <a:schemeClr val="bg2"/>
+              </a:solidFill>
+              <a:ln>
+                <a:noFill/>
+              </a:ln>
+            </p:spPr>
+            <p:style>
+              <a:lnRef idx="2">
+                <a:schemeClr val="accent1">
+                  <a:shade val="15000"/>
+                </a:schemeClr>
+              </a:lnRef>
+              <a:fillRef idx="1">
+                <a:schemeClr val="accent1"/>
+              </a:fillRef>
+              <a:effectRef idx="0">
+                <a:schemeClr val="accent1"/>
+              </a:effectRef>
+              <a:fontRef idx="minor">
+                <a:schemeClr val="lt1"/>
+              </a:fontRef>
+            </p:style>
+            <p:txBody>
+              <a:bodyPr rtlCol="0" anchor="ctr"/>
+              <a:lstStyle/>
+              <a:p>
+                <a:pPr algn="ctr"/>
+                <a:endParaRPr lang="en-US"/>
+              </a:p>
+            </p:txBody>
+          </p:sp>
+          <p:sp>
+            <p:nvSpPr>
+              <p:cNvPr id="62" name="Flowchart: Document 61">
+                <a:extLst>
+                  <a:ext uri="{FF2B5EF4-FFF2-40B4-BE49-F238E27FC236}">
+                    <a16:creationId xmlns:a16="http://schemas.microsoft.com/office/drawing/2014/main" id="{B74A9B81-A97F-07D0-F6F6-AA0A50FB6598}"/>
+                  </a:ext>
+                </a:extLst>
+              </p:cNvPr>
+              <p:cNvSpPr/>
+              <p:nvPr/>
+            </p:nvSpPr>
+            <p:spPr>
+              <a:xfrm>
+                <a:off x="8047329" y="805544"/>
+                <a:ext cx="819606" cy="529181"/>
+              </a:xfrm>
+              <a:prstGeom prst="flowChartDocument">
+                <a:avLst/>
+              </a:prstGeom>
+              <a:solidFill>
+                <a:schemeClr val="bg2">
+                  <a:lumMod val="50000"/>
+                </a:schemeClr>
+              </a:solidFill>
+              <a:ln>
+                <a:solidFill>
+                  <a:schemeClr val="bg2">
+                    <a:lumMod val="50000"/>
+                  </a:schemeClr>
+                </a:solidFill>
+              </a:ln>
+            </p:spPr>
+            <p:style>
+              <a:lnRef idx="2">
+                <a:schemeClr val="accent1">
+                  <a:shade val="15000"/>
+                </a:schemeClr>
+              </a:lnRef>
+              <a:fillRef idx="1">
+                <a:schemeClr val="accent1"/>
+              </a:fillRef>
+              <a:effectRef idx="0">
+                <a:schemeClr val="accent1"/>
+              </a:effectRef>
+              <a:fontRef idx="minor">
+                <a:schemeClr val="lt1"/>
+              </a:fontRef>
+            </p:style>
+            <p:txBody>
+              <a:bodyPr wrap="none" lIns="0" tIns="0" rIns="0" bIns="0" rtlCol="0" anchor="ctr"/>
+              <a:lstStyle/>
+              <a:p>
+                <a:pPr algn="ctr"/>
+                <a:r>
+                  <a:rPr lang="en-US" sz="1100" dirty="0">
+                    <a:solidFill>
+                      <a:schemeClr val="bg1"/>
+                    </a:solidFill>
+                  </a:rPr>
+                  <a:t>Prompts</a:t>
+                </a:r>
+              </a:p>
+            </p:txBody>
+          </p:sp>
+          <p:sp>
+            <p:nvSpPr>
+              <p:cNvPr id="63" name="Flowchart: Document 62">
+                <a:extLst>
+                  <a:ext uri="{FF2B5EF4-FFF2-40B4-BE49-F238E27FC236}">
+                    <a16:creationId xmlns:a16="http://schemas.microsoft.com/office/drawing/2014/main" id="{341C0BF6-BDA6-DBEF-5F6F-56E15654AE70}"/>
+                  </a:ext>
+                </a:extLst>
+              </p:cNvPr>
+              <p:cNvSpPr/>
+              <p:nvPr/>
+            </p:nvSpPr>
+            <p:spPr>
+              <a:xfrm>
+                <a:off x="8047329" y="1499395"/>
+                <a:ext cx="819606" cy="561976"/>
+              </a:xfrm>
+              <a:prstGeom prst="flowChartDocument">
+                <a:avLst/>
+              </a:prstGeom>
+              <a:solidFill>
+                <a:schemeClr val="bg2">
+                  <a:lumMod val="50000"/>
+                </a:schemeClr>
+              </a:solidFill>
+              <a:ln>
+                <a:solidFill>
+                  <a:schemeClr val="bg2">
+                    <a:lumMod val="50000"/>
+                  </a:schemeClr>
+                </a:solidFill>
+              </a:ln>
+            </p:spPr>
+            <p:style>
+              <a:lnRef idx="2">
+                <a:schemeClr val="accent1">
+                  <a:shade val="15000"/>
+                </a:schemeClr>
+              </a:lnRef>
+              <a:fillRef idx="1">
+                <a:schemeClr val="accent1"/>
+              </a:fillRef>
+              <a:effectRef idx="0">
+                <a:schemeClr val="accent1"/>
+              </a:effectRef>
+              <a:fontRef idx="minor">
+                <a:schemeClr val="lt1"/>
+              </a:fontRef>
+            </p:style>
+            <p:txBody>
+              <a:bodyPr wrap="none" lIns="0" tIns="0" rIns="0" bIns="0" rtlCol="0" anchor="ctr"/>
+              <a:lstStyle/>
+              <a:p>
+                <a:pPr algn="ctr"/>
+                <a:r>
+                  <a:rPr lang="en-US" sz="1100" dirty="0">
+                    <a:solidFill>
+                      <a:schemeClr val="bg1"/>
+                    </a:solidFill>
+                  </a:rPr>
+                  <a:t>Parsers</a:t>
+                </a:r>
+              </a:p>
+            </p:txBody>
+          </p:sp>
+          <p:sp>
+            <p:nvSpPr>
+              <p:cNvPr id="64" name="TextBox 63">
+                <a:extLst>
+                  <a:ext uri="{FF2B5EF4-FFF2-40B4-BE49-F238E27FC236}">
+                    <a16:creationId xmlns:a16="http://schemas.microsoft.com/office/drawing/2014/main" id="{943AA917-F389-ED59-44DA-CE8144A0E58F}"/>
+                  </a:ext>
+                </a:extLst>
+              </p:cNvPr>
+              <p:cNvSpPr txBox="1"/>
+              <p:nvPr/>
+            </p:nvSpPr>
+            <p:spPr>
+              <a:xfrm>
+                <a:off x="7901828" y="561626"/>
+                <a:ext cx="1060358" cy="161583"/>
+              </a:xfrm>
+              <a:prstGeom prst="rect">
+                <a:avLst/>
+              </a:prstGeom>
+              <a:noFill/>
+            </p:spPr>
+            <p:txBody>
+              <a:bodyPr wrap="square" lIns="0" tIns="0" bIns="0" rtlCol="0">
+                <a:spAutoFit/>
+              </a:bodyPr>
+              <a:lstStyle/>
+              <a:p>
+                <a:r>
+                  <a:rPr lang="en-US" sz="1050" dirty="0">
+                    <a:solidFill>
+                      <a:schemeClr val="bg1">
+                        <a:lumMod val="65000"/>
+                      </a:schemeClr>
+                    </a:solidFill>
+                  </a:rPr>
+                  <a:t>CHAINING</a:t>
+                </a:r>
+              </a:p>
+            </p:txBody>
+          </p:sp>
+        </p:grpSp>
+        <p:grpSp>
+          <p:nvGrpSpPr>
+            <p:cNvPr id="59" name="Group 58">
+              <a:extLst>
+                <a:ext uri="{FF2B5EF4-FFF2-40B4-BE49-F238E27FC236}">
+                  <a16:creationId xmlns:a16="http://schemas.microsoft.com/office/drawing/2014/main" id="{01463804-6CE8-D375-FC72-E5334BE073BE}"/>
+                </a:ext>
+              </a:extLst>
+            </p:cNvPr>
+            <p:cNvGrpSpPr/>
+            <p:nvPr/>
+          </p:nvGrpSpPr>
+          <p:grpSpPr>
+            <a:xfrm>
+              <a:off x="8036271" y="826003"/>
+              <a:ext cx="1490272" cy="1763962"/>
+              <a:chOff x="7814551" y="529796"/>
+              <a:chExt cx="1490272" cy="1763962"/>
+            </a:xfrm>
+          </p:grpSpPr>
+          <p:sp>
+            <p:nvSpPr>
+              <p:cNvPr id="51" name="Rectangle 50">
+                <a:extLst>
+                  <a:ext uri="{FF2B5EF4-FFF2-40B4-BE49-F238E27FC236}">
+                    <a16:creationId xmlns:a16="http://schemas.microsoft.com/office/drawing/2014/main" id="{348CEC58-1BCA-9A53-990F-8FB15B287D3D}"/>
+                  </a:ext>
+                </a:extLst>
+              </p:cNvPr>
+              <p:cNvSpPr/>
+              <p:nvPr/>
+            </p:nvSpPr>
+            <p:spPr>
+              <a:xfrm>
+                <a:off x="7814551" y="529796"/>
+                <a:ext cx="1490272" cy="1763962"/>
+              </a:xfrm>
+              <a:prstGeom prst="rect">
+                <a:avLst/>
+              </a:prstGeom>
+              <a:solidFill>
+                <a:schemeClr val="bg2"/>
+              </a:solidFill>
+              <a:ln>
+                <a:noFill/>
+              </a:ln>
+            </p:spPr>
+            <p:style>
+              <a:lnRef idx="2">
+                <a:schemeClr val="accent1">
+                  <a:shade val="15000"/>
+                </a:schemeClr>
+              </a:lnRef>
+              <a:fillRef idx="1">
+                <a:schemeClr val="accent1"/>
+              </a:fillRef>
+              <a:effectRef idx="0">
+                <a:schemeClr val="accent1"/>
+              </a:effectRef>
+              <a:fontRef idx="minor">
+                <a:schemeClr val="lt1"/>
+              </a:fontRef>
+            </p:style>
+            <p:txBody>
+              <a:bodyPr rtlCol="0" anchor="ctr"/>
+              <a:lstStyle/>
+              <a:p>
+                <a:pPr algn="ctr"/>
+                <a:endParaRPr lang="en-US"/>
+              </a:p>
+            </p:txBody>
+          </p:sp>
+          <p:sp>
+            <p:nvSpPr>
+              <p:cNvPr id="33" name="Flowchart: Document 32">
+                <a:extLst>
+                  <a:ext uri="{FF2B5EF4-FFF2-40B4-BE49-F238E27FC236}">
+                    <a16:creationId xmlns:a16="http://schemas.microsoft.com/office/drawing/2014/main" id="{B4D39BC6-2DB9-2B88-F43B-38245778FB17}"/>
+                  </a:ext>
+                </a:extLst>
+              </p:cNvPr>
+              <p:cNvSpPr/>
+              <p:nvPr/>
+            </p:nvSpPr>
+            <p:spPr>
+              <a:xfrm>
+                <a:off x="7941282" y="805544"/>
+                <a:ext cx="1154018" cy="647451"/>
+              </a:xfrm>
+              <a:prstGeom prst="flowChartDocument">
+                <a:avLst/>
+              </a:prstGeom>
+              <a:solidFill>
+                <a:schemeClr val="bg2">
+                  <a:lumMod val="50000"/>
+                </a:schemeClr>
+              </a:solidFill>
+              <a:ln>
+                <a:solidFill>
+                  <a:schemeClr val="bg2">
+                    <a:lumMod val="50000"/>
+                  </a:schemeClr>
+                </a:solidFill>
+              </a:ln>
+            </p:spPr>
+            <p:style>
+              <a:lnRef idx="2">
+                <a:schemeClr val="accent1">
+                  <a:shade val="15000"/>
+                </a:schemeClr>
+              </a:lnRef>
+              <a:fillRef idx="1">
+                <a:schemeClr val="accent1"/>
+              </a:fillRef>
+              <a:effectRef idx="0">
+                <a:schemeClr val="accent1"/>
+              </a:effectRef>
+              <a:fontRef idx="minor">
+                <a:schemeClr val="lt1"/>
+              </a:fontRef>
+            </p:style>
+            <p:txBody>
+              <a:bodyPr wrap="none" lIns="0" tIns="0" rIns="0" bIns="0" rtlCol="0" anchor="ctr"/>
+              <a:lstStyle/>
+              <a:p>
+                <a:pPr algn="ctr"/>
+                <a:r>
+                  <a:rPr lang="en-US" sz="1100" dirty="0">
+                    <a:solidFill>
+                      <a:schemeClr val="bg1"/>
+                    </a:solidFill>
+                  </a:rPr>
+                  <a:t>Disaster</a:t>
+                </a:r>
+              </a:p>
+              <a:p>
+                <a:pPr algn="ctr"/>
+                <a:r>
+                  <a:rPr lang="en-US" sz="1100" dirty="0">
+                    <a:solidFill>
+                      <a:schemeClr val="bg1"/>
+                    </a:solidFill>
+                  </a:rPr>
+                  <a:t>Assistance </a:t>
+                </a:r>
+              </a:p>
+              <a:p>
+                <a:pPr algn="ctr"/>
+                <a:r>
+                  <a:rPr lang="en-US" sz="1100" dirty="0">
+                    <a:solidFill>
+                      <a:schemeClr val="bg1"/>
+                    </a:solidFill>
+                  </a:rPr>
+                  <a:t>Program Info</a:t>
+                </a:r>
+              </a:p>
+            </p:txBody>
+          </p:sp>
+          <p:sp>
+            <p:nvSpPr>
+              <p:cNvPr id="57" name="Flowchart: Document 56">
+                <a:extLst>
+                  <a:ext uri="{FF2B5EF4-FFF2-40B4-BE49-F238E27FC236}">
+                    <a16:creationId xmlns:a16="http://schemas.microsoft.com/office/drawing/2014/main" id="{46BDF63E-7685-AED2-11A1-A4E1F8C349A6}"/>
+                  </a:ext>
+                </a:extLst>
+              </p:cNvPr>
+              <p:cNvSpPr/>
+              <p:nvPr/>
+            </p:nvSpPr>
+            <p:spPr>
+              <a:xfrm>
+                <a:off x="7941282" y="1518371"/>
+                <a:ext cx="1154018" cy="561976"/>
+              </a:xfrm>
+              <a:prstGeom prst="flowChartDocument">
+                <a:avLst/>
+              </a:prstGeom>
+              <a:solidFill>
+                <a:schemeClr val="bg2">
+                  <a:lumMod val="50000"/>
+                </a:schemeClr>
+              </a:solidFill>
+              <a:ln>
+                <a:solidFill>
+                  <a:schemeClr val="bg2">
+                    <a:lumMod val="50000"/>
+                  </a:schemeClr>
+                </a:solidFill>
+              </a:ln>
+            </p:spPr>
+            <p:style>
+              <a:lnRef idx="2">
+                <a:schemeClr val="accent1">
+                  <a:shade val="15000"/>
+                </a:schemeClr>
+              </a:lnRef>
+              <a:fillRef idx="1">
+                <a:schemeClr val="accent1"/>
+              </a:fillRef>
+              <a:effectRef idx="0">
+                <a:schemeClr val="accent1"/>
+              </a:effectRef>
+              <a:fontRef idx="minor">
+                <a:schemeClr val="lt1"/>
+              </a:fontRef>
+            </p:style>
+            <p:txBody>
+              <a:bodyPr wrap="none" lIns="0" tIns="0" rIns="0" bIns="0" rtlCol="0" anchor="ctr"/>
+              <a:lstStyle/>
+              <a:p>
+                <a:pPr algn="ctr"/>
+                <a:r>
+                  <a:rPr lang="en-US" sz="1100" dirty="0">
+                    <a:solidFill>
+                      <a:schemeClr val="bg1"/>
+                    </a:solidFill>
+                  </a:rPr>
+                  <a:t>Insurance </a:t>
+                </a:r>
+              </a:p>
+              <a:p>
+                <a:pPr algn="ctr"/>
+                <a:r>
+                  <a:rPr lang="en-US" sz="1100" dirty="0">
+                    <a:solidFill>
+                      <a:schemeClr val="bg1"/>
+                    </a:solidFill>
+                  </a:rPr>
+                  <a:t>Program Info</a:t>
+                </a:r>
+              </a:p>
+            </p:txBody>
+          </p:sp>
+          <p:sp>
+            <p:nvSpPr>
+              <p:cNvPr id="53" name="TextBox 52">
+                <a:extLst>
+                  <a:ext uri="{FF2B5EF4-FFF2-40B4-BE49-F238E27FC236}">
+                    <a16:creationId xmlns:a16="http://schemas.microsoft.com/office/drawing/2014/main" id="{4B0E8D8A-CD7D-6818-3BEC-2E6135ADE313}"/>
+                  </a:ext>
+                </a:extLst>
+              </p:cNvPr>
+              <p:cNvSpPr txBox="1"/>
+              <p:nvPr/>
+            </p:nvSpPr>
+            <p:spPr>
+              <a:xfrm>
+                <a:off x="7941282" y="576615"/>
+                <a:ext cx="1154018" cy="161583"/>
+              </a:xfrm>
+              <a:prstGeom prst="rect">
+                <a:avLst/>
+              </a:prstGeom>
+              <a:noFill/>
+            </p:spPr>
+            <p:txBody>
+              <a:bodyPr wrap="square" lIns="0" tIns="0" bIns="0" rtlCol="0">
+                <a:spAutoFit/>
+              </a:bodyPr>
+              <a:lstStyle/>
+              <a:p>
+                <a:r>
+                  <a:rPr lang="en-US" sz="1050" dirty="0">
+                    <a:solidFill>
+                      <a:schemeClr val="bg1">
+                        <a:lumMod val="65000"/>
+                      </a:schemeClr>
+                    </a:solidFill>
+                  </a:rPr>
+                  <a:t>VECTORIZATION </a:t>
+                </a:r>
+              </a:p>
+            </p:txBody>
+          </p:sp>
+        </p:grpSp>
+        <p:sp>
+          <p:nvSpPr>
+            <p:cNvPr id="14" name="Flowchart: Process 13">
+              <a:extLst>
+                <a:ext uri="{FF2B5EF4-FFF2-40B4-BE49-F238E27FC236}">
+                  <a16:creationId xmlns:a16="http://schemas.microsoft.com/office/drawing/2014/main" id="{2B28EB6C-164C-BD0E-ED5B-AD3F0B4F229B}"/>
+                </a:ext>
+              </a:extLst>
+            </p:cNvPr>
+            <p:cNvSpPr/>
+            <p:nvPr/>
+          </p:nvSpPr>
+          <p:spPr>
+            <a:xfrm>
+              <a:off x="9028412" y="2448461"/>
+              <a:ext cx="1693270" cy="1437518"/>
+            </a:xfrm>
+            <a:prstGeom prst="flowChartProcess">
+              <a:avLst/>
+            </a:prstGeom>
             <a:solidFill>
-              <a:schemeClr val="bg1"/>
+              <a:srgbClr val="F2F2BD"/>
             </a:solidFill>
-          </a:ln>
-          <a:effectLst>
-            <a:outerShdw blurRad="63500" sx="102000" sy="102000" algn="ctr" rotWithShape="0">
-              <a:prstClr val="black">
-                <a:alpha val="40000"/>
-              </a:prstClr>
-            </a:outerShdw>
-          </a:effectLst>
-        </p:spPr>
-        <p:style>
-          <a:lnRef idx="2">
-            <a:schemeClr val="accent1">
-              <a:shade val="15000"/>
-            </a:schemeClr>
-          </a:lnRef>
-          <a:fillRef idx="1">
-            <a:schemeClr val="accent1"/>
-          </a:fillRef>
-          <a:effectRef idx="0">
-            <a:schemeClr val="accent1"/>
-          </a:effectRef>
-          <a:fontRef idx="minor">
-            <a:schemeClr val="lt1"/>
-          </a:fontRef>
-        </p:style>
-        <p:txBody>
-          <a:bodyPr wrap="none" lIns="0" tIns="0" rIns="0" bIns="0" rtlCol="0" anchor="ctr"/>
-          <a:lstStyle/>
-          <a:p>
-            <a:pPr algn="ctr"/>
-            <a:r>
-              <a:rPr lang="en-US" sz="1100" dirty="0">
-                <a:solidFill>
-                  <a:schemeClr val="bg1"/>
-                </a:solidFill>
-              </a:rPr>
-              <a:t>Gen AI</a:t>
-            </a:r>
-          </a:p>
-        </p:txBody>
-      </p:sp>
-      <p:sp>
-        <p:nvSpPr>
-          <p:cNvPr id="70" name="Oval 69">
-            <a:extLst>
-              <a:ext uri="{FF2B5EF4-FFF2-40B4-BE49-F238E27FC236}">
-                <a16:creationId xmlns:a16="http://schemas.microsoft.com/office/drawing/2014/main" id="{43628D85-2F89-7F73-E65A-23F0C46940C6}"/>
-              </a:ext>
-            </a:extLst>
-          </p:cNvPr>
-          <p:cNvSpPr/>
-          <p:nvPr/>
-        </p:nvSpPr>
-        <p:spPr>
-          <a:xfrm>
-            <a:off x="8312632" y="4230178"/>
-            <a:ext cx="465138" cy="324870"/>
-          </a:xfrm>
-          <a:prstGeom prst="ellipse">
-            <a:avLst/>
-          </a:prstGeom>
-          <a:solidFill>
-            <a:schemeClr val="accent6"/>
-          </a:solidFill>
-          <a:ln w="3175">
+            <a:ln w="3175">
+              <a:solidFill>
+                <a:schemeClr val="tx1"/>
+              </a:solidFill>
+            </a:ln>
+          </p:spPr>
+          <p:style>
+            <a:lnRef idx="2">
+              <a:schemeClr val="accent1">
+                <a:shade val="15000"/>
+              </a:schemeClr>
+            </a:lnRef>
+            <a:fillRef idx="1">
+              <a:schemeClr val="accent1"/>
+            </a:fillRef>
+            <a:effectRef idx="0">
+              <a:schemeClr val="accent1"/>
+            </a:effectRef>
+            <a:fontRef idx="minor">
+              <a:schemeClr val="lt1"/>
+            </a:fontRef>
+          </p:style>
+          <p:txBody>
+            <a:bodyPr rtlCol="0" anchor="ctr"/>
+            <a:lstStyle/>
+            <a:p>
+              <a:pPr algn="ctr"/>
+              <a:r>
+                <a:rPr lang="en-US" sz="1400" b="1" dirty="0">
+                  <a:solidFill>
+                    <a:schemeClr val="tx1"/>
+                  </a:solidFill>
+                </a:rPr>
+                <a:t>Decisioning &amp; Recommendation Model</a:t>
+              </a:r>
+            </a:p>
+          </p:txBody>
+        </p:sp>
+        <p:sp>
+          <p:nvSpPr>
+            <p:cNvPr id="69" name="Oval 68">
+              <a:extLst>
+                <a:ext uri="{FF2B5EF4-FFF2-40B4-BE49-F238E27FC236}">
+                  <a16:creationId xmlns:a16="http://schemas.microsoft.com/office/drawing/2014/main" id="{A480BDDE-1DE0-73A5-3DD0-5C6D336544A0}"/>
+                </a:ext>
+              </a:extLst>
+            </p:cNvPr>
+            <p:cNvSpPr/>
+            <p:nvPr/>
+          </p:nvSpPr>
+          <p:spPr>
+            <a:xfrm>
+              <a:off x="8904976" y="2357578"/>
+              <a:ext cx="465138" cy="324870"/>
+            </a:xfrm>
+            <a:prstGeom prst="ellipse">
+              <a:avLst/>
+            </a:prstGeom>
             <a:solidFill>
-              <a:schemeClr val="bg1"/>
+              <a:schemeClr val="accent6"/>
             </a:solidFill>
-          </a:ln>
-          <a:effectLst>
-            <a:outerShdw blurRad="63500" sx="102000" sy="102000" algn="ctr" rotWithShape="0">
-              <a:prstClr val="black">
-                <a:alpha val="40000"/>
-              </a:prstClr>
-            </a:outerShdw>
-          </a:effectLst>
-        </p:spPr>
-        <p:style>
-          <a:lnRef idx="2">
-            <a:schemeClr val="accent1">
-              <a:shade val="15000"/>
-            </a:schemeClr>
-          </a:lnRef>
-          <a:fillRef idx="1">
-            <a:schemeClr val="accent1"/>
-          </a:fillRef>
-          <a:effectRef idx="0">
-            <a:schemeClr val="accent1"/>
-          </a:effectRef>
-          <a:fontRef idx="minor">
-            <a:schemeClr val="lt1"/>
-          </a:fontRef>
-        </p:style>
-        <p:txBody>
-          <a:bodyPr wrap="none" lIns="0" tIns="0" rIns="0" bIns="0" rtlCol="0" anchor="ctr"/>
-          <a:lstStyle/>
-          <a:p>
-            <a:pPr algn="ctr"/>
-            <a:r>
-              <a:rPr lang="en-US" sz="1100">
-                <a:solidFill>
-                  <a:schemeClr val="bg1"/>
-                </a:solidFill>
-              </a:rPr>
-              <a:t>LLM</a:t>
-            </a:r>
-            <a:endParaRPr lang="en-US" sz="1100" dirty="0">
+            <a:ln w="3175">
               <a:solidFill>
                 <a:schemeClr val="bg1"/>
               </a:solidFill>
-            </a:endParaRPr>
-          </a:p>
-        </p:txBody>
-      </p:sp>
+            </a:ln>
+            <a:effectLst>
+              <a:outerShdw blurRad="63500" sx="102000" sy="102000" algn="ctr" rotWithShape="0">
+                <a:prstClr val="black">
+                  <a:alpha val="40000"/>
+                </a:prstClr>
+              </a:outerShdw>
+            </a:effectLst>
+          </p:spPr>
+          <p:style>
+            <a:lnRef idx="2">
+              <a:schemeClr val="accent1">
+                <a:shade val="15000"/>
+              </a:schemeClr>
+            </a:lnRef>
+            <a:fillRef idx="1">
+              <a:schemeClr val="accent1"/>
+            </a:fillRef>
+            <a:effectRef idx="0">
+              <a:schemeClr val="accent1"/>
+            </a:effectRef>
+            <a:fontRef idx="minor">
+              <a:schemeClr val="lt1"/>
+            </a:fontRef>
+          </p:style>
+          <p:txBody>
+            <a:bodyPr wrap="none" lIns="0" tIns="0" rIns="0" bIns="0" rtlCol="0" anchor="ctr"/>
+            <a:lstStyle/>
+            <a:p>
+              <a:pPr algn="ctr"/>
+              <a:r>
+                <a:rPr lang="en-US" sz="1100" dirty="0">
+                  <a:solidFill>
+                    <a:schemeClr val="bg1"/>
+                  </a:solidFill>
+                </a:rPr>
+                <a:t>LLM</a:t>
+              </a:r>
+            </a:p>
+          </p:txBody>
+        </p:sp>
+      </p:grpSp>
       <p:sp>
         <p:nvSpPr>
-          <p:cNvPr id="7" name="TextBox 6">
-            <a:extLst>
-              <a:ext uri="{FF2B5EF4-FFF2-40B4-BE49-F238E27FC236}">
-                <a16:creationId xmlns:a16="http://schemas.microsoft.com/office/drawing/2014/main" id="{61AF855E-EC16-A5DF-E876-86AB232207E3}"/>
+          <p:cNvPr id="36" name="TextBox 35">
+            <a:extLst>
+              <a:ext uri="{FF2B5EF4-FFF2-40B4-BE49-F238E27FC236}">
+                <a16:creationId xmlns:a16="http://schemas.microsoft.com/office/drawing/2014/main" id="{05C8ABBE-5E78-6197-503E-D97C30D040B6}"/>
               </a:ext>
             </a:extLst>
           </p:cNvPr>
@@ -9481,115 +12765,57 @@
         </p:nvSpPr>
         <p:spPr>
           <a:xfrm>
-            <a:off x="6119812" y="1729809"/>
-            <a:ext cx="1266825" cy="523220"/>
+            <a:off x="7455981" y="3474131"/>
+            <a:ext cx="1104837" cy="169276"/>
           </a:xfrm>
           <a:prstGeom prst="rect">
             <a:avLst/>
           </a:prstGeom>
-          <a:noFill/>
+          <a:solidFill>
+            <a:schemeClr val="bg1"/>
+          </a:solidFill>
         </p:spPr>
         <p:txBody>
-          <a:bodyPr wrap="square" rtlCol="0">
+          <a:bodyPr wrap="square" lIns="0" tIns="0" rIns="0" bIns="0" rtlCol="0">
             <a:spAutoFit/>
           </a:bodyPr>
           <a:lstStyle/>
           <a:p>
-            <a:r>
-              <a:rPr lang="en-US" sz="1400" dirty="0"/>
-              <a:t>Commodity Trader</a:t>
-            </a:r>
-          </a:p>
-        </p:txBody>
-      </p:sp>
-      <p:sp>
-        <p:nvSpPr>
-          <p:cNvPr id="15" name="Flowchart: Process 14">
-            <a:extLst>
-              <a:ext uri="{FF2B5EF4-FFF2-40B4-BE49-F238E27FC236}">
-                <a16:creationId xmlns:a16="http://schemas.microsoft.com/office/drawing/2014/main" id="{0FFF3325-E39C-37A9-4D73-F11A96239553}"/>
-              </a:ext>
-            </a:extLst>
-          </p:cNvPr>
-          <p:cNvSpPr/>
-          <p:nvPr/>
-        </p:nvSpPr>
-        <p:spPr>
-          <a:xfrm>
-            <a:off x="1947016" y="2903765"/>
-            <a:ext cx="1266825" cy="704850"/>
-          </a:xfrm>
-          <a:prstGeom prst="flowChartProcess">
-            <a:avLst/>
-          </a:prstGeom>
-          <a:solidFill>
-            <a:srgbClr val="F2F2BD"/>
-          </a:solidFill>
-          <a:ln w="3175">
-            <a:solidFill>
-              <a:schemeClr val="tx1"/>
-            </a:solidFill>
-          </a:ln>
-        </p:spPr>
-        <p:style>
-          <a:lnRef idx="2">
-            <a:schemeClr val="accent1">
-              <a:shade val="15000"/>
-            </a:schemeClr>
-          </a:lnRef>
-          <a:fillRef idx="1">
-            <a:schemeClr val="accent1"/>
-          </a:fillRef>
-          <a:effectRef idx="0">
-            <a:schemeClr val="accent1"/>
-          </a:effectRef>
-          <a:fontRef idx="minor">
-            <a:schemeClr val="lt1"/>
-          </a:fontRef>
-        </p:style>
-        <p:txBody>
-          <a:bodyPr rtlCol="0" anchor="ctr"/>
-          <a:lstStyle/>
-          <a:p>
             <a:pPr algn="ctr"/>
             <a:r>
-              <a:rPr lang="en-US" sz="1100" dirty="0">
-                <a:solidFill>
-                  <a:schemeClr val="tx1"/>
-                </a:solidFill>
-              </a:rPr>
-              <a:t>Trend/probability of future conditions</a:t>
+              <a:rPr lang="en-US" sz="1100" dirty="0"/>
+              <a:t>PROFITABILITY</a:t>
             </a:r>
           </a:p>
         </p:txBody>
       </p:sp>
       <p:cxnSp>
         <p:nvCxnSpPr>
-          <p:cNvPr id="25" name="Straight Arrow Connector 15">
-            <a:extLst>
-              <a:ext uri="{FF2B5EF4-FFF2-40B4-BE49-F238E27FC236}">
-                <a16:creationId xmlns:a16="http://schemas.microsoft.com/office/drawing/2014/main" id="{4C61D5CB-FA11-364E-F426-1F978FB25653}"/>
+          <p:cNvPr id="74" name="Straight Arrow Connector 73">
+            <a:extLst>
+              <a:ext uri="{FF2B5EF4-FFF2-40B4-BE49-F238E27FC236}">
+                <a16:creationId xmlns:a16="http://schemas.microsoft.com/office/drawing/2014/main" id="{FD1DC234-AE62-C34F-9F54-5B3FE7C3501B}"/>
               </a:ext>
             </a:extLst>
           </p:cNvPr>
           <p:cNvCxnSpPr>
             <a:cxnSpLocks/>
-            <a:stCxn id="9" idx="3"/>
-            <a:endCxn id="10" idx="1"/>
+            <a:stCxn id="14" idx="2"/>
           </p:cNvCxnSpPr>
           <p:nvPr/>
         </p:nvCxnSpPr>
         <p:spPr>
           <a:xfrm>
-            <a:off x="3274050" y="2143237"/>
-            <a:ext cx="742779" cy="276113"/>
+            <a:off x="9855642" y="4420725"/>
+            <a:ext cx="0" cy="599622"/>
           </a:xfrm>
-          <a:prstGeom prst="bentConnector3">
-            <a:avLst>
-              <a:gd name="adj1" fmla="val 43588"/>
-            </a:avLst>
+          <a:prstGeom prst="straightConnector1">
+            <a:avLst/>
           </a:prstGeom>
-          <a:ln>
+          <a:ln w="22225">
+            <a:solidFill>
+              <a:schemeClr val="tx1"/>
+            </a:solidFill>
             <a:tailEnd type="triangle"/>
           </a:ln>
         </p:spPr>
@@ -9610,10 +12836,10 @@
       </p:cxnSp>
       <p:sp>
         <p:nvSpPr>
-          <p:cNvPr id="37" name="TextBox 36">
-            <a:extLst>
-              <a:ext uri="{FF2B5EF4-FFF2-40B4-BE49-F238E27FC236}">
-                <a16:creationId xmlns:a16="http://schemas.microsoft.com/office/drawing/2014/main" id="{C49A4477-3E1A-3769-A3EA-0693BEA282C9}"/>
+          <p:cNvPr id="79" name="TextBox 78">
+            <a:extLst>
+              <a:ext uri="{FF2B5EF4-FFF2-40B4-BE49-F238E27FC236}">
+                <a16:creationId xmlns:a16="http://schemas.microsoft.com/office/drawing/2014/main" id="{045913D3-1A7D-96CA-1BB1-5DFB52CD9374}"/>
               </a:ext>
             </a:extLst>
           </p:cNvPr>
@@ -9622,8 +12848,8 @@
         </p:nvSpPr>
         <p:spPr>
           <a:xfrm>
-            <a:off x="6148302" y="2251040"/>
-            <a:ext cx="1266825" cy="523220"/>
+            <a:off x="9923464" y="5221503"/>
+            <a:ext cx="1430336" cy="830997"/>
           </a:xfrm>
           <a:prstGeom prst="rect">
             <a:avLst/>
@@ -9631,143 +12857,58 @@
           <a:noFill/>
         </p:spPr>
         <p:txBody>
-          <a:bodyPr wrap="square" rtlCol="0">
+          <a:bodyPr wrap="square" lIns="0" tIns="0" rIns="0" bIns="0" rtlCol="0">
             <a:spAutoFit/>
           </a:bodyPr>
           <a:lstStyle/>
           <a:p>
             <a:r>
-              <a:rPr lang="en-US" sz="1400" dirty="0"/>
-              <a:t>Farmer for planning</a:t>
+              <a:rPr lang="en-US" b="1" dirty="0"/>
+              <a:t>Farm Protection Plan</a:t>
             </a:r>
           </a:p>
         </p:txBody>
       </p:sp>
-      <p:sp>
-        <p:nvSpPr>
-          <p:cNvPr id="39" name="Oval 38">
-            <a:extLst>
-              <a:ext uri="{FF2B5EF4-FFF2-40B4-BE49-F238E27FC236}">
-                <a16:creationId xmlns:a16="http://schemas.microsoft.com/office/drawing/2014/main" id="{FEBE0CAE-5D07-FB5E-8BE4-E23E2DFD0E19}"/>
-              </a:ext>
-            </a:extLst>
-          </p:cNvPr>
-          <p:cNvSpPr/>
+      <p:pic>
+        <p:nvPicPr>
+          <p:cNvPr id="93" name="Graphic 92" descr="Farmer male with solid fill">
+            <a:extLst>
+              <a:ext uri="{FF2B5EF4-FFF2-40B4-BE49-F238E27FC236}">
+                <a16:creationId xmlns:a16="http://schemas.microsoft.com/office/drawing/2014/main" id="{13550572-42C8-ED11-04E7-A9EAF48D7CFC}"/>
+              </a:ext>
+            </a:extLst>
+          </p:cNvPr>
+          <p:cNvPicPr>
+            <a:picLocks noChangeAspect="1"/>
+          </p:cNvPicPr>
           <p:nvPr/>
-        </p:nvSpPr>
+        </p:nvPicPr>
+        <p:blipFill>
+          <a:blip r:embed="rId5">
+            <a:extLst>
+              <a:ext uri="{96DAC541-7B7A-43D3-8B79-37D633B846F1}">
+                <asvg:svgBlip xmlns:asvg="http://schemas.microsoft.com/office/drawing/2016/SVG/main" r:embed="rId6"/>
+              </a:ext>
+            </a:extLst>
+          </a:blip>
+          <a:stretch>
+            <a:fillRect/>
+          </a:stretch>
+        </p:blipFill>
         <p:spPr>
           <a:xfrm>
-            <a:off x="2892656" y="3558437"/>
-            <a:ext cx="465138" cy="324870"/>
-          </a:xfrm>
-          <a:prstGeom prst="ellipse">
-            <a:avLst/>
-          </a:prstGeom>
-          <a:solidFill>
-            <a:schemeClr val="accent6"/>
-          </a:solidFill>
-          <a:ln w="3175">
-            <a:solidFill>
-              <a:schemeClr val="bg1"/>
-            </a:solidFill>
-          </a:ln>
-          <a:effectLst>
-            <a:outerShdw blurRad="63500" sx="102000" sy="102000" algn="ctr" rotWithShape="0">
-              <a:prstClr val="black">
-                <a:alpha val="40000"/>
-              </a:prstClr>
-            </a:outerShdw>
-          </a:effectLst>
-        </p:spPr>
-        <p:style>
-          <a:lnRef idx="2">
-            <a:schemeClr val="accent1">
-              <a:shade val="15000"/>
-            </a:schemeClr>
-          </a:lnRef>
-          <a:fillRef idx="1">
-            <a:schemeClr val="accent1"/>
-          </a:fillRef>
-          <a:effectRef idx="0">
-            <a:schemeClr val="accent1"/>
-          </a:effectRef>
-          <a:fontRef idx="minor">
-            <a:schemeClr val="lt1"/>
-          </a:fontRef>
-        </p:style>
-        <p:txBody>
-          <a:bodyPr wrap="none" lIns="0" tIns="0" rIns="0" bIns="0" rtlCol="0" anchor="ctr"/>
-          <a:lstStyle/>
-          <a:p>
-            <a:pPr algn="ctr"/>
-            <a:r>
-              <a:rPr lang="en-US" sz="1100" dirty="0">
-                <a:solidFill>
-                  <a:schemeClr val="bg1"/>
-                </a:solidFill>
-              </a:rPr>
-              <a:t>ML</a:t>
-            </a:r>
-          </a:p>
-        </p:txBody>
-      </p:sp>
-      <p:sp>
-        <p:nvSpPr>
-          <p:cNvPr id="46" name="TextBox 45">
-            <a:extLst>
-              <a:ext uri="{FF2B5EF4-FFF2-40B4-BE49-F238E27FC236}">
-                <a16:creationId xmlns:a16="http://schemas.microsoft.com/office/drawing/2014/main" id="{3086BAF5-B145-9E75-5054-FDA4CD5248AF}"/>
-              </a:ext>
-            </a:extLst>
-          </p:cNvPr>
-          <p:cNvSpPr txBox="1"/>
-          <p:nvPr/>
-        </p:nvSpPr>
-        <p:spPr>
-          <a:xfrm>
-            <a:off x="295018" y="4297346"/>
-            <a:ext cx="3146256" cy="1169551"/>
+            <a:off x="9323843" y="5446944"/>
+            <a:ext cx="599621" cy="599621"/>
           </a:xfrm>
           <a:prstGeom prst="rect">
             <a:avLst/>
           </a:prstGeom>
-          <a:noFill/>
         </p:spPr>
-        <p:txBody>
-          <a:bodyPr wrap="square" rtlCol="0">
-            <a:spAutoFit/>
-          </a:bodyPr>
-          <a:lstStyle/>
-          <a:p>
-            <a:r>
-              <a:rPr lang="en-US" sz="1400" dirty="0"/>
-              <a:t>Features: precipitation, temp</a:t>
-            </a:r>
-          </a:p>
-          <a:p>
-            <a:endParaRPr lang="en-US" sz="1400" dirty="0"/>
-          </a:p>
-          <a:p>
-            <a:r>
-              <a:rPr lang="en-US" sz="1400" dirty="0"/>
-              <a:t>Target: yield</a:t>
-            </a:r>
-          </a:p>
-          <a:p>
-            <a:endParaRPr lang="en-US" sz="1400" dirty="0"/>
-          </a:p>
-          <a:p>
-            <a:r>
-              <a:rPr lang="en-US" sz="1400" dirty="0"/>
-              <a:t> </a:t>
-            </a:r>
-          </a:p>
-        </p:txBody>
-      </p:sp>
+      </p:pic>
     </p:spTree>
     <p:extLst>
       <p:ext uri="{BB962C8B-B14F-4D97-AF65-F5344CB8AC3E}">
-        <p14:creationId xmlns:p14="http://schemas.microsoft.com/office/powerpoint/2010/main" val="3429612716"/>
+        <p14:creationId xmlns:p14="http://schemas.microsoft.com/office/powerpoint/2010/main" val="3145427368"/>
       </p:ext>
     </p:extLst>
   </p:cSld>
@@ -9777,7 +12918,7 @@
 </p:sld>
 </file>
 
-<file path=ppt/slides/slide5.xml><?xml version="1.0" encoding="utf-8"?>
+<file path=ppt/slides/slide6.xml><?xml version="1.0" encoding="utf-8"?>
 <p:sld xmlns:a="http://schemas.openxmlformats.org/drawingml/2006/main" xmlns:r="http://schemas.openxmlformats.org/officeDocument/2006/relationships" xmlns:p="http://schemas.openxmlformats.org/presentationml/2006/main">
   <p:cSld>
     <p:spTree>
@@ -9871,7 +13012,7 @@
           <a:p>
             <a:r>
               <a:rPr lang="en-US" b="1" dirty="0"/>
-              <a:t>ANALYSIS</a:t>
+              <a:t>MODELING AND ANALYSIS</a:t>
             </a:r>
           </a:p>
         </p:txBody>
@@ -9936,7 +13077,7 @@
             <a:fld id="{79F31F10-1257-482C-8051-E7DF71AF7482}" type="slidenum">
               <a:rPr lang="en-US" smtClean="0"/>
               <a:pPr/>
-              <a:t>5</a:t>
+              <a:t>6</a:t>
             </a:fld>
             <a:endParaRPr lang="en-US" dirty="0"/>
           </a:p>
@@ -9985,7 +13126,215 @@
 </p:sld>
 </file>
 
-<file path=ppt/slides/slide6.xml><?xml version="1.0" encoding="utf-8"?>
+<file path=ppt/slides/slide7.xml><?xml version="1.0" encoding="utf-8"?>
+<p:sld xmlns:a="http://schemas.openxmlformats.org/drawingml/2006/main" xmlns:r="http://schemas.openxmlformats.org/officeDocument/2006/relationships" xmlns:p="http://schemas.openxmlformats.org/presentationml/2006/main">
+  <p:cSld>
+    <p:spTree>
+      <p:nvGrpSpPr>
+        <p:cNvPr id="1" name=""/>
+        <p:cNvGrpSpPr/>
+        <p:nvPr/>
+      </p:nvGrpSpPr>
+      <p:grpSpPr>
+        <a:xfrm>
+          <a:off x="0" y="0"/>
+          <a:ext cx="0" cy="0"/>
+          <a:chOff x="0" y="0"/>
+          <a:chExt cx="0" cy="0"/>
+        </a:xfrm>
+      </p:grpSpPr>
+      <p:sp>
+        <p:nvSpPr>
+          <p:cNvPr id="7" name="Rectangle 6">
+            <a:extLst>
+              <a:ext uri="{FF2B5EF4-FFF2-40B4-BE49-F238E27FC236}">
+                <a16:creationId xmlns:a16="http://schemas.microsoft.com/office/drawing/2014/main" id="{4C7B9331-D15D-137F-F7E9-481FA2E2D1B4}"/>
+              </a:ext>
+            </a:extLst>
+          </p:cNvPr>
+          <p:cNvSpPr/>
+          <p:nvPr/>
+        </p:nvSpPr>
+        <p:spPr>
+          <a:xfrm>
+            <a:off x="6128656" y="4788987"/>
+            <a:ext cx="5443959" cy="1276147"/>
+          </a:xfrm>
+          <a:prstGeom prst="rect">
+            <a:avLst/>
+          </a:prstGeom>
+          <a:solidFill>
+            <a:srgbClr val="F2F2BD"/>
+          </a:solidFill>
+          <a:ln>
+            <a:noFill/>
+          </a:ln>
+        </p:spPr>
+        <p:style>
+          <a:lnRef idx="2">
+            <a:schemeClr val="accent1">
+              <a:shade val="15000"/>
+            </a:schemeClr>
+          </a:lnRef>
+          <a:fillRef idx="1">
+            <a:schemeClr val="accent1"/>
+          </a:fillRef>
+          <a:effectRef idx="0">
+            <a:schemeClr val="accent1"/>
+          </a:effectRef>
+          <a:fontRef idx="minor">
+            <a:schemeClr val="lt1"/>
+          </a:fontRef>
+        </p:style>
+        <p:txBody>
+          <a:bodyPr rtlCol="0" anchor="ctr"/>
+          <a:lstStyle/>
+          <a:p>
+            <a:pPr algn="ctr"/>
+            <a:endParaRPr lang="en-US" sz="1600"/>
+          </a:p>
+        </p:txBody>
+      </p:sp>
+      <p:sp>
+        <p:nvSpPr>
+          <p:cNvPr id="2" name="Title 1">
+            <a:extLst>
+              <a:ext uri="{FF2B5EF4-FFF2-40B4-BE49-F238E27FC236}">
+                <a16:creationId xmlns:a16="http://schemas.microsoft.com/office/drawing/2014/main" id="{7C6500D4-902C-A8FA-4A59-0DED21AB2E65}"/>
+              </a:ext>
+            </a:extLst>
+          </p:cNvPr>
+          <p:cNvSpPr>
+            <a:spLocks noGrp="1"/>
+          </p:cNvSpPr>
+          <p:nvPr>
+            <p:ph type="title"/>
+          </p:nvPr>
+        </p:nvSpPr>
+        <p:spPr/>
+        <p:txBody>
+          <a:bodyPr>
+            <a:normAutofit fontScale="90000"/>
+          </a:bodyPr>
+          <a:lstStyle/>
+          <a:p>
+            <a:r>
+              <a:rPr lang="en-US" b="1" dirty="0"/>
+              <a:t>RESULTS AND CONCLUSIONS</a:t>
+            </a:r>
+          </a:p>
+        </p:txBody>
+      </p:sp>
+      <p:sp>
+        <p:nvSpPr>
+          <p:cNvPr id="4" name="Footer Placeholder 3">
+            <a:extLst>
+              <a:ext uri="{FF2B5EF4-FFF2-40B4-BE49-F238E27FC236}">
+                <a16:creationId xmlns:a16="http://schemas.microsoft.com/office/drawing/2014/main" id="{CAA5AFA4-2BC9-67E4-F8C2-2FA22E081F40}"/>
+              </a:ext>
+            </a:extLst>
+          </p:cNvPr>
+          <p:cNvSpPr>
+            <a:spLocks noGrp="1"/>
+          </p:cNvSpPr>
+          <p:nvPr>
+            <p:ph type="ftr" sz="quarter" idx="11"/>
+          </p:nvPr>
+        </p:nvSpPr>
+        <p:spPr/>
+        <p:txBody>
+          <a:bodyPr/>
+          <a:lstStyle/>
+          <a:p>
+            <a:r>
+              <a:rPr lang="en-US" dirty="0"/>
+              <a:t>UNC AI Bootcamp | MOD 24 Project | Contributors: Mike </a:t>
+            </a:r>
+            <a:r>
+              <a:rPr lang="en-US" dirty="0" err="1"/>
+              <a:t>Szumski</a:t>
+            </a:r>
+            <a:r>
+              <a:rPr lang="en-US" dirty="0"/>
+              <a:t> and Jamie Bond</a:t>
+            </a:r>
+          </a:p>
+        </p:txBody>
+      </p:sp>
+      <p:sp>
+        <p:nvSpPr>
+          <p:cNvPr id="5" name="Slide Number Placeholder 4">
+            <a:extLst>
+              <a:ext uri="{FF2B5EF4-FFF2-40B4-BE49-F238E27FC236}">
+                <a16:creationId xmlns:a16="http://schemas.microsoft.com/office/drawing/2014/main" id="{D1F279D4-040A-1A71-E341-DB3D327BDE74}"/>
+              </a:ext>
+            </a:extLst>
+          </p:cNvPr>
+          <p:cNvSpPr>
+            <a:spLocks noGrp="1"/>
+          </p:cNvSpPr>
+          <p:nvPr>
+            <p:ph type="sldNum" sz="quarter" idx="12"/>
+          </p:nvPr>
+        </p:nvSpPr>
+        <p:spPr/>
+        <p:txBody>
+          <a:bodyPr/>
+          <a:lstStyle/>
+          <a:p>
+            <a:fld id="{79F31F10-1257-482C-8051-E7DF71AF7482}" type="slidenum">
+              <a:rPr lang="en-US" smtClean="0"/>
+              <a:pPr/>
+              <a:t>7</a:t>
+            </a:fld>
+            <a:endParaRPr lang="en-US" dirty="0"/>
+          </a:p>
+        </p:txBody>
+      </p:sp>
+      <p:sp>
+        <p:nvSpPr>
+          <p:cNvPr id="8" name="Content Placeholder 7">
+            <a:extLst>
+              <a:ext uri="{FF2B5EF4-FFF2-40B4-BE49-F238E27FC236}">
+                <a16:creationId xmlns:a16="http://schemas.microsoft.com/office/drawing/2014/main" id="{8E02BFB0-9EBC-E06E-55D6-CD6A9FBC63B6}"/>
+              </a:ext>
+            </a:extLst>
+          </p:cNvPr>
+          <p:cNvSpPr>
+            <a:spLocks noGrp="1"/>
+          </p:cNvSpPr>
+          <p:nvPr>
+            <p:ph idx="1"/>
+          </p:nvPr>
+        </p:nvSpPr>
+        <p:spPr>
+          <a:xfrm>
+            <a:off x="838200" y="972457"/>
+            <a:ext cx="5257800" cy="5204506"/>
+          </a:xfrm>
+        </p:spPr>
+        <p:txBody>
+          <a:bodyPr/>
+          <a:lstStyle/>
+          <a:p>
+            <a:endParaRPr lang="en-US"/>
+          </a:p>
+        </p:txBody>
+      </p:sp>
+    </p:spTree>
+    <p:extLst>
+      <p:ext uri="{BB962C8B-B14F-4D97-AF65-F5344CB8AC3E}">
+        <p14:creationId xmlns:p14="http://schemas.microsoft.com/office/powerpoint/2010/main" val="4242904725"/>
+      </p:ext>
+    </p:extLst>
+  </p:cSld>
+  <p:clrMapOvr>
+    <a:masterClrMapping/>
+  </p:clrMapOvr>
+</p:sld>
+</file>
+
+<file path=ppt/slides/slide8.xml><?xml version="1.0" encoding="utf-8"?>
 <p:sld xmlns:a="http://schemas.openxmlformats.org/drawingml/2006/main" xmlns:r="http://schemas.openxmlformats.org/officeDocument/2006/relationships" xmlns:p="http://schemas.openxmlformats.org/presentationml/2006/main">
   <p:cSld>
     <p:spTree>
@@ -10092,7 +13441,7 @@
             <a:fld id="{79F31F10-1257-482C-8051-E7DF71AF7482}" type="slidenum">
               <a:rPr lang="en-US" smtClean="0"/>
               <a:pPr/>
-              <a:t>6</a:t>
+              <a:t>8</a:t>
             </a:fld>
             <a:endParaRPr lang="en-US" dirty="0"/>
           </a:p>
@@ -10114,15 +13463,1208 @@
             <p:ph idx="1"/>
           </p:nvPr>
         </p:nvSpPr>
-        <p:spPr/>
+        <p:spPr>
+          <a:xfrm>
+            <a:off x="1572421" y="1007656"/>
+            <a:ext cx="4323080" cy="5204506"/>
+          </a:xfrm>
+        </p:spPr>
         <p:txBody>
           <a:bodyPr/>
           <a:lstStyle/>
           <a:p>
-            <a:endParaRPr lang="en-US"/>
+            <a:pPr marL="0" indent="0">
+              <a:lnSpc>
+                <a:spcPct val="120000"/>
+              </a:lnSpc>
+              <a:spcBef>
+                <a:spcPts val="0"/>
+              </a:spcBef>
+              <a:buNone/>
+            </a:pPr>
+            <a:r>
+              <a:rPr lang="en-US" sz="1600" b="1" dirty="0">
+                <a:solidFill>
+                  <a:srgbClr val="CCCC00"/>
+                </a:solidFill>
+              </a:rPr>
+              <a:t>Geospatial Exploration</a:t>
+            </a:r>
+          </a:p>
+          <a:p>
+            <a:r>
+              <a:rPr lang="en-US" sz="1600" dirty="0"/>
+              <a:t>Location-specific weather and harvest data may reveal information about the impacts of topography (elevation and soil content) on crop yield</a:t>
+            </a:r>
+            <a:endParaRPr lang="en-US" sz="1600" dirty="0">
+              <a:solidFill>
+                <a:schemeClr val="accent6"/>
+              </a:solidFill>
+            </a:endParaRPr>
+          </a:p>
+          <a:p>
+            <a:endParaRPr lang="en-US" sz="1600" dirty="0"/>
+          </a:p>
+          <a:p>
+            <a:pPr marL="0" indent="0">
+              <a:lnSpc>
+                <a:spcPct val="120000"/>
+              </a:lnSpc>
+              <a:spcBef>
+                <a:spcPts val="0"/>
+              </a:spcBef>
+              <a:buNone/>
+            </a:pPr>
+            <a:r>
+              <a:rPr lang="en-US" sz="1600" b="1" dirty="0">
+                <a:solidFill>
+                  <a:srgbClr val="CCCC00"/>
+                </a:solidFill>
+              </a:rPr>
+              <a:t>Enhanced Weather Data</a:t>
+            </a:r>
+          </a:p>
+          <a:p>
+            <a:r>
+              <a:rPr lang="en-US" sz="1600" dirty="0"/>
+              <a:t>Additional weather features such as humidity levels, atmospheric pressure and solar irradiance may reveal additional weather influences on yield</a:t>
+            </a:r>
+            <a:endParaRPr lang="en-US" sz="1600" dirty="0">
+              <a:solidFill>
+                <a:schemeClr val="accent6"/>
+              </a:solidFill>
+            </a:endParaRPr>
+          </a:p>
+          <a:p>
+            <a:endParaRPr lang="en-US" sz="1600" dirty="0"/>
+          </a:p>
+          <a:p>
+            <a:pPr marL="0" indent="0">
+              <a:lnSpc>
+                <a:spcPct val="120000"/>
+              </a:lnSpc>
+              <a:spcBef>
+                <a:spcPts val="0"/>
+              </a:spcBef>
+              <a:buNone/>
+            </a:pPr>
+            <a:r>
+              <a:rPr lang="en-US" sz="1600" b="1" dirty="0">
+                <a:solidFill>
+                  <a:srgbClr val="CCCC00"/>
+                </a:solidFill>
+              </a:rPr>
+              <a:t>Infestations and Disease</a:t>
+            </a:r>
+          </a:p>
+          <a:p>
+            <a:r>
+              <a:rPr lang="en-US" sz="1600" dirty="0"/>
+              <a:t>Data related to crop-destroying insect populations and disease occurrences as well as pesticide use may reveal new insights on </a:t>
+            </a:r>
+            <a:r>
+              <a:rPr lang="en-US" sz="1600" dirty="0">
+                <a:solidFill>
+                  <a:srgbClr val="C00000"/>
+                </a:solidFill>
+              </a:rPr>
+              <a:t>[WHAT?]</a:t>
+            </a:r>
+          </a:p>
+          <a:p>
+            <a:endParaRPr lang="en-US" sz="1600" dirty="0"/>
           </a:p>
         </p:txBody>
       </p:sp>
+      <p:pic>
+        <p:nvPicPr>
+          <p:cNvPr id="4" name="Graphic 3" descr="Agriculture with solid fill">
+            <a:extLst>
+              <a:ext uri="{FF2B5EF4-FFF2-40B4-BE49-F238E27FC236}">
+                <a16:creationId xmlns:a16="http://schemas.microsoft.com/office/drawing/2014/main" id="{A5C14C79-5008-C07E-23DD-95C35FA52049}"/>
+              </a:ext>
+            </a:extLst>
+          </p:cNvPr>
+          <p:cNvPicPr>
+            <a:picLocks noChangeAspect="1"/>
+          </p:cNvPicPr>
+          <p:nvPr/>
+        </p:nvPicPr>
+        <p:blipFill>
+          <a:blip r:embed="rId2">
+            <a:extLst>
+              <a:ext uri="{96DAC541-7B7A-43D3-8B79-37D633B846F1}">
+                <asvg:svgBlip xmlns:asvg="http://schemas.microsoft.com/office/drawing/2016/SVG/main" r:embed="rId3"/>
+              </a:ext>
+            </a:extLst>
+          </a:blip>
+          <a:stretch>
+            <a:fillRect/>
+          </a:stretch>
+        </p:blipFill>
+        <p:spPr>
+          <a:xfrm>
+            <a:off x="86360" y="-457200"/>
+            <a:ext cx="457200" cy="457200"/>
+          </a:xfrm>
+          <a:prstGeom prst="rect">
+            <a:avLst/>
+          </a:prstGeom>
+        </p:spPr>
+      </p:pic>
+      <p:pic>
+        <p:nvPicPr>
+          <p:cNvPr id="9" name="Graphic 8" descr="Corn with solid fill">
+            <a:extLst>
+              <a:ext uri="{FF2B5EF4-FFF2-40B4-BE49-F238E27FC236}">
+                <a16:creationId xmlns:a16="http://schemas.microsoft.com/office/drawing/2014/main" id="{622FC10C-1A23-D0BD-8776-F1BE010D2AD5}"/>
+              </a:ext>
+            </a:extLst>
+          </p:cNvPr>
+          <p:cNvPicPr>
+            <a:picLocks noChangeAspect="1"/>
+          </p:cNvPicPr>
+          <p:nvPr/>
+        </p:nvPicPr>
+        <p:blipFill>
+          <a:blip r:embed="rId4">
+            <a:extLst>
+              <a:ext uri="{96DAC541-7B7A-43D3-8B79-37D633B846F1}">
+                <asvg:svgBlip xmlns:asvg="http://schemas.microsoft.com/office/drawing/2016/SVG/main" r:embed="rId5"/>
+              </a:ext>
+            </a:extLst>
+          </a:blip>
+          <a:stretch>
+            <a:fillRect/>
+          </a:stretch>
+        </p:blipFill>
+        <p:spPr>
+          <a:xfrm>
+            <a:off x="695825" y="-457200"/>
+            <a:ext cx="457200" cy="457200"/>
+          </a:xfrm>
+          <a:prstGeom prst="rect">
+            <a:avLst/>
+          </a:prstGeom>
+        </p:spPr>
+      </p:pic>
+      <p:pic>
+        <p:nvPicPr>
+          <p:cNvPr id="11" name="Graphic 10" descr="Cowboy female with solid fill">
+            <a:extLst>
+              <a:ext uri="{FF2B5EF4-FFF2-40B4-BE49-F238E27FC236}">
+                <a16:creationId xmlns:a16="http://schemas.microsoft.com/office/drawing/2014/main" id="{C7FDCF04-8833-CE12-1D4B-6D0BB58C189E}"/>
+              </a:ext>
+            </a:extLst>
+          </p:cNvPr>
+          <p:cNvPicPr>
+            <a:picLocks noChangeAspect="1"/>
+          </p:cNvPicPr>
+          <p:nvPr/>
+        </p:nvPicPr>
+        <p:blipFill>
+          <a:blip r:embed="rId6">
+            <a:extLst>
+              <a:ext uri="{96DAC541-7B7A-43D3-8B79-37D633B846F1}">
+                <asvg:svgBlip xmlns:asvg="http://schemas.microsoft.com/office/drawing/2016/SVG/main" r:embed="rId7"/>
+              </a:ext>
+            </a:extLst>
+          </a:blip>
+          <a:stretch>
+            <a:fillRect/>
+          </a:stretch>
+        </p:blipFill>
+        <p:spPr>
+          <a:xfrm>
+            <a:off x="1305290" y="-457200"/>
+            <a:ext cx="457200" cy="457200"/>
+          </a:xfrm>
+          <a:prstGeom prst="rect">
+            <a:avLst/>
+          </a:prstGeom>
+        </p:spPr>
+      </p:pic>
+      <p:pic>
+        <p:nvPicPr>
+          <p:cNvPr id="13" name="Graphic 12" descr="Crops with solid fill">
+            <a:extLst>
+              <a:ext uri="{FF2B5EF4-FFF2-40B4-BE49-F238E27FC236}">
+                <a16:creationId xmlns:a16="http://schemas.microsoft.com/office/drawing/2014/main" id="{1B737D64-8239-8718-2817-EA0934C5C28B}"/>
+              </a:ext>
+            </a:extLst>
+          </p:cNvPr>
+          <p:cNvPicPr>
+            <a:picLocks noChangeAspect="1"/>
+          </p:cNvPicPr>
+          <p:nvPr/>
+        </p:nvPicPr>
+        <p:blipFill>
+          <a:blip r:embed="rId8">
+            <a:extLst>
+              <a:ext uri="{96DAC541-7B7A-43D3-8B79-37D633B846F1}">
+                <asvg:svgBlip xmlns:asvg="http://schemas.microsoft.com/office/drawing/2016/SVG/main" r:embed="rId9"/>
+              </a:ext>
+            </a:extLst>
+          </a:blip>
+          <a:stretch>
+            <a:fillRect/>
+          </a:stretch>
+        </p:blipFill>
+        <p:spPr>
+          <a:xfrm>
+            <a:off x="1914755" y="-457200"/>
+            <a:ext cx="457200" cy="457200"/>
+          </a:xfrm>
+          <a:prstGeom prst="rect">
+            <a:avLst/>
+          </a:prstGeom>
+        </p:spPr>
+      </p:pic>
+      <p:pic>
+        <p:nvPicPr>
+          <p:cNvPr id="15" name="Graphic 14" descr="Daily calendar with solid fill">
+            <a:extLst>
+              <a:ext uri="{FF2B5EF4-FFF2-40B4-BE49-F238E27FC236}">
+                <a16:creationId xmlns:a16="http://schemas.microsoft.com/office/drawing/2014/main" id="{ED090964-8339-236C-A67E-6AB4E27302BB}"/>
+              </a:ext>
+            </a:extLst>
+          </p:cNvPr>
+          <p:cNvPicPr>
+            <a:picLocks noChangeAspect="1"/>
+          </p:cNvPicPr>
+          <p:nvPr/>
+        </p:nvPicPr>
+        <p:blipFill>
+          <a:blip r:embed="rId10">
+            <a:extLst>
+              <a:ext uri="{96DAC541-7B7A-43D3-8B79-37D633B846F1}">
+                <asvg:svgBlip xmlns:asvg="http://schemas.microsoft.com/office/drawing/2016/SVG/main" r:embed="rId11"/>
+              </a:ext>
+            </a:extLst>
+          </a:blip>
+          <a:stretch>
+            <a:fillRect/>
+          </a:stretch>
+        </p:blipFill>
+        <p:spPr>
+          <a:xfrm>
+            <a:off x="2524220" y="-457200"/>
+            <a:ext cx="457200" cy="457200"/>
+          </a:xfrm>
+          <a:prstGeom prst="rect">
+            <a:avLst/>
+          </a:prstGeom>
+        </p:spPr>
+      </p:pic>
+      <p:pic>
+        <p:nvPicPr>
+          <p:cNvPr id="17" name="Graphic 16" descr="Farmer female with solid fill">
+            <a:extLst>
+              <a:ext uri="{FF2B5EF4-FFF2-40B4-BE49-F238E27FC236}">
+                <a16:creationId xmlns:a16="http://schemas.microsoft.com/office/drawing/2014/main" id="{3328406F-E7A7-6166-41A4-A612C349284C}"/>
+              </a:ext>
+            </a:extLst>
+          </p:cNvPr>
+          <p:cNvPicPr>
+            <a:picLocks noChangeAspect="1"/>
+          </p:cNvPicPr>
+          <p:nvPr/>
+        </p:nvPicPr>
+        <p:blipFill>
+          <a:blip r:embed="rId12">
+            <a:extLst>
+              <a:ext uri="{96DAC541-7B7A-43D3-8B79-37D633B846F1}">
+                <asvg:svgBlip xmlns:asvg="http://schemas.microsoft.com/office/drawing/2016/SVG/main" r:embed="rId13"/>
+              </a:ext>
+            </a:extLst>
+          </a:blip>
+          <a:stretch>
+            <a:fillRect/>
+          </a:stretch>
+        </p:blipFill>
+        <p:spPr>
+          <a:xfrm>
+            <a:off x="3133685" y="-457200"/>
+            <a:ext cx="457200" cy="457200"/>
+          </a:xfrm>
+          <a:prstGeom prst="rect">
+            <a:avLst/>
+          </a:prstGeom>
+        </p:spPr>
+      </p:pic>
+      <p:pic>
+        <p:nvPicPr>
+          <p:cNvPr id="19" name="Graphic 18" descr="Farmer male with solid fill">
+            <a:extLst>
+              <a:ext uri="{FF2B5EF4-FFF2-40B4-BE49-F238E27FC236}">
+                <a16:creationId xmlns:a16="http://schemas.microsoft.com/office/drawing/2014/main" id="{AE91CDF8-649C-19CA-C93D-96ECFFCB99CD}"/>
+              </a:ext>
+            </a:extLst>
+          </p:cNvPr>
+          <p:cNvPicPr>
+            <a:picLocks noChangeAspect="1"/>
+          </p:cNvPicPr>
+          <p:nvPr/>
+        </p:nvPicPr>
+        <p:blipFill>
+          <a:blip r:embed="rId14">
+            <a:extLst>
+              <a:ext uri="{96DAC541-7B7A-43D3-8B79-37D633B846F1}">
+                <asvg:svgBlip xmlns:asvg="http://schemas.microsoft.com/office/drawing/2016/SVG/main" r:embed="rId15"/>
+              </a:ext>
+            </a:extLst>
+          </a:blip>
+          <a:stretch>
+            <a:fillRect/>
+          </a:stretch>
+        </p:blipFill>
+        <p:spPr>
+          <a:xfrm>
+            <a:off x="3743150" y="-457200"/>
+            <a:ext cx="457200" cy="457200"/>
+          </a:xfrm>
+          <a:prstGeom prst="rect">
+            <a:avLst/>
+          </a:prstGeom>
+        </p:spPr>
+      </p:pic>
+      <p:pic>
+        <p:nvPicPr>
+          <p:cNvPr id="21" name="Graphic 20" descr="Farm scene with solid fill">
+            <a:extLst>
+              <a:ext uri="{FF2B5EF4-FFF2-40B4-BE49-F238E27FC236}">
+                <a16:creationId xmlns:a16="http://schemas.microsoft.com/office/drawing/2014/main" id="{2690C176-4B4A-13FB-7A12-8534B36932FB}"/>
+              </a:ext>
+            </a:extLst>
+          </p:cNvPr>
+          <p:cNvPicPr>
+            <a:picLocks noChangeAspect="1"/>
+          </p:cNvPicPr>
+          <p:nvPr/>
+        </p:nvPicPr>
+        <p:blipFill>
+          <a:blip r:embed="rId16">
+            <a:extLst>
+              <a:ext uri="{96DAC541-7B7A-43D3-8B79-37D633B846F1}">
+                <asvg:svgBlip xmlns:asvg="http://schemas.microsoft.com/office/drawing/2016/SVG/main" r:embed="rId17"/>
+              </a:ext>
+            </a:extLst>
+          </a:blip>
+          <a:stretch>
+            <a:fillRect/>
+          </a:stretch>
+        </p:blipFill>
+        <p:spPr>
+          <a:xfrm>
+            <a:off x="4352615" y="-457200"/>
+            <a:ext cx="457200" cy="457200"/>
+          </a:xfrm>
+          <a:prstGeom prst="rect">
+            <a:avLst/>
+          </a:prstGeom>
+        </p:spPr>
+      </p:pic>
+      <p:pic>
+        <p:nvPicPr>
+          <p:cNvPr id="23" name="Graphic 22" descr="Forest scene with solid fill">
+            <a:extLst>
+              <a:ext uri="{FF2B5EF4-FFF2-40B4-BE49-F238E27FC236}">
+                <a16:creationId xmlns:a16="http://schemas.microsoft.com/office/drawing/2014/main" id="{0BBA4628-79AE-87AB-8BD3-80DE160A1A37}"/>
+              </a:ext>
+            </a:extLst>
+          </p:cNvPr>
+          <p:cNvPicPr>
+            <a:picLocks noChangeAspect="1"/>
+          </p:cNvPicPr>
+          <p:nvPr/>
+        </p:nvPicPr>
+        <p:blipFill>
+          <a:blip r:embed="rId18">
+            <a:extLst>
+              <a:ext uri="{96DAC541-7B7A-43D3-8B79-37D633B846F1}">
+                <asvg:svgBlip xmlns:asvg="http://schemas.microsoft.com/office/drawing/2016/SVG/main" r:embed="rId19"/>
+              </a:ext>
+            </a:extLst>
+          </a:blip>
+          <a:stretch>
+            <a:fillRect/>
+          </a:stretch>
+        </p:blipFill>
+        <p:spPr>
+          <a:xfrm>
+            <a:off x="4962080" y="-457200"/>
+            <a:ext cx="457200" cy="457200"/>
+          </a:xfrm>
+          <a:prstGeom prst="rect">
+            <a:avLst/>
+          </a:prstGeom>
+        </p:spPr>
+      </p:pic>
+      <p:pic>
+        <p:nvPicPr>
+          <p:cNvPr id="25" name="Graphic 24" descr="Highway scene with solid fill">
+            <a:extLst>
+              <a:ext uri="{FF2B5EF4-FFF2-40B4-BE49-F238E27FC236}">
+                <a16:creationId xmlns:a16="http://schemas.microsoft.com/office/drawing/2014/main" id="{07204EEB-49A3-6B1E-9FCA-E0FBE532034F}"/>
+              </a:ext>
+            </a:extLst>
+          </p:cNvPr>
+          <p:cNvPicPr>
+            <a:picLocks noChangeAspect="1"/>
+          </p:cNvPicPr>
+          <p:nvPr/>
+        </p:nvPicPr>
+        <p:blipFill>
+          <a:blip r:embed="rId20">
+            <a:extLst>
+              <a:ext uri="{96DAC541-7B7A-43D3-8B79-37D633B846F1}">
+                <asvg:svgBlip xmlns:asvg="http://schemas.microsoft.com/office/drawing/2016/SVG/main" r:embed="rId21"/>
+              </a:ext>
+            </a:extLst>
+          </a:blip>
+          <a:stretch>
+            <a:fillRect/>
+          </a:stretch>
+        </p:blipFill>
+        <p:spPr>
+          <a:xfrm>
+            <a:off x="5571545" y="-457200"/>
+            <a:ext cx="457200" cy="457200"/>
+          </a:xfrm>
+          <a:prstGeom prst="rect">
+            <a:avLst/>
+          </a:prstGeom>
+        </p:spPr>
+      </p:pic>
+      <p:pic>
+        <p:nvPicPr>
+          <p:cNvPr id="27" name="Graphic 26" descr="Hill scene with solid fill">
+            <a:extLst>
+              <a:ext uri="{FF2B5EF4-FFF2-40B4-BE49-F238E27FC236}">
+                <a16:creationId xmlns:a16="http://schemas.microsoft.com/office/drawing/2014/main" id="{1C0647EE-07B7-4373-83D8-882F59E759DC}"/>
+              </a:ext>
+            </a:extLst>
+          </p:cNvPr>
+          <p:cNvPicPr>
+            <a:picLocks noChangeAspect="1"/>
+          </p:cNvPicPr>
+          <p:nvPr/>
+        </p:nvPicPr>
+        <p:blipFill>
+          <a:blip r:embed="rId22">
+            <a:extLst>
+              <a:ext uri="{96DAC541-7B7A-43D3-8B79-37D633B846F1}">
+                <asvg:svgBlip xmlns:asvg="http://schemas.microsoft.com/office/drawing/2016/SVG/main" r:embed="rId23"/>
+              </a:ext>
+            </a:extLst>
+          </a:blip>
+          <a:stretch>
+            <a:fillRect/>
+          </a:stretch>
+        </p:blipFill>
+        <p:spPr>
+          <a:xfrm>
+            <a:off x="6181010" y="-457200"/>
+            <a:ext cx="457200" cy="457200"/>
+          </a:xfrm>
+          <a:prstGeom prst="rect">
+            <a:avLst/>
+          </a:prstGeom>
+        </p:spPr>
+      </p:pic>
+      <p:pic>
+        <p:nvPicPr>
+          <p:cNvPr id="29" name="Graphic 28" descr="Information with solid fill">
+            <a:extLst>
+              <a:ext uri="{FF2B5EF4-FFF2-40B4-BE49-F238E27FC236}">
+                <a16:creationId xmlns:a16="http://schemas.microsoft.com/office/drawing/2014/main" id="{2704EB24-4E19-9E15-EAD0-8843D4023BBD}"/>
+              </a:ext>
+            </a:extLst>
+          </p:cNvPr>
+          <p:cNvPicPr>
+            <a:picLocks noChangeAspect="1"/>
+          </p:cNvPicPr>
+          <p:nvPr/>
+        </p:nvPicPr>
+        <p:blipFill>
+          <a:blip r:embed="rId24">
+            <a:extLst>
+              <a:ext uri="{96DAC541-7B7A-43D3-8B79-37D633B846F1}">
+                <asvg:svgBlip xmlns:asvg="http://schemas.microsoft.com/office/drawing/2016/SVG/main" r:embed="rId25"/>
+              </a:ext>
+            </a:extLst>
+          </a:blip>
+          <a:stretch>
+            <a:fillRect/>
+          </a:stretch>
+        </p:blipFill>
+        <p:spPr>
+          <a:xfrm>
+            <a:off x="6790475" y="-457200"/>
+            <a:ext cx="457200" cy="457200"/>
+          </a:xfrm>
+          <a:prstGeom prst="rect">
+            <a:avLst/>
+          </a:prstGeom>
+        </p:spPr>
+      </p:pic>
+      <p:pic>
+        <p:nvPicPr>
+          <p:cNvPr id="33" name="Graphic 32" descr="Map compass with solid fill">
+            <a:extLst>
+              <a:ext uri="{FF2B5EF4-FFF2-40B4-BE49-F238E27FC236}">
+                <a16:creationId xmlns:a16="http://schemas.microsoft.com/office/drawing/2014/main" id="{F5F889B2-759A-4792-32FC-AE0DC69F5262}"/>
+              </a:ext>
+            </a:extLst>
+          </p:cNvPr>
+          <p:cNvPicPr>
+            <a:picLocks noChangeAspect="1"/>
+          </p:cNvPicPr>
+          <p:nvPr/>
+        </p:nvPicPr>
+        <p:blipFill>
+          <a:blip r:embed="rId26">
+            <a:extLst>
+              <a:ext uri="{96DAC541-7B7A-43D3-8B79-37D633B846F1}">
+                <asvg:svgBlip xmlns:asvg="http://schemas.microsoft.com/office/drawing/2016/SVG/main" r:embed="rId27"/>
+              </a:ext>
+            </a:extLst>
+          </a:blip>
+          <a:stretch>
+            <a:fillRect/>
+          </a:stretch>
+        </p:blipFill>
+        <p:spPr>
+          <a:xfrm>
+            <a:off x="8009405" y="-457200"/>
+            <a:ext cx="457200" cy="457200"/>
+          </a:xfrm>
+          <a:prstGeom prst="rect">
+            <a:avLst/>
+          </a:prstGeom>
+        </p:spPr>
+      </p:pic>
+      <p:pic>
+        <p:nvPicPr>
+          <p:cNvPr id="35" name="Graphic 34" descr="Map with pin with solid fill">
+            <a:extLst>
+              <a:ext uri="{FF2B5EF4-FFF2-40B4-BE49-F238E27FC236}">
+                <a16:creationId xmlns:a16="http://schemas.microsoft.com/office/drawing/2014/main" id="{C217ECC1-B67F-CD6C-895F-E8823D475C95}"/>
+              </a:ext>
+            </a:extLst>
+          </p:cNvPr>
+          <p:cNvPicPr>
+            <a:picLocks noChangeAspect="1"/>
+          </p:cNvPicPr>
+          <p:nvPr/>
+        </p:nvPicPr>
+        <p:blipFill>
+          <a:blip r:embed="rId28">
+            <a:extLst>
+              <a:ext uri="{96DAC541-7B7A-43D3-8B79-37D633B846F1}">
+                <asvg:svgBlip xmlns:asvg="http://schemas.microsoft.com/office/drawing/2016/SVG/main" r:embed="rId29"/>
+              </a:ext>
+            </a:extLst>
+          </a:blip>
+          <a:stretch>
+            <a:fillRect/>
+          </a:stretch>
+        </p:blipFill>
+        <p:spPr>
+          <a:xfrm>
+            <a:off x="932341" y="949304"/>
+            <a:ext cx="640080" cy="640080"/>
+          </a:xfrm>
+          <a:prstGeom prst="rect">
+            <a:avLst/>
+          </a:prstGeom>
+        </p:spPr>
+      </p:pic>
+      <p:pic>
+        <p:nvPicPr>
+          <p:cNvPr id="37" name="Graphic 36" descr="Rolling hills with solid fill">
+            <a:extLst>
+              <a:ext uri="{FF2B5EF4-FFF2-40B4-BE49-F238E27FC236}">
+                <a16:creationId xmlns:a16="http://schemas.microsoft.com/office/drawing/2014/main" id="{6CBB3644-E4EC-6865-2A56-941B87969A2B}"/>
+              </a:ext>
+            </a:extLst>
+          </p:cNvPr>
+          <p:cNvPicPr>
+            <a:picLocks noChangeAspect="1"/>
+          </p:cNvPicPr>
+          <p:nvPr/>
+        </p:nvPicPr>
+        <p:blipFill>
+          <a:blip r:embed="rId30">
+            <a:extLst>
+              <a:ext uri="{96DAC541-7B7A-43D3-8B79-37D633B846F1}">
+                <asvg:svgBlip xmlns:asvg="http://schemas.microsoft.com/office/drawing/2016/SVG/main" r:embed="rId31"/>
+              </a:ext>
+            </a:extLst>
+          </a:blip>
+          <a:stretch>
+            <a:fillRect/>
+          </a:stretch>
+        </p:blipFill>
+        <p:spPr>
+          <a:xfrm>
+            <a:off x="9228335" y="-457200"/>
+            <a:ext cx="457200" cy="457200"/>
+          </a:xfrm>
+          <a:prstGeom prst="rect">
+            <a:avLst/>
+          </a:prstGeom>
+        </p:spPr>
+      </p:pic>
+      <p:pic>
+        <p:nvPicPr>
+          <p:cNvPr id="39" name="Graphic 38" descr="Scarecrow with solid fill">
+            <a:extLst>
+              <a:ext uri="{FF2B5EF4-FFF2-40B4-BE49-F238E27FC236}">
+                <a16:creationId xmlns:a16="http://schemas.microsoft.com/office/drawing/2014/main" id="{DAF9CEC0-B8A1-69E0-F3A2-67D35F3C18B8}"/>
+              </a:ext>
+            </a:extLst>
+          </p:cNvPr>
+          <p:cNvPicPr>
+            <a:picLocks noChangeAspect="1"/>
+          </p:cNvPicPr>
+          <p:nvPr/>
+        </p:nvPicPr>
+        <p:blipFill>
+          <a:blip r:embed="rId32">
+            <a:extLst>
+              <a:ext uri="{96DAC541-7B7A-43D3-8B79-37D633B846F1}">
+                <asvg:svgBlip xmlns:asvg="http://schemas.microsoft.com/office/drawing/2016/SVG/main" r:embed="rId33"/>
+              </a:ext>
+            </a:extLst>
+          </a:blip>
+          <a:stretch>
+            <a:fillRect/>
+          </a:stretch>
+        </p:blipFill>
+        <p:spPr>
+          <a:xfrm>
+            <a:off x="9837800" y="-457200"/>
+            <a:ext cx="457200" cy="457200"/>
+          </a:xfrm>
+          <a:prstGeom prst="rect">
+            <a:avLst/>
+          </a:prstGeom>
+        </p:spPr>
+      </p:pic>
+      <p:pic>
+        <p:nvPicPr>
+          <p:cNvPr id="43" name="Graphic 42" descr="Spider with solid fill">
+            <a:extLst>
+              <a:ext uri="{FF2B5EF4-FFF2-40B4-BE49-F238E27FC236}">
+                <a16:creationId xmlns:a16="http://schemas.microsoft.com/office/drawing/2014/main" id="{D381BB6A-BB1D-6B7B-F37D-9956A4CF42B5}"/>
+              </a:ext>
+            </a:extLst>
+          </p:cNvPr>
+          <p:cNvPicPr>
+            <a:picLocks noChangeAspect="1"/>
+          </p:cNvPicPr>
+          <p:nvPr/>
+        </p:nvPicPr>
+        <p:blipFill>
+          <a:blip r:embed="rId34">
+            <a:extLst>
+              <a:ext uri="{96DAC541-7B7A-43D3-8B79-37D633B846F1}">
+                <asvg:svgBlip xmlns:asvg="http://schemas.microsoft.com/office/drawing/2016/SVG/main" r:embed="rId35"/>
+              </a:ext>
+            </a:extLst>
+          </a:blip>
+          <a:stretch>
+            <a:fillRect/>
+          </a:stretch>
+        </p:blipFill>
+        <p:spPr>
+          <a:xfrm>
+            <a:off x="1029827" y="4335940"/>
+            <a:ext cx="457200" cy="457200"/>
+          </a:xfrm>
+          <a:prstGeom prst="rect">
+            <a:avLst/>
+          </a:prstGeom>
+        </p:spPr>
+      </p:pic>
+      <p:pic>
+        <p:nvPicPr>
+          <p:cNvPr id="49" name="Graphic 48" descr="Partial sun outline">
+            <a:extLst>
+              <a:ext uri="{FF2B5EF4-FFF2-40B4-BE49-F238E27FC236}">
+                <a16:creationId xmlns:a16="http://schemas.microsoft.com/office/drawing/2014/main" id="{A1713646-DE20-4E71-EEF8-9E96DF3BB19F}"/>
+              </a:ext>
+            </a:extLst>
+          </p:cNvPr>
+          <p:cNvPicPr>
+            <a:picLocks noChangeAspect="1"/>
+          </p:cNvPicPr>
+          <p:nvPr/>
+        </p:nvPicPr>
+        <p:blipFill>
+          <a:blip r:embed="rId36">
+            <a:extLst>
+              <a:ext uri="{96DAC541-7B7A-43D3-8B79-37D633B846F1}">
+                <asvg:svgBlip xmlns:asvg="http://schemas.microsoft.com/office/drawing/2016/SVG/main" r:embed="rId37"/>
+              </a:ext>
+            </a:extLst>
+          </a:blip>
+          <a:stretch>
+            <a:fillRect/>
+          </a:stretch>
+        </p:blipFill>
+        <p:spPr>
+          <a:xfrm>
+            <a:off x="915751" y="2564858"/>
+            <a:ext cx="640080" cy="640080"/>
+          </a:xfrm>
+          <a:prstGeom prst="rect">
+            <a:avLst/>
+          </a:prstGeom>
+        </p:spPr>
+      </p:pic>
+      <p:grpSp>
+        <p:nvGrpSpPr>
+          <p:cNvPr id="56" name="Group 55">
+            <a:extLst>
+              <a:ext uri="{FF2B5EF4-FFF2-40B4-BE49-F238E27FC236}">
+                <a16:creationId xmlns:a16="http://schemas.microsoft.com/office/drawing/2014/main" id="{FAB5D78B-51D4-295B-4702-66A2B21EDB88}"/>
+              </a:ext>
+            </a:extLst>
+          </p:cNvPr>
+          <p:cNvGrpSpPr/>
+          <p:nvPr/>
+        </p:nvGrpSpPr>
+        <p:grpSpPr>
+          <a:xfrm>
+            <a:off x="6535581" y="783772"/>
+            <a:ext cx="4909455" cy="5112530"/>
+            <a:chOff x="915751" y="1013796"/>
+            <a:chExt cx="4909455" cy="5112530"/>
+          </a:xfrm>
+        </p:grpSpPr>
+        <p:sp>
+          <p:nvSpPr>
+            <p:cNvPr id="53" name="Rectangle 52">
+              <a:extLst>
+                <a:ext uri="{FF2B5EF4-FFF2-40B4-BE49-F238E27FC236}">
+                  <a16:creationId xmlns:a16="http://schemas.microsoft.com/office/drawing/2014/main" id="{205A005A-99DB-C7A2-5836-CB723AD60660}"/>
+                </a:ext>
+              </a:extLst>
+            </p:cNvPr>
+            <p:cNvSpPr/>
+            <p:nvPr/>
+          </p:nvSpPr>
+          <p:spPr>
+            <a:xfrm>
+              <a:off x="915751" y="1345218"/>
+              <a:ext cx="4909455" cy="4781108"/>
+            </a:xfrm>
+            <a:prstGeom prst="rect">
+              <a:avLst/>
+            </a:prstGeom>
+            <a:solidFill>
+              <a:srgbClr val="F2F2BD"/>
+            </a:solidFill>
+            <a:ln>
+              <a:noFill/>
+            </a:ln>
+          </p:spPr>
+          <p:style>
+            <a:lnRef idx="2">
+              <a:schemeClr val="accent1">
+                <a:shade val="15000"/>
+              </a:schemeClr>
+            </a:lnRef>
+            <a:fillRef idx="1">
+              <a:schemeClr val="accent1"/>
+            </a:fillRef>
+            <a:effectRef idx="0">
+              <a:schemeClr val="accent1"/>
+            </a:effectRef>
+            <a:fontRef idx="minor">
+              <a:schemeClr val="lt1"/>
+            </a:fontRef>
+          </p:style>
+          <p:txBody>
+            <a:bodyPr rtlCol="0" anchor="ctr"/>
+            <a:lstStyle/>
+            <a:p>
+              <a:pPr algn="ctr"/>
+              <a:endParaRPr lang="en-US"/>
+            </a:p>
+          </p:txBody>
+        </p:sp>
+        <p:pic>
+          <p:nvPicPr>
+            <p:cNvPr id="41" name="Graphic 40" descr="Scientist male with solid fill">
+              <a:extLst>
+                <a:ext uri="{FF2B5EF4-FFF2-40B4-BE49-F238E27FC236}">
+                  <a16:creationId xmlns:a16="http://schemas.microsoft.com/office/drawing/2014/main" id="{C9889600-5029-DE2B-09F8-7E603E48CB5B}"/>
+                </a:ext>
+              </a:extLst>
+            </p:cNvPr>
+            <p:cNvPicPr>
+              <a:picLocks noChangeAspect="1"/>
+            </p:cNvPicPr>
+            <p:nvPr/>
+          </p:nvPicPr>
+          <p:blipFill>
+            <a:blip r:embed="rId38">
+              <a:extLst>
+                <a:ext uri="{96DAC541-7B7A-43D3-8B79-37D633B846F1}">
+                  <asvg:svgBlip xmlns:asvg="http://schemas.microsoft.com/office/drawing/2016/SVG/main" r:embed="rId39"/>
+                </a:ext>
+              </a:extLst>
+            </a:blip>
+            <a:stretch>
+              <a:fillRect/>
+            </a:stretch>
+          </p:blipFill>
+          <p:spPr>
+            <a:xfrm>
+              <a:off x="1243145" y="3494516"/>
+              <a:ext cx="640080" cy="640080"/>
+            </a:xfrm>
+            <a:prstGeom prst="rect">
+              <a:avLst/>
+            </a:prstGeom>
+          </p:spPr>
+        </p:pic>
+        <p:pic>
+          <p:nvPicPr>
+            <p:cNvPr id="45" name="Graphic 44" descr="Watering Plant with solid fill">
+              <a:extLst>
+                <a:ext uri="{FF2B5EF4-FFF2-40B4-BE49-F238E27FC236}">
+                  <a16:creationId xmlns:a16="http://schemas.microsoft.com/office/drawing/2014/main" id="{B88D4082-A4B2-128F-968C-30398B874A60}"/>
+                </a:ext>
+              </a:extLst>
+            </p:cNvPr>
+            <p:cNvPicPr>
+              <a:picLocks noChangeAspect="1"/>
+            </p:cNvPicPr>
+            <p:nvPr/>
+          </p:nvPicPr>
+          <p:blipFill>
+            <a:blip r:embed="rId40">
+              <a:extLst>
+                <a:ext uri="{96DAC541-7B7A-43D3-8B79-37D633B846F1}">
+                  <asvg:svgBlip xmlns:asvg="http://schemas.microsoft.com/office/drawing/2016/SVG/main" r:embed="rId41"/>
+                </a:ext>
+              </a:extLst>
+            </a:blip>
+            <a:stretch>
+              <a:fillRect/>
+            </a:stretch>
+          </p:blipFill>
+          <p:spPr>
+            <a:xfrm>
+              <a:off x="1176025" y="1784684"/>
+              <a:ext cx="640080" cy="640080"/>
+            </a:xfrm>
+            <a:prstGeom prst="rect">
+              <a:avLst/>
+            </a:prstGeom>
+          </p:spPr>
+        </p:pic>
+        <p:sp>
+          <p:nvSpPr>
+            <p:cNvPr id="50" name="Content Placeholder 6">
+              <a:extLst>
+                <a:ext uri="{FF2B5EF4-FFF2-40B4-BE49-F238E27FC236}">
+                  <a16:creationId xmlns:a16="http://schemas.microsoft.com/office/drawing/2014/main" id="{C02967DC-ADA3-629E-E3E0-9C3A029183A7}"/>
+                </a:ext>
+              </a:extLst>
+            </p:cNvPr>
+            <p:cNvSpPr txBox="1">
+              <a:spLocks/>
+            </p:cNvSpPr>
+            <p:nvPr/>
+          </p:nvSpPr>
+          <p:spPr>
+            <a:xfrm>
+              <a:off x="1784030" y="1574645"/>
+              <a:ext cx="3861205" cy="4213815"/>
+            </a:xfrm>
+            <a:prstGeom prst="rect">
+              <a:avLst/>
+            </a:prstGeom>
+          </p:spPr>
+          <p:txBody>
+            <a:bodyPr vert="horz" lIns="91440" tIns="45720" rIns="91440" bIns="45720" rtlCol="0">
+              <a:normAutofit/>
+            </a:bodyPr>
+            <a:lstStyle>
+              <a:lvl1pPr marL="228600" indent="-228600" algn="l" defTabSz="914400" rtl="0" eaLnBrk="1" latinLnBrk="0" hangingPunct="1">
+                <a:lnSpc>
+                  <a:spcPct val="90000"/>
+                </a:lnSpc>
+                <a:spcBef>
+                  <a:spcPts val="1000"/>
+                </a:spcBef>
+                <a:buFont typeface="Arial" panose="020B0604020202020204" pitchFamily="34" charset="0"/>
+                <a:buChar char="•"/>
+                <a:defRPr sz="1400" kern="1200">
+                  <a:solidFill>
+                    <a:schemeClr val="tx1"/>
+                  </a:solidFill>
+                  <a:latin typeface="+mn-lt"/>
+                  <a:ea typeface="+mn-ea"/>
+                  <a:cs typeface="+mn-cs"/>
+                </a:defRPr>
+              </a:lvl1pPr>
+              <a:lvl2pPr marL="685800" indent="-228600" algn="l" defTabSz="914400" rtl="0" eaLnBrk="1" latinLnBrk="0" hangingPunct="1">
+                <a:lnSpc>
+                  <a:spcPct val="90000"/>
+                </a:lnSpc>
+                <a:spcBef>
+                  <a:spcPts val="500"/>
+                </a:spcBef>
+                <a:buFont typeface="Arial" panose="020B0604020202020204" pitchFamily="34" charset="0"/>
+                <a:buChar char="•"/>
+                <a:defRPr sz="1200" kern="1200">
+                  <a:solidFill>
+                    <a:schemeClr val="tx1"/>
+                  </a:solidFill>
+                  <a:latin typeface="+mn-lt"/>
+                  <a:ea typeface="+mn-ea"/>
+                  <a:cs typeface="+mn-cs"/>
+                </a:defRPr>
+              </a:lvl2pPr>
+              <a:lvl3pPr marL="1143000" indent="-228600" algn="l" defTabSz="914400" rtl="0" eaLnBrk="1" latinLnBrk="0" hangingPunct="1">
+                <a:lnSpc>
+                  <a:spcPct val="90000"/>
+                </a:lnSpc>
+                <a:spcBef>
+                  <a:spcPts val="500"/>
+                </a:spcBef>
+                <a:buFont typeface="Arial" panose="020B0604020202020204" pitchFamily="34" charset="0"/>
+                <a:buChar char="•"/>
+                <a:defRPr sz="1100" kern="1200">
+                  <a:solidFill>
+                    <a:schemeClr val="tx1"/>
+                  </a:solidFill>
+                  <a:latin typeface="+mn-lt"/>
+                  <a:ea typeface="+mn-ea"/>
+                  <a:cs typeface="+mn-cs"/>
+                </a:defRPr>
+              </a:lvl3pPr>
+              <a:lvl4pPr marL="1600200" indent="-228600" algn="l" defTabSz="914400" rtl="0" eaLnBrk="1" latinLnBrk="0" hangingPunct="1">
+                <a:lnSpc>
+                  <a:spcPct val="90000"/>
+                </a:lnSpc>
+                <a:spcBef>
+                  <a:spcPts val="500"/>
+                </a:spcBef>
+                <a:buFont typeface="Arial" panose="020B0604020202020204" pitchFamily="34" charset="0"/>
+                <a:buChar char="•"/>
+                <a:defRPr sz="1050" kern="1200">
+                  <a:solidFill>
+                    <a:schemeClr val="tx1"/>
+                  </a:solidFill>
+                  <a:latin typeface="+mn-lt"/>
+                  <a:ea typeface="+mn-ea"/>
+                  <a:cs typeface="+mn-cs"/>
+                </a:defRPr>
+              </a:lvl4pPr>
+              <a:lvl5pPr marL="2057400" indent="-228600" algn="l" defTabSz="914400" rtl="0" eaLnBrk="1" latinLnBrk="0" hangingPunct="1">
+                <a:lnSpc>
+                  <a:spcPct val="90000"/>
+                </a:lnSpc>
+                <a:spcBef>
+                  <a:spcPts val="500"/>
+                </a:spcBef>
+                <a:buFont typeface="Arial" panose="020B0604020202020204" pitchFamily="34" charset="0"/>
+                <a:buChar char="•"/>
+                <a:defRPr sz="1050" kern="1200">
+                  <a:solidFill>
+                    <a:schemeClr val="tx1"/>
+                  </a:solidFill>
+                  <a:latin typeface="+mn-lt"/>
+                  <a:ea typeface="+mn-ea"/>
+                  <a:cs typeface="+mn-cs"/>
+                </a:defRPr>
+              </a:lvl5pPr>
+              <a:lvl6pPr marL="2514600" indent="-228600" algn="l" defTabSz="914400" rtl="0" eaLnBrk="1" latinLnBrk="0" hangingPunct="1">
+                <a:lnSpc>
+                  <a:spcPct val="90000"/>
+                </a:lnSpc>
+                <a:spcBef>
+                  <a:spcPts val="500"/>
+                </a:spcBef>
+                <a:buFont typeface="Arial" panose="020B0604020202020204" pitchFamily="34" charset="0"/>
+                <a:buChar char="•"/>
+                <a:defRPr sz="1800" kern="1200">
+                  <a:solidFill>
+                    <a:schemeClr val="tx1"/>
+                  </a:solidFill>
+                  <a:latin typeface="+mn-lt"/>
+                  <a:ea typeface="+mn-ea"/>
+                  <a:cs typeface="+mn-cs"/>
+                </a:defRPr>
+              </a:lvl6pPr>
+              <a:lvl7pPr marL="2971800" indent="-228600" algn="l" defTabSz="914400" rtl="0" eaLnBrk="1" latinLnBrk="0" hangingPunct="1">
+                <a:lnSpc>
+                  <a:spcPct val="90000"/>
+                </a:lnSpc>
+                <a:spcBef>
+                  <a:spcPts val="500"/>
+                </a:spcBef>
+                <a:buFont typeface="Arial" panose="020B0604020202020204" pitchFamily="34" charset="0"/>
+                <a:buChar char="•"/>
+                <a:defRPr sz="1800" kern="1200">
+                  <a:solidFill>
+                    <a:schemeClr val="tx1"/>
+                  </a:solidFill>
+                  <a:latin typeface="+mn-lt"/>
+                  <a:ea typeface="+mn-ea"/>
+                  <a:cs typeface="+mn-cs"/>
+                </a:defRPr>
+              </a:lvl7pPr>
+              <a:lvl8pPr marL="3429000" indent="-228600" algn="l" defTabSz="914400" rtl="0" eaLnBrk="1" latinLnBrk="0" hangingPunct="1">
+                <a:lnSpc>
+                  <a:spcPct val="90000"/>
+                </a:lnSpc>
+                <a:spcBef>
+                  <a:spcPts val="500"/>
+                </a:spcBef>
+                <a:buFont typeface="Arial" panose="020B0604020202020204" pitchFamily="34" charset="0"/>
+                <a:buChar char="•"/>
+                <a:defRPr sz="1800" kern="1200">
+                  <a:solidFill>
+                    <a:schemeClr val="tx1"/>
+                  </a:solidFill>
+                  <a:latin typeface="+mn-lt"/>
+                  <a:ea typeface="+mn-ea"/>
+                  <a:cs typeface="+mn-cs"/>
+                </a:defRPr>
+              </a:lvl8pPr>
+              <a:lvl9pPr marL="3886200" indent="-228600" algn="l" defTabSz="914400" rtl="0" eaLnBrk="1" latinLnBrk="0" hangingPunct="1">
+                <a:lnSpc>
+                  <a:spcPct val="90000"/>
+                </a:lnSpc>
+                <a:spcBef>
+                  <a:spcPts val="500"/>
+                </a:spcBef>
+                <a:buFont typeface="Arial" panose="020B0604020202020204" pitchFamily="34" charset="0"/>
+                <a:buChar char="•"/>
+                <a:defRPr sz="1800" kern="1200">
+                  <a:solidFill>
+                    <a:schemeClr val="tx1"/>
+                  </a:solidFill>
+                  <a:latin typeface="+mn-lt"/>
+                  <a:ea typeface="+mn-ea"/>
+                  <a:cs typeface="+mn-cs"/>
+                </a:defRPr>
+              </a:lvl9pPr>
+            </a:lstStyle>
+            <a:p>
+              <a:pPr marL="0" indent="0">
+                <a:lnSpc>
+                  <a:spcPct val="120000"/>
+                </a:lnSpc>
+                <a:spcBef>
+                  <a:spcPts val="0"/>
+                </a:spcBef>
+                <a:buFont typeface="Arial" panose="020B0604020202020204" pitchFamily="34" charset="0"/>
+                <a:buNone/>
+              </a:pPr>
+              <a:r>
+                <a:rPr lang="en-US" sz="1600" b="1" dirty="0"/>
+                <a:t>Influences of Farming Practices</a:t>
+              </a:r>
+            </a:p>
+            <a:p>
+              <a:r>
+                <a:rPr lang="en-US" sz="1600" dirty="0"/>
+                <a:t>Individual farming practices are likely to have a material influence on historic harvest data and are not accounted for in the model</a:t>
+              </a:r>
+              <a:endParaRPr lang="en-US" sz="1600" dirty="0">
+                <a:solidFill>
+                  <a:schemeClr val="accent6"/>
+                </a:solidFill>
+              </a:endParaRPr>
+            </a:p>
+            <a:p>
+              <a:endParaRPr lang="en-US" sz="1600" dirty="0"/>
+            </a:p>
+            <a:p>
+              <a:pPr marL="0" indent="0">
+                <a:lnSpc>
+                  <a:spcPct val="120000"/>
+                </a:lnSpc>
+                <a:spcBef>
+                  <a:spcPts val="0"/>
+                </a:spcBef>
+                <a:buFont typeface="Arial" panose="020B0604020202020204" pitchFamily="34" charset="0"/>
+                <a:buNone/>
+              </a:pPr>
+              <a:r>
+                <a:rPr lang="en-US" sz="1600" b="1" dirty="0"/>
+                <a:t>Genetic Engineering Techniques</a:t>
+              </a:r>
+            </a:p>
+            <a:p>
+              <a:r>
+                <a:rPr lang="en-US" sz="1600" dirty="0"/>
+                <a:t>Model does not account for the use of seeds genetically modified for increased drought tolerance or pest resistance</a:t>
+              </a:r>
+            </a:p>
+            <a:p>
+              <a:endParaRPr lang="en-US" sz="1600" dirty="0"/>
+            </a:p>
+          </p:txBody>
+        </p:sp>
+        <p:sp>
+          <p:nvSpPr>
+            <p:cNvPr id="55" name="TextBox 54">
+              <a:extLst>
+                <a:ext uri="{FF2B5EF4-FFF2-40B4-BE49-F238E27FC236}">
+                  <a16:creationId xmlns:a16="http://schemas.microsoft.com/office/drawing/2014/main" id="{25D87F8A-7770-B26D-FEE0-4AED9A35EC31}"/>
+                </a:ext>
+              </a:extLst>
+            </p:cNvPr>
+            <p:cNvSpPr txBox="1"/>
+            <p:nvPr/>
+          </p:nvSpPr>
+          <p:spPr>
+            <a:xfrm>
+              <a:off x="915751" y="1013796"/>
+              <a:ext cx="4909455" cy="405560"/>
+            </a:xfrm>
+            <a:prstGeom prst="rect">
+              <a:avLst/>
+            </a:prstGeom>
+            <a:noFill/>
+          </p:spPr>
+          <p:txBody>
+            <a:bodyPr wrap="square">
+              <a:spAutoFit/>
+            </a:bodyPr>
+            <a:lstStyle/>
+            <a:p>
+              <a:pPr marL="0" indent="0">
+                <a:lnSpc>
+                  <a:spcPct val="120000"/>
+                </a:lnSpc>
+                <a:spcBef>
+                  <a:spcPts val="0"/>
+                </a:spcBef>
+                <a:buNone/>
+              </a:pPr>
+              <a:r>
+                <a:rPr lang="en-US" sz="1800" b="1" dirty="0">
+                  <a:solidFill>
+                    <a:srgbClr val="EBE98F"/>
+                  </a:solidFill>
+                </a:rPr>
+                <a:t>MODEL LIMITATIONS</a:t>
+              </a:r>
+            </a:p>
+          </p:txBody>
+        </p:sp>
+      </p:grpSp>
     </p:spTree>
     <p:extLst>
       <p:ext uri="{BB962C8B-B14F-4D97-AF65-F5344CB8AC3E}">
@@ -10136,7 +14678,7 @@
 </p:sld>
 </file>
 
-<file path=ppt/slides/slide7.xml><?xml version="1.0" encoding="utf-8"?>
+<file path=ppt/slides/slide9.xml><?xml version="1.0" encoding="utf-8"?>
 <p:sld xmlns:a="http://schemas.openxmlformats.org/drawingml/2006/main" xmlns:r="http://schemas.openxmlformats.org/officeDocument/2006/relationships" xmlns:p="http://schemas.openxmlformats.org/presentationml/2006/main">
   <p:cSld>
     <p:spTree>
@@ -10526,7 +15068,7 @@
                   <a:schemeClr val="bg1"/>
                 </a:solidFill>
               </a:rPr>
-              <a:t>7</a:t>
+              <a:t>9</a:t>
             </a:fld>
             <a:endParaRPr lang="en-US" sz="1000" dirty="0">
               <a:solidFill>
@@ -10597,377 +15139,6 @@
     <p:extLst>
       <p:ext uri="{BB962C8B-B14F-4D97-AF65-F5344CB8AC3E}">
         <p14:creationId xmlns:p14="http://schemas.microsoft.com/office/powerpoint/2010/main" val="2808672513"/>
-      </p:ext>
-    </p:extLst>
-  </p:cSld>
-  <p:clrMapOvr>
-    <a:masterClrMapping/>
-  </p:clrMapOvr>
-</p:sld>
-</file>
-
-<file path=ppt/slides/slide8.xml><?xml version="1.0" encoding="utf-8"?>
-<p:sld xmlns:a="http://schemas.openxmlformats.org/drawingml/2006/main" xmlns:r="http://schemas.openxmlformats.org/officeDocument/2006/relationships" xmlns:p="http://schemas.openxmlformats.org/presentationml/2006/main">
-  <p:cSld>
-    <p:spTree>
-      <p:nvGrpSpPr>
-        <p:cNvPr id="1" name=""/>
-        <p:cNvGrpSpPr/>
-        <p:nvPr/>
-      </p:nvGrpSpPr>
-      <p:grpSpPr>
-        <a:xfrm>
-          <a:off x="0" y="0"/>
-          <a:ext cx="0" cy="0"/>
-          <a:chOff x="0" y="0"/>
-          <a:chExt cx="0" cy="0"/>
-        </a:xfrm>
-      </p:grpSpPr>
-      <p:sp>
-        <p:nvSpPr>
-          <p:cNvPr id="2" name="Title 1">
-            <a:extLst>
-              <a:ext uri="{FF2B5EF4-FFF2-40B4-BE49-F238E27FC236}">
-                <a16:creationId xmlns:a16="http://schemas.microsoft.com/office/drawing/2014/main" id="{C338478E-81F3-D229-A83A-5B5EC37298A3}"/>
-              </a:ext>
-            </a:extLst>
-          </p:cNvPr>
-          <p:cNvSpPr>
-            <a:spLocks noGrp="1"/>
-          </p:cNvSpPr>
-          <p:nvPr>
-            <p:ph type="title"/>
-          </p:nvPr>
-        </p:nvSpPr>
-        <p:spPr/>
-        <p:txBody>
-          <a:bodyPr>
-            <a:normAutofit fontScale="90000"/>
-          </a:bodyPr>
-          <a:lstStyle/>
-          <a:p>
-            <a:r>
-              <a:rPr lang="en-US" dirty="0"/>
-              <a:t>Place holder</a:t>
-            </a:r>
-          </a:p>
-        </p:txBody>
-      </p:sp>
-      <p:pic>
-        <p:nvPicPr>
-          <p:cNvPr id="9" name="Content Placeholder 8" descr="A screenshot of a computer screen&#10;&#10;Description automatically generated">
-            <a:extLst>
-              <a:ext uri="{FF2B5EF4-FFF2-40B4-BE49-F238E27FC236}">
-                <a16:creationId xmlns:a16="http://schemas.microsoft.com/office/drawing/2014/main" id="{DADB6053-CF02-1C01-93F9-2E1635E6D010}"/>
-              </a:ext>
-            </a:extLst>
-          </p:cNvPr>
-          <p:cNvPicPr>
-            <a:picLocks noGrp="1" noChangeAspect="1"/>
-          </p:cNvPicPr>
-          <p:nvPr>
-            <p:ph idx="1"/>
-          </p:nvPr>
-        </p:nvPicPr>
-        <p:blipFill>
-          <a:blip r:embed="rId2">
-            <a:extLst>
-              <a:ext uri="{28A0092B-C50C-407E-A947-70E740481C1C}">
-                <a14:useLocalDpi xmlns:a14="http://schemas.microsoft.com/office/drawing/2010/main" val="0"/>
-              </a:ext>
-            </a:extLst>
-          </a:blip>
-          <a:stretch>
-            <a:fillRect/>
-          </a:stretch>
-        </p:blipFill>
-        <p:spPr>
-          <a:xfrm>
-            <a:off x="492052" y="633186"/>
-            <a:ext cx="7540942" cy="4103914"/>
-          </a:xfrm>
-        </p:spPr>
-      </p:pic>
-      <p:sp>
-        <p:nvSpPr>
-          <p:cNvPr id="4" name="Footer Placeholder 3">
-            <a:extLst>
-              <a:ext uri="{FF2B5EF4-FFF2-40B4-BE49-F238E27FC236}">
-                <a16:creationId xmlns:a16="http://schemas.microsoft.com/office/drawing/2014/main" id="{49C27036-73E7-7E87-80C2-6A1F2CB7BA67}"/>
-              </a:ext>
-            </a:extLst>
-          </p:cNvPr>
-          <p:cNvSpPr>
-            <a:spLocks noGrp="1"/>
-          </p:cNvSpPr>
-          <p:nvPr>
-            <p:ph type="ftr" sz="quarter" idx="11"/>
-          </p:nvPr>
-        </p:nvSpPr>
-        <p:spPr/>
-        <p:txBody>
-          <a:bodyPr/>
-          <a:lstStyle/>
-          <a:p>
-            <a:r>
-              <a:rPr lang="en-US"/>
-              <a:t>UNC AI Bootcamp | MOD 10 Project | Contributors: Jamie Bond, Mike Szumski, Rajesh Velamala</a:t>
-            </a:r>
-          </a:p>
-        </p:txBody>
-      </p:sp>
-      <p:sp>
-        <p:nvSpPr>
-          <p:cNvPr id="5" name="Slide Number Placeholder 4">
-            <a:extLst>
-              <a:ext uri="{FF2B5EF4-FFF2-40B4-BE49-F238E27FC236}">
-                <a16:creationId xmlns:a16="http://schemas.microsoft.com/office/drawing/2014/main" id="{7221C47B-F124-E1B6-BC33-2151223104B2}"/>
-              </a:ext>
-            </a:extLst>
-          </p:cNvPr>
-          <p:cNvSpPr>
-            <a:spLocks noGrp="1"/>
-          </p:cNvSpPr>
-          <p:nvPr>
-            <p:ph type="sldNum" sz="quarter" idx="12"/>
-          </p:nvPr>
-        </p:nvSpPr>
-        <p:spPr/>
-        <p:txBody>
-          <a:bodyPr/>
-          <a:lstStyle/>
-          <a:p>
-            <a:fld id="{79F31F10-1257-482C-8051-E7DF71AF7482}" type="slidenum">
-              <a:rPr lang="en-US" smtClean="0"/>
-              <a:pPr/>
-              <a:t>8</a:t>
-            </a:fld>
-            <a:endParaRPr lang="en-US" dirty="0"/>
-          </a:p>
-        </p:txBody>
-      </p:sp>
-      <p:pic>
-        <p:nvPicPr>
-          <p:cNvPr id="7" name="Picture 6">
-            <a:extLst>
-              <a:ext uri="{FF2B5EF4-FFF2-40B4-BE49-F238E27FC236}">
-                <a16:creationId xmlns:a16="http://schemas.microsoft.com/office/drawing/2014/main" id="{0F08E826-96A9-2646-108A-C5FE69A3FB6A}"/>
-              </a:ext>
-            </a:extLst>
-          </p:cNvPr>
-          <p:cNvPicPr>
-            <a:picLocks noChangeAspect="1"/>
-          </p:cNvPicPr>
-          <p:nvPr/>
-        </p:nvPicPr>
-        <p:blipFill>
-          <a:blip r:embed="rId3"/>
-          <a:stretch>
-            <a:fillRect/>
-          </a:stretch>
-        </p:blipFill>
-        <p:spPr>
-          <a:xfrm>
-            <a:off x="8032994" y="783772"/>
-            <a:ext cx="5933836" cy="3645423"/>
-          </a:xfrm>
-          <a:prstGeom prst="rect">
-            <a:avLst/>
-          </a:prstGeom>
-        </p:spPr>
-      </p:pic>
-    </p:spTree>
-    <p:extLst>
-      <p:ext uri="{BB962C8B-B14F-4D97-AF65-F5344CB8AC3E}">
-        <p14:creationId xmlns:p14="http://schemas.microsoft.com/office/powerpoint/2010/main" val="2323337262"/>
-      </p:ext>
-    </p:extLst>
-  </p:cSld>
-  <p:clrMapOvr>
-    <a:masterClrMapping/>
-  </p:clrMapOvr>
-</p:sld>
-</file>
-
-<file path=ppt/slides/slide9.xml><?xml version="1.0" encoding="utf-8"?>
-<p:sld xmlns:a="http://schemas.openxmlformats.org/drawingml/2006/main" xmlns:r="http://schemas.openxmlformats.org/officeDocument/2006/relationships" xmlns:p="http://schemas.openxmlformats.org/presentationml/2006/main">
-  <p:cSld>
-    <p:spTree>
-      <p:nvGrpSpPr>
-        <p:cNvPr id="1" name=""/>
-        <p:cNvGrpSpPr/>
-        <p:nvPr/>
-      </p:nvGrpSpPr>
-      <p:grpSpPr>
-        <a:xfrm>
-          <a:off x="0" y="0"/>
-          <a:ext cx="0" cy="0"/>
-          <a:chOff x="0" y="0"/>
-          <a:chExt cx="0" cy="0"/>
-        </a:xfrm>
-      </p:grpSpPr>
-      <p:sp>
-        <p:nvSpPr>
-          <p:cNvPr id="2" name="Title 1">
-            <a:extLst>
-              <a:ext uri="{FF2B5EF4-FFF2-40B4-BE49-F238E27FC236}">
-                <a16:creationId xmlns:a16="http://schemas.microsoft.com/office/drawing/2014/main" id="{C338478E-81F3-D229-A83A-5B5EC37298A3}"/>
-              </a:ext>
-            </a:extLst>
-          </p:cNvPr>
-          <p:cNvSpPr>
-            <a:spLocks noGrp="1"/>
-          </p:cNvSpPr>
-          <p:nvPr>
-            <p:ph type="title"/>
-          </p:nvPr>
-        </p:nvSpPr>
-        <p:spPr/>
-        <p:txBody>
-          <a:bodyPr>
-            <a:normAutofit fontScale="90000"/>
-          </a:bodyPr>
-          <a:lstStyle/>
-          <a:p>
-            <a:r>
-              <a:rPr lang="en-US" dirty="0"/>
-              <a:t>Precipitation and </a:t>
-            </a:r>
-            <a:r>
-              <a:rPr lang="en-US"/>
-              <a:t>Temperature Data Source</a:t>
-            </a:r>
-            <a:endParaRPr lang="en-US" dirty="0"/>
-          </a:p>
-        </p:txBody>
-      </p:sp>
-      <p:sp>
-        <p:nvSpPr>
-          <p:cNvPr id="4" name="Footer Placeholder 3">
-            <a:extLst>
-              <a:ext uri="{FF2B5EF4-FFF2-40B4-BE49-F238E27FC236}">
-                <a16:creationId xmlns:a16="http://schemas.microsoft.com/office/drawing/2014/main" id="{49C27036-73E7-7E87-80C2-6A1F2CB7BA67}"/>
-              </a:ext>
-            </a:extLst>
-          </p:cNvPr>
-          <p:cNvSpPr>
-            <a:spLocks noGrp="1"/>
-          </p:cNvSpPr>
-          <p:nvPr>
-            <p:ph type="ftr" sz="quarter" idx="11"/>
-          </p:nvPr>
-        </p:nvSpPr>
-        <p:spPr/>
-        <p:txBody>
-          <a:bodyPr/>
-          <a:lstStyle/>
-          <a:p>
-            <a:r>
-              <a:rPr lang="en-US"/>
-              <a:t>UNC AI Bootcamp | MOD 10 Project | Contributors: Jamie Bond, Mike Szumski, Rajesh Velamala</a:t>
-            </a:r>
-          </a:p>
-        </p:txBody>
-      </p:sp>
-      <p:sp>
-        <p:nvSpPr>
-          <p:cNvPr id="5" name="Slide Number Placeholder 4">
-            <a:extLst>
-              <a:ext uri="{FF2B5EF4-FFF2-40B4-BE49-F238E27FC236}">
-                <a16:creationId xmlns:a16="http://schemas.microsoft.com/office/drawing/2014/main" id="{7221C47B-F124-E1B6-BC33-2151223104B2}"/>
-              </a:ext>
-            </a:extLst>
-          </p:cNvPr>
-          <p:cNvSpPr>
-            <a:spLocks noGrp="1"/>
-          </p:cNvSpPr>
-          <p:nvPr>
-            <p:ph type="sldNum" sz="quarter" idx="12"/>
-          </p:nvPr>
-        </p:nvSpPr>
-        <p:spPr/>
-        <p:txBody>
-          <a:bodyPr/>
-          <a:lstStyle/>
-          <a:p>
-            <a:fld id="{79F31F10-1257-482C-8051-E7DF71AF7482}" type="slidenum">
-              <a:rPr lang="en-US" smtClean="0"/>
-              <a:pPr/>
-              <a:t>9</a:t>
-            </a:fld>
-            <a:endParaRPr lang="en-US" dirty="0"/>
-          </a:p>
-        </p:txBody>
-      </p:sp>
-      <p:pic>
-        <p:nvPicPr>
-          <p:cNvPr id="12" name="Picture 11">
-            <a:extLst>
-              <a:ext uri="{FF2B5EF4-FFF2-40B4-BE49-F238E27FC236}">
-                <a16:creationId xmlns:a16="http://schemas.microsoft.com/office/drawing/2014/main" id="{6C8F8E5C-5CF5-5601-CB15-76495AE59FEE}"/>
-              </a:ext>
-            </a:extLst>
-          </p:cNvPr>
-          <p:cNvPicPr>
-            <a:picLocks noChangeAspect="1"/>
-          </p:cNvPicPr>
-          <p:nvPr/>
-        </p:nvPicPr>
-        <p:blipFill>
-          <a:blip r:embed="rId2"/>
-          <a:stretch>
-            <a:fillRect/>
-          </a:stretch>
-        </p:blipFill>
-        <p:spPr>
-          <a:xfrm>
-            <a:off x="1228344" y="1790017"/>
-            <a:ext cx="4670178" cy="5204507"/>
-          </a:xfrm>
-          <a:prstGeom prst="rect">
-            <a:avLst/>
-          </a:prstGeom>
-        </p:spPr>
-      </p:pic>
-      <p:sp>
-        <p:nvSpPr>
-          <p:cNvPr id="14" name="TextBox 13">
-            <a:extLst>
-              <a:ext uri="{FF2B5EF4-FFF2-40B4-BE49-F238E27FC236}">
-                <a16:creationId xmlns:a16="http://schemas.microsoft.com/office/drawing/2014/main" id="{D160917D-6B4B-6591-8B96-B2C7F9124749}"/>
-              </a:ext>
-            </a:extLst>
-          </p:cNvPr>
-          <p:cNvSpPr txBox="1"/>
-          <p:nvPr/>
-        </p:nvSpPr>
-        <p:spPr>
-          <a:xfrm>
-            <a:off x="6800304" y="1900535"/>
-            <a:ext cx="3566160" cy="1200329"/>
-          </a:xfrm>
-          <a:prstGeom prst="rect">
-            <a:avLst/>
-          </a:prstGeom>
-          <a:noFill/>
-        </p:spPr>
-        <p:txBody>
-          <a:bodyPr wrap="square">
-            <a:spAutoFit/>
-          </a:bodyPr>
-          <a:lstStyle/>
-          <a:p>
-            <a:r>
-              <a:rPr lang="en-US" dirty="0"/>
-              <a:t>https://public.tableau.com/app/profile/north.carolina.state.climate.office/viz/SEClimateTrendAnalysisTool/TrendAnalysisTool</a:t>
-            </a:r>
-          </a:p>
-        </p:txBody>
-      </p:sp>
-    </p:spTree>
-    <p:extLst>
-      <p:ext uri="{BB962C8B-B14F-4D97-AF65-F5344CB8AC3E}">
-        <p14:creationId xmlns:p14="http://schemas.microsoft.com/office/powerpoint/2010/main" val="1967254509"/>
       </p:ext>
     </p:extLst>
   </p:cSld>
